--- a/Dms coursework presentation.pptx
+++ b/Dms coursework presentation.pptx
@@ -5,24 +5,28 @@
     <p:sldMasterId id="2147483668" r:id="rId1"/>
   </p:sldMasterIdLst>
   <p:notesMasterIdLst>
-    <p:notesMasterId r:id="rId14"/>
+    <p:notesMasterId r:id="rId18"/>
   </p:notesMasterIdLst>
   <p:handoutMasterIdLst>
-    <p:handoutMasterId r:id="rId15"/>
+    <p:handoutMasterId r:id="rId19"/>
   </p:handoutMasterIdLst>
   <p:sldIdLst>
     <p:sldId id="256" r:id="rId2"/>
     <p:sldId id="265" r:id="rId3"/>
-    <p:sldId id="257" r:id="rId4"/>
-    <p:sldId id="258" r:id="rId5"/>
-    <p:sldId id="259" r:id="rId6"/>
-    <p:sldId id="260" r:id="rId7"/>
-    <p:sldId id="262" r:id="rId8"/>
-    <p:sldId id="261" r:id="rId9"/>
-    <p:sldId id="263" r:id="rId10"/>
-    <p:sldId id="267" r:id="rId11"/>
-    <p:sldId id="266" r:id="rId12"/>
-    <p:sldId id="264" r:id="rId13"/>
+    <p:sldId id="259" r:id="rId4"/>
+    <p:sldId id="257" r:id="rId5"/>
+    <p:sldId id="260" r:id="rId6"/>
+    <p:sldId id="262" r:id="rId7"/>
+    <p:sldId id="261" r:id="rId8"/>
+    <p:sldId id="263" r:id="rId9"/>
+    <p:sldId id="269" r:id="rId10"/>
+    <p:sldId id="270" r:id="rId11"/>
+    <p:sldId id="271" r:id="rId12"/>
+    <p:sldId id="266" r:id="rId13"/>
+    <p:sldId id="268" r:id="rId14"/>
+    <p:sldId id="258" r:id="rId15"/>
+    <p:sldId id="267" r:id="rId16"/>
+    <p:sldId id="264" r:id="rId17"/>
   </p:sldIdLst>
   <p:sldSz cx="12192000" cy="6858000"/>
   <p:notesSz cx="6858000" cy="9144000"/>
@@ -223,7 +227,7 @@
           <a:p>
             <a:fld id="{E53235BE-535F-4B52-9A6A-61DF154E8B21}" type="datetimeFigureOut">
               <a:rPr lang="ru-RU" smtClean="0"/>
-              <a:t>12.06.2019</a:t>
+              <a:t>13.06.2019</a:t>
             </a:fld>
             <a:endParaRPr lang="ru-RU"/>
           </a:p>
@@ -401,7 +405,7 @@
           <a:p>
             <a:fld id="{71CA7AC1-AE64-4F8B-B034-A6AF11122F1C}" type="datetimeFigureOut">
               <a:rPr lang="ru-RU" smtClean="0"/>
-              <a:t>11.06.2019</a:t>
+              <a:t>13.06.2019</a:t>
             </a:fld>
             <a:endParaRPr lang="ru-RU"/>
           </a:p>
@@ -1391,7 +1395,7 @@
           <a:p>
             <a:fld id="{21B13B9E-CFAC-4523-B583-2A3B8D06F6E4}" type="datetime1">
               <a:rPr lang="en-US" smtClean="0"/>
-              <a:t>6/11/2019</a:t>
+              <a:t>6/13/2019</a:t>
             </a:fld>
             <a:endParaRPr lang="en-US" dirty="0"/>
           </a:p>
@@ -1643,7 +1647,7 @@
           <a:p>
             <a:fld id="{ECD534E4-F700-4AD8-915D-FD7F8F40A064}" type="datetime1">
               <a:rPr lang="en-US" smtClean="0"/>
-              <a:t>6/11/2019</a:t>
+              <a:t>6/13/2019</a:t>
             </a:fld>
             <a:endParaRPr lang="en-US" dirty="0"/>
           </a:p>
@@ -1958,7 +1962,7 @@
           <a:p>
             <a:fld id="{CE7543AA-D742-4B73-90B8-3459342156D0}" type="datetime1">
               <a:rPr lang="en-US" smtClean="0"/>
-              <a:t>6/11/2019</a:t>
+              <a:t>6/13/2019</a:t>
             </a:fld>
             <a:endParaRPr lang="en-US" dirty="0"/>
           </a:p>
@@ -2300,7 +2304,7 @@
           <a:p>
             <a:fld id="{89489826-0BF1-4054-8D88-8777C7672CD3}" type="datetime1">
               <a:rPr lang="en-US" smtClean="0"/>
-              <a:t>6/11/2019</a:t>
+              <a:t>6/13/2019</a:t>
             </a:fld>
             <a:endParaRPr lang="en-US" dirty="0"/>
           </a:p>
@@ -2615,7 +2619,7 @@
           <a:p>
             <a:fld id="{78C23677-386A-470F-89EA-7B82AF6404FA}" type="datetime1">
               <a:rPr lang="en-US" smtClean="0"/>
-              <a:t>6/11/2019</a:t>
+              <a:t>6/13/2019</a:t>
             </a:fld>
             <a:endParaRPr lang="en-US" dirty="0"/>
           </a:p>
@@ -3009,7 +3013,7 @@
           <a:p>
             <a:fld id="{F7D5D388-EDD2-4845-A743-2D0E64400C88}" type="datetime1">
               <a:rPr lang="en-US" smtClean="0"/>
-              <a:t>6/11/2019</a:t>
+              <a:t>6/13/2019</a:t>
             </a:fld>
             <a:endParaRPr lang="en-US" dirty="0"/>
           </a:p>
@@ -3180,7 +3184,7 @@
           <a:p>
             <a:fld id="{BC7025EA-44CE-4FB5-8F82-5B2724D3C612}" type="datetime1">
               <a:rPr lang="en-US" smtClean="0"/>
-              <a:t>6/11/2019</a:t>
+              <a:t>6/13/2019</a:t>
             </a:fld>
             <a:endParaRPr lang="en-US" dirty="0"/>
           </a:p>
@@ -3360,7 +3364,7 @@
           <a:p>
             <a:fld id="{C22D5224-83A5-48C5-9A2E-8E1F9F3387CC}" type="datetime1">
               <a:rPr lang="en-US" smtClean="0"/>
-              <a:t>6/11/2019</a:t>
+              <a:t>6/13/2019</a:t>
             </a:fld>
             <a:endParaRPr lang="en-US" dirty="0"/>
           </a:p>
@@ -3537,7 +3541,7 @@
           <a:p>
             <a:fld id="{90B03D9B-6C49-4D3A-95A3-FDBB93B9BD8A}" type="datetime1">
               <a:rPr lang="en-US" smtClean="0"/>
-              <a:t>6/11/2019</a:t>
+              <a:t>6/13/2019</a:t>
             </a:fld>
             <a:endParaRPr lang="en-US" dirty="0"/>
           </a:p>
@@ -3785,7 +3789,7 @@
           <a:p>
             <a:fld id="{220B0A5B-9407-4A41-85B2-195751586D5D}" type="datetime1">
               <a:rPr lang="en-US" smtClean="0"/>
-              <a:t>6/11/2019</a:t>
+              <a:t>6/13/2019</a:t>
             </a:fld>
             <a:endParaRPr lang="en-US" dirty="0"/>
           </a:p>
@@ -4018,7 +4022,7 @@
           <a:p>
             <a:fld id="{9BA30D3D-2FBE-4E2A-A07A-0448965AA950}" type="datetime1">
               <a:rPr lang="en-US" smtClean="0"/>
-              <a:t>6/11/2019</a:t>
+              <a:t>6/13/2019</a:t>
             </a:fld>
             <a:endParaRPr lang="en-US" dirty="0"/>
           </a:p>
@@ -4392,7 +4396,7 @@
           <a:p>
             <a:fld id="{E8C205D3-8214-4D3D-8357-A316ACFE9806}" type="datetime1">
               <a:rPr lang="en-US" smtClean="0"/>
-              <a:t>6/11/2019</a:t>
+              <a:t>6/13/2019</a:t>
             </a:fld>
             <a:endParaRPr lang="en-US" dirty="0"/>
           </a:p>
@@ -4516,7 +4520,7 @@
           <a:p>
             <a:fld id="{692B768E-8835-4632-8E24-651AA906C935}" type="datetime1">
               <a:rPr lang="en-US" smtClean="0"/>
-              <a:t>6/11/2019</a:t>
+              <a:t>6/13/2019</a:t>
             </a:fld>
             <a:endParaRPr lang="en-US" dirty="0"/>
           </a:p>
@@ -4612,7 +4616,7 @@
           <a:p>
             <a:fld id="{58AFA8FE-6075-4B77-81C6-E7B658A02A9E}" type="datetime1">
               <a:rPr lang="en-US" smtClean="0"/>
-              <a:t>6/11/2019</a:t>
+              <a:t>6/13/2019</a:t>
             </a:fld>
             <a:endParaRPr lang="en-US" dirty="0"/>
           </a:p>
@@ -4868,7 +4872,7 @@
           <a:p>
             <a:fld id="{541C8086-F55D-414D-93F5-7B8E1AD42EB3}" type="datetime1">
               <a:rPr lang="en-US" smtClean="0"/>
-              <a:t>6/11/2019</a:t>
+              <a:t>6/13/2019</a:t>
             </a:fld>
             <a:endParaRPr lang="en-US" dirty="0"/>
           </a:p>
@@ -5131,7 +5135,7 @@
           <a:p>
             <a:fld id="{55D095B8-F9C7-4A1B-B77C-D023CC7E4C71}" type="datetime1">
               <a:rPr lang="en-US" smtClean="0"/>
-              <a:t>6/11/2019</a:t>
+              <a:t>6/13/2019</a:t>
             </a:fld>
             <a:endParaRPr lang="en-US" dirty="0"/>
           </a:p>
@@ -5875,7 +5879,7 @@
           <a:p>
             <a:fld id="{C366B981-C25A-40B6-84FE-4E40F80A1F56}" type="datetime1">
               <a:rPr lang="en-US" smtClean="0"/>
-              <a:t>6/11/2019</a:t>
+              <a:t>6/13/2019</a:t>
             </a:fld>
             <a:endParaRPr lang="en-US" dirty="0"/>
           </a:p>
@@ -6422,6 +6426,7 @@
           <a:bodyPr/>
           <a:lstStyle/>
           <a:p>
+            <a:pPr algn="ctr"/>
             <a:r>
               <a:rPr lang="en-US" dirty="0"/>
               <a:t>Leave The Island</a:t>
@@ -6462,10 +6467,10 @@
       </p:grpSpPr>
       <p:sp>
         <p:nvSpPr>
-          <p:cNvPr id="2" name="Заголовок 1">
+          <p:cNvPr id="3" name="Объект 2">
             <a:extLst>
               <a:ext uri="{FF2B5EF4-FFF2-40B4-BE49-F238E27FC236}">
-                <a16:creationId xmlns:a16="http://schemas.microsoft.com/office/drawing/2014/main" id="{373B277D-030A-420B-B99B-97AADF760E7C}"/>
+                <a16:creationId xmlns:a16="http://schemas.microsoft.com/office/drawing/2014/main" id="{15FBFF49-5375-485E-B951-0D322BC0EC48}"/>
               </a:ext>
             </a:extLst>
           </p:cNvPr>
@@ -6473,33 +6478,33 @@
             <a:spLocks noGrp="1"/>
           </p:cNvSpPr>
           <p:nvPr>
-            <p:ph type="title"/>
+            <p:ph idx="1"/>
           </p:nvPr>
         </p:nvSpPr>
         <p:spPr>
           <a:xfrm>
-            <a:off x="677334" y="156238"/>
-            <a:ext cx="8596668" cy="1320800"/>
+            <a:off x="467269" y="2977227"/>
+            <a:ext cx="8596668" cy="3880773"/>
           </a:xfrm>
         </p:spPr>
         <p:txBody>
           <a:bodyPr/>
           <a:lstStyle/>
           <a:p>
-            <a:pPr algn="ctr"/>
-            <a:r>
-              <a:rPr lang="ru-RU" dirty="0"/>
-              <a:t>Архитектура приложения на верхнем уровне</a:t>
-            </a:r>
-          </a:p>
-        </p:txBody>
-      </p:sp>
-      <p:sp>
-        <p:nvSpPr>
-          <p:cNvPr id="3" name="Объект 2">
+            <a:r>
+              <a:rPr lang="en-US" dirty="0"/>
+              <a:t>MongoDB</a:t>
+            </a:r>
+            <a:endParaRPr lang="ru-RU" dirty="0"/>
+          </a:p>
+        </p:txBody>
+      </p:sp>
+      <p:sp>
+        <p:nvSpPr>
+          <p:cNvPr id="5" name="Заголовок 1">
             <a:extLst>
               <a:ext uri="{FF2B5EF4-FFF2-40B4-BE49-F238E27FC236}">
-                <a16:creationId xmlns:a16="http://schemas.microsoft.com/office/drawing/2014/main" id="{94ADC66B-6DBA-440F-8A8D-C29C5CDDB07E}"/>
+                <a16:creationId xmlns:a16="http://schemas.microsoft.com/office/drawing/2014/main" id="{7F5C4A93-84B9-4DC5-B621-01CFE57FDD7F}"/>
               </a:ext>
             </a:extLst>
           </p:cNvPr>
@@ -6507,13 +6512,13 @@
             <a:spLocks noGrp="1"/>
           </p:cNvSpPr>
           <p:nvPr>
-            <p:ph idx="1"/>
+            <p:ph type="title"/>
           </p:nvPr>
         </p:nvSpPr>
         <p:spPr>
           <a:xfrm>
-            <a:off x="677334" y="1488613"/>
-            <a:ext cx="2078223" cy="401971"/>
+            <a:off x="677863" y="0"/>
+            <a:ext cx="8596312" cy="1320800"/>
           </a:xfrm>
         </p:spPr>
         <p:txBody>
@@ -6522,63 +6527,32 @@
           <a:p>
             <a:pPr algn="ctr"/>
             <a:r>
-              <a:rPr lang="en-US" dirty="0"/>
-              <a:t>MySQL</a:t>
-            </a:r>
-            <a:endParaRPr lang="ru-RU" dirty="0"/>
-          </a:p>
-        </p:txBody>
-      </p:sp>
-      <p:pic>
-        <p:nvPicPr>
-          <p:cNvPr id="6" name="Рисунок 5">
+              <a:rPr lang="ru-RU" dirty="0"/>
+              <a:t>Модели баз данных (2/3)</a:t>
+            </a:r>
+          </a:p>
+        </p:txBody>
+      </p:sp>
+      <p:sp>
+        <p:nvSpPr>
+          <p:cNvPr id="6" name="Номер слайда 5">
             <a:extLst>
               <a:ext uri="{FF2B5EF4-FFF2-40B4-BE49-F238E27FC236}">
-                <a16:creationId xmlns:a16="http://schemas.microsoft.com/office/drawing/2014/main" id="{E0B40CF8-5558-4EDB-8158-C8CAD9FC13AD}"/>
+                <a16:creationId xmlns:a16="http://schemas.microsoft.com/office/drawing/2014/main" id="{E619EDFC-2C94-4FAD-8984-8DB1E6CA2BE3}"/>
               </a:ext>
             </a:extLst>
           </p:cNvPr>
-          <p:cNvPicPr>
-            <a:picLocks noChangeAspect="1"/>
-          </p:cNvPicPr>
-          <p:nvPr/>
-        </p:nvPicPr>
-        <p:blipFill>
-          <a:blip r:embed="rId2"/>
-          <a:stretch>
-            <a:fillRect/>
-          </a:stretch>
-        </p:blipFill>
+          <p:cNvSpPr>
+            <a:spLocks noGrp="1"/>
+          </p:cNvSpPr>
+          <p:nvPr>
+            <p:ph type="sldNum" sz="quarter" idx="12"/>
+          </p:nvPr>
+        </p:nvSpPr>
         <p:spPr>
           <a:xfrm>
-            <a:off x="524390" y="1970121"/>
-            <a:ext cx="2577076" cy="4245328"/>
-          </a:xfrm>
-          <a:prstGeom prst="rect">
-            <a:avLst/>
-          </a:prstGeom>
-        </p:spPr>
-      </p:pic>
-      <p:sp>
-        <p:nvSpPr>
-          <p:cNvPr id="7" name="Номер слайда 5">
-            <a:extLst>
-              <a:ext uri="{FF2B5EF4-FFF2-40B4-BE49-F238E27FC236}">
-                <a16:creationId xmlns:a16="http://schemas.microsoft.com/office/drawing/2014/main" id="{595EDA5E-C7CA-4045-8DA7-58B75425EAA9}"/>
-              </a:ext>
-            </a:extLst>
-          </p:cNvPr>
-          <p:cNvSpPr>
-            <a:spLocks noGrp="1"/>
-          </p:cNvSpPr>
-          <p:nvPr>
-            <p:ph type="sldNum" sz="quarter" idx="12"/>
-          </p:nvPr>
-        </p:nvSpPr>
-        <p:spPr>
-          <a:xfrm>
-            <a:off x="7834185" y="6041362"/>
-            <a:ext cx="1439818" cy="365125"/>
+            <a:off x="10713309" y="6041362"/>
+            <a:ext cx="1478692" cy="365125"/>
           </a:xfrm>
         </p:spPr>
         <p:txBody>
@@ -6586,21 +6560,42 @@
           <a:lstStyle/>
           <a:p>
             <a:fld id="{D57F1E4F-1CFF-5643-939E-217C01CDF565}" type="slidenum">
-              <a:rPr lang="en-US" sz="3600" smtClean="0"/>
+              <a:rPr lang="en-US" sz="3600" smtClean="0">
+                <a:solidFill>
+                  <a:schemeClr val="bg1"/>
+                </a:solidFill>
+              </a:rPr>
               <a:pPr/>
               <a:t>10</a:t>
             </a:fld>
             <a:r>
-              <a:rPr lang="en-US" sz="3600" dirty="0"/>
-              <a:t>/12</a:t>
-            </a:r>
+              <a:rPr lang="en-US" sz="3600" dirty="0">
+                <a:solidFill>
+                  <a:schemeClr val="bg1"/>
+                </a:solidFill>
+              </a:rPr>
+              <a:t>/1</a:t>
+            </a:r>
+            <a:r>
+              <a:rPr lang="ru-RU" sz="3600" dirty="0">
+                <a:solidFill>
+                  <a:schemeClr val="bg1"/>
+                </a:solidFill>
+              </a:rPr>
+              <a:t>6</a:t>
+            </a:r>
+            <a:endParaRPr lang="en-US" sz="3600" dirty="0">
+              <a:solidFill>
+                <a:schemeClr val="bg1"/>
+              </a:solidFill>
+            </a:endParaRPr>
           </a:p>
         </p:txBody>
       </p:sp>
     </p:spTree>
     <p:extLst>
       <p:ext uri="{BB962C8B-B14F-4D97-AF65-F5344CB8AC3E}">
-        <p14:creationId xmlns:p14="http://schemas.microsoft.com/office/powerpoint/2010/main" val="1961871830"/>
+        <p14:creationId xmlns:p14="http://schemas.microsoft.com/office/powerpoint/2010/main" val="1033660558"/>
       </p:ext>
     </p:extLst>
   </p:cSld>
@@ -6629,6 +6624,163 @@
       </p:grpSpPr>
       <p:sp>
         <p:nvSpPr>
+          <p:cNvPr id="3" name="Объект 2">
+            <a:extLst>
+              <a:ext uri="{FF2B5EF4-FFF2-40B4-BE49-F238E27FC236}">
+                <a16:creationId xmlns:a16="http://schemas.microsoft.com/office/drawing/2014/main" id="{1B5C336A-2082-479E-907C-AC5CC8F0B066}"/>
+              </a:ext>
+            </a:extLst>
+          </p:cNvPr>
+          <p:cNvSpPr>
+            <a:spLocks noGrp="1"/>
+          </p:cNvSpPr>
+          <p:nvPr>
+            <p:ph idx="1"/>
+          </p:nvPr>
+        </p:nvSpPr>
+        <p:spPr>
+          <a:xfrm>
+            <a:off x="677507" y="2977227"/>
+            <a:ext cx="8596668" cy="3880773"/>
+          </a:xfrm>
+        </p:spPr>
+        <p:txBody>
+          <a:bodyPr/>
+          <a:lstStyle/>
+          <a:p>
+            <a:r>
+              <a:rPr lang="en-US" dirty="0"/>
+              <a:t>SQLite</a:t>
+            </a:r>
+            <a:endParaRPr lang="ru-RU" dirty="0"/>
+          </a:p>
+        </p:txBody>
+      </p:sp>
+      <p:sp>
+        <p:nvSpPr>
+          <p:cNvPr id="5" name="Заголовок 1">
+            <a:extLst>
+              <a:ext uri="{FF2B5EF4-FFF2-40B4-BE49-F238E27FC236}">
+                <a16:creationId xmlns:a16="http://schemas.microsoft.com/office/drawing/2014/main" id="{6707CF26-D64C-4521-9A46-CE45B85C19AB}"/>
+              </a:ext>
+            </a:extLst>
+          </p:cNvPr>
+          <p:cNvSpPr>
+            <a:spLocks noGrp="1"/>
+          </p:cNvSpPr>
+          <p:nvPr>
+            <p:ph type="title"/>
+          </p:nvPr>
+        </p:nvSpPr>
+        <p:spPr>
+          <a:xfrm>
+            <a:off x="677863" y="0"/>
+            <a:ext cx="8596312" cy="1320800"/>
+          </a:xfrm>
+        </p:spPr>
+        <p:txBody>
+          <a:bodyPr/>
+          <a:lstStyle/>
+          <a:p>
+            <a:pPr algn="ctr"/>
+            <a:r>
+              <a:rPr lang="ru-RU" dirty="0"/>
+              <a:t>Модели баз данных (3/3)</a:t>
+            </a:r>
+          </a:p>
+        </p:txBody>
+      </p:sp>
+      <p:sp>
+        <p:nvSpPr>
+          <p:cNvPr id="6" name="Номер слайда 5">
+            <a:extLst>
+              <a:ext uri="{FF2B5EF4-FFF2-40B4-BE49-F238E27FC236}">
+                <a16:creationId xmlns:a16="http://schemas.microsoft.com/office/drawing/2014/main" id="{B720B3A5-1B43-4003-96BA-9EE17CDD7D1A}"/>
+              </a:ext>
+            </a:extLst>
+          </p:cNvPr>
+          <p:cNvSpPr>
+            <a:spLocks noGrp="1"/>
+          </p:cNvSpPr>
+          <p:nvPr>
+            <p:ph type="sldNum" sz="quarter" idx="12"/>
+          </p:nvPr>
+        </p:nvSpPr>
+        <p:spPr>
+          <a:xfrm>
+            <a:off x="10700951" y="6041362"/>
+            <a:ext cx="1491049" cy="365125"/>
+          </a:xfrm>
+        </p:spPr>
+        <p:txBody>
+          <a:bodyPr/>
+          <a:lstStyle/>
+          <a:p>
+            <a:fld id="{D57F1E4F-1CFF-5643-939E-217C01CDF565}" type="slidenum">
+              <a:rPr lang="en-US" sz="3600" smtClean="0">
+                <a:solidFill>
+                  <a:schemeClr val="bg1"/>
+                </a:solidFill>
+              </a:rPr>
+              <a:pPr/>
+              <a:t>11</a:t>
+            </a:fld>
+            <a:r>
+              <a:rPr lang="en-US" sz="3600" dirty="0">
+                <a:solidFill>
+                  <a:schemeClr val="bg1"/>
+                </a:solidFill>
+              </a:rPr>
+              <a:t>/1</a:t>
+            </a:r>
+            <a:r>
+              <a:rPr lang="ru-RU" sz="3600" dirty="0">
+                <a:solidFill>
+                  <a:schemeClr val="bg1"/>
+                </a:solidFill>
+              </a:rPr>
+              <a:t>6</a:t>
+            </a:r>
+            <a:endParaRPr lang="en-US" sz="3600" dirty="0">
+              <a:solidFill>
+                <a:schemeClr val="bg1"/>
+              </a:solidFill>
+            </a:endParaRPr>
+          </a:p>
+        </p:txBody>
+      </p:sp>
+    </p:spTree>
+    <p:extLst>
+      <p:ext uri="{BB962C8B-B14F-4D97-AF65-F5344CB8AC3E}">
+        <p14:creationId xmlns:p14="http://schemas.microsoft.com/office/powerpoint/2010/main" val="3475517144"/>
+      </p:ext>
+    </p:extLst>
+  </p:cSld>
+  <p:clrMapOvr>
+    <a:masterClrMapping/>
+  </p:clrMapOvr>
+</p:sld>
+</file>
+
+<file path=ppt/slides/slide12.xml><?xml version="1.0" encoding="utf-8"?>
+<p:sld xmlns:a="http://schemas.openxmlformats.org/drawingml/2006/main" xmlns:r="http://schemas.openxmlformats.org/officeDocument/2006/relationships" xmlns:p="http://schemas.openxmlformats.org/presentationml/2006/main">
+  <p:cSld>
+    <p:spTree>
+      <p:nvGrpSpPr>
+        <p:cNvPr id="1" name=""/>
+        <p:cNvGrpSpPr/>
+        <p:nvPr/>
+      </p:nvGrpSpPr>
+      <p:grpSpPr>
+        <a:xfrm>
+          <a:off x="0" y="0"/>
+          <a:ext cx="0" cy="0"/>
+          <a:chOff x="0" y="0"/>
+          <a:chExt cx="0" cy="0"/>
+        </a:xfrm>
+      </p:grpSpPr>
+      <p:sp>
+        <p:nvSpPr>
           <p:cNvPr id="9" name="Объект 8">
             <a:extLst>
               <a:ext uri="{FF2B5EF4-FFF2-40B4-BE49-F238E27FC236}">
@@ -6645,8 +6797,8 @@
         </p:nvSpPr>
         <p:spPr>
           <a:xfrm>
-            <a:off x="677334" y="1514373"/>
-            <a:ext cx="8596668" cy="3880773"/>
+            <a:off x="677334" y="787959"/>
+            <a:ext cx="1596309" cy="466726"/>
           </a:xfrm>
         </p:spPr>
         <p:txBody>
@@ -6677,7 +6829,7 @@
         </p:nvSpPr>
         <p:spPr>
           <a:xfrm>
-            <a:off x="677334" y="487262"/>
+            <a:off x="677333" y="0"/>
             <a:ext cx="8596668" cy="1320800"/>
           </a:xfrm>
           <a:prstGeom prst="rect">
@@ -6764,7 +6916,7 @@
             <a:pPr algn="ctr"/>
             <a:r>
               <a:rPr lang="ru-RU" dirty="0"/>
-              <a:t>Результат работы</a:t>
+              <a:t>Результат работы (1/2)</a:t>
             </a:r>
           </a:p>
         </p:txBody>
@@ -6791,8 +6943,8 @@
         </p:blipFill>
         <p:spPr>
           <a:xfrm>
-            <a:off x="677334" y="2383713"/>
-            <a:ext cx="4248150" cy="733425"/>
+            <a:off x="677333" y="1907463"/>
+            <a:ext cx="6539524" cy="1129021"/>
           </a:xfrm>
           <a:prstGeom prst="rect">
             <a:avLst/>
@@ -6821,88 +6973,20 @@
         </p:blipFill>
         <p:spPr>
           <a:xfrm>
-            <a:off x="677334" y="1916988"/>
-            <a:ext cx="4724400" cy="466725"/>
+            <a:off x="677333" y="1280760"/>
+            <a:ext cx="6288804" cy="621273"/>
           </a:xfrm>
           <a:prstGeom prst="rect">
             <a:avLst/>
           </a:prstGeom>
         </p:spPr>
       </p:pic>
-      <p:sp>
-        <p:nvSpPr>
-          <p:cNvPr id="16" name="Номер слайда 5">
+      <p:pic>
+        <p:nvPicPr>
+          <p:cNvPr id="3" name="Рисунок 2">
             <a:extLst>
               <a:ext uri="{FF2B5EF4-FFF2-40B4-BE49-F238E27FC236}">
-                <a16:creationId xmlns:a16="http://schemas.microsoft.com/office/drawing/2014/main" id="{6AF32AE4-58E5-4AC0-A1B3-942867CBFF64}"/>
-              </a:ext>
-            </a:extLst>
-          </p:cNvPr>
-          <p:cNvSpPr>
-            <a:spLocks noGrp="1"/>
-          </p:cNvSpPr>
-          <p:nvPr>
-            <p:ph type="sldNum" sz="quarter" idx="12"/>
-          </p:nvPr>
-        </p:nvSpPr>
-        <p:spPr>
-          <a:xfrm>
-            <a:off x="7809471" y="6041362"/>
-            <a:ext cx="1464532" cy="365125"/>
-          </a:xfrm>
-        </p:spPr>
-        <p:txBody>
-          <a:bodyPr/>
-          <a:lstStyle/>
-          <a:p>
-            <a:fld id="{D57F1E4F-1CFF-5643-939E-217C01CDF565}" type="slidenum">
-              <a:rPr lang="en-US" sz="3600" smtClean="0"/>
-              <a:pPr/>
-              <a:t>11</a:t>
-            </a:fld>
-            <a:r>
-              <a:rPr lang="en-US" sz="3600" dirty="0"/>
-              <a:t>/12</a:t>
-            </a:r>
-          </a:p>
-        </p:txBody>
-      </p:sp>
-    </p:spTree>
-    <p:extLst>
-      <p:ext uri="{BB962C8B-B14F-4D97-AF65-F5344CB8AC3E}">
-        <p14:creationId xmlns:p14="http://schemas.microsoft.com/office/powerpoint/2010/main" val="3078699649"/>
-      </p:ext>
-    </p:extLst>
-  </p:cSld>
-  <p:clrMapOvr>
-    <a:masterClrMapping/>
-  </p:clrMapOvr>
-</p:sld>
-</file>
-
-<file path=ppt/slides/slide12.xml><?xml version="1.0" encoding="utf-8"?>
-<p:sld xmlns:a="http://schemas.openxmlformats.org/drawingml/2006/main" xmlns:r="http://schemas.openxmlformats.org/officeDocument/2006/relationships" xmlns:p="http://schemas.openxmlformats.org/presentationml/2006/main">
-  <p:cSld>
-    <p:spTree>
-      <p:nvGrpSpPr>
-        <p:cNvPr id="1" name=""/>
-        <p:cNvGrpSpPr/>
-        <p:nvPr/>
-      </p:nvGrpSpPr>
-      <p:grpSpPr>
-        <a:xfrm>
-          <a:off x="0" y="0"/>
-          <a:ext cx="0" cy="0"/>
-          <a:chOff x="0" y="0"/>
-          <a:chExt cx="0" cy="0"/>
-        </a:xfrm>
-      </p:grpSpPr>
-      <p:pic>
-        <p:nvPicPr>
-          <p:cNvPr id="7" name="Рисунок 6">
-            <a:extLst>
-              <a:ext uri="{FF2B5EF4-FFF2-40B4-BE49-F238E27FC236}">
-                <a16:creationId xmlns:a16="http://schemas.microsoft.com/office/drawing/2014/main" id="{A1C5CB87-9807-438F-802A-FF5E9A634026}"/>
+                <a16:creationId xmlns:a16="http://schemas.microsoft.com/office/drawing/2014/main" id="{381C3943-5053-41C9-B65E-42D68BD52CC4}"/>
               </a:ext>
             </a:extLst>
           </p:cNvPr>
@@ -6912,359 +6996,55 @@
           <p:nvPr/>
         </p:nvPicPr>
         <p:blipFill rotWithShape="1">
-          <a:blip r:embed="rId2"/>
-          <a:srcRect r="16536"/>
+          <a:blip r:embed="rId4"/>
+          <a:srcRect l="2225" b="20753"/>
           <a:stretch/>
         </p:blipFill>
         <p:spPr>
           <a:xfrm>
-            <a:off x="0" y="660400"/>
-            <a:ext cx="11297760" cy="6207757"/>
+            <a:off x="677333" y="4691108"/>
+            <a:ext cx="3086157" cy="1791332"/>
           </a:xfrm>
           <a:prstGeom prst="rect">
             <a:avLst/>
           </a:prstGeom>
         </p:spPr>
       </p:pic>
-      <p:sp>
-        <p:nvSpPr>
-          <p:cNvPr id="2" name="Заголовок 1">
+      <p:pic>
+        <p:nvPicPr>
+          <p:cNvPr id="4" name="Рисунок 3">
             <a:extLst>
               <a:ext uri="{FF2B5EF4-FFF2-40B4-BE49-F238E27FC236}">
-                <a16:creationId xmlns:a16="http://schemas.microsoft.com/office/drawing/2014/main" id="{DD02D1D5-B662-40C3-BC17-4195A46AEFB1}"/>
+                <a16:creationId xmlns:a16="http://schemas.microsoft.com/office/drawing/2014/main" id="{2B4CD87C-6CAB-4B4A-AC10-84566481D9B4}"/>
               </a:ext>
             </a:extLst>
           </p:cNvPr>
-          <p:cNvSpPr>
-            <a:spLocks noGrp="1"/>
-          </p:cNvSpPr>
-          <p:nvPr>
-            <p:ph type="title"/>
-          </p:nvPr>
-        </p:nvSpPr>
+          <p:cNvPicPr>
+            <a:picLocks noChangeAspect="1"/>
+          </p:cNvPicPr>
+          <p:nvPr/>
+        </p:nvPicPr>
+        <p:blipFill rotWithShape="1">
+          <a:blip r:embed="rId5"/>
+          <a:srcRect r="30240" b="60649"/>
+          <a:stretch/>
+        </p:blipFill>
         <p:spPr>
           <a:xfrm>
-            <a:off x="677334" y="0"/>
-            <a:ext cx="8596668" cy="1320800"/>
+            <a:off x="679165" y="3821517"/>
+            <a:ext cx="4451921" cy="869591"/>
           </a:xfrm>
+          <a:prstGeom prst="rect">
+            <a:avLst/>
+          </a:prstGeom>
         </p:spPr>
-        <p:txBody>
-          <a:bodyPr/>
-          <a:lstStyle/>
-          <a:p>
-            <a:pPr algn="ctr"/>
-            <a:r>
-              <a:rPr lang="ru-RU" dirty="0"/>
-              <a:t>Процесс разработки</a:t>
-            </a:r>
-          </a:p>
-        </p:txBody>
-      </p:sp>
-      <p:sp>
-        <p:nvSpPr>
-          <p:cNvPr id="5" name="Номер слайда 5">
+      </p:pic>
+      <p:sp>
+        <p:nvSpPr>
+          <p:cNvPr id="10" name="Объект 8">
             <a:extLst>
               <a:ext uri="{FF2B5EF4-FFF2-40B4-BE49-F238E27FC236}">
-                <a16:creationId xmlns:a16="http://schemas.microsoft.com/office/drawing/2014/main" id="{67AFB28A-2435-4ADE-93A9-58519FCA7695}"/>
-              </a:ext>
-            </a:extLst>
-          </p:cNvPr>
-          <p:cNvSpPr>
-            <a:spLocks noGrp="1"/>
-          </p:cNvSpPr>
-          <p:nvPr>
-            <p:ph type="sldNum" sz="quarter" idx="12"/>
-          </p:nvPr>
-        </p:nvSpPr>
-        <p:spPr>
-          <a:xfrm>
-            <a:off x="9082216" y="6197600"/>
-            <a:ext cx="1773451" cy="365125"/>
-          </a:xfrm>
-        </p:spPr>
-        <p:txBody>
-          <a:bodyPr/>
-          <a:lstStyle/>
-          <a:p>
-            <a:fld id="{D57F1E4F-1CFF-5643-939E-217C01CDF565}" type="slidenum">
-              <a:rPr lang="en-US" sz="3600" smtClean="0">
-                <a:solidFill>
-                  <a:schemeClr val="bg1"/>
-                </a:solidFill>
-              </a:rPr>
-              <a:pPr/>
-              <a:t>12</a:t>
-            </a:fld>
-            <a:r>
-              <a:rPr lang="en-US" sz="3600" dirty="0">
-                <a:solidFill>
-                  <a:schemeClr val="bg1"/>
-                </a:solidFill>
-              </a:rPr>
-              <a:t>/12</a:t>
-            </a:r>
-          </a:p>
-        </p:txBody>
-      </p:sp>
-    </p:spTree>
-    <p:extLst>
-      <p:ext uri="{BB962C8B-B14F-4D97-AF65-F5344CB8AC3E}">
-        <p14:creationId xmlns:p14="http://schemas.microsoft.com/office/powerpoint/2010/main" val="2598522078"/>
-      </p:ext>
-    </p:extLst>
-  </p:cSld>
-  <p:clrMapOvr>
-    <a:masterClrMapping/>
-  </p:clrMapOvr>
-</p:sld>
-</file>
-
-<file path=ppt/slides/slide2.xml><?xml version="1.0" encoding="utf-8"?>
-<p:sld xmlns:a="http://schemas.openxmlformats.org/drawingml/2006/main" xmlns:r="http://schemas.openxmlformats.org/officeDocument/2006/relationships" xmlns:p="http://schemas.openxmlformats.org/presentationml/2006/main">
-  <p:cSld>
-    <p:spTree>
-      <p:nvGrpSpPr>
-        <p:cNvPr id="1" name=""/>
-        <p:cNvGrpSpPr/>
-        <p:nvPr/>
-      </p:nvGrpSpPr>
-      <p:grpSpPr>
-        <a:xfrm>
-          <a:off x="0" y="0"/>
-          <a:ext cx="0" cy="0"/>
-          <a:chOff x="0" y="0"/>
-          <a:chExt cx="0" cy="0"/>
-        </a:xfrm>
-      </p:grpSpPr>
-      <p:sp>
-        <p:nvSpPr>
-          <p:cNvPr id="2" name="Заголовок 1">
-            <a:extLst>
-              <a:ext uri="{FF2B5EF4-FFF2-40B4-BE49-F238E27FC236}">
-                <a16:creationId xmlns:a16="http://schemas.microsoft.com/office/drawing/2014/main" id="{F348B7D3-CDAB-42B7-8AC4-38AAD8190E41}"/>
-              </a:ext>
-            </a:extLst>
-          </p:cNvPr>
-          <p:cNvSpPr>
-            <a:spLocks noGrp="1"/>
-          </p:cNvSpPr>
-          <p:nvPr>
-            <p:ph type="title"/>
-          </p:nvPr>
-        </p:nvSpPr>
-        <p:spPr/>
-        <p:txBody>
-          <a:bodyPr/>
-          <a:lstStyle/>
-          <a:p>
-            <a:r>
-              <a:rPr lang="ru-RU" dirty="0"/>
-              <a:t>Предметная область</a:t>
-            </a:r>
-          </a:p>
-        </p:txBody>
-      </p:sp>
-      <p:sp>
-        <p:nvSpPr>
-          <p:cNvPr id="3" name="Объект 2">
-            <a:extLst>
-              <a:ext uri="{FF2B5EF4-FFF2-40B4-BE49-F238E27FC236}">
-                <a16:creationId xmlns:a16="http://schemas.microsoft.com/office/drawing/2014/main" id="{E88200EA-5DE4-46CC-9048-255BE15531A4}"/>
-              </a:ext>
-            </a:extLst>
-          </p:cNvPr>
-          <p:cNvSpPr>
-            <a:spLocks noGrp="1"/>
-          </p:cNvSpPr>
-          <p:nvPr>
-            <p:ph idx="1"/>
-          </p:nvPr>
-        </p:nvSpPr>
-        <p:spPr/>
-        <p:txBody>
-          <a:bodyPr>
-            <a:normAutofit/>
-          </a:bodyPr>
-          <a:lstStyle/>
-          <a:p>
-            <a:pPr marL="0" indent="0">
-              <a:buNone/>
-            </a:pPr>
-            <a:r>
-              <a:rPr lang="ru-RU" sz="3200" dirty="0"/>
-              <a:t>Разработка взаимодействия компонентов видеоигры от первого лица с базами данных</a:t>
-            </a:r>
-          </a:p>
-          <a:p>
-            <a:pPr marL="0" indent="0">
-              <a:buNone/>
-            </a:pPr>
-            <a:endParaRPr lang="ru-RU" sz="3200" dirty="0"/>
-          </a:p>
-        </p:txBody>
-      </p:sp>
-      <p:sp>
-        <p:nvSpPr>
-          <p:cNvPr id="5" name="Номер слайда 5">
-            <a:extLst>
-              <a:ext uri="{FF2B5EF4-FFF2-40B4-BE49-F238E27FC236}">
-                <a16:creationId xmlns:a16="http://schemas.microsoft.com/office/drawing/2014/main" id="{99F853D2-85C0-4AF5-8842-5EAC3A7FA00B}"/>
-              </a:ext>
-            </a:extLst>
-          </p:cNvPr>
-          <p:cNvSpPr>
-            <a:spLocks noGrp="1"/>
-          </p:cNvSpPr>
-          <p:nvPr>
-            <p:ph type="sldNum" sz="quarter" idx="12"/>
-          </p:nvPr>
-        </p:nvSpPr>
-        <p:spPr>
-          <a:xfrm>
-            <a:off x="8081319" y="6041362"/>
-            <a:ext cx="1192683" cy="365125"/>
-          </a:xfrm>
-        </p:spPr>
-        <p:txBody>
-          <a:bodyPr/>
-          <a:lstStyle/>
-          <a:p>
-            <a:fld id="{D57F1E4F-1CFF-5643-939E-217C01CDF565}" type="slidenum">
-              <a:rPr lang="en-US" sz="3600" smtClean="0"/>
-              <a:pPr/>
-              <a:t>2</a:t>
-            </a:fld>
-            <a:r>
-              <a:rPr lang="en-US" sz="3600" dirty="0"/>
-              <a:t>/12</a:t>
-            </a:r>
-          </a:p>
-        </p:txBody>
-      </p:sp>
-    </p:spTree>
-    <p:extLst>
-      <p:ext uri="{BB962C8B-B14F-4D97-AF65-F5344CB8AC3E}">
-        <p14:creationId xmlns:p14="http://schemas.microsoft.com/office/powerpoint/2010/main" val="1018720252"/>
-      </p:ext>
-    </p:extLst>
-  </p:cSld>
-  <p:clrMapOvr>
-    <a:masterClrMapping/>
-  </p:clrMapOvr>
-</p:sld>
-</file>
-
-<file path=ppt/slides/slide3.xml><?xml version="1.0" encoding="utf-8"?>
-<p:sld xmlns:a="http://schemas.openxmlformats.org/drawingml/2006/main" xmlns:r="http://schemas.openxmlformats.org/officeDocument/2006/relationships" xmlns:p="http://schemas.openxmlformats.org/presentationml/2006/main">
-  <p:cSld>
-    <p:spTree>
-      <p:nvGrpSpPr>
-        <p:cNvPr id="1" name=""/>
-        <p:cNvGrpSpPr/>
-        <p:nvPr/>
-      </p:nvGrpSpPr>
-      <p:grpSpPr>
-        <a:xfrm>
-          <a:off x="0" y="0"/>
-          <a:ext cx="0" cy="0"/>
-          <a:chOff x="0" y="0"/>
-          <a:chExt cx="0" cy="0"/>
-        </a:xfrm>
-      </p:grpSpPr>
-      <p:sp>
-        <p:nvSpPr>
-          <p:cNvPr id="2" name="Заголовок 1">
-            <a:extLst>
-              <a:ext uri="{FF2B5EF4-FFF2-40B4-BE49-F238E27FC236}">
-                <a16:creationId xmlns:a16="http://schemas.microsoft.com/office/drawing/2014/main" id="{1C598229-2E0F-4C0A-BE82-7B03AB56CA47}"/>
-              </a:ext>
-            </a:extLst>
-          </p:cNvPr>
-          <p:cNvSpPr>
-            <a:spLocks noGrp="1"/>
-          </p:cNvSpPr>
-          <p:nvPr>
-            <p:ph type="title"/>
-          </p:nvPr>
-        </p:nvSpPr>
-        <p:spPr/>
-        <p:txBody>
-          <a:bodyPr/>
-          <a:lstStyle/>
-          <a:p>
-            <a:pPr algn="ctr"/>
-            <a:r>
-              <a:rPr lang="ru-RU" dirty="0"/>
-              <a:t>Команда разработчиков</a:t>
-            </a:r>
-          </a:p>
-        </p:txBody>
-      </p:sp>
-      <p:sp>
-        <p:nvSpPr>
-          <p:cNvPr id="3" name="Объект 2">
-            <a:extLst>
-              <a:ext uri="{FF2B5EF4-FFF2-40B4-BE49-F238E27FC236}">
-                <a16:creationId xmlns:a16="http://schemas.microsoft.com/office/drawing/2014/main" id="{EF58A533-0D7A-477B-A42B-3B33AA7E56A1}"/>
-              </a:ext>
-            </a:extLst>
-          </p:cNvPr>
-          <p:cNvSpPr>
-            <a:spLocks noGrp="1"/>
-          </p:cNvSpPr>
-          <p:nvPr>
-            <p:ph idx="1"/>
-          </p:nvPr>
-        </p:nvSpPr>
-        <p:spPr>
-          <a:xfrm>
-            <a:off x="677334" y="2160587"/>
-            <a:ext cx="2745488" cy="3880773"/>
-          </a:xfrm>
-        </p:spPr>
-        <p:txBody>
-          <a:bodyPr/>
-          <a:lstStyle/>
-          <a:p>
-            <a:pPr algn="ctr"/>
-            <a:r>
-              <a:rPr lang="ru-RU" dirty="0"/>
-              <a:t>Коновалов Роман</a:t>
-            </a:r>
-            <a:br>
-              <a:rPr lang="ru-RU" dirty="0"/>
-            </a:br>
-            <a:r>
-              <a:rPr lang="ru-RU" dirty="0"/>
-              <a:t>ИВТ-363</a:t>
-            </a:r>
-            <a:br>
-              <a:rPr lang="ru-RU" dirty="0"/>
-            </a:br>
-            <a:endParaRPr lang="ru-RU" dirty="0"/>
-          </a:p>
-          <a:p>
-            <a:pPr algn="ctr">
-              <a:buFont typeface="Arial" panose="020B0604020202020204" pitchFamily="34" charset="0"/>
-              <a:buChar char="•"/>
-            </a:pPr>
-            <a:r>
-              <a:rPr lang="ru-RU" dirty="0"/>
-              <a:t>Администрирование </a:t>
-            </a:r>
-            <a:r>
-              <a:rPr lang="en-US" dirty="0"/>
-              <a:t>MongoDB</a:t>
-            </a:r>
-          </a:p>
-        </p:txBody>
-      </p:sp>
-      <p:sp>
-        <p:nvSpPr>
-          <p:cNvPr id="4" name="Объект 2">
-            <a:extLst>
-              <a:ext uri="{FF2B5EF4-FFF2-40B4-BE49-F238E27FC236}">
-                <a16:creationId xmlns:a16="http://schemas.microsoft.com/office/drawing/2014/main" id="{5AE3A61F-A2FE-4BB9-8C86-85915B635BA4}"/>
+                <a16:creationId xmlns:a16="http://schemas.microsoft.com/office/drawing/2014/main" id="{559FBF85-FA77-437D-8AC7-F5FE137096FB}"/>
               </a:ext>
             </a:extLst>
           </p:cNvPr>
@@ -7275,8 +7055,8 @@
         </p:nvSpPr>
         <p:spPr>
           <a:xfrm>
-            <a:off x="6528514" y="2160588"/>
-            <a:ext cx="2745488" cy="3880773"/>
+            <a:off x="677333" y="3382740"/>
+            <a:ext cx="1596309" cy="466726"/>
           </a:xfrm>
           <a:prstGeom prst="rect">
             <a:avLst/>
@@ -7514,370 +7294,34 @@
             </a:lvl9pPr>
           </a:lstStyle>
           <a:p>
-            <a:pPr algn="ctr"/>
-            <a:r>
-              <a:rPr lang="ru-RU" dirty="0"/>
-              <a:t>Пивоваров Валентин</a:t>
-            </a:r>
-            <a:br>
-              <a:rPr lang="ru-RU" dirty="0"/>
-            </a:br>
-            <a:r>
-              <a:rPr lang="ru-RU" dirty="0"/>
-              <a:t>ИВТ-363</a:t>
-            </a:r>
-            <a:br>
-              <a:rPr lang="ru-RU" dirty="0"/>
-            </a:br>
-            <a:endParaRPr lang="ru-RU" dirty="0"/>
-          </a:p>
-          <a:p>
-            <a:pPr algn="ctr">
-              <a:buFont typeface="Arial" panose="020B0604020202020204" pitchFamily="34" charset="0"/>
-              <a:buChar char="•"/>
-            </a:pPr>
-            <a:r>
-              <a:rPr lang="ru-RU" dirty="0"/>
-              <a:t>Разработка игры</a:t>
-            </a:r>
-            <a:endParaRPr lang="en-US" dirty="0"/>
-          </a:p>
-          <a:p>
-            <a:pPr algn="ctr">
-              <a:buFont typeface="Arial" panose="020B0604020202020204" pitchFamily="34" charset="0"/>
-              <a:buChar char="•"/>
-            </a:pPr>
-            <a:r>
-              <a:rPr lang="ru-RU" dirty="0"/>
-              <a:t>Администрирование </a:t>
-            </a:r>
             <a:r>
               <a:rPr lang="en-US" dirty="0"/>
               <a:t>MongoDB</a:t>
             </a:r>
             <a:endParaRPr lang="ru-RU" dirty="0"/>
           </a:p>
-          <a:p>
-            <a:pPr algn="ctr">
-              <a:buFont typeface="Arial" panose="020B0604020202020204" pitchFamily="34" charset="0"/>
-              <a:buChar char="•"/>
-            </a:pPr>
-            <a:r>
-              <a:rPr lang="ru-RU" dirty="0"/>
-              <a:t>Менеджер проекта</a:t>
-            </a:r>
-            <a:endParaRPr lang="en-US" dirty="0"/>
-          </a:p>
-        </p:txBody>
-      </p:sp>
-      <p:sp>
-        <p:nvSpPr>
-          <p:cNvPr id="5" name="Объект 2">
+        </p:txBody>
+      </p:sp>
+      <p:sp>
+        <p:nvSpPr>
+          <p:cNvPr id="18" name="Номер слайда 5">
             <a:extLst>
               <a:ext uri="{FF2B5EF4-FFF2-40B4-BE49-F238E27FC236}">
-                <a16:creationId xmlns:a16="http://schemas.microsoft.com/office/drawing/2014/main" id="{23662E78-EF33-4F09-ACFF-7ABD7BC38AF8}"/>
+                <a16:creationId xmlns:a16="http://schemas.microsoft.com/office/drawing/2014/main" id="{1465D2B8-1200-4810-8025-39AE0598DC6D}"/>
               </a:ext>
             </a:extLst>
           </p:cNvPr>
-          <p:cNvSpPr txBox="1">
-            <a:spLocks/>
-          </p:cNvSpPr>
-          <p:nvPr/>
+          <p:cNvSpPr>
+            <a:spLocks noGrp="1"/>
+          </p:cNvSpPr>
+          <p:nvPr>
+            <p:ph type="sldNum" sz="quarter" idx="12"/>
+          </p:nvPr>
         </p:nvSpPr>
         <p:spPr>
           <a:xfrm>
-            <a:off x="3602924" y="2160589"/>
-            <a:ext cx="2745488" cy="3880773"/>
-          </a:xfrm>
-          <a:prstGeom prst="rect">
-            <a:avLst/>
-          </a:prstGeom>
-        </p:spPr>
-        <p:txBody>
-          <a:bodyPr vert="horz" lIns="91440" tIns="45720" rIns="91440" bIns="45720" rtlCol="0">
-            <a:normAutofit/>
-          </a:bodyPr>
-          <a:lstStyle>
-            <a:lvl1pPr marL="342900" indent="-342900" algn="l" defTabSz="457200" rtl="0" eaLnBrk="1" latinLnBrk="0" hangingPunct="1">
-              <a:spcBef>
-                <a:spcPts val="1000"/>
-              </a:spcBef>
-              <a:spcAft>
-                <a:spcPts val="0"/>
-              </a:spcAft>
-              <a:buClr>
-                <a:schemeClr val="accent1"/>
-              </a:buClr>
-              <a:buSzPct val="80000"/>
-              <a:buFont typeface="Wingdings 3" charset="2"/>
-              <a:buChar char=""/>
-              <a:defRPr sz="1800" kern="1200">
-                <a:solidFill>
-                  <a:schemeClr val="tx1">
-                    <a:lumMod val="75000"/>
-                    <a:lumOff val="25000"/>
-                  </a:schemeClr>
-                </a:solidFill>
-                <a:latin typeface="+mn-lt"/>
-                <a:ea typeface="+mn-ea"/>
-                <a:cs typeface="+mn-cs"/>
-              </a:defRPr>
-            </a:lvl1pPr>
-            <a:lvl2pPr marL="742950" indent="-285750" algn="l" defTabSz="457200" rtl="0" eaLnBrk="1" latinLnBrk="0" hangingPunct="1">
-              <a:spcBef>
-                <a:spcPts val="1000"/>
-              </a:spcBef>
-              <a:spcAft>
-                <a:spcPts val="0"/>
-              </a:spcAft>
-              <a:buClr>
-                <a:schemeClr val="accent1"/>
-              </a:buClr>
-              <a:buSzPct val="80000"/>
-              <a:buFont typeface="Wingdings 3" charset="2"/>
-              <a:buChar char=""/>
-              <a:defRPr sz="1600" kern="1200">
-                <a:solidFill>
-                  <a:schemeClr val="tx1">
-                    <a:lumMod val="75000"/>
-                    <a:lumOff val="25000"/>
-                  </a:schemeClr>
-                </a:solidFill>
-                <a:latin typeface="+mn-lt"/>
-                <a:ea typeface="+mn-ea"/>
-                <a:cs typeface="+mn-cs"/>
-              </a:defRPr>
-            </a:lvl2pPr>
-            <a:lvl3pPr marL="1143000" indent="-228600" algn="l" defTabSz="457200" rtl="0" eaLnBrk="1" latinLnBrk="0" hangingPunct="1">
-              <a:spcBef>
-                <a:spcPts val="1000"/>
-              </a:spcBef>
-              <a:spcAft>
-                <a:spcPts val="0"/>
-              </a:spcAft>
-              <a:buClr>
-                <a:schemeClr val="accent1"/>
-              </a:buClr>
-              <a:buSzPct val="80000"/>
-              <a:buFont typeface="Wingdings 3" charset="2"/>
-              <a:buChar char=""/>
-              <a:defRPr sz="1400" kern="1200">
-                <a:solidFill>
-                  <a:schemeClr val="tx1">
-                    <a:lumMod val="75000"/>
-                    <a:lumOff val="25000"/>
-                  </a:schemeClr>
-                </a:solidFill>
-                <a:latin typeface="+mn-lt"/>
-                <a:ea typeface="+mn-ea"/>
-                <a:cs typeface="+mn-cs"/>
-              </a:defRPr>
-            </a:lvl3pPr>
-            <a:lvl4pPr marL="1600200" indent="-228600" algn="l" defTabSz="457200" rtl="0" eaLnBrk="1" latinLnBrk="0" hangingPunct="1">
-              <a:spcBef>
-                <a:spcPts val="1000"/>
-              </a:spcBef>
-              <a:spcAft>
-                <a:spcPts val="0"/>
-              </a:spcAft>
-              <a:buClr>
-                <a:schemeClr val="accent1"/>
-              </a:buClr>
-              <a:buSzPct val="80000"/>
-              <a:buFont typeface="Wingdings 3" charset="2"/>
-              <a:buChar char=""/>
-              <a:defRPr sz="1200" kern="1200">
-                <a:solidFill>
-                  <a:schemeClr val="tx1">
-                    <a:lumMod val="75000"/>
-                    <a:lumOff val="25000"/>
-                  </a:schemeClr>
-                </a:solidFill>
-                <a:latin typeface="+mn-lt"/>
-                <a:ea typeface="+mn-ea"/>
-                <a:cs typeface="+mn-cs"/>
-              </a:defRPr>
-            </a:lvl4pPr>
-            <a:lvl5pPr marL="2057400" indent="-228600" algn="l" defTabSz="457200" rtl="0" eaLnBrk="1" latinLnBrk="0" hangingPunct="1">
-              <a:spcBef>
-                <a:spcPts val="1000"/>
-              </a:spcBef>
-              <a:spcAft>
-                <a:spcPts val="0"/>
-              </a:spcAft>
-              <a:buClr>
-                <a:schemeClr val="accent1"/>
-              </a:buClr>
-              <a:buSzPct val="80000"/>
-              <a:buFont typeface="Wingdings 3" charset="2"/>
-              <a:buChar char=""/>
-              <a:defRPr sz="1200" kern="1200">
-                <a:solidFill>
-                  <a:schemeClr val="tx1">
-                    <a:lumMod val="75000"/>
-                    <a:lumOff val="25000"/>
-                  </a:schemeClr>
-                </a:solidFill>
-                <a:latin typeface="+mn-lt"/>
-                <a:ea typeface="+mn-ea"/>
-                <a:cs typeface="+mn-cs"/>
-              </a:defRPr>
-            </a:lvl5pPr>
-            <a:lvl6pPr marL="2514600" indent="-228600" algn="l" defTabSz="457200" rtl="0" eaLnBrk="1" latinLnBrk="0" hangingPunct="1">
-              <a:spcBef>
-                <a:spcPts val="1000"/>
-              </a:spcBef>
-              <a:spcAft>
-                <a:spcPts val="0"/>
-              </a:spcAft>
-              <a:buClr>
-                <a:schemeClr val="accent1"/>
-              </a:buClr>
-              <a:buSzPct val="80000"/>
-              <a:buFont typeface="Wingdings 3" charset="2"/>
-              <a:buChar char=""/>
-              <a:defRPr sz="1200" kern="1200">
-                <a:solidFill>
-                  <a:schemeClr val="tx1">
-                    <a:lumMod val="75000"/>
-                    <a:lumOff val="25000"/>
-                  </a:schemeClr>
-                </a:solidFill>
-                <a:latin typeface="+mn-lt"/>
-                <a:ea typeface="+mn-ea"/>
-                <a:cs typeface="+mn-cs"/>
-              </a:defRPr>
-            </a:lvl6pPr>
-            <a:lvl7pPr marL="2971800" indent="-228600" algn="l" defTabSz="457200" rtl="0" eaLnBrk="1" latinLnBrk="0" hangingPunct="1">
-              <a:spcBef>
-                <a:spcPts val="1000"/>
-              </a:spcBef>
-              <a:spcAft>
-                <a:spcPts val="0"/>
-              </a:spcAft>
-              <a:buClr>
-                <a:schemeClr val="accent1"/>
-              </a:buClr>
-              <a:buSzPct val="80000"/>
-              <a:buFont typeface="Wingdings 3" charset="2"/>
-              <a:buChar char=""/>
-              <a:defRPr sz="1200" kern="1200">
-                <a:solidFill>
-                  <a:schemeClr val="tx1">
-                    <a:lumMod val="75000"/>
-                    <a:lumOff val="25000"/>
-                  </a:schemeClr>
-                </a:solidFill>
-                <a:latin typeface="+mn-lt"/>
-                <a:ea typeface="+mn-ea"/>
-                <a:cs typeface="+mn-cs"/>
-              </a:defRPr>
-            </a:lvl7pPr>
-            <a:lvl8pPr marL="3429000" indent="-228600" algn="l" defTabSz="457200" rtl="0" eaLnBrk="1" latinLnBrk="0" hangingPunct="1">
-              <a:spcBef>
-                <a:spcPts val="1000"/>
-              </a:spcBef>
-              <a:spcAft>
-                <a:spcPts val="0"/>
-              </a:spcAft>
-              <a:buClr>
-                <a:schemeClr val="accent1"/>
-              </a:buClr>
-              <a:buSzPct val="80000"/>
-              <a:buFont typeface="Wingdings 3" charset="2"/>
-              <a:buChar char=""/>
-              <a:defRPr sz="1200" kern="1200">
-                <a:solidFill>
-                  <a:schemeClr val="tx1">
-                    <a:lumMod val="75000"/>
-                    <a:lumOff val="25000"/>
-                  </a:schemeClr>
-                </a:solidFill>
-                <a:latin typeface="+mn-lt"/>
-                <a:ea typeface="+mn-ea"/>
-                <a:cs typeface="+mn-cs"/>
-              </a:defRPr>
-            </a:lvl8pPr>
-            <a:lvl9pPr marL="3886200" indent="-228600" algn="l" defTabSz="457200" rtl="0" eaLnBrk="1" latinLnBrk="0" hangingPunct="1">
-              <a:spcBef>
-                <a:spcPts val="1000"/>
-              </a:spcBef>
-              <a:spcAft>
-                <a:spcPts val="0"/>
-              </a:spcAft>
-              <a:buClr>
-                <a:schemeClr val="accent1"/>
-              </a:buClr>
-              <a:buSzPct val="80000"/>
-              <a:buFont typeface="Wingdings 3" charset="2"/>
-              <a:buChar char=""/>
-              <a:defRPr sz="1200" kern="1200">
-                <a:solidFill>
-                  <a:schemeClr val="tx1">
-                    <a:lumMod val="75000"/>
-                    <a:lumOff val="25000"/>
-                  </a:schemeClr>
-                </a:solidFill>
-                <a:latin typeface="+mn-lt"/>
-                <a:ea typeface="+mn-ea"/>
-                <a:cs typeface="+mn-cs"/>
-              </a:defRPr>
-            </a:lvl9pPr>
-          </a:lstStyle>
-          <a:p>
-            <a:pPr algn="ctr"/>
-            <a:r>
-              <a:rPr lang="ru-RU" dirty="0"/>
-              <a:t>Аксёнова Виктория</a:t>
-            </a:r>
-            <a:br>
-              <a:rPr lang="ru-RU" dirty="0"/>
-            </a:br>
-            <a:r>
-              <a:rPr lang="ru-RU" dirty="0"/>
-              <a:t>ИВТ-364</a:t>
-            </a:r>
-            <a:br>
-              <a:rPr lang="ru-RU" dirty="0"/>
-            </a:br>
-            <a:endParaRPr lang="ru-RU" dirty="0"/>
-          </a:p>
-          <a:p>
-            <a:pPr algn="ctr">
-              <a:buFont typeface="Arial" panose="020B0604020202020204" pitchFamily="34" charset="0"/>
-              <a:buChar char="•"/>
-            </a:pPr>
-            <a:r>
-              <a:rPr lang="ru-RU" dirty="0"/>
-              <a:t>Администрирование </a:t>
-            </a:r>
-            <a:r>
-              <a:rPr lang="en-US" dirty="0"/>
-              <a:t>MS SQL</a:t>
-            </a:r>
-          </a:p>
-        </p:txBody>
-      </p:sp>
-      <p:sp>
-        <p:nvSpPr>
-          <p:cNvPr id="8" name="Номер слайда 5">
-            <a:extLst>
-              <a:ext uri="{FF2B5EF4-FFF2-40B4-BE49-F238E27FC236}">
-                <a16:creationId xmlns:a16="http://schemas.microsoft.com/office/drawing/2014/main" id="{A39BB21A-EA9F-4FB2-8B23-75690946ABC6}"/>
-              </a:ext>
-            </a:extLst>
-          </p:cNvPr>
-          <p:cNvSpPr>
-            <a:spLocks noGrp="1"/>
-          </p:cNvSpPr>
-          <p:nvPr>
-            <p:ph type="sldNum" sz="quarter" idx="12"/>
-          </p:nvPr>
-        </p:nvSpPr>
-        <p:spPr>
-          <a:xfrm>
-            <a:off x="8081319" y="6041362"/>
-            <a:ext cx="1192683" cy="365125"/>
+            <a:off x="10700951" y="6041362"/>
+            <a:ext cx="1491049" cy="365125"/>
           </a:xfrm>
         </p:spPr>
         <p:txBody>
@@ -7885,21 +7329,42 @@
           <a:lstStyle/>
           <a:p>
             <a:fld id="{D57F1E4F-1CFF-5643-939E-217C01CDF565}" type="slidenum">
-              <a:rPr lang="en-US" sz="3600" smtClean="0"/>
+              <a:rPr lang="en-US" sz="3600" smtClean="0">
+                <a:solidFill>
+                  <a:schemeClr val="bg1"/>
+                </a:solidFill>
+              </a:rPr>
               <a:pPr/>
-              <a:t>3</a:t>
+              <a:t>12</a:t>
             </a:fld>
             <a:r>
-              <a:rPr lang="en-US" sz="3600" dirty="0"/>
-              <a:t>/12</a:t>
-            </a:r>
+              <a:rPr lang="en-US" sz="3600" dirty="0">
+                <a:solidFill>
+                  <a:schemeClr val="bg1"/>
+                </a:solidFill>
+              </a:rPr>
+              <a:t>/1</a:t>
+            </a:r>
+            <a:r>
+              <a:rPr lang="ru-RU" sz="3600" dirty="0">
+                <a:solidFill>
+                  <a:schemeClr val="bg1"/>
+                </a:solidFill>
+              </a:rPr>
+              <a:t>6</a:t>
+            </a:r>
+            <a:endParaRPr lang="en-US" sz="3600" dirty="0">
+              <a:solidFill>
+                <a:schemeClr val="bg1"/>
+              </a:solidFill>
+            </a:endParaRPr>
           </a:p>
         </p:txBody>
       </p:sp>
     </p:spTree>
     <p:extLst>
       <p:ext uri="{BB962C8B-B14F-4D97-AF65-F5344CB8AC3E}">
-        <p14:creationId xmlns:p14="http://schemas.microsoft.com/office/powerpoint/2010/main" val="118479970"/>
+        <p14:creationId xmlns:p14="http://schemas.microsoft.com/office/powerpoint/2010/main" val="3078699649"/>
       </p:ext>
     </p:extLst>
   </p:cSld>
@@ -7909,7 +7374,7 @@
 </p:sld>
 </file>
 
-<file path=ppt/slides/slide4.xml><?xml version="1.0" encoding="utf-8"?>
+<file path=ppt/slides/slide13.xml><?xml version="1.0" encoding="utf-8"?>
 <p:sld xmlns:a="http://schemas.openxmlformats.org/drawingml/2006/main" xmlns:r="http://schemas.openxmlformats.org/officeDocument/2006/relationships" xmlns:p="http://schemas.openxmlformats.org/presentationml/2006/main">
   <p:cSld>
     <p:spTree>
@@ -7931,6 +7396,163 @@
           <p:cNvPr id="2" name="Заголовок 1">
             <a:extLst>
               <a:ext uri="{FF2B5EF4-FFF2-40B4-BE49-F238E27FC236}">
+                <a16:creationId xmlns:a16="http://schemas.microsoft.com/office/drawing/2014/main" id="{7F7DA553-9946-4046-ACA1-D34169A28759}"/>
+              </a:ext>
+            </a:extLst>
+          </p:cNvPr>
+          <p:cNvSpPr>
+            <a:spLocks noGrp="1"/>
+          </p:cNvSpPr>
+          <p:nvPr>
+            <p:ph type="title"/>
+          </p:nvPr>
+        </p:nvSpPr>
+        <p:spPr>
+          <a:xfrm>
+            <a:off x="677334" y="0"/>
+            <a:ext cx="8596668" cy="1320800"/>
+          </a:xfrm>
+        </p:spPr>
+        <p:txBody>
+          <a:bodyPr/>
+          <a:lstStyle/>
+          <a:p>
+            <a:pPr algn="ctr"/>
+            <a:r>
+              <a:rPr lang="ru-RU" dirty="0"/>
+              <a:t>Результат работы (2/2)</a:t>
+            </a:r>
+          </a:p>
+        </p:txBody>
+      </p:sp>
+      <p:sp>
+        <p:nvSpPr>
+          <p:cNvPr id="3" name="Объект 2">
+            <a:extLst>
+              <a:ext uri="{FF2B5EF4-FFF2-40B4-BE49-F238E27FC236}">
+                <a16:creationId xmlns:a16="http://schemas.microsoft.com/office/drawing/2014/main" id="{9729EC04-8DE2-46BA-9B2C-B4C8230FBBE4}"/>
+              </a:ext>
+            </a:extLst>
+          </p:cNvPr>
+          <p:cNvSpPr>
+            <a:spLocks noGrp="1"/>
+          </p:cNvSpPr>
+          <p:nvPr>
+            <p:ph idx="1"/>
+          </p:nvPr>
+        </p:nvSpPr>
+        <p:spPr>
+          <a:xfrm>
+            <a:off x="590837" y="1488613"/>
+            <a:ext cx="8596668" cy="3880773"/>
+          </a:xfrm>
+        </p:spPr>
+        <p:txBody>
+          <a:bodyPr/>
+          <a:lstStyle/>
+          <a:p>
+            <a:r>
+              <a:rPr lang="en-US" dirty="0"/>
+              <a:t>SQLite</a:t>
+            </a:r>
+            <a:endParaRPr lang="ru-RU" dirty="0"/>
+          </a:p>
+        </p:txBody>
+      </p:sp>
+      <p:sp>
+        <p:nvSpPr>
+          <p:cNvPr id="5" name="Номер слайда 5">
+            <a:extLst>
+              <a:ext uri="{FF2B5EF4-FFF2-40B4-BE49-F238E27FC236}">
+                <a16:creationId xmlns:a16="http://schemas.microsoft.com/office/drawing/2014/main" id="{8A13635C-D156-4527-B981-EBC4EEB6672B}"/>
+              </a:ext>
+            </a:extLst>
+          </p:cNvPr>
+          <p:cNvSpPr>
+            <a:spLocks noGrp="1"/>
+          </p:cNvSpPr>
+          <p:nvPr>
+            <p:ph type="sldNum" sz="quarter" idx="12"/>
+          </p:nvPr>
+        </p:nvSpPr>
+        <p:spPr>
+          <a:xfrm>
+            <a:off x="10700951" y="6041362"/>
+            <a:ext cx="1491049" cy="365125"/>
+          </a:xfrm>
+        </p:spPr>
+        <p:txBody>
+          <a:bodyPr/>
+          <a:lstStyle/>
+          <a:p>
+            <a:fld id="{D57F1E4F-1CFF-5643-939E-217C01CDF565}" type="slidenum">
+              <a:rPr lang="en-US" sz="3600" smtClean="0">
+                <a:solidFill>
+                  <a:schemeClr val="bg1"/>
+                </a:solidFill>
+              </a:rPr>
+              <a:pPr/>
+              <a:t>13</a:t>
+            </a:fld>
+            <a:r>
+              <a:rPr lang="en-US" sz="3600" dirty="0">
+                <a:solidFill>
+                  <a:schemeClr val="bg1"/>
+                </a:solidFill>
+              </a:rPr>
+              <a:t>/1</a:t>
+            </a:r>
+            <a:r>
+              <a:rPr lang="ru-RU" sz="3600" dirty="0">
+                <a:solidFill>
+                  <a:schemeClr val="bg1"/>
+                </a:solidFill>
+              </a:rPr>
+              <a:t>6</a:t>
+            </a:r>
+            <a:endParaRPr lang="en-US" sz="3600" dirty="0">
+              <a:solidFill>
+                <a:schemeClr val="bg1"/>
+              </a:solidFill>
+            </a:endParaRPr>
+          </a:p>
+        </p:txBody>
+      </p:sp>
+    </p:spTree>
+    <p:extLst>
+      <p:ext uri="{BB962C8B-B14F-4D97-AF65-F5344CB8AC3E}">
+        <p14:creationId xmlns:p14="http://schemas.microsoft.com/office/powerpoint/2010/main" val="3724883895"/>
+      </p:ext>
+    </p:extLst>
+  </p:cSld>
+  <p:clrMapOvr>
+    <a:masterClrMapping/>
+  </p:clrMapOvr>
+</p:sld>
+</file>
+
+<file path=ppt/slides/slide14.xml><?xml version="1.0" encoding="utf-8"?>
+<p:sld xmlns:a="http://schemas.openxmlformats.org/drawingml/2006/main" xmlns:r="http://schemas.openxmlformats.org/officeDocument/2006/relationships" xmlns:p="http://schemas.openxmlformats.org/presentationml/2006/main">
+  <p:cSld>
+    <p:spTree>
+      <p:nvGrpSpPr>
+        <p:cNvPr id="1" name=""/>
+        <p:cNvGrpSpPr/>
+        <p:nvPr/>
+      </p:nvGrpSpPr>
+      <p:grpSpPr>
+        <a:xfrm>
+          <a:off x="0" y="0"/>
+          <a:ext cx="0" cy="0"/>
+          <a:chOff x="0" y="0"/>
+          <a:chExt cx="0" cy="0"/>
+        </a:xfrm>
+      </p:grpSpPr>
+      <p:sp>
+        <p:nvSpPr>
+          <p:cNvPr id="2" name="Заголовок 1">
+            <a:extLst>
+              <a:ext uri="{FF2B5EF4-FFF2-40B4-BE49-F238E27FC236}">
                 <a16:creationId xmlns:a16="http://schemas.microsoft.com/office/drawing/2014/main" id="{79F46467-70A8-44AF-95D6-B904E0F44E6E}"/>
               </a:ext>
             </a:extLst>
@@ -7944,7 +7566,7 @@
         </p:nvSpPr>
         <p:spPr>
           <a:xfrm>
-            <a:off x="677334" y="609600"/>
+            <a:off x="677334" y="-23822"/>
             <a:ext cx="8596668" cy="1320800"/>
           </a:xfrm>
         </p:spPr>
@@ -8120,7 +7742,7 @@
         </p:nvSpPr>
         <p:spPr>
           <a:xfrm>
-            <a:off x="8081319" y="6041362"/>
+            <a:off x="10999317" y="6041362"/>
             <a:ext cx="1192683" cy="365125"/>
           </a:xfrm>
         </p:spPr>
@@ -8129,14 +7751,35 @@
           <a:lstStyle/>
           <a:p>
             <a:fld id="{D57F1E4F-1CFF-5643-939E-217C01CDF565}" type="slidenum">
-              <a:rPr lang="en-US" sz="3600" smtClean="0"/>
+              <a:rPr lang="en-US" sz="3600" smtClean="0">
+                <a:solidFill>
+                  <a:schemeClr val="bg1"/>
+                </a:solidFill>
+              </a:rPr>
               <a:pPr/>
-              <a:t>4</a:t>
+              <a:t>14</a:t>
             </a:fld>
             <a:r>
-              <a:rPr lang="en-US" sz="3600" dirty="0"/>
-              <a:t>/12</a:t>
-            </a:r>
+              <a:rPr lang="en-US" sz="3600" dirty="0">
+                <a:solidFill>
+                  <a:schemeClr val="bg1"/>
+                </a:solidFill>
+              </a:rPr>
+              <a:t>/1</a:t>
+            </a:r>
+            <a:r>
+              <a:rPr lang="ru-RU" sz="3600" dirty="0">
+                <a:solidFill>
+                  <a:schemeClr val="bg1"/>
+                </a:solidFill>
+              </a:rPr>
+              <a:t>6</a:t>
+            </a:r>
+            <a:endParaRPr lang="en-US" sz="3600" dirty="0">
+              <a:solidFill>
+                <a:schemeClr val="bg1"/>
+              </a:solidFill>
+            </a:endParaRPr>
           </a:p>
         </p:txBody>
       </p:sp>
@@ -8153,7 +7796,7 @@
 </p:sld>
 </file>
 
-<file path=ppt/slides/slide5.xml><?xml version="1.0" encoding="utf-8"?>
+<file path=ppt/slides/slide15.xml><?xml version="1.0" encoding="utf-8"?>
 <p:sld xmlns:a="http://schemas.openxmlformats.org/drawingml/2006/main" xmlns:r="http://schemas.openxmlformats.org/officeDocument/2006/relationships" xmlns:p="http://schemas.openxmlformats.org/presentationml/2006/main">
   <p:cSld>
     <p:spTree>
@@ -8170,6 +7813,1113 @@
           <a:chExt cx="0" cy="0"/>
         </a:xfrm>
       </p:grpSpPr>
+      <p:pic>
+        <p:nvPicPr>
+          <p:cNvPr id="1026" name="Picture 2" descr="Ð¡Ð½Ð¸Ð¼Ð¾Ðº ÑÐºÑÐ°Ð½Ð° 2019-06-13 Ð² 18.44.17.png">
+            <a:extLst>
+              <a:ext uri="{FF2B5EF4-FFF2-40B4-BE49-F238E27FC236}">
+                <a16:creationId xmlns:a16="http://schemas.microsoft.com/office/drawing/2014/main" id="{E2763E89-DF38-4630-A3B6-035D700CC22A}"/>
+              </a:ext>
+            </a:extLst>
+          </p:cNvPr>
+          <p:cNvPicPr>
+            <a:picLocks noChangeAspect="1" noChangeArrowheads="1"/>
+          </p:cNvPicPr>
+          <p:nvPr/>
+        </p:nvPicPr>
+        <p:blipFill>
+          <a:blip r:embed="rId2">
+            <a:extLst>
+              <a:ext uri="{28A0092B-C50C-407E-A947-70E740481C1C}">
+                <a14:useLocalDpi xmlns:a14="http://schemas.microsoft.com/office/drawing/2010/main" val="0"/>
+              </a:ext>
+            </a:extLst>
+          </a:blip>
+          <a:srcRect/>
+          <a:stretch>
+            <a:fillRect/>
+          </a:stretch>
+        </p:blipFill>
+        <p:spPr bwMode="auto">
+          <a:xfrm>
+            <a:off x="3800950" y="1705520"/>
+            <a:ext cx="3013440" cy="4700967"/>
+          </a:xfrm>
+          <a:prstGeom prst="rect">
+            <a:avLst/>
+          </a:prstGeom>
+          <a:noFill/>
+          <a:extLst>
+            <a:ext uri="{909E8E84-426E-40DD-AFC4-6F175D3DCCD1}">
+              <a14:hiddenFill xmlns:a14="http://schemas.microsoft.com/office/drawing/2010/main">
+                <a:solidFill>
+                  <a:srgbClr val="FFFFFF"/>
+                </a:solidFill>
+              </a14:hiddenFill>
+            </a:ext>
+          </a:extLst>
+        </p:spPr>
+      </p:pic>
+      <p:sp>
+        <p:nvSpPr>
+          <p:cNvPr id="2" name="Заголовок 1">
+            <a:extLst>
+              <a:ext uri="{FF2B5EF4-FFF2-40B4-BE49-F238E27FC236}">
+                <a16:creationId xmlns:a16="http://schemas.microsoft.com/office/drawing/2014/main" id="{373B277D-030A-420B-B99B-97AADF760E7C}"/>
+              </a:ext>
+            </a:extLst>
+          </p:cNvPr>
+          <p:cNvSpPr>
+            <a:spLocks noGrp="1"/>
+          </p:cNvSpPr>
+          <p:nvPr>
+            <p:ph type="title"/>
+          </p:nvPr>
+        </p:nvSpPr>
+        <p:spPr>
+          <a:xfrm>
+            <a:off x="677334" y="-17849"/>
+            <a:ext cx="8596668" cy="1320800"/>
+          </a:xfrm>
+        </p:spPr>
+        <p:txBody>
+          <a:bodyPr/>
+          <a:lstStyle/>
+          <a:p>
+            <a:pPr algn="ctr"/>
+            <a:r>
+              <a:rPr lang="ru-RU" dirty="0"/>
+              <a:t>Архитектура приложения на верхнем уровне</a:t>
+            </a:r>
+          </a:p>
+        </p:txBody>
+      </p:sp>
+      <p:sp>
+        <p:nvSpPr>
+          <p:cNvPr id="3" name="Объект 2">
+            <a:extLst>
+              <a:ext uri="{FF2B5EF4-FFF2-40B4-BE49-F238E27FC236}">
+                <a16:creationId xmlns:a16="http://schemas.microsoft.com/office/drawing/2014/main" id="{94ADC66B-6DBA-440F-8A8D-C29C5CDDB07E}"/>
+              </a:ext>
+            </a:extLst>
+          </p:cNvPr>
+          <p:cNvSpPr>
+            <a:spLocks noGrp="1"/>
+          </p:cNvSpPr>
+          <p:nvPr>
+            <p:ph idx="1"/>
+          </p:nvPr>
+        </p:nvSpPr>
+        <p:spPr>
+          <a:xfrm>
+            <a:off x="677334" y="1488613"/>
+            <a:ext cx="2078223" cy="401971"/>
+          </a:xfrm>
+        </p:spPr>
+        <p:txBody>
+          <a:bodyPr/>
+          <a:lstStyle/>
+          <a:p>
+            <a:pPr algn="ctr"/>
+            <a:r>
+              <a:rPr lang="en-US" dirty="0"/>
+              <a:t>MySQL</a:t>
+            </a:r>
+            <a:endParaRPr lang="ru-RU" dirty="0"/>
+          </a:p>
+        </p:txBody>
+      </p:sp>
+      <p:pic>
+        <p:nvPicPr>
+          <p:cNvPr id="6" name="Рисунок 5">
+            <a:extLst>
+              <a:ext uri="{FF2B5EF4-FFF2-40B4-BE49-F238E27FC236}">
+                <a16:creationId xmlns:a16="http://schemas.microsoft.com/office/drawing/2014/main" id="{E0B40CF8-5558-4EDB-8158-C8CAD9FC13AD}"/>
+              </a:ext>
+            </a:extLst>
+          </p:cNvPr>
+          <p:cNvPicPr>
+            <a:picLocks noChangeAspect="1"/>
+          </p:cNvPicPr>
+          <p:nvPr/>
+        </p:nvPicPr>
+        <p:blipFill>
+          <a:blip r:embed="rId3"/>
+          <a:stretch>
+            <a:fillRect/>
+          </a:stretch>
+        </p:blipFill>
+        <p:spPr>
+          <a:xfrm>
+            <a:off x="524390" y="1970121"/>
+            <a:ext cx="2577076" cy="4245328"/>
+          </a:xfrm>
+          <a:prstGeom prst="rect">
+            <a:avLst/>
+          </a:prstGeom>
+        </p:spPr>
+      </p:pic>
+      <p:sp>
+        <p:nvSpPr>
+          <p:cNvPr id="9" name="Объект 2">
+            <a:extLst>
+              <a:ext uri="{FF2B5EF4-FFF2-40B4-BE49-F238E27FC236}">
+                <a16:creationId xmlns:a16="http://schemas.microsoft.com/office/drawing/2014/main" id="{66DB6FD7-E21E-4BEC-A5F2-A552A57474F8}"/>
+              </a:ext>
+            </a:extLst>
+          </p:cNvPr>
+          <p:cNvSpPr txBox="1">
+            <a:spLocks/>
+          </p:cNvSpPr>
+          <p:nvPr/>
+        </p:nvSpPr>
+        <p:spPr>
+          <a:xfrm>
+            <a:off x="4017777" y="1488613"/>
+            <a:ext cx="2078223" cy="401971"/>
+          </a:xfrm>
+          <a:prstGeom prst="rect">
+            <a:avLst/>
+          </a:prstGeom>
+        </p:spPr>
+        <p:txBody>
+          <a:bodyPr vert="horz" lIns="91440" tIns="45720" rIns="91440" bIns="45720" rtlCol="0">
+            <a:normAutofit/>
+          </a:bodyPr>
+          <a:lstStyle>
+            <a:lvl1pPr marL="342900" indent="-342900" algn="l" defTabSz="457200" rtl="0" eaLnBrk="1" latinLnBrk="0" hangingPunct="1">
+              <a:spcBef>
+                <a:spcPts val="1000"/>
+              </a:spcBef>
+              <a:spcAft>
+                <a:spcPts val="0"/>
+              </a:spcAft>
+              <a:buClr>
+                <a:schemeClr val="accent1"/>
+              </a:buClr>
+              <a:buSzPct val="80000"/>
+              <a:buFont typeface="Wingdings 3" charset="2"/>
+              <a:buChar char=""/>
+              <a:defRPr sz="1800" kern="1200">
+                <a:solidFill>
+                  <a:schemeClr val="tx1">
+                    <a:lumMod val="75000"/>
+                    <a:lumOff val="25000"/>
+                  </a:schemeClr>
+                </a:solidFill>
+                <a:latin typeface="+mn-lt"/>
+                <a:ea typeface="+mn-ea"/>
+                <a:cs typeface="+mn-cs"/>
+              </a:defRPr>
+            </a:lvl1pPr>
+            <a:lvl2pPr marL="742950" indent="-285750" algn="l" defTabSz="457200" rtl="0" eaLnBrk="1" latinLnBrk="0" hangingPunct="1">
+              <a:spcBef>
+                <a:spcPts val="1000"/>
+              </a:spcBef>
+              <a:spcAft>
+                <a:spcPts val="0"/>
+              </a:spcAft>
+              <a:buClr>
+                <a:schemeClr val="accent1"/>
+              </a:buClr>
+              <a:buSzPct val="80000"/>
+              <a:buFont typeface="Wingdings 3" charset="2"/>
+              <a:buChar char=""/>
+              <a:defRPr sz="1600" kern="1200">
+                <a:solidFill>
+                  <a:schemeClr val="tx1">
+                    <a:lumMod val="75000"/>
+                    <a:lumOff val="25000"/>
+                  </a:schemeClr>
+                </a:solidFill>
+                <a:latin typeface="+mn-lt"/>
+                <a:ea typeface="+mn-ea"/>
+                <a:cs typeface="+mn-cs"/>
+              </a:defRPr>
+            </a:lvl2pPr>
+            <a:lvl3pPr marL="1143000" indent="-228600" algn="l" defTabSz="457200" rtl="0" eaLnBrk="1" latinLnBrk="0" hangingPunct="1">
+              <a:spcBef>
+                <a:spcPts val="1000"/>
+              </a:spcBef>
+              <a:spcAft>
+                <a:spcPts val="0"/>
+              </a:spcAft>
+              <a:buClr>
+                <a:schemeClr val="accent1"/>
+              </a:buClr>
+              <a:buSzPct val="80000"/>
+              <a:buFont typeface="Wingdings 3" charset="2"/>
+              <a:buChar char=""/>
+              <a:defRPr sz="1400" kern="1200">
+                <a:solidFill>
+                  <a:schemeClr val="tx1">
+                    <a:lumMod val="75000"/>
+                    <a:lumOff val="25000"/>
+                  </a:schemeClr>
+                </a:solidFill>
+                <a:latin typeface="+mn-lt"/>
+                <a:ea typeface="+mn-ea"/>
+                <a:cs typeface="+mn-cs"/>
+              </a:defRPr>
+            </a:lvl3pPr>
+            <a:lvl4pPr marL="1600200" indent="-228600" algn="l" defTabSz="457200" rtl="0" eaLnBrk="1" latinLnBrk="0" hangingPunct="1">
+              <a:spcBef>
+                <a:spcPts val="1000"/>
+              </a:spcBef>
+              <a:spcAft>
+                <a:spcPts val="0"/>
+              </a:spcAft>
+              <a:buClr>
+                <a:schemeClr val="accent1"/>
+              </a:buClr>
+              <a:buSzPct val="80000"/>
+              <a:buFont typeface="Wingdings 3" charset="2"/>
+              <a:buChar char=""/>
+              <a:defRPr sz="1200" kern="1200">
+                <a:solidFill>
+                  <a:schemeClr val="tx1">
+                    <a:lumMod val="75000"/>
+                    <a:lumOff val="25000"/>
+                  </a:schemeClr>
+                </a:solidFill>
+                <a:latin typeface="+mn-lt"/>
+                <a:ea typeface="+mn-ea"/>
+                <a:cs typeface="+mn-cs"/>
+              </a:defRPr>
+            </a:lvl4pPr>
+            <a:lvl5pPr marL="2057400" indent="-228600" algn="l" defTabSz="457200" rtl="0" eaLnBrk="1" latinLnBrk="0" hangingPunct="1">
+              <a:spcBef>
+                <a:spcPts val="1000"/>
+              </a:spcBef>
+              <a:spcAft>
+                <a:spcPts val="0"/>
+              </a:spcAft>
+              <a:buClr>
+                <a:schemeClr val="accent1"/>
+              </a:buClr>
+              <a:buSzPct val="80000"/>
+              <a:buFont typeface="Wingdings 3" charset="2"/>
+              <a:buChar char=""/>
+              <a:defRPr sz="1200" kern="1200">
+                <a:solidFill>
+                  <a:schemeClr val="tx1">
+                    <a:lumMod val="75000"/>
+                    <a:lumOff val="25000"/>
+                  </a:schemeClr>
+                </a:solidFill>
+                <a:latin typeface="+mn-lt"/>
+                <a:ea typeface="+mn-ea"/>
+                <a:cs typeface="+mn-cs"/>
+              </a:defRPr>
+            </a:lvl5pPr>
+            <a:lvl6pPr marL="2514600" indent="-228600" algn="l" defTabSz="457200" rtl="0" eaLnBrk="1" latinLnBrk="0" hangingPunct="1">
+              <a:spcBef>
+                <a:spcPts val="1000"/>
+              </a:spcBef>
+              <a:spcAft>
+                <a:spcPts val="0"/>
+              </a:spcAft>
+              <a:buClr>
+                <a:schemeClr val="accent1"/>
+              </a:buClr>
+              <a:buSzPct val="80000"/>
+              <a:buFont typeface="Wingdings 3" charset="2"/>
+              <a:buChar char=""/>
+              <a:defRPr sz="1200" kern="1200">
+                <a:solidFill>
+                  <a:schemeClr val="tx1">
+                    <a:lumMod val="75000"/>
+                    <a:lumOff val="25000"/>
+                  </a:schemeClr>
+                </a:solidFill>
+                <a:latin typeface="+mn-lt"/>
+                <a:ea typeface="+mn-ea"/>
+                <a:cs typeface="+mn-cs"/>
+              </a:defRPr>
+            </a:lvl6pPr>
+            <a:lvl7pPr marL="2971800" indent="-228600" algn="l" defTabSz="457200" rtl="0" eaLnBrk="1" latinLnBrk="0" hangingPunct="1">
+              <a:spcBef>
+                <a:spcPts val="1000"/>
+              </a:spcBef>
+              <a:spcAft>
+                <a:spcPts val="0"/>
+              </a:spcAft>
+              <a:buClr>
+                <a:schemeClr val="accent1"/>
+              </a:buClr>
+              <a:buSzPct val="80000"/>
+              <a:buFont typeface="Wingdings 3" charset="2"/>
+              <a:buChar char=""/>
+              <a:defRPr sz="1200" kern="1200">
+                <a:solidFill>
+                  <a:schemeClr val="tx1">
+                    <a:lumMod val="75000"/>
+                    <a:lumOff val="25000"/>
+                  </a:schemeClr>
+                </a:solidFill>
+                <a:latin typeface="+mn-lt"/>
+                <a:ea typeface="+mn-ea"/>
+                <a:cs typeface="+mn-cs"/>
+              </a:defRPr>
+            </a:lvl7pPr>
+            <a:lvl8pPr marL="3429000" indent="-228600" algn="l" defTabSz="457200" rtl="0" eaLnBrk="1" latinLnBrk="0" hangingPunct="1">
+              <a:spcBef>
+                <a:spcPts val="1000"/>
+              </a:spcBef>
+              <a:spcAft>
+                <a:spcPts val="0"/>
+              </a:spcAft>
+              <a:buClr>
+                <a:schemeClr val="accent1"/>
+              </a:buClr>
+              <a:buSzPct val="80000"/>
+              <a:buFont typeface="Wingdings 3" charset="2"/>
+              <a:buChar char=""/>
+              <a:defRPr sz="1200" kern="1200">
+                <a:solidFill>
+                  <a:schemeClr val="tx1">
+                    <a:lumMod val="75000"/>
+                    <a:lumOff val="25000"/>
+                  </a:schemeClr>
+                </a:solidFill>
+                <a:latin typeface="+mn-lt"/>
+                <a:ea typeface="+mn-ea"/>
+                <a:cs typeface="+mn-cs"/>
+              </a:defRPr>
+            </a:lvl8pPr>
+            <a:lvl9pPr marL="3886200" indent="-228600" algn="l" defTabSz="457200" rtl="0" eaLnBrk="1" latinLnBrk="0" hangingPunct="1">
+              <a:spcBef>
+                <a:spcPts val="1000"/>
+              </a:spcBef>
+              <a:spcAft>
+                <a:spcPts val="0"/>
+              </a:spcAft>
+              <a:buClr>
+                <a:schemeClr val="accent1"/>
+              </a:buClr>
+              <a:buSzPct val="80000"/>
+              <a:buFont typeface="Wingdings 3" charset="2"/>
+              <a:buChar char=""/>
+              <a:defRPr sz="1200" kern="1200">
+                <a:solidFill>
+                  <a:schemeClr val="tx1">
+                    <a:lumMod val="75000"/>
+                    <a:lumOff val="25000"/>
+                  </a:schemeClr>
+                </a:solidFill>
+                <a:latin typeface="+mn-lt"/>
+                <a:ea typeface="+mn-ea"/>
+                <a:cs typeface="+mn-cs"/>
+              </a:defRPr>
+            </a:lvl9pPr>
+          </a:lstStyle>
+          <a:p>
+            <a:pPr algn="ctr"/>
+            <a:r>
+              <a:rPr lang="en-US" dirty="0"/>
+              <a:t>MongoDB</a:t>
+            </a:r>
+            <a:endParaRPr lang="ru-RU" dirty="0"/>
+          </a:p>
+        </p:txBody>
+      </p:sp>
+      <p:sp>
+        <p:nvSpPr>
+          <p:cNvPr id="10" name="Номер слайда 5">
+            <a:extLst>
+              <a:ext uri="{FF2B5EF4-FFF2-40B4-BE49-F238E27FC236}">
+                <a16:creationId xmlns:a16="http://schemas.microsoft.com/office/drawing/2014/main" id="{CAAFCB9D-A848-4C0F-9908-1B6419DDADF5}"/>
+              </a:ext>
+            </a:extLst>
+          </p:cNvPr>
+          <p:cNvSpPr>
+            <a:spLocks noGrp="1"/>
+          </p:cNvSpPr>
+          <p:nvPr>
+            <p:ph type="sldNum" sz="quarter" idx="12"/>
+          </p:nvPr>
+        </p:nvSpPr>
+        <p:spPr>
+          <a:xfrm>
+            <a:off x="10700951" y="6041362"/>
+            <a:ext cx="1491049" cy="365125"/>
+          </a:xfrm>
+        </p:spPr>
+        <p:txBody>
+          <a:bodyPr/>
+          <a:lstStyle/>
+          <a:p>
+            <a:fld id="{D57F1E4F-1CFF-5643-939E-217C01CDF565}" type="slidenum">
+              <a:rPr lang="en-US" sz="3600" smtClean="0">
+                <a:solidFill>
+                  <a:schemeClr val="bg1"/>
+                </a:solidFill>
+              </a:rPr>
+              <a:pPr/>
+              <a:t>15</a:t>
+            </a:fld>
+            <a:r>
+              <a:rPr lang="en-US" sz="3600" dirty="0">
+                <a:solidFill>
+                  <a:schemeClr val="bg1"/>
+                </a:solidFill>
+              </a:rPr>
+              <a:t>/1</a:t>
+            </a:r>
+            <a:r>
+              <a:rPr lang="ru-RU" sz="3600" dirty="0">
+                <a:solidFill>
+                  <a:schemeClr val="bg1"/>
+                </a:solidFill>
+              </a:rPr>
+              <a:t>6</a:t>
+            </a:r>
+            <a:endParaRPr lang="en-US" sz="3600" dirty="0">
+              <a:solidFill>
+                <a:schemeClr val="bg1"/>
+              </a:solidFill>
+            </a:endParaRPr>
+          </a:p>
+        </p:txBody>
+      </p:sp>
+      <p:sp>
+        <p:nvSpPr>
+          <p:cNvPr id="8" name="Объект 2">
+            <a:extLst>
+              <a:ext uri="{FF2B5EF4-FFF2-40B4-BE49-F238E27FC236}">
+                <a16:creationId xmlns:a16="http://schemas.microsoft.com/office/drawing/2014/main" id="{5A097D2E-3A4B-411A-8DF3-E4A6F4834BBB}"/>
+              </a:ext>
+            </a:extLst>
+          </p:cNvPr>
+          <p:cNvSpPr txBox="1">
+            <a:spLocks/>
+          </p:cNvSpPr>
+          <p:nvPr/>
+        </p:nvSpPr>
+        <p:spPr>
+          <a:xfrm>
+            <a:off x="7031217" y="1488612"/>
+            <a:ext cx="2078223" cy="401971"/>
+          </a:xfrm>
+          <a:prstGeom prst="rect">
+            <a:avLst/>
+          </a:prstGeom>
+        </p:spPr>
+        <p:txBody>
+          <a:bodyPr vert="horz" lIns="91440" tIns="45720" rIns="91440" bIns="45720" rtlCol="0">
+            <a:normAutofit/>
+          </a:bodyPr>
+          <a:lstStyle>
+            <a:lvl1pPr marL="342900" indent="-342900" algn="l" defTabSz="457200" rtl="0" eaLnBrk="1" latinLnBrk="0" hangingPunct="1">
+              <a:spcBef>
+                <a:spcPts val="1000"/>
+              </a:spcBef>
+              <a:spcAft>
+                <a:spcPts val="0"/>
+              </a:spcAft>
+              <a:buClr>
+                <a:schemeClr val="accent1"/>
+              </a:buClr>
+              <a:buSzPct val="80000"/>
+              <a:buFont typeface="Wingdings 3" charset="2"/>
+              <a:buChar char=""/>
+              <a:defRPr sz="1800" kern="1200">
+                <a:solidFill>
+                  <a:schemeClr val="tx1">
+                    <a:lumMod val="75000"/>
+                    <a:lumOff val="25000"/>
+                  </a:schemeClr>
+                </a:solidFill>
+                <a:latin typeface="+mn-lt"/>
+                <a:ea typeface="+mn-ea"/>
+                <a:cs typeface="+mn-cs"/>
+              </a:defRPr>
+            </a:lvl1pPr>
+            <a:lvl2pPr marL="742950" indent="-285750" algn="l" defTabSz="457200" rtl="0" eaLnBrk="1" latinLnBrk="0" hangingPunct="1">
+              <a:spcBef>
+                <a:spcPts val="1000"/>
+              </a:spcBef>
+              <a:spcAft>
+                <a:spcPts val="0"/>
+              </a:spcAft>
+              <a:buClr>
+                <a:schemeClr val="accent1"/>
+              </a:buClr>
+              <a:buSzPct val="80000"/>
+              <a:buFont typeface="Wingdings 3" charset="2"/>
+              <a:buChar char=""/>
+              <a:defRPr sz="1600" kern="1200">
+                <a:solidFill>
+                  <a:schemeClr val="tx1">
+                    <a:lumMod val="75000"/>
+                    <a:lumOff val="25000"/>
+                  </a:schemeClr>
+                </a:solidFill>
+                <a:latin typeface="+mn-lt"/>
+                <a:ea typeface="+mn-ea"/>
+                <a:cs typeface="+mn-cs"/>
+              </a:defRPr>
+            </a:lvl2pPr>
+            <a:lvl3pPr marL="1143000" indent="-228600" algn="l" defTabSz="457200" rtl="0" eaLnBrk="1" latinLnBrk="0" hangingPunct="1">
+              <a:spcBef>
+                <a:spcPts val="1000"/>
+              </a:spcBef>
+              <a:spcAft>
+                <a:spcPts val="0"/>
+              </a:spcAft>
+              <a:buClr>
+                <a:schemeClr val="accent1"/>
+              </a:buClr>
+              <a:buSzPct val="80000"/>
+              <a:buFont typeface="Wingdings 3" charset="2"/>
+              <a:buChar char=""/>
+              <a:defRPr sz="1400" kern="1200">
+                <a:solidFill>
+                  <a:schemeClr val="tx1">
+                    <a:lumMod val="75000"/>
+                    <a:lumOff val="25000"/>
+                  </a:schemeClr>
+                </a:solidFill>
+                <a:latin typeface="+mn-lt"/>
+                <a:ea typeface="+mn-ea"/>
+                <a:cs typeface="+mn-cs"/>
+              </a:defRPr>
+            </a:lvl3pPr>
+            <a:lvl4pPr marL="1600200" indent="-228600" algn="l" defTabSz="457200" rtl="0" eaLnBrk="1" latinLnBrk="0" hangingPunct="1">
+              <a:spcBef>
+                <a:spcPts val="1000"/>
+              </a:spcBef>
+              <a:spcAft>
+                <a:spcPts val="0"/>
+              </a:spcAft>
+              <a:buClr>
+                <a:schemeClr val="accent1"/>
+              </a:buClr>
+              <a:buSzPct val="80000"/>
+              <a:buFont typeface="Wingdings 3" charset="2"/>
+              <a:buChar char=""/>
+              <a:defRPr sz="1200" kern="1200">
+                <a:solidFill>
+                  <a:schemeClr val="tx1">
+                    <a:lumMod val="75000"/>
+                    <a:lumOff val="25000"/>
+                  </a:schemeClr>
+                </a:solidFill>
+                <a:latin typeface="+mn-lt"/>
+                <a:ea typeface="+mn-ea"/>
+                <a:cs typeface="+mn-cs"/>
+              </a:defRPr>
+            </a:lvl4pPr>
+            <a:lvl5pPr marL="2057400" indent="-228600" algn="l" defTabSz="457200" rtl="0" eaLnBrk="1" latinLnBrk="0" hangingPunct="1">
+              <a:spcBef>
+                <a:spcPts val="1000"/>
+              </a:spcBef>
+              <a:spcAft>
+                <a:spcPts val="0"/>
+              </a:spcAft>
+              <a:buClr>
+                <a:schemeClr val="accent1"/>
+              </a:buClr>
+              <a:buSzPct val="80000"/>
+              <a:buFont typeface="Wingdings 3" charset="2"/>
+              <a:buChar char=""/>
+              <a:defRPr sz="1200" kern="1200">
+                <a:solidFill>
+                  <a:schemeClr val="tx1">
+                    <a:lumMod val="75000"/>
+                    <a:lumOff val="25000"/>
+                  </a:schemeClr>
+                </a:solidFill>
+                <a:latin typeface="+mn-lt"/>
+                <a:ea typeface="+mn-ea"/>
+                <a:cs typeface="+mn-cs"/>
+              </a:defRPr>
+            </a:lvl5pPr>
+            <a:lvl6pPr marL="2514600" indent="-228600" algn="l" defTabSz="457200" rtl="0" eaLnBrk="1" latinLnBrk="0" hangingPunct="1">
+              <a:spcBef>
+                <a:spcPts val="1000"/>
+              </a:spcBef>
+              <a:spcAft>
+                <a:spcPts val="0"/>
+              </a:spcAft>
+              <a:buClr>
+                <a:schemeClr val="accent1"/>
+              </a:buClr>
+              <a:buSzPct val="80000"/>
+              <a:buFont typeface="Wingdings 3" charset="2"/>
+              <a:buChar char=""/>
+              <a:defRPr sz="1200" kern="1200">
+                <a:solidFill>
+                  <a:schemeClr val="tx1">
+                    <a:lumMod val="75000"/>
+                    <a:lumOff val="25000"/>
+                  </a:schemeClr>
+                </a:solidFill>
+                <a:latin typeface="+mn-lt"/>
+                <a:ea typeface="+mn-ea"/>
+                <a:cs typeface="+mn-cs"/>
+              </a:defRPr>
+            </a:lvl6pPr>
+            <a:lvl7pPr marL="2971800" indent="-228600" algn="l" defTabSz="457200" rtl="0" eaLnBrk="1" latinLnBrk="0" hangingPunct="1">
+              <a:spcBef>
+                <a:spcPts val="1000"/>
+              </a:spcBef>
+              <a:spcAft>
+                <a:spcPts val="0"/>
+              </a:spcAft>
+              <a:buClr>
+                <a:schemeClr val="accent1"/>
+              </a:buClr>
+              <a:buSzPct val="80000"/>
+              <a:buFont typeface="Wingdings 3" charset="2"/>
+              <a:buChar char=""/>
+              <a:defRPr sz="1200" kern="1200">
+                <a:solidFill>
+                  <a:schemeClr val="tx1">
+                    <a:lumMod val="75000"/>
+                    <a:lumOff val="25000"/>
+                  </a:schemeClr>
+                </a:solidFill>
+                <a:latin typeface="+mn-lt"/>
+                <a:ea typeface="+mn-ea"/>
+                <a:cs typeface="+mn-cs"/>
+              </a:defRPr>
+            </a:lvl7pPr>
+            <a:lvl8pPr marL="3429000" indent="-228600" algn="l" defTabSz="457200" rtl="0" eaLnBrk="1" latinLnBrk="0" hangingPunct="1">
+              <a:spcBef>
+                <a:spcPts val="1000"/>
+              </a:spcBef>
+              <a:spcAft>
+                <a:spcPts val="0"/>
+              </a:spcAft>
+              <a:buClr>
+                <a:schemeClr val="accent1"/>
+              </a:buClr>
+              <a:buSzPct val="80000"/>
+              <a:buFont typeface="Wingdings 3" charset="2"/>
+              <a:buChar char=""/>
+              <a:defRPr sz="1200" kern="1200">
+                <a:solidFill>
+                  <a:schemeClr val="tx1">
+                    <a:lumMod val="75000"/>
+                    <a:lumOff val="25000"/>
+                  </a:schemeClr>
+                </a:solidFill>
+                <a:latin typeface="+mn-lt"/>
+                <a:ea typeface="+mn-ea"/>
+                <a:cs typeface="+mn-cs"/>
+              </a:defRPr>
+            </a:lvl8pPr>
+            <a:lvl9pPr marL="3886200" indent="-228600" algn="l" defTabSz="457200" rtl="0" eaLnBrk="1" latinLnBrk="0" hangingPunct="1">
+              <a:spcBef>
+                <a:spcPts val="1000"/>
+              </a:spcBef>
+              <a:spcAft>
+                <a:spcPts val="0"/>
+              </a:spcAft>
+              <a:buClr>
+                <a:schemeClr val="accent1"/>
+              </a:buClr>
+              <a:buSzPct val="80000"/>
+              <a:buFont typeface="Wingdings 3" charset="2"/>
+              <a:buChar char=""/>
+              <a:defRPr sz="1200" kern="1200">
+                <a:solidFill>
+                  <a:schemeClr val="tx1">
+                    <a:lumMod val="75000"/>
+                    <a:lumOff val="25000"/>
+                  </a:schemeClr>
+                </a:solidFill>
+                <a:latin typeface="+mn-lt"/>
+                <a:ea typeface="+mn-ea"/>
+                <a:cs typeface="+mn-cs"/>
+              </a:defRPr>
+            </a:lvl9pPr>
+          </a:lstStyle>
+          <a:p>
+            <a:pPr algn="ctr"/>
+            <a:r>
+              <a:rPr lang="en-US" dirty="0"/>
+              <a:t>SQLite</a:t>
+            </a:r>
+            <a:endParaRPr lang="ru-RU" dirty="0"/>
+          </a:p>
+        </p:txBody>
+      </p:sp>
+    </p:spTree>
+    <p:extLst>
+      <p:ext uri="{BB962C8B-B14F-4D97-AF65-F5344CB8AC3E}">
+        <p14:creationId xmlns:p14="http://schemas.microsoft.com/office/powerpoint/2010/main" val="1961871830"/>
+      </p:ext>
+    </p:extLst>
+  </p:cSld>
+  <p:clrMapOvr>
+    <a:masterClrMapping/>
+  </p:clrMapOvr>
+</p:sld>
+</file>
+
+<file path=ppt/slides/slide16.xml><?xml version="1.0" encoding="utf-8"?>
+<p:sld xmlns:a="http://schemas.openxmlformats.org/drawingml/2006/main" xmlns:r="http://schemas.openxmlformats.org/officeDocument/2006/relationships" xmlns:p="http://schemas.openxmlformats.org/presentationml/2006/main">
+  <p:cSld>
+    <p:spTree>
+      <p:nvGrpSpPr>
+        <p:cNvPr id="1" name=""/>
+        <p:cNvGrpSpPr/>
+        <p:nvPr/>
+      </p:nvGrpSpPr>
+      <p:grpSpPr>
+        <a:xfrm>
+          <a:off x="0" y="0"/>
+          <a:ext cx="0" cy="0"/>
+          <a:chOff x="0" y="0"/>
+          <a:chExt cx="0" cy="0"/>
+        </a:xfrm>
+      </p:grpSpPr>
+      <p:pic>
+        <p:nvPicPr>
+          <p:cNvPr id="3" name="Рисунок 2">
+            <a:extLst>
+              <a:ext uri="{FF2B5EF4-FFF2-40B4-BE49-F238E27FC236}">
+                <a16:creationId xmlns:a16="http://schemas.microsoft.com/office/drawing/2014/main" id="{265509EC-C62F-4163-9454-7481DE5D69D6}"/>
+              </a:ext>
+            </a:extLst>
+          </p:cNvPr>
+          <p:cNvPicPr>
+            <a:picLocks noChangeAspect="1"/>
+          </p:cNvPicPr>
+          <p:nvPr/>
+        </p:nvPicPr>
+        <p:blipFill>
+          <a:blip r:embed="rId2"/>
+          <a:stretch>
+            <a:fillRect/>
+          </a:stretch>
+        </p:blipFill>
+        <p:spPr>
+          <a:xfrm>
+            <a:off x="7969077" y="0"/>
+            <a:ext cx="4222923" cy="1541213"/>
+          </a:xfrm>
+          <a:prstGeom prst="rect">
+            <a:avLst/>
+          </a:prstGeom>
+        </p:spPr>
+      </p:pic>
+      <p:pic>
+        <p:nvPicPr>
+          <p:cNvPr id="7" name="Рисунок 6">
+            <a:extLst>
+              <a:ext uri="{FF2B5EF4-FFF2-40B4-BE49-F238E27FC236}">
+                <a16:creationId xmlns:a16="http://schemas.microsoft.com/office/drawing/2014/main" id="{A1C5CB87-9807-438F-802A-FF5E9A634026}"/>
+              </a:ext>
+            </a:extLst>
+          </p:cNvPr>
+          <p:cNvPicPr>
+            <a:picLocks noChangeAspect="1"/>
+          </p:cNvPicPr>
+          <p:nvPr/>
+        </p:nvPicPr>
+        <p:blipFill rotWithShape="1">
+          <a:blip r:embed="rId3"/>
+          <a:srcRect r="16536"/>
+          <a:stretch/>
+        </p:blipFill>
+        <p:spPr>
+          <a:xfrm>
+            <a:off x="0" y="660400"/>
+            <a:ext cx="12192000" cy="6207757"/>
+          </a:xfrm>
+          <a:prstGeom prst="rect">
+            <a:avLst/>
+          </a:prstGeom>
+        </p:spPr>
+      </p:pic>
+      <p:sp>
+        <p:nvSpPr>
+          <p:cNvPr id="2" name="Заголовок 1">
+            <a:extLst>
+              <a:ext uri="{FF2B5EF4-FFF2-40B4-BE49-F238E27FC236}">
+                <a16:creationId xmlns:a16="http://schemas.microsoft.com/office/drawing/2014/main" id="{DD02D1D5-B662-40C3-BC17-4195A46AEFB1}"/>
+              </a:ext>
+            </a:extLst>
+          </p:cNvPr>
+          <p:cNvSpPr>
+            <a:spLocks noGrp="1"/>
+          </p:cNvSpPr>
+          <p:nvPr>
+            <p:ph type="title"/>
+          </p:nvPr>
+        </p:nvSpPr>
+        <p:spPr>
+          <a:xfrm>
+            <a:off x="1616448" y="0"/>
+            <a:ext cx="8596668" cy="1320800"/>
+          </a:xfrm>
+        </p:spPr>
+        <p:txBody>
+          <a:bodyPr/>
+          <a:lstStyle/>
+          <a:p>
+            <a:pPr algn="ctr"/>
+            <a:r>
+              <a:rPr lang="ru-RU" dirty="0"/>
+              <a:t>Процесс разработки</a:t>
+            </a:r>
+          </a:p>
+        </p:txBody>
+      </p:sp>
+      <p:sp>
+        <p:nvSpPr>
+          <p:cNvPr id="6" name="Номер слайда 5">
+            <a:extLst>
+              <a:ext uri="{FF2B5EF4-FFF2-40B4-BE49-F238E27FC236}">
+                <a16:creationId xmlns:a16="http://schemas.microsoft.com/office/drawing/2014/main" id="{EE1E64BE-7BBA-4B28-AE0D-5E85B7027A00}"/>
+              </a:ext>
+            </a:extLst>
+          </p:cNvPr>
+          <p:cNvSpPr>
+            <a:spLocks noGrp="1"/>
+          </p:cNvSpPr>
+          <p:nvPr>
+            <p:ph type="sldNum" sz="quarter" idx="12"/>
+          </p:nvPr>
+        </p:nvSpPr>
+        <p:spPr>
+          <a:xfrm>
+            <a:off x="10700951" y="6041362"/>
+            <a:ext cx="1491049" cy="365125"/>
+          </a:xfrm>
+        </p:spPr>
+        <p:txBody>
+          <a:bodyPr/>
+          <a:lstStyle/>
+          <a:p>
+            <a:fld id="{D57F1E4F-1CFF-5643-939E-217C01CDF565}" type="slidenum">
+              <a:rPr lang="en-US" sz="3600" smtClean="0">
+                <a:solidFill>
+                  <a:schemeClr val="bg1"/>
+                </a:solidFill>
+              </a:rPr>
+              <a:pPr/>
+              <a:t>16</a:t>
+            </a:fld>
+            <a:r>
+              <a:rPr lang="en-US" sz="3600" dirty="0">
+                <a:solidFill>
+                  <a:schemeClr val="bg1"/>
+                </a:solidFill>
+              </a:rPr>
+              <a:t>/1</a:t>
+            </a:r>
+            <a:r>
+              <a:rPr lang="ru-RU" sz="3600" dirty="0">
+                <a:solidFill>
+                  <a:schemeClr val="bg1"/>
+                </a:solidFill>
+              </a:rPr>
+              <a:t>6</a:t>
+            </a:r>
+            <a:endParaRPr lang="en-US" sz="3600" dirty="0">
+              <a:solidFill>
+                <a:schemeClr val="bg1"/>
+              </a:solidFill>
+            </a:endParaRPr>
+          </a:p>
+        </p:txBody>
+      </p:sp>
+    </p:spTree>
+    <p:extLst>
+      <p:ext uri="{BB962C8B-B14F-4D97-AF65-F5344CB8AC3E}">
+        <p14:creationId xmlns:p14="http://schemas.microsoft.com/office/powerpoint/2010/main" val="2598522078"/>
+      </p:ext>
+    </p:extLst>
+  </p:cSld>
+  <p:clrMapOvr>
+    <a:masterClrMapping/>
+  </p:clrMapOvr>
+</p:sld>
+</file>
+
+<file path=ppt/slides/slide2.xml><?xml version="1.0" encoding="utf-8"?>
+<p:sld xmlns:a="http://schemas.openxmlformats.org/drawingml/2006/main" xmlns:r="http://schemas.openxmlformats.org/officeDocument/2006/relationships" xmlns:p="http://schemas.openxmlformats.org/presentationml/2006/main">
+  <p:cSld>
+    <p:spTree>
+      <p:nvGrpSpPr>
+        <p:cNvPr id="1" name=""/>
+        <p:cNvGrpSpPr/>
+        <p:nvPr/>
+      </p:nvGrpSpPr>
+      <p:grpSpPr>
+        <a:xfrm>
+          <a:off x="0" y="0"/>
+          <a:ext cx="0" cy="0"/>
+          <a:chOff x="0" y="0"/>
+          <a:chExt cx="0" cy="0"/>
+        </a:xfrm>
+      </p:grpSpPr>
+      <p:sp>
+        <p:nvSpPr>
+          <p:cNvPr id="2" name="Заголовок 1">
+            <a:extLst>
+              <a:ext uri="{FF2B5EF4-FFF2-40B4-BE49-F238E27FC236}">
+                <a16:creationId xmlns:a16="http://schemas.microsoft.com/office/drawing/2014/main" id="{F348B7D3-CDAB-42B7-8AC4-38AAD8190E41}"/>
+              </a:ext>
+            </a:extLst>
+          </p:cNvPr>
+          <p:cNvSpPr>
+            <a:spLocks noGrp="1"/>
+          </p:cNvSpPr>
+          <p:nvPr>
+            <p:ph type="title"/>
+          </p:nvPr>
+        </p:nvSpPr>
+        <p:spPr>
+          <a:xfrm>
+            <a:off x="677334" y="0"/>
+            <a:ext cx="8596668" cy="1320800"/>
+          </a:xfrm>
+        </p:spPr>
+        <p:txBody>
+          <a:bodyPr/>
+          <a:lstStyle/>
+          <a:p>
+            <a:pPr algn="ctr"/>
+            <a:r>
+              <a:rPr lang="ru-RU" dirty="0"/>
+              <a:t>Предметная область</a:t>
+            </a:r>
+          </a:p>
+        </p:txBody>
+      </p:sp>
+      <p:sp>
+        <p:nvSpPr>
+          <p:cNvPr id="3" name="Объект 2">
+            <a:extLst>
+              <a:ext uri="{FF2B5EF4-FFF2-40B4-BE49-F238E27FC236}">
+                <a16:creationId xmlns:a16="http://schemas.microsoft.com/office/drawing/2014/main" id="{E88200EA-5DE4-46CC-9048-255BE15531A4}"/>
+              </a:ext>
+            </a:extLst>
+          </p:cNvPr>
+          <p:cNvSpPr>
+            <a:spLocks noGrp="1"/>
+          </p:cNvSpPr>
+          <p:nvPr>
+            <p:ph idx="1"/>
+          </p:nvPr>
+        </p:nvSpPr>
+        <p:spPr/>
+        <p:txBody>
+          <a:bodyPr>
+            <a:normAutofit/>
+          </a:bodyPr>
+          <a:lstStyle/>
+          <a:p>
+            <a:pPr marL="0" indent="0" algn="ctr">
+              <a:buNone/>
+            </a:pPr>
+            <a:r>
+              <a:rPr lang="ru-RU" sz="4800" dirty="0"/>
+              <a:t>Разработка взаимодействия компонентов видеоигры от первого лица с базами данных</a:t>
+            </a:r>
+          </a:p>
+          <a:p>
+            <a:pPr marL="0" indent="0">
+              <a:buNone/>
+            </a:pPr>
+            <a:endParaRPr lang="ru-RU" sz="4800" dirty="0"/>
+          </a:p>
+        </p:txBody>
+      </p:sp>
+      <p:sp>
+        <p:nvSpPr>
+          <p:cNvPr id="5" name="Номер слайда 5">
+            <a:extLst>
+              <a:ext uri="{FF2B5EF4-FFF2-40B4-BE49-F238E27FC236}">
+                <a16:creationId xmlns:a16="http://schemas.microsoft.com/office/drawing/2014/main" id="{99F853D2-85C0-4AF5-8842-5EAC3A7FA00B}"/>
+              </a:ext>
+            </a:extLst>
+          </p:cNvPr>
+          <p:cNvSpPr>
+            <a:spLocks noGrp="1"/>
+          </p:cNvSpPr>
+          <p:nvPr>
+            <p:ph type="sldNum" sz="quarter" idx="12"/>
+          </p:nvPr>
+        </p:nvSpPr>
+        <p:spPr>
+          <a:xfrm>
+            <a:off x="10999317" y="6041362"/>
+            <a:ext cx="1192683" cy="365125"/>
+          </a:xfrm>
+        </p:spPr>
+        <p:txBody>
+          <a:bodyPr/>
+          <a:lstStyle/>
+          <a:p>
+            <a:fld id="{D57F1E4F-1CFF-5643-939E-217C01CDF565}" type="slidenum">
+              <a:rPr lang="en-US" sz="3600" smtClean="0">
+                <a:solidFill>
+                  <a:schemeClr val="bg1"/>
+                </a:solidFill>
+              </a:rPr>
+              <a:pPr/>
+              <a:t>2</a:t>
+            </a:fld>
+            <a:r>
+              <a:rPr lang="en-US" sz="3600" dirty="0">
+                <a:solidFill>
+                  <a:schemeClr val="bg1"/>
+                </a:solidFill>
+              </a:rPr>
+              <a:t>/1</a:t>
+            </a:r>
+            <a:r>
+              <a:rPr lang="ru-RU" sz="3600" dirty="0">
+                <a:solidFill>
+                  <a:schemeClr val="bg1"/>
+                </a:solidFill>
+              </a:rPr>
+              <a:t>6</a:t>
+            </a:r>
+            <a:endParaRPr lang="en-US" sz="3600" dirty="0">
+              <a:solidFill>
+                <a:schemeClr val="bg1"/>
+              </a:solidFill>
+            </a:endParaRPr>
+          </a:p>
+        </p:txBody>
+      </p:sp>
+    </p:spTree>
+    <p:extLst>
+      <p:ext uri="{BB962C8B-B14F-4D97-AF65-F5344CB8AC3E}">
+        <p14:creationId xmlns:p14="http://schemas.microsoft.com/office/powerpoint/2010/main" val="1018720252"/>
+      </p:ext>
+    </p:extLst>
+  </p:cSld>
+  <p:clrMapOvr>
+    <a:masterClrMapping/>
+  </p:clrMapOvr>
+</p:sld>
+</file>
+
+<file path=ppt/slides/slide3.xml><?xml version="1.0" encoding="utf-8"?>
+<p:sld xmlns:a="http://schemas.openxmlformats.org/drawingml/2006/main" xmlns:r="http://schemas.openxmlformats.org/officeDocument/2006/relationships" xmlns:p="http://schemas.openxmlformats.org/presentationml/2006/main">
+  <p:cSld>
+    <p:spTree>
+      <p:nvGrpSpPr>
+        <p:cNvPr id="1" name=""/>
+        <p:cNvGrpSpPr/>
+        <p:nvPr/>
+      </p:nvGrpSpPr>
+      <p:grpSpPr>
+        <a:xfrm>
+          <a:off x="0" y="0"/>
+          <a:ext cx="0" cy="0"/>
+          <a:chOff x="0" y="0"/>
+          <a:chExt cx="0" cy="0"/>
+        </a:xfrm>
+      </p:grpSpPr>
       <p:sp>
         <p:nvSpPr>
           <p:cNvPr id="2" name="Заголовок 1">
@@ -8186,7 +8936,12 @@
             <p:ph type="title"/>
           </p:nvPr>
         </p:nvSpPr>
-        <p:spPr/>
+        <p:spPr>
+          <a:xfrm>
+            <a:off x="677334" y="2244"/>
+            <a:ext cx="8596668" cy="1320800"/>
+          </a:xfrm>
+        </p:spPr>
         <p:txBody>
           <a:bodyPr/>
           <a:lstStyle/>
@@ -8228,8 +8983,8 @@
         </p:blipFill>
         <p:spPr bwMode="auto">
           <a:xfrm>
-            <a:off x="6096000" y="3034731"/>
-            <a:ext cx="2705316" cy="1398347"/>
+            <a:off x="4733232" y="1734467"/>
+            <a:ext cx="5215984" cy="2696083"/>
           </a:xfrm>
           <a:prstGeom prst="rect">
             <a:avLst/>
@@ -8248,10 +9003,10 @@
       </p:pic>
       <p:pic>
         <p:nvPicPr>
-          <p:cNvPr id="5" name="Picture 10" descr="https://softman.by/uploads/posts/2017-04/1492535127_microsoft-sql-server-2014.png">
+          <p:cNvPr id="6" name="Picture 16" descr="ÐÐ°ÑÑÐ¸Ð½ÐºÐ¸ Ð¿Ð¾ Ð·Ð°Ð¿ÑÐ¾ÑÑ mongodb">
             <a:extLst>
               <a:ext uri="{FF2B5EF4-FFF2-40B4-BE49-F238E27FC236}">
-                <a16:creationId xmlns:a16="http://schemas.microsoft.com/office/drawing/2014/main" id="{32F0AE70-960F-4DE0-8CA1-1E148E84768E}"/>
+                <a16:creationId xmlns:a16="http://schemas.microsoft.com/office/drawing/2014/main" id="{FD78CE42-F30F-4781-8F8B-22126B1990D1}"/>
               </a:ext>
             </a:extLst>
           </p:cNvPr>
@@ -8275,8 +9030,8 @@
         </p:blipFill>
         <p:spPr bwMode="auto">
           <a:xfrm>
-            <a:off x="2790887" y="4124334"/>
-            <a:ext cx="2454103" cy="1991736"/>
+            <a:off x="428640" y="1124780"/>
+            <a:ext cx="7068310" cy="1865555"/>
           </a:xfrm>
           <a:prstGeom prst="rect">
             <a:avLst/>
@@ -8293,12 +9048,71 @@
           </a:extLst>
         </p:spPr>
       </p:pic>
+      <p:sp>
+        <p:nvSpPr>
+          <p:cNvPr id="8" name="Номер слайда 5">
+            <a:extLst>
+              <a:ext uri="{FF2B5EF4-FFF2-40B4-BE49-F238E27FC236}">
+                <a16:creationId xmlns:a16="http://schemas.microsoft.com/office/drawing/2014/main" id="{2D529321-4EC6-4C75-99B7-481CC3D00C6A}"/>
+              </a:ext>
+            </a:extLst>
+          </p:cNvPr>
+          <p:cNvSpPr>
+            <a:spLocks noGrp="1"/>
+          </p:cNvSpPr>
+          <p:nvPr>
+            <p:ph type="sldNum" sz="quarter" idx="12"/>
+          </p:nvPr>
+        </p:nvSpPr>
+        <p:spPr>
+          <a:xfrm>
+            <a:off x="10999317" y="6041362"/>
+            <a:ext cx="1192683" cy="365125"/>
+          </a:xfrm>
+        </p:spPr>
+        <p:txBody>
+          <a:bodyPr/>
+          <a:lstStyle/>
+          <a:p>
+            <a:fld id="{D57F1E4F-1CFF-5643-939E-217C01CDF565}" type="slidenum">
+              <a:rPr lang="en-US" sz="3600" smtClean="0">
+                <a:solidFill>
+                  <a:schemeClr val="bg1"/>
+                </a:solidFill>
+              </a:rPr>
+              <a:pPr/>
+              <a:t>3</a:t>
+            </a:fld>
+            <a:r>
+              <a:rPr lang="en-US" sz="3600" dirty="0">
+                <a:solidFill>
+                  <a:schemeClr val="bg1"/>
+                </a:solidFill>
+              </a:rPr>
+              <a:t>/1</a:t>
+            </a:r>
+            <a:r>
+              <a:rPr lang="ru-RU" sz="3600" dirty="0">
+                <a:solidFill>
+                  <a:schemeClr val="bg1"/>
+                </a:solidFill>
+              </a:rPr>
+              <a:t>6</a:t>
+            </a:r>
+            <a:endParaRPr lang="en-US" sz="3600" dirty="0">
+              <a:solidFill>
+                <a:schemeClr val="bg1"/>
+              </a:solidFill>
+            </a:endParaRPr>
+          </a:p>
+        </p:txBody>
+      </p:sp>
       <p:pic>
         <p:nvPicPr>
-          <p:cNvPr id="6" name="Picture 16" descr="ÐÐ°ÑÑÐ¸Ð½ÐºÐ¸ Ð¿Ð¾ Ð·Ð°Ð¿ÑÐ¾ÑÑ mongodb">
+          <p:cNvPr id="1026" name="Picture 2" descr="ÐÐ°ÑÑÐ¸Ð½ÐºÐ¸ Ð¿Ð¾ Ð·Ð°Ð¿ÑÐ¾ÑÑ sqlite">
             <a:extLst>
               <a:ext uri="{FF2B5EF4-FFF2-40B4-BE49-F238E27FC236}">
-                <a16:creationId xmlns:a16="http://schemas.microsoft.com/office/drawing/2014/main" id="{FD78CE42-F30F-4781-8F8B-22126B1990D1}"/>
+                <a16:creationId xmlns:a16="http://schemas.microsoft.com/office/drawing/2014/main" id="{D881E58D-0201-49C0-89AD-CE6649074144}"/>
               </a:ext>
             </a:extLst>
           </p:cNvPr>
@@ -8322,8 +9136,8 @@
         </p:blipFill>
         <p:spPr bwMode="auto">
           <a:xfrm>
-            <a:off x="947624" y="1788213"/>
-            <a:ext cx="4722871" cy="1246518"/>
+            <a:off x="551936" y="3429000"/>
+            <a:ext cx="6671192" cy="3159695"/>
           </a:xfrm>
           <a:prstGeom prst="rect">
             <a:avLst/>
@@ -8340,44 +9154,6 @@
           </a:extLst>
         </p:spPr>
       </p:pic>
-      <p:sp>
-        <p:nvSpPr>
-          <p:cNvPr id="8" name="Номер слайда 5">
-            <a:extLst>
-              <a:ext uri="{FF2B5EF4-FFF2-40B4-BE49-F238E27FC236}">
-                <a16:creationId xmlns:a16="http://schemas.microsoft.com/office/drawing/2014/main" id="{2D529321-4EC6-4C75-99B7-481CC3D00C6A}"/>
-              </a:ext>
-            </a:extLst>
-          </p:cNvPr>
-          <p:cNvSpPr>
-            <a:spLocks noGrp="1"/>
-          </p:cNvSpPr>
-          <p:nvPr>
-            <p:ph type="sldNum" sz="quarter" idx="12"/>
-          </p:nvPr>
-        </p:nvSpPr>
-        <p:spPr>
-          <a:xfrm>
-            <a:off x="8081319" y="6041362"/>
-            <a:ext cx="1192683" cy="365125"/>
-          </a:xfrm>
-        </p:spPr>
-        <p:txBody>
-          <a:bodyPr/>
-          <a:lstStyle/>
-          <a:p>
-            <a:fld id="{D57F1E4F-1CFF-5643-939E-217C01CDF565}" type="slidenum">
-              <a:rPr lang="en-US" sz="3600" smtClean="0"/>
-              <a:pPr/>
-              <a:t>5</a:t>
-            </a:fld>
-            <a:r>
-              <a:rPr lang="en-US" sz="3600" dirty="0"/>
-              <a:t>/12</a:t>
-            </a:r>
-          </a:p>
-        </p:txBody>
-      </p:sp>
     </p:spTree>
     <p:extLst>
       <p:ext uri="{BB962C8B-B14F-4D97-AF65-F5344CB8AC3E}">
@@ -8391,7 +9167,7 @@
 </p:sld>
 </file>
 
-<file path=ppt/slides/slide6.xml><?xml version="1.0" encoding="utf-8"?>
+<file path=ppt/slides/slide4.xml><?xml version="1.0" encoding="utf-8"?>
 <p:sld xmlns:a="http://schemas.openxmlformats.org/drawingml/2006/main" xmlns:r="http://schemas.openxmlformats.org/officeDocument/2006/relationships" xmlns:p="http://schemas.openxmlformats.org/presentationml/2006/main">
   <p:cSld>
     <p:spTree>
@@ -8413,6 +9189,818 @@
           <p:cNvPr id="2" name="Заголовок 1">
             <a:extLst>
               <a:ext uri="{FF2B5EF4-FFF2-40B4-BE49-F238E27FC236}">
+                <a16:creationId xmlns:a16="http://schemas.microsoft.com/office/drawing/2014/main" id="{1C598229-2E0F-4C0A-BE82-7B03AB56CA47}"/>
+              </a:ext>
+            </a:extLst>
+          </p:cNvPr>
+          <p:cNvSpPr>
+            <a:spLocks noGrp="1"/>
+          </p:cNvSpPr>
+          <p:nvPr>
+            <p:ph type="title"/>
+          </p:nvPr>
+        </p:nvSpPr>
+        <p:spPr>
+          <a:xfrm>
+            <a:off x="677334" y="0"/>
+            <a:ext cx="8596668" cy="1320800"/>
+          </a:xfrm>
+        </p:spPr>
+        <p:txBody>
+          <a:bodyPr/>
+          <a:lstStyle/>
+          <a:p>
+            <a:pPr algn="ctr"/>
+            <a:r>
+              <a:rPr lang="ru-RU" dirty="0"/>
+              <a:t>Команда разработчиков</a:t>
+            </a:r>
+          </a:p>
+        </p:txBody>
+      </p:sp>
+      <p:sp>
+        <p:nvSpPr>
+          <p:cNvPr id="3" name="Объект 2">
+            <a:extLst>
+              <a:ext uri="{FF2B5EF4-FFF2-40B4-BE49-F238E27FC236}">
+                <a16:creationId xmlns:a16="http://schemas.microsoft.com/office/drawing/2014/main" id="{EF58A533-0D7A-477B-A42B-3B33AA7E56A1}"/>
+              </a:ext>
+            </a:extLst>
+          </p:cNvPr>
+          <p:cNvSpPr>
+            <a:spLocks noGrp="1"/>
+          </p:cNvSpPr>
+          <p:nvPr>
+            <p:ph idx="1"/>
+          </p:nvPr>
+        </p:nvSpPr>
+        <p:spPr>
+          <a:xfrm>
+            <a:off x="407773" y="2160587"/>
+            <a:ext cx="3076832" cy="3880773"/>
+          </a:xfrm>
+        </p:spPr>
+        <p:txBody>
+          <a:bodyPr>
+            <a:normAutofit/>
+          </a:bodyPr>
+          <a:lstStyle/>
+          <a:p>
+            <a:pPr algn="ctr"/>
+            <a:r>
+              <a:rPr lang="ru-RU" sz="2000" dirty="0"/>
+              <a:t>Коновалов Роман</a:t>
+            </a:r>
+            <a:br>
+              <a:rPr lang="ru-RU" sz="2000" dirty="0"/>
+            </a:br>
+            <a:r>
+              <a:rPr lang="ru-RU" sz="2000" dirty="0"/>
+              <a:t>ИВТ-363</a:t>
+            </a:r>
+            <a:br>
+              <a:rPr lang="ru-RU" sz="2000" dirty="0"/>
+            </a:br>
+            <a:endParaRPr lang="ru-RU" sz="2000" dirty="0"/>
+          </a:p>
+          <a:p>
+            <a:pPr algn="ctr">
+              <a:buFont typeface="Arial" panose="020B0604020202020204" pitchFamily="34" charset="0"/>
+              <a:buChar char="•"/>
+            </a:pPr>
+            <a:r>
+              <a:rPr lang="ru-RU" sz="2000" dirty="0"/>
+              <a:t>Администрирование </a:t>
+            </a:r>
+            <a:r>
+              <a:rPr lang="en-US" sz="2000" dirty="0"/>
+              <a:t>MongoDB</a:t>
+            </a:r>
+          </a:p>
+        </p:txBody>
+      </p:sp>
+      <p:sp>
+        <p:nvSpPr>
+          <p:cNvPr id="4" name="Объект 2">
+            <a:extLst>
+              <a:ext uri="{FF2B5EF4-FFF2-40B4-BE49-F238E27FC236}">
+                <a16:creationId xmlns:a16="http://schemas.microsoft.com/office/drawing/2014/main" id="{5AE3A61F-A2FE-4BB9-8C86-85915B635BA4}"/>
+              </a:ext>
+            </a:extLst>
+          </p:cNvPr>
+          <p:cNvSpPr txBox="1">
+            <a:spLocks/>
+          </p:cNvSpPr>
+          <p:nvPr/>
+        </p:nvSpPr>
+        <p:spPr>
+          <a:xfrm>
+            <a:off x="6503773" y="2160586"/>
+            <a:ext cx="3019168" cy="3880773"/>
+          </a:xfrm>
+          <a:prstGeom prst="rect">
+            <a:avLst/>
+          </a:prstGeom>
+        </p:spPr>
+        <p:txBody>
+          <a:bodyPr vert="horz" lIns="91440" tIns="45720" rIns="91440" bIns="45720" rtlCol="0">
+            <a:normAutofit/>
+          </a:bodyPr>
+          <a:lstStyle>
+            <a:lvl1pPr marL="342900" indent="-342900" algn="l" defTabSz="457200" rtl="0" eaLnBrk="1" latinLnBrk="0" hangingPunct="1">
+              <a:spcBef>
+                <a:spcPts val="1000"/>
+              </a:spcBef>
+              <a:spcAft>
+                <a:spcPts val="0"/>
+              </a:spcAft>
+              <a:buClr>
+                <a:schemeClr val="accent1"/>
+              </a:buClr>
+              <a:buSzPct val="80000"/>
+              <a:buFont typeface="Wingdings 3" charset="2"/>
+              <a:buChar char=""/>
+              <a:defRPr sz="1800" kern="1200">
+                <a:solidFill>
+                  <a:schemeClr val="tx1">
+                    <a:lumMod val="75000"/>
+                    <a:lumOff val="25000"/>
+                  </a:schemeClr>
+                </a:solidFill>
+                <a:latin typeface="+mn-lt"/>
+                <a:ea typeface="+mn-ea"/>
+                <a:cs typeface="+mn-cs"/>
+              </a:defRPr>
+            </a:lvl1pPr>
+            <a:lvl2pPr marL="742950" indent="-285750" algn="l" defTabSz="457200" rtl="0" eaLnBrk="1" latinLnBrk="0" hangingPunct="1">
+              <a:spcBef>
+                <a:spcPts val="1000"/>
+              </a:spcBef>
+              <a:spcAft>
+                <a:spcPts val="0"/>
+              </a:spcAft>
+              <a:buClr>
+                <a:schemeClr val="accent1"/>
+              </a:buClr>
+              <a:buSzPct val="80000"/>
+              <a:buFont typeface="Wingdings 3" charset="2"/>
+              <a:buChar char=""/>
+              <a:defRPr sz="1600" kern="1200">
+                <a:solidFill>
+                  <a:schemeClr val="tx1">
+                    <a:lumMod val="75000"/>
+                    <a:lumOff val="25000"/>
+                  </a:schemeClr>
+                </a:solidFill>
+                <a:latin typeface="+mn-lt"/>
+                <a:ea typeface="+mn-ea"/>
+                <a:cs typeface="+mn-cs"/>
+              </a:defRPr>
+            </a:lvl2pPr>
+            <a:lvl3pPr marL="1143000" indent="-228600" algn="l" defTabSz="457200" rtl="0" eaLnBrk="1" latinLnBrk="0" hangingPunct="1">
+              <a:spcBef>
+                <a:spcPts val="1000"/>
+              </a:spcBef>
+              <a:spcAft>
+                <a:spcPts val="0"/>
+              </a:spcAft>
+              <a:buClr>
+                <a:schemeClr val="accent1"/>
+              </a:buClr>
+              <a:buSzPct val="80000"/>
+              <a:buFont typeface="Wingdings 3" charset="2"/>
+              <a:buChar char=""/>
+              <a:defRPr sz="1400" kern="1200">
+                <a:solidFill>
+                  <a:schemeClr val="tx1">
+                    <a:lumMod val="75000"/>
+                    <a:lumOff val="25000"/>
+                  </a:schemeClr>
+                </a:solidFill>
+                <a:latin typeface="+mn-lt"/>
+                <a:ea typeface="+mn-ea"/>
+                <a:cs typeface="+mn-cs"/>
+              </a:defRPr>
+            </a:lvl3pPr>
+            <a:lvl4pPr marL="1600200" indent="-228600" algn="l" defTabSz="457200" rtl="0" eaLnBrk="1" latinLnBrk="0" hangingPunct="1">
+              <a:spcBef>
+                <a:spcPts val="1000"/>
+              </a:spcBef>
+              <a:spcAft>
+                <a:spcPts val="0"/>
+              </a:spcAft>
+              <a:buClr>
+                <a:schemeClr val="accent1"/>
+              </a:buClr>
+              <a:buSzPct val="80000"/>
+              <a:buFont typeface="Wingdings 3" charset="2"/>
+              <a:buChar char=""/>
+              <a:defRPr sz="1200" kern="1200">
+                <a:solidFill>
+                  <a:schemeClr val="tx1">
+                    <a:lumMod val="75000"/>
+                    <a:lumOff val="25000"/>
+                  </a:schemeClr>
+                </a:solidFill>
+                <a:latin typeface="+mn-lt"/>
+                <a:ea typeface="+mn-ea"/>
+                <a:cs typeface="+mn-cs"/>
+              </a:defRPr>
+            </a:lvl4pPr>
+            <a:lvl5pPr marL="2057400" indent="-228600" algn="l" defTabSz="457200" rtl="0" eaLnBrk="1" latinLnBrk="0" hangingPunct="1">
+              <a:spcBef>
+                <a:spcPts val="1000"/>
+              </a:spcBef>
+              <a:spcAft>
+                <a:spcPts val="0"/>
+              </a:spcAft>
+              <a:buClr>
+                <a:schemeClr val="accent1"/>
+              </a:buClr>
+              <a:buSzPct val="80000"/>
+              <a:buFont typeface="Wingdings 3" charset="2"/>
+              <a:buChar char=""/>
+              <a:defRPr sz="1200" kern="1200">
+                <a:solidFill>
+                  <a:schemeClr val="tx1">
+                    <a:lumMod val="75000"/>
+                    <a:lumOff val="25000"/>
+                  </a:schemeClr>
+                </a:solidFill>
+                <a:latin typeface="+mn-lt"/>
+                <a:ea typeface="+mn-ea"/>
+                <a:cs typeface="+mn-cs"/>
+              </a:defRPr>
+            </a:lvl5pPr>
+            <a:lvl6pPr marL="2514600" indent="-228600" algn="l" defTabSz="457200" rtl="0" eaLnBrk="1" latinLnBrk="0" hangingPunct="1">
+              <a:spcBef>
+                <a:spcPts val="1000"/>
+              </a:spcBef>
+              <a:spcAft>
+                <a:spcPts val="0"/>
+              </a:spcAft>
+              <a:buClr>
+                <a:schemeClr val="accent1"/>
+              </a:buClr>
+              <a:buSzPct val="80000"/>
+              <a:buFont typeface="Wingdings 3" charset="2"/>
+              <a:buChar char=""/>
+              <a:defRPr sz="1200" kern="1200">
+                <a:solidFill>
+                  <a:schemeClr val="tx1">
+                    <a:lumMod val="75000"/>
+                    <a:lumOff val="25000"/>
+                  </a:schemeClr>
+                </a:solidFill>
+                <a:latin typeface="+mn-lt"/>
+                <a:ea typeface="+mn-ea"/>
+                <a:cs typeface="+mn-cs"/>
+              </a:defRPr>
+            </a:lvl6pPr>
+            <a:lvl7pPr marL="2971800" indent="-228600" algn="l" defTabSz="457200" rtl="0" eaLnBrk="1" latinLnBrk="0" hangingPunct="1">
+              <a:spcBef>
+                <a:spcPts val="1000"/>
+              </a:spcBef>
+              <a:spcAft>
+                <a:spcPts val="0"/>
+              </a:spcAft>
+              <a:buClr>
+                <a:schemeClr val="accent1"/>
+              </a:buClr>
+              <a:buSzPct val="80000"/>
+              <a:buFont typeface="Wingdings 3" charset="2"/>
+              <a:buChar char=""/>
+              <a:defRPr sz="1200" kern="1200">
+                <a:solidFill>
+                  <a:schemeClr val="tx1">
+                    <a:lumMod val="75000"/>
+                    <a:lumOff val="25000"/>
+                  </a:schemeClr>
+                </a:solidFill>
+                <a:latin typeface="+mn-lt"/>
+                <a:ea typeface="+mn-ea"/>
+                <a:cs typeface="+mn-cs"/>
+              </a:defRPr>
+            </a:lvl7pPr>
+            <a:lvl8pPr marL="3429000" indent="-228600" algn="l" defTabSz="457200" rtl="0" eaLnBrk="1" latinLnBrk="0" hangingPunct="1">
+              <a:spcBef>
+                <a:spcPts val="1000"/>
+              </a:spcBef>
+              <a:spcAft>
+                <a:spcPts val="0"/>
+              </a:spcAft>
+              <a:buClr>
+                <a:schemeClr val="accent1"/>
+              </a:buClr>
+              <a:buSzPct val="80000"/>
+              <a:buFont typeface="Wingdings 3" charset="2"/>
+              <a:buChar char=""/>
+              <a:defRPr sz="1200" kern="1200">
+                <a:solidFill>
+                  <a:schemeClr val="tx1">
+                    <a:lumMod val="75000"/>
+                    <a:lumOff val="25000"/>
+                  </a:schemeClr>
+                </a:solidFill>
+                <a:latin typeface="+mn-lt"/>
+                <a:ea typeface="+mn-ea"/>
+                <a:cs typeface="+mn-cs"/>
+              </a:defRPr>
+            </a:lvl8pPr>
+            <a:lvl9pPr marL="3886200" indent="-228600" algn="l" defTabSz="457200" rtl="0" eaLnBrk="1" latinLnBrk="0" hangingPunct="1">
+              <a:spcBef>
+                <a:spcPts val="1000"/>
+              </a:spcBef>
+              <a:spcAft>
+                <a:spcPts val="0"/>
+              </a:spcAft>
+              <a:buClr>
+                <a:schemeClr val="accent1"/>
+              </a:buClr>
+              <a:buSzPct val="80000"/>
+              <a:buFont typeface="Wingdings 3" charset="2"/>
+              <a:buChar char=""/>
+              <a:defRPr sz="1200" kern="1200">
+                <a:solidFill>
+                  <a:schemeClr val="tx1">
+                    <a:lumMod val="75000"/>
+                    <a:lumOff val="25000"/>
+                  </a:schemeClr>
+                </a:solidFill>
+                <a:latin typeface="+mn-lt"/>
+                <a:ea typeface="+mn-ea"/>
+                <a:cs typeface="+mn-cs"/>
+              </a:defRPr>
+            </a:lvl9pPr>
+          </a:lstStyle>
+          <a:p>
+            <a:pPr algn="ctr"/>
+            <a:r>
+              <a:rPr lang="ru-RU" sz="2000" dirty="0"/>
+              <a:t>Пивоваров Валентин</a:t>
+            </a:r>
+            <a:br>
+              <a:rPr lang="ru-RU" sz="2000" dirty="0"/>
+            </a:br>
+            <a:r>
+              <a:rPr lang="ru-RU" sz="2000" dirty="0"/>
+              <a:t>ИВТ-363</a:t>
+            </a:r>
+            <a:br>
+              <a:rPr lang="ru-RU" sz="2000" dirty="0"/>
+            </a:br>
+            <a:endParaRPr lang="ru-RU" sz="2000" dirty="0"/>
+          </a:p>
+          <a:p>
+            <a:pPr algn="ctr">
+              <a:buFont typeface="Arial" panose="020B0604020202020204" pitchFamily="34" charset="0"/>
+              <a:buChar char="•"/>
+            </a:pPr>
+            <a:r>
+              <a:rPr lang="ru-RU" sz="2000" dirty="0"/>
+              <a:t>Разработка игры</a:t>
+            </a:r>
+            <a:endParaRPr lang="en-US" sz="2000" dirty="0"/>
+          </a:p>
+          <a:p>
+            <a:pPr algn="ctr">
+              <a:buFont typeface="Arial" panose="020B0604020202020204" pitchFamily="34" charset="0"/>
+              <a:buChar char="•"/>
+            </a:pPr>
+            <a:r>
+              <a:rPr lang="ru-RU" sz="2000" dirty="0"/>
+              <a:t>Администрирование </a:t>
+            </a:r>
+            <a:r>
+              <a:rPr lang="en-US" sz="2000" dirty="0"/>
+              <a:t>MySQL</a:t>
+            </a:r>
+            <a:endParaRPr lang="ru-RU" sz="2000" dirty="0"/>
+          </a:p>
+          <a:p>
+            <a:pPr algn="ctr">
+              <a:buFont typeface="Arial" panose="020B0604020202020204" pitchFamily="34" charset="0"/>
+              <a:buChar char="•"/>
+            </a:pPr>
+            <a:r>
+              <a:rPr lang="ru-RU" sz="2000" dirty="0"/>
+              <a:t>Менеджер проекта</a:t>
+            </a:r>
+            <a:endParaRPr lang="en-US" sz="2000" dirty="0"/>
+          </a:p>
+        </p:txBody>
+      </p:sp>
+      <p:sp>
+        <p:nvSpPr>
+          <p:cNvPr id="5" name="Объект 2">
+            <a:extLst>
+              <a:ext uri="{FF2B5EF4-FFF2-40B4-BE49-F238E27FC236}">
+                <a16:creationId xmlns:a16="http://schemas.microsoft.com/office/drawing/2014/main" id="{23662E78-EF33-4F09-ACFF-7ABD7BC38AF8}"/>
+              </a:ext>
+            </a:extLst>
+          </p:cNvPr>
+          <p:cNvSpPr txBox="1">
+            <a:spLocks/>
+          </p:cNvSpPr>
+          <p:nvPr/>
+        </p:nvSpPr>
+        <p:spPr>
+          <a:xfrm>
+            <a:off x="3484606" y="2160589"/>
+            <a:ext cx="3019168" cy="3880773"/>
+          </a:xfrm>
+          <a:prstGeom prst="rect">
+            <a:avLst/>
+          </a:prstGeom>
+        </p:spPr>
+        <p:txBody>
+          <a:bodyPr vert="horz" lIns="91440" tIns="45720" rIns="91440" bIns="45720" rtlCol="0">
+            <a:normAutofit/>
+          </a:bodyPr>
+          <a:lstStyle>
+            <a:lvl1pPr marL="342900" indent="-342900" algn="l" defTabSz="457200" rtl="0" eaLnBrk="1" latinLnBrk="0" hangingPunct="1">
+              <a:spcBef>
+                <a:spcPts val="1000"/>
+              </a:spcBef>
+              <a:spcAft>
+                <a:spcPts val="0"/>
+              </a:spcAft>
+              <a:buClr>
+                <a:schemeClr val="accent1"/>
+              </a:buClr>
+              <a:buSzPct val="80000"/>
+              <a:buFont typeface="Wingdings 3" charset="2"/>
+              <a:buChar char=""/>
+              <a:defRPr sz="1800" kern="1200">
+                <a:solidFill>
+                  <a:schemeClr val="tx1">
+                    <a:lumMod val="75000"/>
+                    <a:lumOff val="25000"/>
+                  </a:schemeClr>
+                </a:solidFill>
+                <a:latin typeface="+mn-lt"/>
+                <a:ea typeface="+mn-ea"/>
+                <a:cs typeface="+mn-cs"/>
+              </a:defRPr>
+            </a:lvl1pPr>
+            <a:lvl2pPr marL="742950" indent="-285750" algn="l" defTabSz="457200" rtl="0" eaLnBrk="1" latinLnBrk="0" hangingPunct="1">
+              <a:spcBef>
+                <a:spcPts val="1000"/>
+              </a:spcBef>
+              <a:spcAft>
+                <a:spcPts val="0"/>
+              </a:spcAft>
+              <a:buClr>
+                <a:schemeClr val="accent1"/>
+              </a:buClr>
+              <a:buSzPct val="80000"/>
+              <a:buFont typeface="Wingdings 3" charset="2"/>
+              <a:buChar char=""/>
+              <a:defRPr sz="1600" kern="1200">
+                <a:solidFill>
+                  <a:schemeClr val="tx1">
+                    <a:lumMod val="75000"/>
+                    <a:lumOff val="25000"/>
+                  </a:schemeClr>
+                </a:solidFill>
+                <a:latin typeface="+mn-lt"/>
+                <a:ea typeface="+mn-ea"/>
+                <a:cs typeface="+mn-cs"/>
+              </a:defRPr>
+            </a:lvl2pPr>
+            <a:lvl3pPr marL="1143000" indent="-228600" algn="l" defTabSz="457200" rtl="0" eaLnBrk="1" latinLnBrk="0" hangingPunct="1">
+              <a:spcBef>
+                <a:spcPts val="1000"/>
+              </a:spcBef>
+              <a:spcAft>
+                <a:spcPts val="0"/>
+              </a:spcAft>
+              <a:buClr>
+                <a:schemeClr val="accent1"/>
+              </a:buClr>
+              <a:buSzPct val="80000"/>
+              <a:buFont typeface="Wingdings 3" charset="2"/>
+              <a:buChar char=""/>
+              <a:defRPr sz="1400" kern="1200">
+                <a:solidFill>
+                  <a:schemeClr val="tx1">
+                    <a:lumMod val="75000"/>
+                    <a:lumOff val="25000"/>
+                  </a:schemeClr>
+                </a:solidFill>
+                <a:latin typeface="+mn-lt"/>
+                <a:ea typeface="+mn-ea"/>
+                <a:cs typeface="+mn-cs"/>
+              </a:defRPr>
+            </a:lvl3pPr>
+            <a:lvl4pPr marL="1600200" indent="-228600" algn="l" defTabSz="457200" rtl="0" eaLnBrk="1" latinLnBrk="0" hangingPunct="1">
+              <a:spcBef>
+                <a:spcPts val="1000"/>
+              </a:spcBef>
+              <a:spcAft>
+                <a:spcPts val="0"/>
+              </a:spcAft>
+              <a:buClr>
+                <a:schemeClr val="accent1"/>
+              </a:buClr>
+              <a:buSzPct val="80000"/>
+              <a:buFont typeface="Wingdings 3" charset="2"/>
+              <a:buChar char=""/>
+              <a:defRPr sz="1200" kern="1200">
+                <a:solidFill>
+                  <a:schemeClr val="tx1">
+                    <a:lumMod val="75000"/>
+                    <a:lumOff val="25000"/>
+                  </a:schemeClr>
+                </a:solidFill>
+                <a:latin typeface="+mn-lt"/>
+                <a:ea typeface="+mn-ea"/>
+                <a:cs typeface="+mn-cs"/>
+              </a:defRPr>
+            </a:lvl4pPr>
+            <a:lvl5pPr marL="2057400" indent="-228600" algn="l" defTabSz="457200" rtl="0" eaLnBrk="1" latinLnBrk="0" hangingPunct="1">
+              <a:spcBef>
+                <a:spcPts val="1000"/>
+              </a:spcBef>
+              <a:spcAft>
+                <a:spcPts val="0"/>
+              </a:spcAft>
+              <a:buClr>
+                <a:schemeClr val="accent1"/>
+              </a:buClr>
+              <a:buSzPct val="80000"/>
+              <a:buFont typeface="Wingdings 3" charset="2"/>
+              <a:buChar char=""/>
+              <a:defRPr sz="1200" kern="1200">
+                <a:solidFill>
+                  <a:schemeClr val="tx1">
+                    <a:lumMod val="75000"/>
+                    <a:lumOff val="25000"/>
+                  </a:schemeClr>
+                </a:solidFill>
+                <a:latin typeface="+mn-lt"/>
+                <a:ea typeface="+mn-ea"/>
+                <a:cs typeface="+mn-cs"/>
+              </a:defRPr>
+            </a:lvl5pPr>
+            <a:lvl6pPr marL="2514600" indent="-228600" algn="l" defTabSz="457200" rtl="0" eaLnBrk="1" latinLnBrk="0" hangingPunct="1">
+              <a:spcBef>
+                <a:spcPts val="1000"/>
+              </a:spcBef>
+              <a:spcAft>
+                <a:spcPts val="0"/>
+              </a:spcAft>
+              <a:buClr>
+                <a:schemeClr val="accent1"/>
+              </a:buClr>
+              <a:buSzPct val="80000"/>
+              <a:buFont typeface="Wingdings 3" charset="2"/>
+              <a:buChar char=""/>
+              <a:defRPr sz="1200" kern="1200">
+                <a:solidFill>
+                  <a:schemeClr val="tx1">
+                    <a:lumMod val="75000"/>
+                    <a:lumOff val="25000"/>
+                  </a:schemeClr>
+                </a:solidFill>
+                <a:latin typeface="+mn-lt"/>
+                <a:ea typeface="+mn-ea"/>
+                <a:cs typeface="+mn-cs"/>
+              </a:defRPr>
+            </a:lvl6pPr>
+            <a:lvl7pPr marL="2971800" indent="-228600" algn="l" defTabSz="457200" rtl="0" eaLnBrk="1" latinLnBrk="0" hangingPunct="1">
+              <a:spcBef>
+                <a:spcPts val="1000"/>
+              </a:spcBef>
+              <a:spcAft>
+                <a:spcPts val="0"/>
+              </a:spcAft>
+              <a:buClr>
+                <a:schemeClr val="accent1"/>
+              </a:buClr>
+              <a:buSzPct val="80000"/>
+              <a:buFont typeface="Wingdings 3" charset="2"/>
+              <a:buChar char=""/>
+              <a:defRPr sz="1200" kern="1200">
+                <a:solidFill>
+                  <a:schemeClr val="tx1">
+                    <a:lumMod val="75000"/>
+                    <a:lumOff val="25000"/>
+                  </a:schemeClr>
+                </a:solidFill>
+                <a:latin typeface="+mn-lt"/>
+                <a:ea typeface="+mn-ea"/>
+                <a:cs typeface="+mn-cs"/>
+              </a:defRPr>
+            </a:lvl7pPr>
+            <a:lvl8pPr marL="3429000" indent="-228600" algn="l" defTabSz="457200" rtl="0" eaLnBrk="1" latinLnBrk="0" hangingPunct="1">
+              <a:spcBef>
+                <a:spcPts val="1000"/>
+              </a:spcBef>
+              <a:spcAft>
+                <a:spcPts val="0"/>
+              </a:spcAft>
+              <a:buClr>
+                <a:schemeClr val="accent1"/>
+              </a:buClr>
+              <a:buSzPct val="80000"/>
+              <a:buFont typeface="Wingdings 3" charset="2"/>
+              <a:buChar char=""/>
+              <a:defRPr sz="1200" kern="1200">
+                <a:solidFill>
+                  <a:schemeClr val="tx1">
+                    <a:lumMod val="75000"/>
+                    <a:lumOff val="25000"/>
+                  </a:schemeClr>
+                </a:solidFill>
+                <a:latin typeface="+mn-lt"/>
+                <a:ea typeface="+mn-ea"/>
+                <a:cs typeface="+mn-cs"/>
+              </a:defRPr>
+            </a:lvl8pPr>
+            <a:lvl9pPr marL="3886200" indent="-228600" algn="l" defTabSz="457200" rtl="0" eaLnBrk="1" latinLnBrk="0" hangingPunct="1">
+              <a:spcBef>
+                <a:spcPts val="1000"/>
+              </a:spcBef>
+              <a:spcAft>
+                <a:spcPts val="0"/>
+              </a:spcAft>
+              <a:buClr>
+                <a:schemeClr val="accent1"/>
+              </a:buClr>
+              <a:buSzPct val="80000"/>
+              <a:buFont typeface="Wingdings 3" charset="2"/>
+              <a:buChar char=""/>
+              <a:defRPr sz="1200" kern="1200">
+                <a:solidFill>
+                  <a:schemeClr val="tx1">
+                    <a:lumMod val="75000"/>
+                    <a:lumOff val="25000"/>
+                  </a:schemeClr>
+                </a:solidFill>
+                <a:latin typeface="+mn-lt"/>
+                <a:ea typeface="+mn-ea"/>
+                <a:cs typeface="+mn-cs"/>
+              </a:defRPr>
+            </a:lvl9pPr>
+          </a:lstStyle>
+          <a:p>
+            <a:pPr algn="ctr"/>
+            <a:r>
+              <a:rPr lang="ru-RU" sz="2000" dirty="0"/>
+              <a:t>Аксёнова Виктория</a:t>
+            </a:r>
+            <a:br>
+              <a:rPr lang="ru-RU" sz="2000" dirty="0"/>
+            </a:br>
+            <a:r>
+              <a:rPr lang="ru-RU" sz="2000" dirty="0"/>
+              <a:t>ИВТ-364</a:t>
+            </a:r>
+            <a:br>
+              <a:rPr lang="ru-RU" sz="2000" dirty="0"/>
+            </a:br>
+            <a:endParaRPr lang="ru-RU" sz="2000" dirty="0"/>
+          </a:p>
+          <a:p>
+            <a:pPr algn="ctr">
+              <a:buFont typeface="Arial" panose="020B0604020202020204" pitchFamily="34" charset="0"/>
+              <a:buChar char="•"/>
+            </a:pPr>
+            <a:r>
+              <a:rPr lang="ru-RU" sz="2000" dirty="0"/>
+              <a:t>Администрирование </a:t>
+            </a:r>
+            <a:r>
+              <a:rPr lang="en-US" sz="2000" dirty="0"/>
+              <a:t>MS SQL</a:t>
+            </a:r>
+            <a:endParaRPr lang="ru-RU" sz="2000" dirty="0"/>
+          </a:p>
+          <a:p>
+            <a:pPr algn="ctr">
+              <a:buFont typeface="Arial" panose="020B0604020202020204" pitchFamily="34" charset="0"/>
+              <a:buChar char="•"/>
+            </a:pPr>
+            <a:endParaRPr lang="ru-RU" sz="2000" dirty="0"/>
+          </a:p>
+          <a:p>
+            <a:pPr algn="ctr">
+              <a:buFont typeface="Arial" panose="020B0604020202020204" pitchFamily="34" charset="0"/>
+              <a:buChar char="•"/>
+            </a:pPr>
+            <a:r>
+              <a:rPr lang="ru-RU" sz="2000" dirty="0"/>
+              <a:t>Администрирование </a:t>
+            </a:r>
+            <a:r>
+              <a:rPr lang="en-US" sz="2000" dirty="0"/>
+              <a:t>SQLite</a:t>
+            </a:r>
+          </a:p>
+          <a:p>
+            <a:pPr algn="ctr">
+              <a:buFont typeface="Arial" panose="020B0604020202020204" pitchFamily="34" charset="0"/>
+              <a:buChar char="•"/>
+            </a:pPr>
+            <a:endParaRPr lang="en-US" sz="2000" dirty="0"/>
+          </a:p>
+        </p:txBody>
+      </p:sp>
+      <p:sp>
+        <p:nvSpPr>
+          <p:cNvPr id="9" name="Номер слайда 5">
+            <a:extLst>
+              <a:ext uri="{FF2B5EF4-FFF2-40B4-BE49-F238E27FC236}">
+                <a16:creationId xmlns:a16="http://schemas.microsoft.com/office/drawing/2014/main" id="{573359E6-FDE5-457F-8032-91A1E804C5DC}"/>
+              </a:ext>
+            </a:extLst>
+          </p:cNvPr>
+          <p:cNvSpPr>
+            <a:spLocks noGrp="1"/>
+          </p:cNvSpPr>
+          <p:nvPr>
+            <p:ph type="sldNum" sz="quarter" idx="12"/>
+          </p:nvPr>
+        </p:nvSpPr>
+        <p:spPr>
+          <a:xfrm>
+            <a:off x="10999317" y="6041362"/>
+            <a:ext cx="1192683" cy="365125"/>
+          </a:xfrm>
+        </p:spPr>
+        <p:txBody>
+          <a:bodyPr/>
+          <a:lstStyle/>
+          <a:p>
+            <a:fld id="{D57F1E4F-1CFF-5643-939E-217C01CDF565}" type="slidenum">
+              <a:rPr lang="en-US" sz="3600" smtClean="0">
+                <a:solidFill>
+                  <a:schemeClr val="bg1"/>
+                </a:solidFill>
+              </a:rPr>
+              <a:pPr/>
+              <a:t>4</a:t>
+            </a:fld>
+            <a:r>
+              <a:rPr lang="en-US" sz="3600" dirty="0">
+                <a:solidFill>
+                  <a:schemeClr val="bg1"/>
+                </a:solidFill>
+              </a:rPr>
+              <a:t>/1</a:t>
+            </a:r>
+            <a:r>
+              <a:rPr lang="ru-RU" sz="3600" dirty="0">
+                <a:solidFill>
+                  <a:schemeClr val="bg1"/>
+                </a:solidFill>
+              </a:rPr>
+              <a:t>6</a:t>
+            </a:r>
+            <a:endParaRPr lang="en-US" sz="3600" dirty="0">
+              <a:solidFill>
+                <a:schemeClr val="bg1"/>
+              </a:solidFill>
+            </a:endParaRPr>
+          </a:p>
+        </p:txBody>
+      </p:sp>
+    </p:spTree>
+    <p:extLst>
+      <p:ext uri="{BB962C8B-B14F-4D97-AF65-F5344CB8AC3E}">
+        <p14:creationId xmlns:p14="http://schemas.microsoft.com/office/powerpoint/2010/main" val="118479970"/>
+      </p:ext>
+    </p:extLst>
+  </p:cSld>
+  <p:clrMapOvr>
+    <a:masterClrMapping/>
+  </p:clrMapOvr>
+</p:sld>
+</file>
+
+<file path=ppt/slides/slide5.xml><?xml version="1.0" encoding="utf-8"?>
+<p:sld xmlns:a="http://schemas.openxmlformats.org/drawingml/2006/main" xmlns:r="http://schemas.openxmlformats.org/officeDocument/2006/relationships" xmlns:p="http://schemas.openxmlformats.org/presentationml/2006/main">
+  <p:cSld>
+    <p:spTree>
+      <p:nvGrpSpPr>
+        <p:cNvPr id="1" name=""/>
+        <p:cNvGrpSpPr/>
+        <p:nvPr/>
+      </p:nvGrpSpPr>
+      <p:grpSpPr>
+        <a:xfrm>
+          <a:off x="0" y="0"/>
+          <a:ext cx="0" cy="0"/>
+          <a:chOff x="0" y="0"/>
+          <a:chExt cx="0" cy="0"/>
+        </a:xfrm>
+      </p:grpSpPr>
+      <p:sp>
+        <p:nvSpPr>
+          <p:cNvPr id="2" name="Заголовок 1">
+            <a:extLst>
+              <a:ext uri="{FF2B5EF4-FFF2-40B4-BE49-F238E27FC236}">
                 <a16:creationId xmlns:a16="http://schemas.microsoft.com/office/drawing/2014/main" id="{26B03773-AEDE-4C28-8DA0-8F3B67036B5B}"/>
               </a:ext>
             </a:extLst>
@@ -8424,7 +10012,12 @@
             <p:ph type="title"/>
           </p:nvPr>
         </p:nvSpPr>
-        <p:spPr/>
+        <p:spPr>
+          <a:xfrm>
+            <a:off x="677334" y="0"/>
+            <a:ext cx="8596668" cy="1320800"/>
+          </a:xfrm>
+        </p:spPr>
         <p:txBody>
           <a:bodyPr/>
           <a:lstStyle/>
@@ -8455,7 +10048,7 @@
         </p:nvSpPr>
         <p:spPr>
           <a:xfrm>
-            <a:off x="2568380" y="2030346"/>
+            <a:off x="2568380" y="1765715"/>
             <a:ext cx="3934020" cy="789155"/>
           </a:xfrm>
         </p:spPr>
@@ -8503,7 +10096,7 @@
         </p:blipFill>
         <p:spPr bwMode="auto">
           <a:xfrm>
-            <a:off x="350026" y="1270000"/>
+            <a:off x="350026" y="1005369"/>
             <a:ext cx="2218354" cy="2218354"/>
           </a:xfrm>
           <a:prstGeom prst="rect">
@@ -8550,7 +10143,7 @@
         </p:blipFill>
         <p:spPr bwMode="auto">
           <a:xfrm>
-            <a:off x="7217850" y="2721864"/>
+            <a:off x="7217850" y="2400360"/>
             <a:ext cx="2245166" cy="2245166"/>
           </a:xfrm>
           <a:prstGeom prst="rect">
@@ -8597,7 +10190,7 @@
         </p:blipFill>
         <p:spPr bwMode="auto">
           <a:xfrm>
-            <a:off x="2149049" y="4639646"/>
+            <a:off x="2149049" y="4419832"/>
             <a:ext cx="2218354" cy="2218354"/>
           </a:xfrm>
           <a:prstGeom prst="rect">
@@ -8631,7 +10224,7 @@
         </p:nvSpPr>
         <p:spPr>
           <a:xfrm>
-            <a:off x="4357585" y="5247073"/>
+            <a:off x="4357585" y="5027259"/>
             <a:ext cx="4475631" cy="836647"/>
           </a:xfrm>
           <a:prstGeom prst="rect">
@@ -8893,7 +10486,7 @@
         </p:nvSpPr>
         <p:spPr>
           <a:xfrm>
-            <a:off x="3554812" y="3507266"/>
+            <a:off x="3554812" y="3185762"/>
             <a:ext cx="4475630" cy="900314"/>
           </a:xfrm>
           <a:prstGeom prst="rect">
@@ -9164,7 +10757,7 @@
         </p:blipFill>
         <p:spPr>
           <a:xfrm rot="10800000">
-            <a:off x="6826606" y="3558511"/>
+            <a:off x="6826606" y="3237007"/>
             <a:ext cx="391244" cy="550640"/>
           </a:xfrm>
           <a:prstGeom prst="rect">
@@ -9190,7 +10783,7 @@
         </p:nvSpPr>
         <p:spPr>
           <a:xfrm>
-            <a:off x="8081319" y="6041362"/>
+            <a:off x="10999317" y="6041362"/>
             <a:ext cx="1192683" cy="365125"/>
           </a:xfrm>
         </p:spPr>
@@ -9199,14 +10792,35 @@
           <a:lstStyle/>
           <a:p>
             <a:fld id="{D57F1E4F-1CFF-5643-939E-217C01CDF565}" type="slidenum">
-              <a:rPr lang="en-US" sz="3600" smtClean="0"/>
+              <a:rPr lang="en-US" sz="3600" smtClean="0">
+                <a:solidFill>
+                  <a:schemeClr val="bg1"/>
+                </a:solidFill>
+              </a:rPr>
               <a:pPr/>
+              <a:t>5</a:t>
+            </a:fld>
+            <a:r>
+              <a:rPr lang="en-US" sz="3600" dirty="0">
+                <a:solidFill>
+                  <a:schemeClr val="bg1"/>
+                </a:solidFill>
+              </a:rPr>
+              <a:t>/1</a:t>
+            </a:r>
+            <a:r>
+              <a:rPr lang="ru-RU" sz="3600" dirty="0">
+                <a:solidFill>
+                  <a:schemeClr val="bg1"/>
+                </a:solidFill>
+              </a:rPr>
               <a:t>6</a:t>
-            </a:fld>
-            <a:r>
-              <a:rPr lang="en-US" sz="3600" dirty="0"/>
-              <a:t>/12</a:t>
-            </a:r>
+            </a:r>
+            <a:endParaRPr lang="en-US" sz="3600" dirty="0">
+              <a:solidFill>
+                <a:schemeClr val="bg1"/>
+              </a:solidFill>
+            </a:endParaRPr>
           </a:p>
         </p:txBody>
       </p:sp>
@@ -9214,6 +10828,198 @@
     <p:extLst>
       <p:ext uri="{BB962C8B-B14F-4D97-AF65-F5344CB8AC3E}">
         <p14:creationId xmlns:p14="http://schemas.microsoft.com/office/powerpoint/2010/main" val="3584036860"/>
+      </p:ext>
+    </p:extLst>
+  </p:cSld>
+  <p:clrMapOvr>
+    <a:masterClrMapping/>
+  </p:clrMapOvr>
+</p:sld>
+</file>
+
+<file path=ppt/slides/slide6.xml><?xml version="1.0" encoding="utf-8"?>
+<p:sld xmlns:a="http://schemas.openxmlformats.org/drawingml/2006/main" xmlns:r="http://schemas.openxmlformats.org/officeDocument/2006/relationships" xmlns:p="http://schemas.openxmlformats.org/presentationml/2006/main">
+  <p:cSld>
+    <p:spTree>
+      <p:nvGrpSpPr>
+        <p:cNvPr id="1" name=""/>
+        <p:cNvGrpSpPr/>
+        <p:nvPr/>
+      </p:nvGrpSpPr>
+      <p:grpSpPr>
+        <a:xfrm>
+          <a:off x="0" y="0"/>
+          <a:ext cx="0" cy="0"/>
+          <a:chOff x="0" y="0"/>
+          <a:chExt cx="0" cy="0"/>
+        </a:xfrm>
+      </p:grpSpPr>
+      <p:sp>
+        <p:nvSpPr>
+          <p:cNvPr id="2" name="Заголовок 1">
+            <a:extLst>
+              <a:ext uri="{FF2B5EF4-FFF2-40B4-BE49-F238E27FC236}">
+                <a16:creationId xmlns:a16="http://schemas.microsoft.com/office/drawing/2014/main" id="{880A8314-2189-465F-A3D4-C6195758EAE5}"/>
+              </a:ext>
+            </a:extLst>
+          </p:cNvPr>
+          <p:cNvSpPr>
+            <a:spLocks noGrp="1"/>
+          </p:cNvSpPr>
+          <p:nvPr>
+            <p:ph type="title"/>
+          </p:nvPr>
+        </p:nvSpPr>
+        <p:spPr>
+          <a:xfrm>
+            <a:off x="677334" y="0"/>
+            <a:ext cx="8596668" cy="1320800"/>
+          </a:xfrm>
+        </p:spPr>
+        <p:txBody>
+          <a:bodyPr/>
+          <a:lstStyle/>
+          <a:p>
+            <a:pPr algn="ctr"/>
+            <a:r>
+              <a:rPr lang="ru-RU" dirty="0"/>
+              <a:t>Описание хранимых данных в</a:t>
+            </a:r>
+            <a:br>
+              <a:rPr lang="ru-RU" dirty="0"/>
+            </a:br>
+            <a:r>
+              <a:rPr lang="ru-RU" dirty="0"/>
+              <a:t>каждой из используемых БД</a:t>
+            </a:r>
+          </a:p>
+        </p:txBody>
+      </p:sp>
+      <p:sp>
+        <p:nvSpPr>
+          <p:cNvPr id="3" name="Объект 2">
+            <a:extLst>
+              <a:ext uri="{FF2B5EF4-FFF2-40B4-BE49-F238E27FC236}">
+                <a16:creationId xmlns:a16="http://schemas.microsoft.com/office/drawing/2014/main" id="{E9D633EE-5329-4FC6-A6D9-960C6AC57103}"/>
+              </a:ext>
+            </a:extLst>
+          </p:cNvPr>
+          <p:cNvSpPr>
+            <a:spLocks noGrp="1"/>
+          </p:cNvSpPr>
+          <p:nvPr>
+            <p:ph idx="1"/>
+          </p:nvPr>
+        </p:nvSpPr>
+        <p:spPr>
+          <a:xfrm>
+            <a:off x="3462881" y="1789886"/>
+            <a:ext cx="3025574" cy="3850481"/>
+          </a:xfrm>
+        </p:spPr>
+        <p:txBody>
+          <a:bodyPr>
+            <a:normAutofit/>
+          </a:bodyPr>
+          <a:lstStyle/>
+          <a:p>
+            <a:r>
+              <a:rPr lang="ru-RU" sz="3900" dirty="0"/>
+              <a:t>Персонаж</a:t>
+            </a:r>
+          </a:p>
+          <a:p>
+            <a:r>
+              <a:rPr lang="ru-RU" sz="3900" dirty="0"/>
+              <a:t>Сюжет</a:t>
+            </a:r>
+          </a:p>
+          <a:p>
+            <a:r>
+              <a:rPr lang="ru-RU" sz="3900" dirty="0"/>
+              <a:t>Звук</a:t>
+            </a:r>
+          </a:p>
+          <a:p>
+            <a:r>
+              <a:rPr lang="ru-RU" sz="3900" dirty="0"/>
+              <a:t>Записки</a:t>
+            </a:r>
+          </a:p>
+          <a:p>
+            <a:r>
+              <a:rPr lang="ru-RU" sz="3900" dirty="0"/>
+              <a:t>Концовки</a:t>
+            </a:r>
+          </a:p>
+          <a:p>
+            <a:endParaRPr lang="ru-RU" sz="3600" dirty="0"/>
+          </a:p>
+        </p:txBody>
+      </p:sp>
+      <p:sp>
+        <p:nvSpPr>
+          <p:cNvPr id="6" name="Номер слайда 5">
+            <a:extLst>
+              <a:ext uri="{FF2B5EF4-FFF2-40B4-BE49-F238E27FC236}">
+                <a16:creationId xmlns:a16="http://schemas.microsoft.com/office/drawing/2014/main" id="{35DB0B31-6320-4583-9179-4FCE5E2052B1}"/>
+              </a:ext>
+            </a:extLst>
+          </p:cNvPr>
+          <p:cNvSpPr>
+            <a:spLocks noGrp="1"/>
+          </p:cNvSpPr>
+          <p:nvPr>
+            <p:ph type="sldNum" sz="quarter" idx="12"/>
+          </p:nvPr>
+        </p:nvSpPr>
+        <p:spPr>
+          <a:xfrm>
+            <a:off x="10999317" y="6041362"/>
+            <a:ext cx="1192683" cy="365125"/>
+          </a:xfrm>
+        </p:spPr>
+        <p:txBody>
+          <a:bodyPr/>
+          <a:lstStyle/>
+          <a:p>
+            <a:fld id="{D57F1E4F-1CFF-5643-939E-217C01CDF565}" type="slidenum">
+              <a:rPr lang="en-US" sz="3600" smtClean="0">
+                <a:solidFill>
+                  <a:schemeClr val="bg1"/>
+                </a:solidFill>
+              </a:rPr>
+              <a:pPr/>
+              <a:t>6</a:t>
+            </a:fld>
+            <a:r>
+              <a:rPr lang="en-US" sz="3600" dirty="0">
+                <a:solidFill>
+                  <a:schemeClr val="bg1"/>
+                </a:solidFill>
+              </a:rPr>
+              <a:t>/1</a:t>
+            </a:r>
+            <a:r>
+              <a:rPr lang="ru-RU" sz="3600" dirty="0">
+                <a:solidFill>
+                  <a:schemeClr val="bg1"/>
+                </a:solidFill>
+              </a:rPr>
+              <a:t>6</a:t>
+            </a:r>
+            <a:endParaRPr lang="en-US" sz="3600" dirty="0">
+              <a:solidFill>
+                <a:schemeClr val="bg1"/>
+              </a:solidFill>
+            </a:endParaRPr>
+          </a:p>
+        </p:txBody>
+      </p:sp>
+    </p:spTree>
+    <p:extLst>
+      <p:ext uri="{BB962C8B-B14F-4D97-AF65-F5344CB8AC3E}">
+        <p14:creationId xmlns:p14="http://schemas.microsoft.com/office/powerpoint/2010/main" val="2691694289"/>
       </p:ext>
     </p:extLst>
   </p:cSld>
@@ -9245,7 +11051,7 @@
           <p:cNvPr id="2" name="Заголовок 1">
             <a:extLst>
               <a:ext uri="{FF2B5EF4-FFF2-40B4-BE49-F238E27FC236}">
-                <a16:creationId xmlns:a16="http://schemas.microsoft.com/office/drawing/2014/main" id="{880A8314-2189-465F-A3D4-C6195758EAE5}"/>
+                <a16:creationId xmlns:a16="http://schemas.microsoft.com/office/drawing/2014/main" id="{1408F5FF-F097-449F-A002-05D9752AAF22}"/>
               </a:ext>
             </a:extLst>
           </p:cNvPr>
@@ -9256,7 +11062,12 @@
             <p:ph type="title"/>
           </p:nvPr>
         </p:nvSpPr>
-        <p:spPr/>
+        <p:spPr>
+          <a:xfrm>
+            <a:off x="677334" y="0"/>
+            <a:ext cx="8596668" cy="1320800"/>
+          </a:xfrm>
+        </p:spPr>
         <p:txBody>
           <a:bodyPr/>
           <a:lstStyle/>
@@ -9264,14 +11075,14 @@
             <a:pPr algn="ctr"/>
             <a:r>
               <a:rPr lang="ru-RU" dirty="0"/>
-              <a:t>Описание хранимых данных в</a:t>
+              <a:t>Перечень основных операций с</a:t>
             </a:r>
             <a:br>
               <a:rPr lang="ru-RU" dirty="0"/>
             </a:br>
             <a:r>
               <a:rPr lang="ru-RU" dirty="0"/>
-              <a:t>каждой из используемых БД</a:t>
+              <a:t>базами данных</a:t>
             </a:r>
           </a:p>
         </p:txBody>
@@ -9281,7 +11092,7 @@
           <p:cNvPr id="3" name="Объект 2">
             <a:extLst>
               <a:ext uri="{FF2B5EF4-FFF2-40B4-BE49-F238E27FC236}">
-                <a16:creationId xmlns:a16="http://schemas.microsoft.com/office/drawing/2014/main" id="{E9D633EE-5329-4FC6-A6D9-960C6AC57103}"/>
+                <a16:creationId xmlns:a16="http://schemas.microsoft.com/office/drawing/2014/main" id="{77FA3B7B-72DF-4124-9210-E5C4395D1B92}"/>
               </a:ext>
             </a:extLst>
           </p:cNvPr>
@@ -9294,8 +11105,8 @@
         </p:nvSpPr>
         <p:spPr>
           <a:xfrm>
-            <a:off x="3634718" y="2556006"/>
-            <a:ext cx="2461282" cy="3053962"/>
+            <a:off x="677333" y="1728573"/>
+            <a:ext cx="8981261" cy="4919362"/>
           </a:xfrm>
         </p:spPr>
         <p:txBody>
@@ -9304,33 +11115,45 @@
           </a:bodyPr>
           <a:lstStyle/>
           <a:p>
+            <a:pPr marL="0" indent="0">
+              <a:buNone/>
+            </a:pPr>
+            <a:r>
+              <a:rPr lang="ru-RU" sz="3200" b="1" dirty="0"/>
+              <a:t>Примеры составных запросов</a:t>
+            </a:r>
+          </a:p>
+          <a:p>
             <a:r>
               <a:rPr lang="ru-RU" sz="3200" dirty="0"/>
-              <a:t>Персонаж</a:t>
+              <a:t>Получение информации о параметрах игры.</a:t>
+            </a:r>
+          </a:p>
+          <a:p>
+            <a:pPr marL="0" indent="0">
+              <a:buNone/>
+            </a:pPr>
+            <a:endParaRPr lang="ru-RU" sz="3200" b="1" dirty="0"/>
+          </a:p>
+          <a:p>
+            <a:pPr marL="0" indent="0">
+              <a:buNone/>
+            </a:pPr>
+            <a:r>
+              <a:rPr lang="ru-RU" sz="3200" b="1" dirty="0"/>
+              <a:t>Выборка данных</a:t>
             </a:r>
           </a:p>
           <a:p>
             <a:r>
               <a:rPr lang="ru-RU" sz="3200" dirty="0"/>
-              <a:t>Сюжет</a:t>
+              <a:t>Получение пользователем информации о характеристиках персонажа.</a:t>
             </a:r>
           </a:p>
           <a:p>
             <a:r>
               <a:rPr lang="ru-RU" sz="3200" dirty="0"/>
-              <a:t>Звук</a:t>
-            </a:r>
-          </a:p>
-          <a:p>
-            <a:r>
-              <a:rPr lang="ru-RU" sz="3200" dirty="0"/>
-              <a:t>Записки</a:t>
-            </a:r>
-          </a:p>
-          <a:p>
-            <a:r>
-              <a:rPr lang="ru-RU" sz="3200" dirty="0"/>
-              <a:t>Концовки</a:t>
+              <a:t>Получение пользователем подробной информации о развитии игры.</a:t>
             </a:r>
           </a:p>
           <a:p>
@@ -9340,10 +11163,10 @@
       </p:sp>
       <p:sp>
         <p:nvSpPr>
-          <p:cNvPr id="6" name="Номер слайда 5">
+          <p:cNvPr id="5" name="Номер слайда 5">
             <a:extLst>
               <a:ext uri="{FF2B5EF4-FFF2-40B4-BE49-F238E27FC236}">
-                <a16:creationId xmlns:a16="http://schemas.microsoft.com/office/drawing/2014/main" id="{35DB0B31-6320-4583-9179-4FCE5E2052B1}"/>
+                <a16:creationId xmlns:a16="http://schemas.microsoft.com/office/drawing/2014/main" id="{8FE86237-4B62-4945-B471-BFB828E50973}"/>
               </a:ext>
             </a:extLst>
           </p:cNvPr>
@@ -9356,7 +11179,7 @@
         </p:nvSpPr>
         <p:spPr>
           <a:xfrm>
-            <a:off x="8081319" y="6041362"/>
+            <a:off x="10999317" y="6041362"/>
             <a:ext cx="1192683" cy="365125"/>
           </a:xfrm>
         </p:spPr>
@@ -9365,21 +11188,42 @@
           <a:lstStyle/>
           <a:p>
             <a:fld id="{D57F1E4F-1CFF-5643-939E-217C01CDF565}" type="slidenum">
-              <a:rPr lang="en-US" sz="3600" smtClean="0"/>
+              <a:rPr lang="en-US" sz="3600" smtClean="0">
+                <a:solidFill>
+                  <a:schemeClr val="bg1"/>
+                </a:solidFill>
+              </a:rPr>
               <a:pPr/>
               <a:t>7</a:t>
             </a:fld>
             <a:r>
-              <a:rPr lang="en-US" sz="3600" dirty="0"/>
-              <a:t>/12</a:t>
-            </a:r>
+              <a:rPr lang="en-US" sz="3600" dirty="0">
+                <a:solidFill>
+                  <a:schemeClr val="bg1"/>
+                </a:solidFill>
+              </a:rPr>
+              <a:t>/1</a:t>
+            </a:r>
+            <a:r>
+              <a:rPr lang="ru-RU" sz="3600" dirty="0">
+                <a:solidFill>
+                  <a:schemeClr val="bg1"/>
+                </a:solidFill>
+              </a:rPr>
+              <a:t>6</a:t>
+            </a:r>
+            <a:endParaRPr lang="en-US" sz="3600" dirty="0">
+              <a:solidFill>
+                <a:schemeClr val="bg1"/>
+              </a:solidFill>
+            </a:endParaRPr>
           </a:p>
         </p:txBody>
       </p:sp>
     </p:spTree>
     <p:extLst>
       <p:ext uri="{BB962C8B-B14F-4D97-AF65-F5344CB8AC3E}">
-        <p14:creationId xmlns:p14="http://schemas.microsoft.com/office/powerpoint/2010/main" val="2691694289"/>
+        <p14:creationId xmlns:p14="http://schemas.microsoft.com/office/powerpoint/2010/main" val="666216987"/>
       </p:ext>
     </p:extLst>
   </p:cSld>
@@ -9411,7 +11255,7 @@
           <p:cNvPr id="2" name="Заголовок 1">
             <a:extLst>
               <a:ext uri="{FF2B5EF4-FFF2-40B4-BE49-F238E27FC236}">
-                <a16:creationId xmlns:a16="http://schemas.microsoft.com/office/drawing/2014/main" id="{1408F5FF-F097-449F-A002-05D9752AAF22}"/>
+                <a16:creationId xmlns:a16="http://schemas.microsoft.com/office/drawing/2014/main" id="{85E5A39E-E77F-4265-BF9C-628469EED62C}"/>
               </a:ext>
             </a:extLst>
           </p:cNvPr>
@@ -9422,7 +11266,12 @@
             <p:ph type="title"/>
           </p:nvPr>
         </p:nvSpPr>
-        <p:spPr/>
+        <p:spPr>
+          <a:xfrm>
+            <a:off x="0" y="0"/>
+            <a:ext cx="9788839" cy="1320800"/>
+          </a:xfrm>
+        </p:spPr>
         <p:txBody>
           <a:bodyPr/>
           <a:lstStyle/>
@@ -9430,93 +11279,66 @@
             <a:pPr algn="ctr"/>
             <a:r>
               <a:rPr lang="ru-RU" dirty="0"/>
-              <a:t>Перечень основных операций с</a:t>
-            </a:r>
-            <a:br>
-              <a:rPr lang="ru-RU" dirty="0"/>
-            </a:br>
-            <a:r>
-              <a:rPr lang="ru-RU" dirty="0"/>
-              <a:t>базами данных</a:t>
-            </a:r>
-          </a:p>
-        </p:txBody>
-      </p:sp>
-      <p:sp>
-        <p:nvSpPr>
-          <p:cNvPr id="3" name="Объект 2">
+              <a:t>Структура баз данных на верхнем уровне</a:t>
+            </a:r>
+          </a:p>
+        </p:txBody>
+      </p:sp>
+      <p:pic>
+        <p:nvPicPr>
+          <p:cNvPr id="4098" name="Picture 2" descr="Dms_cw_ER_diag.png">
             <a:extLst>
               <a:ext uri="{FF2B5EF4-FFF2-40B4-BE49-F238E27FC236}">
-                <a16:creationId xmlns:a16="http://schemas.microsoft.com/office/drawing/2014/main" id="{77FA3B7B-72DF-4124-9210-E5C4395D1B92}"/>
+                <a16:creationId xmlns:a16="http://schemas.microsoft.com/office/drawing/2014/main" id="{02F1379B-442D-49BC-9699-E952749B9928}"/>
               </a:ext>
             </a:extLst>
           </p:cNvPr>
-          <p:cNvSpPr>
-            <a:spLocks noGrp="1"/>
-          </p:cNvSpPr>
+          <p:cNvPicPr>
+            <a:picLocks noGrp="1" noChangeAspect="1" noChangeArrowheads="1"/>
+          </p:cNvPicPr>
           <p:nvPr>
             <p:ph idx="1"/>
           </p:nvPr>
-        </p:nvSpPr>
-        <p:spPr/>
-        <p:txBody>
-          <a:bodyPr>
-            <a:normAutofit/>
-          </a:bodyPr>
-          <a:lstStyle/>
-          <a:p>
-            <a:pPr marL="0" indent="0">
-              <a:buNone/>
-            </a:pPr>
-            <a:r>
-              <a:rPr lang="ru-RU" sz="2400" b="1" dirty="0"/>
-              <a:t>Примеры составных запросов</a:t>
-            </a:r>
-          </a:p>
-          <a:p>
-            <a:r>
-              <a:rPr lang="ru-RU" sz="2400" dirty="0"/>
-              <a:t>Получение информации о параметрах игры.</a:t>
-            </a:r>
-          </a:p>
-          <a:p>
-            <a:pPr marL="0" indent="0">
-              <a:buNone/>
-            </a:pPr>
-            <a:endParaRPr lang="ru-RU" sz="2400" b="1" dirty="0"/>
-          </a:p>
-          <a:p>
-            <a:pPr marL="0" indent="0">
-              <a:buNone/>
-            </a:pPr>
-            <a:r>
-              <a:rPr lang="ru-RU" sz="2400" b="1" dirty="0"/>
-              <a:t>Выборка данных</a:t>
-            </a:r>
-          </a:p>
-          <a:p>
-            <a:r>
-              <a:rPr lang="ru-RU" sz="2400" dirty="0"/>
-              <a:t>Получение пользователем информации о характеристиках персонажа.</a:t>
-            </a:r>
-          </a:p>
-          <a:p>
-            <a:r>
-              <a:rPr lang="ru-RU" sz="2400" dirty="0"/>
-              <a:t>Получение пользователем подробной информации о развитии игры.</a:t>
-            </a:r>
-          </a:p>
-          <a:p>
-            <a:endParaRPr lang="ru-RU" sz="2400" dirty="0"/>
-          </a:p>
-        </p:txBody>
-      </p:sp>
+        </p:nvPicPr>
+        <p:blipFill>
+          <a:blip r:embed="rId2">
+            <a:extLst>
+              <a:ext uri="{28A0092B-C50C-407E-A947-70E740481C1C}">
+                <a14:useLocalDpi xmlns:a14="http://schemas.microsoft.com/office/drawing/2010/main" val="0"/>
+              </a:ext>
+            </a:extLst>
+          </a:blip>
+          <a:srcRect/>
+          <a:stretch>
+            <a:fillRect/>
+          </a:stretch>
+        </p:blipFill>
+        <p:spPr bwMode="auto">
+          <a:xfrm>
+            <a:off x="405486" y="867718"/>
+            <a:ext cx="8825011" cy="5545164"/>
+          </a:xfrm>
+          <a:prstGeom prst="rect">
+            <a:avLst/>
+          </a:prstGeom>
+          <a:noFill/>
+          <a:extLst>
+            <a:ext uri="{909E8E84-426E-40DD-AFC4-6F175D3DCCD1}">
+              <a14:hiddenFill xmlns:a14="http://schemas.microsoft.com/office/drawing/2010/main">
+                <a:solidFill>
+                  <a:srgbClr val="FFFFFF"/>
+                </a:solidFill>
+              </a14:hiddenFill>
+            </a:ext>
+          </a:extLst>
+        </p:spPr>
+      </p:pic>
       <p:sp>
         <p:nvSpPr>
           <p:cNvPr id="6" name="Номер слайда 5">
             <a:extLst>
               <a:ext uri="{FF2B5EF4-FFF2-40B4-BE49-F238E27FC236}">
-                <a16:creationId xmlns:a16="http://schemas.microsoft.com/office/drawing/2014/main" id="{78C893CA-12A5-4002-B12E-8E46BF994B04}"/>
+                <a16:creationId xmlns:a16="http://schemas.microsoft.com/office/drawing/2014/main" id="{1799D236-4F77-41CE-8A40-ECFCC76D2870}"/>
               </a:ext>
             </a:extLst>
           </p:cNvPr>
@@ -9529,7 +11351,7 @@
         </p:nvSpPr>
         <p:spPr>
           <a:xfrm>
-            <a:off x="8081319" y="6041362"/>
+            <a:off x="10999317" y="6041362"/>
             <a:ext cx="1192683" cy="365125"/>
           </a:xfrm>
         </p:spPr>
@@ -9538,21 +11360,42 @@
           <a:lstStyle/>
           <a:p>
             <a:fld id="{D57F1E4F-1CFF-5643-939E-217C01CDF565}" type="slidenum">
-              <a:rPr lang="en-US" sz="3600" smtClean="0"/>
+              <a:rPr lang="en-US" sz="3600" smtClean="0">
+                <a:solidFill>
+                  <a:schemeClr val="bg1"/>
+                </a:solidFill>
+              </a:rPr>
               <a:pPr/>
               <a:t>8</a:t>
             </a:fld>
             <a:r>
-              <a:rPr lang="en-US" sz="3600" dirty="0"/>
-              <a:t>/12</a:t>
-            </a:r>
+              <a:rPr lang="en-US" sz="3600" dirty="0">
+                <a:solidFill>
+                  <a:schemeClr val="bg1"/>
+                </a:solidFill>
+              </a:rPr>
+              <a:t>/1</a:t>
+            </a:r>
+            <a:r>
+              <a:rPr lang="ru-RU" sz="3600" dirty="0">
+                <a:solidFill>
+                  <a:schemeClr val="bg1"/>
+                </a:solidFill>
+              </a:rPr>
+              <a:t>6</a:t>
+            </a:r>
+            <a:endParaRPr lang="en-US" sz="3600" dirty="0">
+              <a:solidFill>
+                <a:schemeClr val="bg1"/>
+              </a:solidFill>
+            </a:endParaRPr>
           </a:p>
         </p:txBody>
       </p:sp>
     </p:spTree>
     <p:extLst>
       <p:ext uri="{BB962C8B-B14F-4D97-AF65-F5344CB8AC3E}">
-        <p14:creationId xmlns:p14="http://schemas.microsoft.com/office/powerpoint/2010/main" val="666216987"/>
+        <p14:creationId xmlns:p14="http://schemas.microsoft.com/office/powerpoint/2010/main" val="919346693"/>
       </p:ext>
     </p:extLst>
   </p:cSld>
@@ -9584,7 +11427,7 @@
           <p:cNvPr id="2" name="Заголовок 1">
             <a:extLst>
               <a:ext uri="{FF2B5EF4-FFF2-40B4-BE49-F238E27FC236}">
-                <a16:creationId xmlns:a16="http://schemas.microsoft.com/office/drawing/2014/main" id="{85E5A39E-E77F-4265-BF9C-628469EED62C}"/>
+                <a16:creationId xmlns:a16="http://schemas.microsoft.com/office/drawing/2014/main" id="{C37A47CB-8FD7-4364-AE7C-E3B4049545FD}"/>
               </a:ext>
             </a:extLst>
           </p:cNvPr>
@@ -9597,8 +11440,8 @@
         </p:nvSpPr>
         <p:spPr>
           <a:xfrm>
-            <a:off x="0" y="0"/>
-            <a:ext cx="9788839" cy="1320800"/>
+            <a:off x="-6005" y="0"/>
+            <a:ext cx="8596668" cy="1320800"/>
           </a:xfrm>
         </p:spPr>
         <p:txBody>
@@ -9608,66 +11451,47 @@
             <a:pPr algn="ctr"/>
             <a:r>
               <a:rPr lang="ru-RU" dirty="0"/>
-              <a:t>Структура баз данных на верхнем уровне</a:t>
+              <a:t>Модели баз данных (1/3)</a:t>
             </a:r>
           </a:p>
         </p:txBody>
       </p:sp>
       <p:pic>
         <p:nvPicPr>
-          <p:cNvPr id="4098" name="Picture 2" descr="Dms_cw_ER_diag.png">
+          <p:cNvPr id="6" name="Рисунок 5">
             <a:extLst>
               <a:ext uri="{FF2B5EF4-FFF2-40B4-BE49-F238E27FC236}">
-                <a16:creationId xmlns:a16="http://schemas.microsoft.com/office/drawing/2014/main" id="{02F1379B-442D-49BC-9699-E952749B9928}"/>
+                <a16:creationId xmlns:a16="http://schemas.microsoft.com/office/drawing/2014/main" id="{5E8D1268-8638-48F0-B9B3-4F3332C68085}"/>
               </a:ext>
             </a:extLst>
           </p:cNvPr>
           <p:cNvPicPr>
-            <a:picLocks noGrp="1" noChangeAspect="1" noChangeArrowheads="1"/>
+            <a:picLocks noChangeAspect="1"/>
           </p:cNvPicPr>
-          <p:nvPr>
-            <p:ph idx="1"/>
-          </p:nvPr>
+          <p:nvPr/>
         </p:nvPicPr>
         <p:blipFill>
-          <a:blip r:embed="rId2">
-            <a:extLst>
-              <a:ext uri="{28A0092B-C50C-407E-A947-70E740481C1C}">
-                <a14:useLocalDpi xmlns:a14="http://schemas.microsoft.com/office/drawing/2010/main" val="0"/>
-              </a:ext>
-            </a:extLst>
-          </a:blip>
-          <a:srcRect/>
+          <a:blip r:embed="rId2"/>
           <a:stretch>
             <a:fillRect/>
           </a:stretch>
         </p:blipFill>
-        <p:spPr bwMode="auto">
+        <p:spPr>
           <a:xfrm>
-            <a:off x="405486" y="867718"/>
-            <a:ext cx="8825011" cy="5545164"/>
+            <a:off x="2141264" y="660400"/>
+            <a:ext cx="6769168" cy="6197600"/>
           </a:xfrm>
           <a:prstGeom prst="rect">
             <a:avLst/>
           </a:prstGeom>
-          <a:noFill/>
-          <a:extLst>
-            <a:ext uri="{909E8E84-426E-40DD-AFC4-6F175D3DCCD1}">
-              <a14:hiddenFill xmlns:a14="http://schemas.microsoft.com/office/drawing/2010/main">
-                <a:solidFill>
-                  <a:srgbClr val="FFFFFF"/>
-                </a:solidFill>
-              </a14:hiddenFill>
-            </a:ext>
-          </a:extLst>
         </p:spPr>
       </p:pic>
       <p:sp>
         <p:nvSpPr>
-          <p:cNvPr id="6" name="Номер слайда 5">
+          <p:cNvPr id="8" name="Объект 2">
             <a:extLst>
               <a:ext uri="{FF2B5EF4-FFF2-40B4-BE49-F238E27FC236}">
-                <a16:creationId xmlns:a16="http://schemas.microsoft.com/office/drawing/2014/main" id="{1799D236-4F77-41CE-8A40-ECFCC76D2870}"/>
+                <a16:creationId xmlns:a16="http://schemas.microsoft.com/office/drawing/2014/main" id="{B11FCCFD-E2C6-43FD-9703-24CA914B2B0F}"/>
               </a:ext>
             </a:extLst>
           </p:cNvPr>
@@ -9675,35 +11499,91 @@
             <a:spLocks noGrp="1"/>
           </p:cNvSpPr>
           <p:nvPr>
-            <p:ph type="sldNum" sz="quarter" idx="12"/>
+            <p:ph idx="1"/>
           </p:nvPr>
         </p:nvSpPr>
         <p:spPr>
           <a:xfrm>
-            <a:off x="8081319" y="6041362"/>
-            <a:ext cx="1192683" cy="365125"/>
+            <a:off x="63041" y="3035223"/>
+            <a:ext cx="2078223" cy="401971"/>
           </a:xfrm>
         </p:spPr>
         <p:txBody>
           <a:bodyPr/>
           <a:lstStyle/>
           <a:p>
+            <a:pPr algn="ctr"/>
+            <a:r>
+              <a:rPr lang="en-US" dirty="0"/>
+              <a:t>MySQL</a:t>
+            </a:r>
+            <a:endParaRPr lang="ru-RU" dirty="0"/>
+          </a:p>
+        </p:txBody>
+      </p:sp>
+      <p:sp>
+        <p:nvSpPr>
+          <p:cNvPr id="9" name="Номер слайда 5">
+            <a:extLst>
+              <a:ext uri="{FF2B5EF4-FFF2-40B4-BE49-F238E27FC236}">
+                <a16:creationId xmlns:a16="http://schemas.microsoft.com/office/drawing/2014/main" id="{A5BC61DC-C258-4EEB-8EA4-443C26B74CEC}"/>
+              </a:ext>
+            </a:extLst>
+          </p:cNvPr>
+          <p:cNvSpPr>
+            <a:spLocks noGrp="1"/>
+          </p:cNvSpPr>
+          <p:nvPr>
+            <p:ph type="sldNum" sz="quarter" idx="12"/>
+          </p:nvPr>
+        </p:nvSpPr>
+        <p:spPr>
+          <a:xfrm>
+            <a:off x="10663881" y="6041362"/>
+            <a:ext cx="1528119" cy="365125"/>
+          </a:xfrm>
+        </p:spPr>
+        <p:txBody>
+          <a:bodyPr/>
+          <a:lstStyle/>
+          <a:p>
             <a:fld id="{D57F1E4F-1CFF-5643-939E-217C01CDF565}" type="slidenum">
-              <a:rPr lang="en-US" sz="3600" smtClean="0"/>
+              <a:rPr lang="en-US" sz="3600" smtClean="0">
+                <a:solidFill>
+                  <a:schemeClr val="bg1"/>
+                </a:solidFill>
+              </a:rPr>
               <a:pPr/>
               <a:t>9</a:t>
             </a:fld>
             <a:r>
-              <a:rPr lang="en-US" sz="3600" dirty="0"/>
-              <a:t>/12</a:t>
-            </a:r>
+              <a:rPr lang="en-US" sz="3600" dirty="0">
+                <a:solidFill>
+                  <a:schemeClr val="bg1"/>
+                </a:solidFill>
+              </a:rPr>
+              <a:t>/1</a:t>
+            </a:r>
+            <a:r>
+              <a:rPr lang="ru-RU" sz="3600" dirty="0">
+                <a:solidFill>
+                  <a:schemeClr val="bg1"/>
+                </a:solidFill>
+              </a:rPr>
+              <a:t>6</a:t>
+            </a:r>
+            <a:endParaRPr lang="en-US" sz="3600" dirty="0">
+              <a:solidFill>
+                <a:schemeClr val="bg1"/>
+              </a:solidFill>
+            </a:endParaRPr>
           </a:p>
         </p:txBody>
       </p:sp>
     </p:spTree>
     <p:extLst>
       <p:ext uri="{BB962C8B-B14F-4D97-AF65-F5344CB8AC3E}">
-        <p14:creationId xmlns:p14="http://schemas.microsoft.com/office/powerpoint/2010/main" val="919346693"/>
+        <p14:creationId xmlns:p14="http://schemas.microsoft.com/office/powerpoint/2010/main" val="663314577"/>
       </p:ext>
     </p:extLst>
   </p:cSld>

--- a/Dms coursework presentation.pptx
+++ b/Dms coursework presentation.pptx
@@ -1,6 +1,6 @@
 
 <file path=ppt/presentation.xml><?xml version="1.0" encoding="utf-8"?>
-<p:presentation xmlns:a="http://schemas.openxmlformats.org/drawingml/2006/main" xmlns:r="http://schemas.openxmlformats.org/officeDocument/2006/relationships" xmlns:p="http://schemas.openxmlformats.org/presentationml/2006/main" autoCompressPictures="0">
+<p:presentation xmlns:a="http://schemas.openxmlformats.org/drawingml/2006/main" xmlns:r="http://schemas.openxmlformats.org/officeDocument/2006/relationships" xmlns:p="http://schemas.openxmlformats.org/presentationml/2006/main" saveSubsetFonts="1" autoCompressPictures="0">
   <p:sldMasterIdLst>
     <p:sldMasterId id="2147483668" r:id="rId1"/>
   </p:sldMasterIdLst>
@@ -160,7 +160,7 @@
           <p:cNvPr id="2" name="Верхний колонтитул 1">
             <a:extLst>
               <a:ext uri="{FF2B5EF4-FFF2-40B4-BE49-F238E27FC236}">
-                <a16:creationId xmlns:a16="http://schemas.microsoft.com/office/drawing/2014/main" id="{0F587E4D-A90E-4C94-BE20-CC253927612E}"/>
+                <a16:creationId xmlns:a16="http://schemas.microsoft.com/office/drawing/2014/main" xmlns="" id="{0F587E4D-A90E-4C94-BE20-CC253927612E}"/>
               </a:ext>
             </a:extLst>
           </p:cNvPr>
@@ -197,7 +197,7 @@
           <p:cNvPr id="3" name="Дата 2">
             <a:extLst>
               <a:ext uri="{FF2B5EF4-FFF2-40B4-BE49-F238E27FC236}">
-                <a16:creationId xmlns:a16="http://schemas.microsoft.com/office/drawing/2014/main" id="{9A2526CB-CAC9-42DD-8473-B823E252472C}"/>
+                <a16:creationId xmlns:a16="http://schemas.microsoft.com/office/drawing/2014/main" xmlns="" id="{9A2526CB-CAC9-42DD-8473-B823E252472C}"/>
               </a:ext>
             </a:extLst>
           </p:cNvPr>
@@ -227,7 +227,7 @@
           <a:p>
             <a:fld id="{E53235BE-535F-4B52-9A6A-61DF154E8B21}" type="datetimeFigureOut">
               <a:rPr lang="ru-RU" smtClean="0"/>
-              <a:t>13.06.2019</a:t>
+              <a:t>14.06.2019</a:t>
             </a:fld>
             <a:endParaRPr lang="ru-RU"/>
           </a:p>
@@ -238,7 +238,7 @@
           <p:cNvPr id="4" name="Нижний колонтитул 3">
             <a:extLst>
               <a:ext uri="{FF2B5EF4-FFF2-40B4-BE49-F238E27FC236}">
-                <a16:creationId xmlns:a16="http://schemas.microsoft.com/office/drawing/2014/main" id="{3D104B51-0B09-4D98-93FA-FEB5ADCCD376}"/>
+                <a16:creationId xmlns:a16="http://schemas.microsoft.com/office/drawing/2014/main" xmlns="" id="{3D104B51-0B09-4D98-93FA-FEB5ADCCD376}"/>
               </a:ext>
             </a:extLst>
           </p:cNvPr>
@@ -275,7 +275,7 @@
           <p:cNvPr id="5" name="Номер слайда 4">
             <a:extLst>
               <a:ext uri="{FF2B5EF4-FFF2-40B4-BE49-F238E27FC236}">
-                <a16:creationId xmlns:a16="http://schemas.microsoft.com/office/drawing/2014/main" id="{4F1E8545-1B4B-43AC-A871-65A94AEDF0A6}"/>
+                <a16:creationId xmlns:a16="http://schemas.microsoft.com/office/drawing/2014/main" xmlns="" id="{4F1E8545-1B4B-43AC-A871-65A94AEDF0A6}"/>
               </a:ext>
             </a:extLst>
           </p:cNvPr>
@@ -405,7 +405,7 @@
           <a:p>
             <a:fld id="{71CA7AC1-AE64-4F8B-B034-A6AF11122F1C}" type="datetimeFigureOut">
               <a:rPr lang="ru-RU" smtClean="0"/>
-              <a:t>13.06.2019</a:t>
+              <a:t>14.06.2019</a:t>
             </a:fld>
             <a:endParaRPr lang="ru-RU"/>
           </a:p>
@@ -1395,7 +1395,7 @@
           <a:p>
             <a:fld id="{21B13B9E-CFAC-4523-B583-2A3B8D06F6E4}" type="datetime1">
               <a:rPr lang="en-US" smtClean="0"/>
-              <a:t>6/13/2019</a:t>
+              <a:t>6/14/19</a:t>
             </a:fld>
             <a:endParaRPr lang="en-US" dirty="0"/>
           </a:p>
@@ -1647,7 +1647,7 @@
           <a:p>
             <a:fld id="{ECD534E4-F700-4AD8-915D-FD7F8F40A064}" type="datetime1">
               <a:rPr lang="en-US" smtClean="0"/>
-              <a:t>6/13/2019</a:t>
+              <a:t>6/14/19</a:t>
             </a:fld>
             <a:endParaRPr lang="en-US" dirty="0"/>
           </a:p>
@@ -1962,7 +1962,7 @@
           <a:p>
             <a:fld id="{CE7543AA-D742-4B73-90B8-3459342156D0}" type="datetime1">
               <a:rPr lang="en-US" smtClean="0"/>
-              <a:t>6/13/2019</a:t>
+              <a:t>6/14/19</a:t>
             </a:fld>
             <a:endParaRPr lang="en-US" dirty="0"/>
           </a:p>
@@ -2304,7 +2304,7 @@
           <a:p>
             <a:fld id="{89489826-0BF1-4054-8D88-8777C7672CD3}" type="datetime1">
               <a:rPr lang="en-US" smtClean="0"/>
-              <a:t>6/13/2019</a:t>
+              <a:t>6/14/19</a:t>
             </a:fld>
             <a:endParaRPr lang="en-US" dirty="0"/>
           </a:p>
@@ -2619,7 +2619,7 @@
           <a:p>
             <a:fld id="{78C23677-386A-470F-89EA-7B82AF6404FA}" type="datetime1">
               <a:rPr lang="en-US" smtClean="0"/>
-              <a:t>6/13/2019</a:t>
+              <a:t>6/14/19</a:t>
             </a:fld>
             <a:endParaRPr lang="en-US" dirty="0"/>
           </a:p>
@@ -3013,7 +3013,7 @@
           <a:p>
             <a:fld id="{F7D5D388-EDD2-4845-A743-2D0E64400C88}" type="datetime1">
               <a:rPr lang="en-US" smtClean="0"/>
-              <a:t>6/13/2019</a:t>
+              <a:t>6/14/19</a:t>
             </a:fld>
             <a:endParaRPr lang="en-US" dirty="0"/>
           </a:p>
@@ -3184,7 +3184,7 @@
           <a:p>
             <a:fld id="{BC7025EA-44CE-4FB5-8F82-5B2724D3C612}" type="datetime1">
               <a:rPr lang="en-US" smtClean="0"/>
-              <a:t>6/13/2019</a:t>
+              <a:t>6/14/19</a:t>
             </a:fld>
             <a:endParaRPr lang="en-US" dirty="0"/>
           </a:p>
@@ -3364,7 +3364,7 @@
           <a:p>
             <a:fld id="{C22D5224-83A5-48C5-9A2E-8E1F9F3387CC}" type="datetime1">
               <a:rPr lang="en-US" smtClean="0"/>
-              <a:t>6/13/2019</a:t>
+              <a:t>6/14/19</a:t>
             </a:fld>
             <a:endParaRPr lang="en-US" dirty="0"/>
           </a:p>
@@ -3541,7 +3541,7 @@
           <a:p>
             <a:fld id="{90B03D9B-6C49-4D3A-95A3-FDBB93B9BD8A}" type="datetime1">
               <a:rPr lang="en-US" smtClean="0"/>
-              <a:t>6/13/2019</a:t>
+              <a:t>6/14/19</a:t>
             </a:fld>
             <a:endParaRPr lang="en-US" dirty="0"/>
           </a:p>
@@ -3789,7 +3789,7 @@
           <a:p>
             <a:fld id="{220B0A5B-9407-4A41-85B2-195751586D5D}" type="datetime1">
               <a:rPr lang="en-US" smtClean="0"/>
-              <a:t>6/13/2019</a:t>
+              <a:t>6/14/19</a:t>
             </a:fld>
             <a:endParaRPr lang="en-US" dirty="0"/>
           </a:p>
@@ -4022,7 +4022,7 @@
           <a:p>
             <a:fld id="{9BA30D3D-2FBE-4E2A-A07A-0448965AA950}" type="datetime1">
               <a:rPr lang="en-US" smtClean="0"/>
-              <a:t>6/13/2019</a:t>
+              <a:t>6/14/19</a:t>
             </a:fld>
             <a:endParaRPr lang="en-US" dirty="0"/>
           </a:p>
@@ -4396,7 +4396,7 @@
           <a:p>
             <a:fld id="{E8C205D3-8214-4D3D-8357-A316ACFE9806}" type="datetime1">
               <a:rPr lang="en-US" smtClean="0"/>
-              <a:t>6/13/2019</a:t>
+              <a:t>6/14/19</a:t>
             </a:fld>
             <a:endParaRPr lang="en-US" dirty="0"/>
           </a:p>
@@ -4520,7 +4520,7 @@
           <a:p>
             <a:fld id="{692B768E-8835-4632-8E24-651AA906C935}" type="datetime1">
               <a:rPr lang="en-US" smtClean="0"/>
-              <a:t>6/13/2019</a:t>
+              <a:t>6/14/19</a:t>
             </a:fld>
             <a:endParaRPr lang="en-US" dirty="0"/>
           </a:p>
@@ -4616,7 +4616,7 @@
           <a:p>
             <a:fld id="{58AFA8FE-6075-4B77-81C6-E7B658A02A9E}" type="datetime1">
               <a:rPr lang="en-US" smtClean="0"/>
-              <a:t>6/13/2019</a:t>
+              <a:t>6/14/19</a:t>
             </a:fld>
             <a:endParaRPr lang="en-US" dirty="0"/>
           </a:p>
@@ -4872,7 +4872,7 @@
           <a:p>
             <a:fld id="{541C8086-F55D-414D-93F5-7B8E1AD42EB3}" type="datetime1">
               <a:rPr lang="en-US" smtClean="0"/>
-              <a:t>6/13/2019</a:t>
+              <a:t>6/14/19</a:t>
             </a:fld>
             <a:endParaRPr lang="en-US" dirty="0"/>
           </a:p>
@@ -5135,7 +5135,7 @@
           <a:p>
             <a:fld id="{55D095B8-F9C7-4A1B-B77C-D023CC7E4C71}" type="datetime1">
               <a:rPr lang="en-US" smtClean="0"/>
-              <a:t>6/13/2019</a:t>
+              <a:t>6/14/19</a:t>
             </a:fld>
             <a:endParaRPr lang="en-US" dirty="0"/>
           </a:p>
@@ -5879,7 +5879,7 @@
           <a:p>
             <a:fld id="{C366B981-C25A-40B6-84FE-4E40F80A1F56}" type="datetime1">
               <a:rPr lang="en-US" smtClean="0"/>
-              <a:t>6/13/2019</a:t>
+              <a:t>6/14/19</a:t>
             </a:fld>
             <a:endParaRPr lang="en-US" dirty="0"/>
           </a:p>
@@ -6410,7 +6410,7 @@
           <p:cNvPr id="2" name="Заголовок 1">
             <a:extLst>
               <a:ext uri="{FF2B5EF4-FFF2-40B4-BE49-F238E27FC236}">
-                <a16:creationId xmlns:a16="http://schemas.microsoft.com/office/drawing/2014/main" id="{0489C626-ECFA-41FE-89D7-5FF9F4834BDC}"/>
+                <a16:creationId xmlns:a16="http://schemas.microsoft.com/office/drawing/2014/main" xmlns="" id="{0489C626-ECFA-41FE-89D7-5FF9F4834BDC}"/>
               </a:ext>
             </a:extLst>
           </p:cNvPr>
@@ -6470,7 +6470,7 @@
           <p:cNvPr id="3" name="Объект 2">
             <a:extLst>
               <a:ext uri="{FF2B5EF4-FFF2-40B4-BE49-F238E27FC236}">
-                <a16:creationId xmlns:a16="http://schemas.microsoft.com/office/drawing/2014/main" id="{15FBFF49-5375-485E-B951-0D322BC0EC48}"/>
+                <a16:creationId xmlns:a16="http://schemas.microsoft.com/office/drawing/2014/main" xmlns="" id="{15FBFF49-5375-485E-B951-0D322BC0EC48}"/>
               </a:ext>
             </a:extLst>
           </p:cNvPr>
@@ -6504,7 +6504,7 @@
           <p:cNvPr id="5" name="Заголовок 1">
             <a:extLst>
               <a:ext uri="{FF2B5EF4-FFF2-40B4-BE49-F238E27FC236}">
-                <a16:creationId xmlns:a16="http://schemas.microsoft.com/office/drawing/2014/main" id="{7F5C4A93-84B9-4DC5-B621-01CFE57FDD7F}"/>
+                <a16:creationId xmlns:a16="http://schemas.microsoft.com/office/drawing/2014/main" xmlns="" id="{7F5C4A93-84B9-4DC5-B621-01CFE57FDD7F}"/>
               </a:ext>
             </a:extLst>
           </p:cNvPr>
@@ -6538,7 +6538,7 @@
           <p:cNvPr id="6" name="Номер слайда 5">
             <a:extLst>
               <a:ext uri="{FF2B5EF4-FFF2-40B4-BE49-F238E27FC236}">
-                <a16:creationId xmlns:a16="http://schemas.microsoft.com/office/drawing/2014/main" id="{E619EDFC-2C94-4FAD-8984-8DB1E6CA2BE3}"/>
+                <a16:creationId xmlns:a16="http://schemas.microsoft.com/office/drawing/2014/main" xmlns="" id="{E619EDFC-2C94-4FAD-8984-8DB1E6CA2BE3}"/>
               </a:ext>
             </a:extLst>
           </p:cNvPr>
@@ -6592,6 +6592,36 @@
           </a:p>
         </p:txBody>
       </p:sp>
+      <p:pic>
+        <p:nvPicPr>
+          <p:cNvPr id="4" name="Изображение 3"/>
+          <p:cNvPicPr>
+            <a:picLocks noChangeAspect="1"/>
+          </p:cNvPicPr>
+          <p:nvPr/>
+        </p:nvPicPr>
+        <p:blipFill>
+          <a:blip r:embed="rId2">
+            <a:extLst>
+              <a:ext uri="{28A0092B-C50C-407E-A947-70E740481C1C}">
+                <a14:useLocalDpi xmlns:a14="http://schemas.microsoft.com/office/drawing/2010/main" val="0"/>
+              </a:ext>
+            </a:extLst>
+          </a:blip>
+          <a:stretch>
+            <a:fillRect/>
+          </a:stretch>
+        </p:blipFill>
+        <p:spPr>
+          <a:xfrm>
+            <a:off x="1860330" y="1008993"/>
+            <a:ext cx="7527541" cy="5218386"/>
+          </a:xfrm>
+          <a:prstGeom prst="rect">
+            <a:avLst/>
+          </a:prstGeom>
+        </p:spPr>
+      </p:pic>
     </p:spTree>
     <p:extLst>
       <p:ext uri="{BB962C8B-B14F-4D97-AF65-F5344CB8AC3E}">
@@ -6627,7 +6657,7 @@
           <p:cNvPr id="3" name="Объект 2">
             <a:extLst>
               <a:ext uri="{FF2B5EF4-FFF2-40B4-BE49-F238E27FC236}">
-                <a16:creationId xmlns:a16="http://schemas.microsoft.com/office/drawing/2014/main" id="{1B5C336A-2082-479E-907C-AC5CC8F0B066}"/>
+                <a16:creationId xmlns:a16="http://schemas.microsoft.com/office/drawing/2014/main" xmlns="" id="{1B5C336A-2082-479E-907C-AC5CC8F0B066}"/>
               </a:ext>
             </a:extLst>
           </p:cNvPr>
@@ -6661,7 +6691,7 @@
           <p:cNvPr id="5" name="Заголовок 1">
             <a:extLst>
               <a:ext uri="{FF2B5EF4-FFF2-40B4-BE49-F238E27FC236}">
-                <a16:creationId xmlns:a16="http://schemas.microsoft.com/office/drawing/2014/main" id="{6707CF26-D64C-4521-9A46-CE45B85C19AB}"/>
+                <a16:creationId xmlns:a16="http://schemas.microsoft.com/office/drawing/2014/main" xmlns="" id="{6707CF26-D64C-4521-9A46-CE45B85C19AB}"/>
               </a:ext>
             </a:extLst>
           </p:cNvPr>
@@ -6695,7 +6725,7 @@
           <p:cNvPr id="6" name="Номер слайда 5">
             <a:extLst>
               <a:ext uri="{FF2B5EF4-FFF2-40B4-BE49-F238E27FC236}">
-                <a16:creationId xmlns:a16="http://schemas.microsoft.com/office/drawing/2014/main" id="{B720B3A5-1B43-4003-96BA-9EE17CDD7D1A}"/>
+                <a16:creationId xmlns:a16="http://schemas.microsoft.com/office/drawing/2014/main" xmlns="" id="{B720B3A5-1B43-4003-96BA-9EE17CDD7D1A}"/>
               </a:ext>
             </a:extLst>
           </p:cNvPr>
@@ -6784,7 +6814,7 @@
           <p:cNvPr id="9" name="Объект 8">
             <a:extLst>
               <a:ext uri="{FF2B5EF4-FFF2-40B4-BE49-F238E27FC236}">
-                <a16:creationId xmlns:a16="http://schemas.microsoft.com/office/drawing/2014/main" id="{6810AA6E-FDC1-417C-8244-49DCE698686A}"/>
+                <a16:creationId xmlns:a16="http://schemas.microsoft.com/office/drawing/2014/main" xmlns="" id="{6810AA6E-FDC1-417C-8244-49DCE698686A}"/>
               </a:ext>
             </a:extLst>
           </p:cNvPr>
@@ -6818,7 +6848,7 @@
           <p:cNvPr id="13" name="Заголовок 1">
             <a:extLst>
               <a:ext uri="{FF2B5EF4-FFF2-40B4-BE49-F238E27FC236}">
-                <a16:creationId xmlns:a16="http://schemas.microsoft.com/office/drawing/2014/main" id="{9806587B-E558-4AB8-ADD0-8A923FD32C40}"/>
+                <a16:creationId xmlns:a16="http://schemas.microsoft.com/office/drawing/2014/main" xmlns="" id="{9806587B-E558-4AB8-ADD0-8A923FD32C40}"/>
               </a:ext>
             </a:extLst>
           </p:cNvPr>
@@ -6916,8 +6946,13 @@
             <a:pPr algn="ctr"/>
             <a:r>
               <a:rPr lang="ru-RU" dirty="0"/>
-              <a:t>Результат работы (1/2)</a:t>
-            </a:r>
+              <a:t>Результат работы (</a:t>
+            </a:r>
+            <a:r>
+              <a:rPr lang="ru-RU" dirty="0" smtClean="0"/>
+              <a:t>1/2)</a:t>
+            </a:r>
+            <a:endParaRPr lang="ru-RU" dirty="0"/>
           </a:p>
         </p:txBody>
       </p:sp>
@@ -6926,7 +6961,7 @@
           <p:cNvPr id="14" name="Объект 4">
             <a:extLst>
               <a:ext uri="{FF2B5EF4-FFF2-40B4-BE49-F238E27FC236}">
-                <a16:creationId xmlns:a16="http://schemas.microsoft.com/office/drawing/2014/main" id="{530C6861-F387-40DC-8934-B77039B26413}"/>
+                <a16:creationId xmlns:a16="http://schemas.microsoft.com/office/drawing/2014/main" xmlns="" id="{530C6861-F387-40DC-8934-B77039B26413}"/>
               </a:ext>
             </a:extLst>
           </p:cNvPr>
@@ -6956,7 +6991,7 @@
           <p:cNvPr id="15" name="Рисунок 14">
             <a:extLst>
               <a:ext uri="{FF2B5EF4-FFF2-40B4-BE49-F238E27FC236}">
-                <a16:creationId xmlns:a16="http://schemas.microsoft.com/office/drawing/2014/main" id="{1C149022-BB00-48C2-B919-4828C25607DE}"/>
+                <a16:creationId xmlns:a16="http://schemas.microsoft.com/office/drawing/2014/main" xmlns="" id="{1C149022-BB00-48C2-B919-4828C25607DE}"/>
               </a:ext>
             </a:extLst>
           </p:cNvPr>
@@ -6986,7 +7021,7 @@
           <p:cNvPr id="3" name="Рисунок 2">
             <a:extLst>
               <a:ext uri="{FF2B5EF4-FFF2-40B4-BE49-F238E27FC236}">
-                <a16:creationId xmlns:a16="http://schemas.microsoft.com/office/drawing/2014/main" id="{381C3943-5053-41C9-B65E-42D68BD52CC4}"/>
+                <a16:creationId xmlns:a16="http://schemas.microsoft.com/office/drawing/2014/main" xmlns="" id="{381C3943-5053-41C9-B65E-42D68BD52CC4}"/>
               </a:ext>
             </a:extLst>
           </p:cNvPr>
@@ -7015,7 +7050,7 @@
           <p:cNvPr id="4" name="Рисунок 3">
             <a:extLst>
               <a:ext uri="{FF2B5EF4-FFF2-40B4-BE49-F238E27FC236}">
-                <a16:creationId xmlns:a16="http://schemas.microsoft.com/office/drawing/2014/main" id="{2B4CD87C-6CAB-4B4A-AC10-84566481D9B4}"/>
+                <a16:creationId xmlns:a16="http://schemas.microsoft.com/office/drawing/2014/main" xmlns="" id="{2B4CD87C-6CAB-4B4A-AC10-84566481D9B4}"/>
               </a:ext>
             </a:extLst>
           </p:cNvPr>
@@ -7044,7 +7079,7 @@
           <p:cNvPr id="10" name="Объект 8">
             <a:extLst>
               <a:ext uri="{FF2B5EF4-FFF2-40B4-BE49-F238E27FC236}">
-                <a16:creationId xmlns:a16="http://schemas.microsoft.com/office/drawing/2014/main" id="{559FBF85-FA77-437D-8AC7-F5FE137096FB}"/>
+                <a16:creationId xmlns:a16="http://schemas.microsoft.com/office/drawing/2014/main" xmlns="" id="{559FBF85-FA77-437D-8AC7-F5FE137096FB}"/>
               </a:ext>
             </a:extLst>
           </p:cNvPr>
@@ -7307,7 +7342,7 @@
           <p:cNvPr id="18" name="Номер слайда 5">
             <a:extLst>
               <a:ext uri="{FF2B5EF4-FFF2-40B4-BE49-F238E27FC236}">
-                <a16:creationId xmlns:a16="http://schemas.microsoft.com/office/drawing/2014/main" id="{1465D2B8-1200-4810-8025-39AE0598DC6D}"/>
+                <a16:creationId xmlns:a16="http://schemas.microsoft.com/office/drawing/2014/main" xmlns="" id="{1465D2B8-1200-4810-8025-39AE0598DC6D}"/>
               </a:ext>
             </a:extLst>
           </p:cNvPr>
@@ -7396,7 +7431,7 @@
           <p:cNvPr id="2" name="Заголовок 1">
             <a:extLst>
               <a:ext uri="{FF2B5EF4-FFF2-40B4-BE49-F238E27FC236}">
-                <a16:creationId xmlns:a16="http://schemas.microsoft.com/office/drawing/2014/main" id="{7F7DA553-9946-4046-ACA1-D34169A28759}"/>
+                <a16:creationId xmlns:a16="http://schemas.microsoft.com/office/drawing/2014/main" xmlns="" id="{7F7DA553-9946-4046-ACA1-D34169A28759}"/>
               </a:ext>
             </a:extLst>
           </p:cNvPr>
@@ -7420,8 +7455,13 @@
             <a:pPr algn="ctr"/>
             <a:r>
               <a:rPr lang="ru-RU" dirty="0"/>
-              <a:t>Результат работы (2/2)</a:t>
-            </a:r>
+              <a:t>Результат работы (</a:t>
+            </a:r>
+            <a:r>
+              <a:rPr lang="ru-RU" dirty="0" smtClean="0"/>
+              <a:t>2/2)</a:t>
+            </a:r>
+            <a:endParaRPr lang="ru-RU" dirty="0"/>
           </a:p>
         </p:txBody>
       </p:sp>
@@ -7430,7 +7470,7 @@
           <p:cNvPr id="3" name="Объект 2">
             <a:extLst>
               <a:ext uri="{FF2B5EF4-FFF2-40B4-BE49-F238E27FC236}">
-                <a16:creationId xmlns:a16="http://schemas.microsoft.com/office/drawing/2014/main" id="{9729EC04-8DE2-46BA-9B2C-B4C8230FBBE4}"/>
+                <a16:creationId xmlns:a16="http://schemas.microsoft.com/office/drawing/2014/main" xmlns="" id="{9729EC04-8DE2-46BA-9B2C-B4C8230FBBE4}"/>
               </a:ext>
             </a:extLst>
           </p:cNvPr>
@@ -7464,7 +7504,7 @@
           <p:cNvPr id="5" name="Номер слайда 5">
             <a:extLst>
               <a:ext uri="{FF2B5EF4-FFF2-40B4-BE49-F238E27FC236}">
-                <a16:creationId xmlns:a16="http://schemas.microsoft.com/office/drawing/2014/main" id="{8A13635C-D156-4527-B981-EBC4EEB6672B}"/>
+                <a16:creationId xmlns:a16="http://schemas.microsoft.com/office/drawing/2014/main" xmlns="" id="{8A13635C-D156-4527-B981-EBC4EEB6672B}"/>
               </a:ext>
             </a:extLst>
           </p:cNvPr>
@@ -7553,7 +7593,7 @@
           <p:cNvPr id="2" name="Заголовок 1">
             <a:extLst>
               <a:ext uri="{FF2B5EF4-FFF2-40B4-BE49-F238E27FC236}">
-                <a16:creationId xmlns:a16="http://schemas.microsoft.com/office/drawing/2014/main" id="{79F46467-70A8-44AF-95D6-B904E0F44E6E}"/>
+                <a16:creationId xmlns:a16="http://schemas.microsoft.com/office/drawing/2014/main" xmlns="" id="{79F46467-70A8-44AF-95D6-B904E0F44E6E}"/>
               </a:ext>
             </a:extLst>
           </p:cNvPr>
@@ -7587,7 +7627,7 @@
           <p:cNvPr id="1028" name="Picture 4" descr="ÐÐ°ÑÑÐ¸Ð½ÐºÐ¸ Ð¿Ð¾ Ð·Ð°Ð¿ÑÐ¾ÑÑ unity 3d">
             <a:extLst>
               <a:ext uri="{FF2B5EF4-FFF2-40B4-BE49-F238E27FC236}">
-                <a16:creationId xmlns:a16="http://schemas.microsoft.com/office/drawing/2014/main" id="{DD38A7FD-8870-4D92-8E8E-AE39F93FE078}"/>
+                <a16:creationId xmlns:a16="http://schemas.microsoft.com/office/drawing/2014/main" xmlns="" id="{DD38A7FD-8870-4D92-8E8E-AE39F93FE078}"/>
               </a:ext>
             </a:extLst>
           </p:cNvPr>
@@ -7634,7 +7674,7 @@
           <p:cNvPr id="1038" name="Picture 14" descr="ÐÐ°ÑÑÐ¸Ð½ÐºÐ¸ Ð¿Ð¾ Ð·Ð°Ð¿ÑÐ¾ÑÑ Microsoft Visual Studio">
             <a:extLst>
               <a:ext uri="{FF2B5EF4-FFF2-40B4-BE49-F238E27FC236}">
-                <a16:creationId xmlns:a16="http://schemas.microsoft.com/office/drawing/2014/main" id="{7E54A76B-0E20-4C0F-B4D4-AF34EFA32C00}"/>
+                <a16:creationId xmlns:a16="http://schemas.microsoft.com/office/drawing/2014/main" xmlns="" id="{7E54A76B-0E20-4C0F-B4D4-AF34EFA32C00}"/>
               </a:ext>
             </a:extLst>
           </p:cNvPr>
@@ -7682,7 +7722,7 @@
 Ð¾Ð¶ÐµÐµ Ð¸Ð·Ð¾Ð±ÑÐ°Ð¶ÐµÐ½Ð¸Ðµ">
             <a:extLst>
               <a:ext uri="{FF2B5EF4-FFF2-40B4-BE49-F238E27FC236}">
-                <a16:creationId xmlns:a16="http://schemas.microsoft.com/office/drawing/2014/main" id="{29F4D075-80BF-43D0-B97E-AFD2AED0DEAF}"/>
+                <a16:creationId xmlns:a16="http://schemas.microsoft.com/office/drawing/2014/main" xmlns="" id="{29F4D075-80BF-43D0-B97E-AFD2AED0DEAF}"/>
               </a:ext>
             </a:extLst>
           </p:cNvPr>
@@ -7729,7 +7769,7 @@
           <p:cNvPr id="8" name="Номер слайда 5">
             <a:extLst>
               <a:ext uri="{FF2B5EF4-FFF2-40B4-BE49-F238E27FC236}">
-                <a16:creationId xmlns:a16="http://schemas.microsoft.com/office/drawing/2014/main" id="{2602FBB5-337E-4C36-BEC9-4385C258BCF8}"/>
+                <a16:creationId xmlns:a16="http://schemas.microsoft.com/office/drawing/2014/main" xmlns="" id="{2602FBB5-337E-4C36-BEC9-4385C258BCF8}"/>
               </a:ext>
             </a:extLst>
           </p:cNvPr>
@@ -7818,7 +7858,7 @@
           <p:cNvPr id="1026" name="Picture 2" descr="Ð¡Ð½Ð¸Ð¼Ð¾Ðº ÑÐºÑÐ°Ð½Ð° 2019-06-13 Ð² 18.44.17.png">
             <a:extLst>
               <a:ext uri="{FF2B5EF4-FFF2-40B4-BE49-F238E27FC236}">
-                <a16:creationId xmlns:a16="http://schemas.microsoft.com/office/drawing/2014/main" id="{E2763E89-DF38-4630-A3B6-035D700CC22A}"/>
+                <a16:creationId xmlns:a16="http://schemas.microsoft.com/office/drawing/2014/main" xmlns="" id="{E2763E89-DF38-4630-A3B6-035D700CC22A}"/>
               </a:ext>
             </a:extLst>
           </p:cNvPr>
@@ -7865,7 +7905,7 @@
           <p:cNvPr id="2" name="Заголовок 1">
             <a:extLst>
               <a:ext uri="{FF2B5EF4-FFF2-40B4-BE49-F238E27FC236}">
-                <a16:creationId xmlns:a16="http://schemas.microsoft.com/office/drawing/2014/main" id="{373B277D-030A-420B-B99B-97AADF760E7C}"/>
+                <a16:creationId xmlns:a16="http://schemas.microsoft.com/office/drawing/2014/main" xmlns="" id="{373B277D-030A-420B-B99B-97AADF760E7C}"/>
               </a:ext>
             </a:extLst>
           </p:cNvPr>
@@ -7899,7 +7939,7 @@
           <p:cNvPr id="3" name="Объект 2">
             <a:extLst>
               <a:ext uri="{FF2B5EF4-FFF2-40B4-BE49-F238E27FC236}">
-                <a16:creationId xmlns:a16="http://schemas.microsoft.com/office/drawing/2014/main" id="{94ADC66B-6DBA-440F-8A8D-C29C5CDDB07E}"/>
+                <a16:creationId xmlns:a16="http://schemas.microsoft.com/office/drawing/2014/main" xmlns="" id="{94ADC66B-6DBA-440F-8A8D-C29C5CDDB07E}"/>
               </a:ext>
             </a:extLst>
           </p:cNvPr>
@@ -7934,7 +7974,7 @@
           <p:cNvPr id="6" name="Рисунок 5">
             <a:extLst>
               <a:ext uri="{FF2B5EF4-FFF2-40B4-BE49-F238E27FC236}">
-                <a16:creationId xmlns:a16="http://schemas.microsoft.com/office/drawing/2014/main" id="{E0B40CF8-5558-4EDB-8158-C8CAD9FC13AD}"/>
+                <a16:creationId xmlns:a16="http://schemas.microsoft.com/office/drawing/2014/main" xmlns="" id="{E0B40CF8-5558-4EDB-8158-C8CAD9FC13AD}"/>
               </a:ext>
             </a:extLst>
           </p:cNvPr>
@@ -7964,7 +8004,7 @@
           <p:cNvPr id="9" name="Объект 2">
             <a:extLst>
               <a:ext uri="{FF2B5EF4-FFF2-40B4-BE49-F238E27FC236}">
-                <a16:creationId xmlns:a16="http://schemas.microsoft.com/office/drawing/2014/main" id="{66DB6FD7-E21E-4BEC-A5F2-A552A57474F8}"/>
+                <a16:creationId xmlns:a16="http://schemas.microsoft.com/office/drawing/2014/main" xmlns="" id="{66DB6FD7-E21E-4BEC-A5F2-A552A57474F8}"/>
               </a:ext>
             </a:extLst>
           </p:cNvPr>
@@ -8228,7 +8268,7 @@
           <p:cNvPr id="10" name="Номер слайда 5">
             <a:extLst>
               <a:ext uri="{FF2B5EF4-FFF2-40B4-BE49-F238E27FC236}">
-                <a16:creationId xmlns:a16="http://schemas.microsoft.com/office/drawing/2014/main" id="{CAAFCB9D-A848-4C0F-9908-1B6419DDADF5}"/>
+                <a16:creationId xmlns:a16="http://schemas.microsoft.com/office/drawing/2014/main" xmlns="" id="{CAAFCB9D-A848-4C0F-9908-1B6419DDADF5}"/>
               </a:ext>
             </a:extLst>
           </p:cNvPr>
@@ -8287,7 +8327,7 @@
           <p:cNvPr id="8" name="Объект 2">
             <a:extLst>
               <a:ext uri="{FF2B5EF4-FFF2-40B4-BE49-F238E27FC236}">
-                <a16:creationId xmlns:a16="http://schemas.microsoft.com/office/drawing/2014/main" id="{5A097D2E-3A4B-411A-8DF3-E4A6F4834BBB}"/>
+                <a16:creationId xmlns:a16="http://schemas.microsoft.com/office/drawing/2014/main" xmlns="" id="{5A097D2E-3A4B-411A-8DF3-E4A6F4834BBB}"/>
               </a:ext>
             </a:extLst>
           </p:cNvPr>
@@ -8581,7 +8621,7 @@
           <p:cNvPr id="3" name="Рисунок 2">
             <a:extLst>
               <a:ext uri="{FF2B5EF4-FFF2-40B4-BE49-F238E27FC236}">
-                <a16:creationId xmlns:a16="http://schemas.microsoft.com/office/drawing/2014/main" id="{265509EC-C62F-4163-9454-7481DE5D69D6}"/>
+                <a16:creationId xmlns:a16="http://schemas.microsoft.com/office/drawing/2014/main" xmlns="" id="{265509EC-C62F-4163-9454-7481DE5D69D6}"/>
               </a:ext>
             </a:extLst>
           </p:cNvPr>
@@ -8611,7 +8651,7 @@
           <p:cNvPr id="7" name="Рисунок 6">
             <a:extLst>
               <a:ext uri="{FF2B5EF4-FFF2-40B4-BE49-F238E27FC236}">
-                <a16:creationId xmlns:a16="http://schemas.microsoft.com/office/drawing/2014/main" id="{A1C5CB87-9807-438F-802A-FF5E9A634026}"/>
+                <a16:creationId xmlns:a16="http://schemas.microsoft.com/office/drawing/2014/main" xmlns="" id="{A1C5CB87-9807-438F-802A-FF5E9A634026}"/>
               </a:ext>
             </a:extLst>
           </p:cNvPr>
@@ -8640,7 +8680,7 @@
           <p:cNvPr id="2" name="Заголовок 1">
             <a:extLst>
               <a:ext uri="{FF2B5EF4-FFF2-40B4-BE49-F238E27FC236}">
-                <a16:creationId xmlns:a16="http://schemas.microsoft.com/office/drawing/2014/main" id="{DD02D1D5-B662-40C3-BC17-4195A46AEFB1}"/>
+                <a16:creationId xmlns:a16="http://schemas.microsoft.com/office/drawing/2014/main" xmlns="" id="{DD02D1D5-B662-40C3-BC17-4195A46AEFB1}"/>
               </a:ext>
             </a:extLst>
           </p:cNvPr>
@@ -8674,7 +8714,7 @@
           <p:cNvPr id="6" name="Номер слайда 5">
             <a:extLst>
               <a:ext uri="{FF2B5EF4-FFF2-40B4-BE49-F238E27FC236}">
-                <a16:creationId xmlns:a16="http://schemas.microsoft.com/office/drawing/2014/main" id="{EE1E64BE-7BBA-4B28-AE0D-5E85B7027A00}"/>
+                <a16:creationId xmlns:a16="http://schemas.microsoft.com/office/drawing/2014/main" xmlns="" id="{EE1E64BE-7BBA-4B28-AE0D-5E85B7027A00}"/>
               </a:ext>
             </a:extLst>
           </p:cNvPr>
@@ -8763,7 +8803,7 @@
           <p:cNvPr id="2" name="Заголовок 1">
             <a:extLst>
               <a:ext uri="{FF2B5EF4-FFF2-40B4-BE49-F238E27FC236}">
-                <a16:creationId xmlns:a16="http://schemas.microsoft.com/office/drawing/2014/main" id="{F348B7D3-CDAB-42B7-8AC4-38AAD8190E41}"/>
+                <a16:creationId xmlns:a16="http://schemas.microsoft.com/office/drawing/2014/main" xmlns="" id="{F348B7D3-CDAB-42B7-8AC4-38AAD8190E41}"/>
               </a:ext>
             </a:extLst>
           </p:cNvPr>
@@ -8797,7 +8837,7 @@
           <p:cNvPr id="3" name="Объект 2">
             <a:extLst>
               <a:ext uri="{FF2B5EF4-FFF2-40B4-BE49-F238E27FC236}">
-                <a16:creationId xmlns:a16="http://schemas.microsoft.com/office/drawing/2014/main" id="{E88200EA-5DE4-46CC-9048-255BE15531A4}"/>
+                <a16:creationId xmlns:a16="http://schemas.microsoft.com/office/drawing/2014/main" xmlns="" id="{E88200EA-5DE4-46CC-9048-255BE15531A4}"/>
               </a:ext>
             </a:extLst>
           </p:cNvPr>
@@ -8836,7 +8876,7 @@
           <p:cNvPr id="5" name="Номер слайда 5">
             <a:extLst>
               <a:ext uri="{FF2B5EF4-FFF2-40B4-BE49-F238E27FC236}">
-                <a16:creationId xmlns:a16="http://schemas.microsoft.com/office/drawing/2014/main" id="{99F853D2-85C0-4AF5-8842-5EAC3A7FA00B}"/>
+                <a16:creationId xmlns:a16="http://schemas.microsoft.com/office/drawing/2014/main" xmlns="" id="{99F853D2-85C0-4AF5-8842-5EAC3A7FA00B}"/>
               </a:ext>
             </a:extLst>
           </p:cNvPr>
@@ -8925,7 +8965,7 @@
           <p:cNvPr id="2" name="Заголовок 1">
             <a:extLst>
               <a:ext uri="{FF2B5EF4-FFF2-40B4-BE49-F238E27FC236}">
-                <a16:creationId xmlns:a16="http://schemas.microsoft.com/office/drawing/2014/main" id="{8569579B-7247-40A6-AC40-96F2D1D656F0}"/>
+                <a16:creationId xmlns:a16="http://schemas.microsoft.com/office/drawing/2014/main" xmlns="" id="{8569579B-7247-40A6-AC40-96F2D1D656F0}"/>
               </a:ext>
             </a:extLst>
           </p:cNvPr>
@@ -8959,7 +8999,7 @@
           <p:cNvPr id="4" name="Picture 6" descr="ÐÐ°ÑÑÐ¸Ð½ÐºÐ¸ Ð¿Ð¾ Ð·Ð°Ð¿ÑÐ¾ÑÑ mysql">
             <a:extLst>
               <a:ext uri="{FF2B5EF4-FFF2-40B4-BE49-F238E27FC236}">
-                <a16:creationId xmlns:a16="http://schemas.microsoft.com/office/drawing/2014/main" id="{E151BD00-9020-4A21-950D-B46E96949ACB}"/>
+                <a16:creationId xmlns:a16="http://schemas.microsoft.com/office/drawing/2014/main" xmlns="" id="{E151BD00-9020-4A21-950D-B46E96949ACB}"/>
               </a:ext>
             </a:extLst>
           </p:cNvPr>
@@ -9006,7 +9046,7 @@
           <p:cNvPr id="6" name="Picture 16" descr="ÐÐ°ÑÑÐ¸Ð½ÐºÐ¸ Ð¿Ð¾ Ð·Ð°Ð¿ÑÐ¾ÑÑ mongodb">
             <a:extLst>
               <a:ext uri="{FF2B5EF4-FFF2-40B4-BE49-F238E27FC236}">
-                <a16:creationId xmlns:a16="http://schemas.microsoft.com/office/drawing/2014/main" id="{FD78CE42-F30F-4781-8F8B-22126B1990D1}"/>
+                <a16:creationId xmlns:a16="http://schemas.microsoft.com/office/drawing/2014/main" xmlns="" id="{FD78CE42-F30F-4781-8F8B-22126B1990D1}"/>
               </a:ext>
             </a:extLst>
           </p:cNvPr>
@@ -9053,7 +9093,7 @@
           <p:cNvPr id="8" name="Номер слайда 5">
             <a:extLst>
               <a:ext uri="{FF2B5EF4-FFF2-40B4-BE49-F238E27FC236}">
-                <a16:creationId xmlns:a16="http://schemas.microsoft.com/office/drawing/2014/main" id="{2D529321-4EC6-4C75-99B7-481CC3D00C6A}"/>
+                <a16:creationId xmlns:a16="http://schemas.microsoft.com/office/drawing/2014/main" xmlns="" id="{2D529321-4EC6-4C75-99B7-481CC3D00C6A}"/>
               </a:ext>
             </a:extLst>
           </p:cNvPr>
@@ -9112,7 +9152,7 @@
           <p:cNvPr id="1026" name="Picture 2" descr="ÐÐ°ÑÑÐ¸Ð½ÐºÐ¸ Ð¿Ð¾ Ð·Ð°Ð¿ÑÐ¾ÑÑ sqlite">
             <a:extLst>
               <a:ext uri="{FF2B5EF4-FFF2-40B4-BE49-F238E27FC236}">
-                <a16:creationId xmlns:a16="http://schemas.microsoft.com/office/drawing/2014/main" id="{D881E58D-0201-49C0-89AD-CE6649074144}"/>
+                <a16:creationId xmlns:a16="http://schemas.microsoft.com/office/drawing/2014/main" xmlns="" id="{D881E58D-0201-49C0-89AD-CE6649074144}"/>
               </a:ext>
             </a:extLst>
           </p:cNvPr>
@@ -9189,7 +9229,7 @@
           <p:cNvPr id="2" name="Заголовок 1">
             <a:extLst>
               <a:ext uri="{FF2B5EF4-FFF2-40B4-BE49-F238E27FC236}">
-                <a16:creationId xmlns:a16="http://schemas.microsoft.com/office/drawing/2014/main" id="{1C598229-2E0F-4C0A-BE82-7B03AB56CA47}"/>
+                <a16:creationId xmlns:a16="http://schemas.microsoft.com/office/drawing/2014/main" xmlns="" id="{1C598229-2E0F-4C0A-BE82-7B03AB56CA47}"/>
               </a:ext>
             </a:extLst>
           </p:cNvPr>
@@ -9223,7 +9263,7 @@
           <p:cNvPr id="3" name="Объект 2">
             <a:extLst>
               <a:ext uri="{FF2B5EF4-FFF2-40B4-BE49-F238E27FC236}">
-                <a16:creationId xmlns:a16="http://schemas.microsoft.com/office/drawing/2014/main" id="{EF58A533-0D7A-477B-A42B-3B33AA7E56A1}"/>
+                <a16:creationId xmlns:a16="http://schemas.microsoft.com/office/drawing/2014/main" xmlns="" id="{EF58A533-0D7A-477B-A42B-3B33AA7E56A1}"/>
               </a:ext>
             </a:extLst>
           </p:cNvPr>
@@ -9284,7 +9324,7 @@
           <p:cNvPr id="4" name="Объект 2">
             <a:extLst>
               <a:ext uri="{FF2B5EF4-FFF2-40B4-BE49-F238E27FC236}">
-                <a16:creationId xmlns:a16="http://schemas.microsoft.com/office/drawing/2014/main" id="{5AE3A61F-A2FE-4BB9-8C86-85915B635BA4}"/>
+                <a16:creationId xmlns:a16="http://schemas.microsoft.com/office/drawing/2014/main" xmlns="" id="{5AE3A61F-A2FE-4BB9-8C86-85915B635BA4}"/>
               </a:ext>
             </a:extLst>
           </p:cNvPr>
@@ -9595,7 +9635,7 @@
           <p:cNvPr id="5" name="Объект 2">
             <a:extLst>
               <a:ext uri="{FF2B5EF4-FFF2-40B4-BE49-F238E27FC236}">
-                <a16:creationId xmlns:a16="http://schemas.microsoft.com/office/drawing/2014/main" id="{23662E78-EF33-4F09-ACFF-7ABD7BC38AF8}"/>
+                <a16:creationId xmlns:a16="http://schemas.microsoft.com/office/drawing/2014/main" xmlns="" id="{23662E78-EF33-4F09-ACFF-7ABD7BC38AF8}"/>
               </a:ext>
             </a:extLst>
           </p:cNvPr>
@@ -9912,7 +9952,7 @@
           <p:cNvPr id="9" name="Номер слайда 5">
             <a:extLst>
               <a:ext uri="{FF2B5EF4-FFF2-40B4-BE49-F238E27FC236}">
-                <a16:creationId xmlns:a16="http://schemas.microsoft.com/office/drawing/2014/main" id="{573359E6-FDE5-457F-8032-91A1E804C5DC}"/>
+                <a16:creationId xmlns:a16="http://schemas.microsoft.com/office/drawing/2014/main" xmlns="" id="{573359E6-FDE5-457F-8032-91A1E804C5DC}"/>
               </a:ext>
             </a:extLst>
           </p:cNvPr>
@@ -10001,7 +10041,7 @@
           <p:cNvPr id="2" name="Заголовок 1">
             <a:extLst>
               <a:ext uri="{FF2B5EF4-FFF2-40B4-BE49-F238E27FC236}">
-                <a16:creationId xmlns:a16="http://schemas.microsoft.com/office/drawing/2014/main" id="{26B03773-AEDE-4C28-8DA0-8F3B67036B5B}"/>
+                <a16:creationId xmlns:a16="http://schemas.microsoft.com/office/drawing/2014/main" xmlns="" id="{26B03773-AEDE-4C28-8DA0-8F3B67036B5B}"/>
               </a:ext>
             </a:extLst>
           </p:cNvPr>
@@ -10035,7 +10075,7 @@
           <p:cNvPr id="3" name="Объект 2">
             <a:extLst>
               <a:ext uri="{FF2B5EF4-FFF2-40B4-BE49-F238E27FC236}">
-                <a16:creationId xmlns:a16="http://schemas.microsoft.com/office/drawing/2014/main" id="{4841B33C-17B7-4081-876E-BD88A681A4D0}"/>
+                <a16:creationId xmlns:a16="http://schemas.microsoft.com/office/drawing/2014/main" xmlns="" id="{4841B33C-17B7-4081-876E-BD88A681A4D0}"/>
               </a:ext>
             </a:extLst>
           </p:cNvPr>
@@ -10072,7 +10112,7 @@
  Ð·Ð½Ð°ÑÐ¾Ðº">
             <a:extLst>
               <a:ext uri="{FF2B5EF4-FFF2-40B4-BE49-F238E27FC236}">
-                <a16:creationId xmlns:a16="http://schemas.microsoft.com/office/drawing/2014/main" id="{9D3C6283-A0B2-4CA3-8448-EBFB52AD1649}"/>
+                <a16:creationId xmlns:a16="http://schemas.microsoft.com/office/drawing/2014/main" xmlns="" id="{9D3C6283-A0B2-4CA3-8448-EBFB52AD1649}"/>
               </a:ext>
             </a:extLst>
           </p:cNvPr>
@@ -10119,7 +10159,7 @@
           <p:cNvPr id="2054" name="Picture 6" descr="ÐÐ°ÑÑÐ¸Ð½ÐºÐ¸ Ð¿Ð¾ Ð·Ð°Ð¿ÑÐ¾ÑÑ data sampling icon">
             <a:extLst>
               <a:ext uri="{FF2B5EF4-FFF2-40B4-BE49-F238E27FC236}">
-                <a16:creationId xmlns:a16="http://schemas.microsoft.com/office/drawing/2014/main" id="{C11CFCB1-C238-4149-81D2-9EA38C929A79}"/>
+                <a16:creationId xmlns:a16="http://schemas.microsoft.com/office/drawing/2014/main" xmlns="" id="{C11CFCB1-C238-4149-81D2-9EA38C929A79}"/>
               </a:ext>
             </a:extLst>
           </p:cNvPr>
@@ -10166,7 +10206,7 @@
           <p:cNvPr id="2056" name="Picture 8" descr="ÐÐ°ÑÑÐ¸Ð½ÐºÐ¸ Ð¿Ð¾ Ð·Ð°Ð¿ÑÐ¾ÑÑ data refresh icon">
             <a:extLst>
               <a:ext uri="{FF2B5EF4-FFF2-40B4-BE49-F238E27FC236}">
-                <a16:creationId xmlns:a16="http://schemas.microsoft.com/office/drawing/2014/main" id="{9411FD29-0E44-465F-9A02-6312D51380CC}"/>
+                <a16:creationId xmlns:a16="http://schemas.microsoft.com/office/drawing/2014/main" xmlns="" id="{9411FD29-0E44-465F-9A02-6312D51380CC}"/>
               </a:ext>
             </a:extLst>
           </p:cNvPr>
@@ -10213,7 +10253,7 @@
           <p:cNvPr id="10" name="Объект 2">
             <a:extLst>
               <a:ext uri="{FF2B5EF4-FFF2-40B4-BE49-F238E27FC236}">
-                <a16:creationId xmlns:a16="http://schemas.microsoft.com/office/drawing/2014/main" id="{F027ED9E-D37D-48CE-9BA4-A524E80FCC67}"/>
+                <a16:creationId xmlns:a16="http://schemas.microsoft.com/office/drawing/2014/main" xmlns="" id="{F027ED9E-D37D-48CE-9BA4-A524E80FCC67}"/>
               </a:ext>
             </a:extLst>
           </p:cNvPr>
@@ -10475,7 +10515,7 @@
           <p:cNvPr id="11" name="Объект 2">
             <a:extLst>
               <a:ext uri="{FF2B5EF4-FFF2-40B4-BE49-F238E27FC236}">
-                <a16:creationId xmlns:a16="http://schemas.microsoft.com/office/drawing/2014/main" id="{A75CC79F-3A61-46E1-A217-53616B0F071D}"/>
+                <a16:creationId xmlns:a16="http://schemas.microsoft.com/office/drawing/2014/main" xmlns="" id="{A75CC79F-3A61-46E1-A217-53616B0F071D}"/>
               </a:ext>
             </a:extLst>
           </p:cNvPr>
@@ -10740,7 +10780,7 @@
           <p:cNvPr id="6" name="Рисунок 5">
             <a:extLst>
               <a:ext uri="{FF2B5EF4-FFF2-40B4-BE49-F238E27FC236}">
-                <a16:creationId xmlns:a16="http://schemas.microsoft.com/office/drawing/2014/main" id="{ED13D37B-46D9-4C91-90A5-37B5ADF891F9}"/>
+                <a16:creationId xmlns:a16="http://schemas.microsoft.com/office/drawing/2014/main" xmlns="" id="{ED13D37B-46D9-4C91-90A5-37B5ADF891F9}"/>
               </a:ext>
             </a:extLst>
           </p:cNvPr>
@@ -10770,7 +10810,7 @@
           <p:cNvPr id="12" name="Номер слайда 5">
             <a:extLst>
               <a:ext uri="{FF2B5EF4-FFF2-40B4-BE49-F238E27FC236}">
-                <a16:creationId xmlns:a16="http://schemas.microsoft.com/office/drawing/2014/main" id="{FA00E5F8-E195-4769-BADA-A89E112FBD60}"/>
+                <a16:creationId xmlns:a16="http://schemas.microsoft.com/office/drawing/2014/main" xmlns="" id="{FA00E5F8-E195-4769-BADA-A89E112FBD60}"/>
               </a:ext>
             </a:extLst>
           </p:cNvPr>
@@ -10859,7 +10899,7 @@
           <p:cNvPr id="2" name="Заголовок 1">
             <a:extLst>
               <a:ext uri="{FF2B5EF4-FFF2-40B4-BE49-F238E27FC236}">
-                <a16:creationId xmlns:a16="http://schemas.microsoft.com/office/drawing/2014/main" id="{880A8314-2189-465F-A3D4-C6195758EAE5}"/>
+                <a16:creationId xmlns:a16="http://schemas.microsoft.com/office/drawing/2014/main" xmlns="" id="{880A8314-2189-465F-A3D4-C6195758EAE5}"/>
               </a:ext>
             </a:extLst>
           </p:cNvPr>
@@ -10900,7 +10940,7 @@
           <p:cNvPr id="3" name="Объект 2">
             <a:extLst>
               <a:ext uri="{FF2B5EF4-FFF2-40B4-BE49-F238E27FC236}">
-                <a16:creationId xmlns:a16="http://schemas.microsoft.com/office/drawing/2014/main" id="{E9D633EE-5329-4FC6-A6D9-960C6AC57103}"/>
+                <a16:creationId xmlns:a16="http://schemas.microsoft.com/office/drawing/2014/main" xmlns="" id="{E9D633EE-5329-4FC6-A6D9-960C6AC57103}"/>
               </a:ext>
             </a:extLst>
           </p:cNvPr>
@@ -10962,7 +11002,7 @@
           <p:cNvPr id="6" name="Номер слайда 5">
             <a:extLst>
               <a:ext uri="{FF2B5EF4-FFF2-40B4-BE49-F238E27FC236}">
-                <a16:creationId xmlns:a16="http://schemas.microsoft.com/office/drawing/2014/main" id="{35DB0B31-6320-4583-9179-4FCE5E2052B1}"/>
+                <a16:creationId xmlns:a16="http://schemas.microsoft.com/office/drawing/2014/main" xmlns="" id="{35DB0B31-6320-4583-9179-4FCE5E2052B1}"/>
               </a:ext>
             </a:extLst>
           </p:cNvPr>
@@ -11051,7 +11091,7 @@
           <p:cNvPr id="2" name="Заголовок 1">
             <a:extLst>
               <a:ext uri="{FF2B5EF4-FFF2-40B4-BE49-F238E27FC236}">
-                <a16:creationId xmlns:a16="http://schemas.microsoft.com/office/drawing/2014/main" id="{1408F5FF-F097-449F-A002-05D9752AAF22}"/>
+                <a16:creationId xmlns:a16="http://schemas.microsoft.com/office/drawing/2014/main" xmlns="" id="{1408F5FF-F097-449F-A002-05D9752AAF22}"/>
               </a:ext>
             </a:extLst>
           </p:cNvPr>
@@ -11092,7 +11132,7 @@
           <p:cNvPr id="3" name="Объект 2">
             <a:extLst>
               <a:ext uri="{FF2B5EF4-FFF2-40B4-BE49-F238E27FC236}">
-                <a16:creationId xmlns:a16="http://schemas.microsoft.com/office/drawing/2014/main" id="{77FA3B7B-72DF-4124-9210-E5C4395D1B92}"/>
+                <a16:creationId xmlns:a16="http://schemas.microsoft.com/office/drawing/2014/main" xmlns="" id="{77FA3B7B-72DF-4124-9210-E5C4395D1B92}"/>
               </a:ext>
             </a:extLst>
           </p:cNvPr>
@@ -11166,7 +11206,7 @@
           <p:cNvPr id="5" name="Номер слайда 5">
             <a:extLst>
               <a:ext uri="{FF2B5EF4-FFF2-40B4-BE49-F238E27FC236}">
-                <a16:creationId xmlns:a16="http://schemas.microsoft.com/office/drawing/2014/main" id="{8FE86237-4B62-4945-B471-BFB828E50973}"/>
+                <a16:creationId xmlns:a16="http://schemas.microsoft.com/office/drawing/2014/main" xmlns="" id="{8FE86237-4B62-4945-B471-BFB828E50973}"/>
               </a:ext>
             </a:extLst>
           </p:cNvPr>
@@ -11255,7 +11295,7 @@
           <p:cNvPr id="2" name="Заголовок 1">
             <a:extLst>
               <a:ext uri="{FF2B5EF4-FFF2-40B4-BE49-F238E27FC236}">
-                <a16:creationId xmlns:a16="http://schemas.microsoft.com/office/drawing/2014/main" id="{85E5A39E-E77F-4265-BF9C-628469EED62C}"/>
+                <a16:creationId xmlns:a16="http://schemas.microsoft.com/office/drawing/2014/main" xmlns="" id="{85E5A39E-E77F-4265-BF9C-628469EED62C}"/>
               </a:ext>
             </a:extLst>
           </p:cNvPr>
@@ -11289,7 +11329,7 @@
           <p:cNvPr id="4098" name="Picture 2" descr="Dms_cw_ER_diag.png">
             <a:extLst>
               <a:ext uri="{FF2B5EF4-FFF2-40B4-BE49-F238E27FC236}">
-                <a16:creationId xmlns:a16="http://schemas.microsoft.com/office/drawing/2014/main" id="{02F1379B-442D-49BC-9699-E952749B9928}"/>
+                <a16:creationId xmlns:a16="http://schemas.microsoft.com/office/drawing/2014/main" xmlns="" id="{02F1379B-442D-49BC-9699-E952749B9928}"/>
               </a:ext>
             </a:extLst>
           </p:cNvPr>
@@ -11338,7 +11378,7 @@
           <p:cNvPr id="6" name="Номер слайда 5">
             <a:extLst>
               <a:ext uri="{FF2B5EF4-FFF2-40B4-BE49-F238E27FC236}">
-                <a16:creationId xmlns:a16="http://schemas.microsoft.com/office/drawing/2014/main" id="{1799D236-4F77-41CE-8A40-ECFCC76D2870}"/>
+                <a16:creationId xmlns:a16="http://schemas.microsoft.com/office/drawing/2014/main" xmlns="" id="{1799D236-4F77-41CE-8A40-ECFCC76D2870}"/>
               </a:ext>
             </a:extLst>
           </p:cNvPr>
@@ -11427,7 +11467,7 @@
           <p:cNvPr id="2" name="Заголовок 1">
             <a:extLst>
               <a:ext uri="{FF2B5EF4-FFF2-40B4-BE49-F238E27FC236}">
-                <a16:creationId xmlns:a16="http://schemas.microsoft.com/office/drawing/2014/main" id="{C37A47CB-8FD7-4364-AE7C-E3B4049545FD}"/>
+                <a16:creationId xmlns:a16="http://schemas.microsoft.com/office/drawing/2014/main" xmlns="" id="{C37A47CB-8FD7-4364-AE7C-E3B4049545FD}"/>
               </a:ext>
             </a:extLst>
           </p:cNvPr>
@@ -11461,7 +11501,7 @@
           <p:cNvPr id="6" name="Рисунок 5">
             <a:extLst>
               <a:ext uri="{FF2B5EF4-FFF2-40B4-BE49-F238E27FC236}">
-                <a16:creationId xmlns:a16="http://schemas.microsoft.com/office/drawing/2014/main" id="{5E8D1268-8638-48F0-B9B3-4F3332C68085}"/>
+                <a16:creationId xmlns:a16="http://schemas.microsoft.com/office/drawing/2014/main" xmlns="" id="{5E8D1268-8638-48F0-B9B3-4F3332C68085}"/>
               </a:ext>
             </a:extLst>
           </p:cNvPr>
@@ -11491,7 +11531,7 @@
           <p:cNvPr id="8" name="Объект 2">
             <a:extLst>
               <a:ext uri="{FF2B5EF4-FFF2-40B4-BE49-F238E27FC236}">
-                <a16:creationId xmlns:a16="http://schemas.microsoft.com/office/drawing/2014/main" id="{B11FCCFD-E2C6-43FD-9703-24CA914B2B0F}"/>
+                <a16:creationId xmlns:a16="http://schemas.microsoft.com/office/drawing/2014/main" xmlns="" id="{B11FCCFD-E2C6-43FD-9703-24CA914B2B0F}"/>
               </a:ext>
             </a:extLst>
           </p:cNvPr>
@@ -11526,7 +11566,7 @@
           <p:cNvPr id="9" name="Номер слайда 5">
             <a:extLst>
               <a:ext uri="{FF2B5EF4-FFF2-40B4-BE49-F238E27FC236}">
-                <a16:creationId xmlns:a16="http://schemas.microsoft.com/office/drawing/2014/main" id="{A5BC61DC-C258-4EEB-8EA4-443C26B74CEC}"/>
+                <a16:creationId xmlns:a16="http://schemas.microsoft.com/office/drawing/2014/main" xmlns="" id="{A5BC61DC-C258-4EEB-8EA4-443C26B74CEC}"/>
               </a:ext>
             </a:extLst>
           </p:cNvPr>

--- a/Dms coursework presentation.pptx
+++ b/Dms coursework presentation.pptx
@@ -160,7 +160,7 @@
           <p:cNvPr id="2" name="Верхний колонтитул 1">
             <a:extLst>
               <a:ext uri="{FF2B5EF4-FFF2-40B4-BE49-F238E27FC236}">
-                <a16:creationId xmlns:a16="http://schemas.microsoft.com/office/drawing/2014/main" xmlns="" id="{0F587E4D-A90E-4C94-BE20-CC253927612E}"/>
+                <a16:creationId xmlns="" xmlns:a16="http://schemas.microsoft.com/office/drawing/2014/main" id="{0F587E4D-A90E-4C94-BE20-CC253927612E}"/>
               </a:ext>
             </a:extLst>
           </p:cNvPr>
@@ -197,7 +197,7 @@
           <p:cNvPr id="3" name="Дата 2">
             <a:extLst>
               <a:ext uri="{FF2B5EF4-FFF2-40B4-BE49-F238E27FC236}">
-                <a16:creationId xmlns:a16="http://schemas.microsoft.com/office/drawing/2014/main" xmlns="" id="{9A2526CB-CAC9-42DD-8473-B823E252472C}"/>
+                <a16:creationId xmlns="" xmlns:a16="http://schemas.microsoft.com/office/drawing/2014/main" id="{9A2526CB-CAC9-42DD-8473-B823E252472C}"/>
               </a:ext>
             </a:extLst>
           </p:cNvPr>
@@ -238,7 +238,7 @@
           <p:cNvPr id="4" name="Нижний колонтитул 3">
             <a:extLst>
               <a:ext uri="{FF2B5EF4-FFF2-40B4-BE49-F238E27FC236}">
-                <a16:creationId xmlns:a16="http://schemas.microsoft.com/office/drawing/2014/main" xmlns="" id="{3D104B51-0B09-4D98-93FA-FEB5ADCCD376}"/>
+                <a16:creationId xmlns="" xmlns:a16="http://schemas.microsoft.com/office/drawing/2014/main" id="{3D104B51-0B09-4D98-93FA-FEB5ADCCD376}"/>
               </a:ext>
             </a:extLst>
           </p:cNvPr>
@@ -275,7 +275,7 @@
           <p:cNvPr id="5" name="Номер слайда 4">
             <a:extLst>
               <a:ext uri="{FF2B5EF4-FFF2-40B4-BE49-F238E27FC236}">
-                <a16:creationId xmlns:a16="http://schemas.microsoft.com/office/drawing/2014/main" xmlns="" id="{4F1E8545-1B4B-43AC-A871-65A94AEDF0A6}"/>
+                <a16:creationId xmlns="" xmlns:a16="http://schemas.microsoft.com/office/drawing/2014/main" id="{4F1E8545-1B4B-43AC-A871-65A94AEDF0A6}"/>
               </a:ext>
             </a:extLst>
           </p:cNvPr>
@@ -6410,7 +6410,7 @@
           <p:cNvPr id="2" name="Заголовок 1">
             <a:extLst>
               <a:ext uri="{FF2B5EF4-FFF2-40B4-BE49-F238E27FC236}">
-                <a16:creationId xmlns:a16="http://schemas.microsoft.com/office/drawing/2014/main" xmlns="" id="{0489C626-ECFA-41FE-89D7-5FF9F4834BDC}"/>
+                <a16:creationId xmlns="" xmlns:a16="http://schemas.microsoft.com/office/drawing/2014/main" id="{0489C626-ECFA-41FE-89D7-5FF9F4834BDC}"/>
               </a:ext>
             </a:extLst>
           </p:cNvPr>
@@ -6429,7 +6429,15 @@
             <a:pPr algn="ctr"/>
             <a:r>
               <a:rPr lang="en-US" dirty="0"/>
-              <a:t>Leave The Island</a:t>
+              <a:t>Leave </a:t>
+            </a:r>
+            <a:r>
+              <a:rPr lang="en-US"/>
+              <a:t>The </a:t>
+            </a:r>
+            <a:r>
+              <a:rPr lang="en-US" smtClean="0"/>
+              <a:t>Island </a:t>
             </a:r>
             <a:endParaRPr lang="ru-RU" dirty="0"/>
           </a:p>
@@ -6470,7 +6478,7 @@
           <p:cNvPr id="3" name="Объект 2">
             <a:extLst>
               <a:ext uri="{FF2B5EF4-FFF2-40B4-BE49-F238E27FC236}">
-                <a16:creationId xmlns:a16="http://schemas.microsoft.com/office/drawing/2014/main" xmlns="" id="{15FBFF49-5375-485E-B951-0D322BC0EC48}"/>
+                <a16:creationId xmlns="" xmlns:a16="http://schemas.microsoft.com/office/drawing/2014/main" id="{15FBFF49-5375-485E-B951-0D322BC0EC48}"/>
               </a:ext>
             </a:extLst>
           </p:cNvPr>
@@ -6504,7 +6512,7 @@
           <p:cNvPr id="5" name="Заголовок 1">
             <a:extLst>
               <a:ext uri="{FF2B5EF4-FFF2-40B4-BE49-F238E27FC236}">
-                <a16:creationId xmlns:a16="http://schemas.microsoft.com/office/drawing/2014/main" xmlns="" id="{7F5C4A93-84B9-4DC5-B621-01CFE57FDD7F}"/>
+                <a16:creationId xmlns="" xmlns:a16="http://schemas.microsoft.com/office/drawing/2014/main" id="{7F5C4A93-84B9-4DC5-B621-01CFE57FDD7F}"/>
               </a:ext>
             </a:extLst>
           </p:cNvPr>
@@ -6538,7 +6546,7 @@
           <p:cNvPr id="6" name="Номер слайда 5">
             <a:extLst>
               <a:ext uri="{FF2B5EF4-FFF2-40B4-BE49-F238E27FC236}">
-                <a16:creationId xmlns:a16="http://schemas.microsoft.com/office/drawing/2014/main" xmlns="" id="{E619EDFC-2C94-4FAD-8984-8DB1E6CA2BE3}"/>
+                <a16:creationId xmlns="" xmlns:a16="http://schemas.microsoft.com/office/drawing/2014/main" id="{E619EDFC-2C94-4FAD-8984-8DB1E6CA2BE3}"/>
               </a:ext>
             </a:extLst>
           </p:cNvPr>
@@ -6657,7 +6665,7 @@
           <p:cNvPr id="3" name="Объект 2">
             <a:extLst>
               <a:ext uri="{FF2B5EF4-FFF2-40B4-BE49-F238E27FC236}">
-                <a16:creationId xmlns:a16="http://schemas.microsoft.com/office/drawing/2014/main" xmlns="" id="{1B5C336A-2082-479E-907C-AC5CC8F0B066}"/>
+                <a16:creationId xmlns="" xmlns:a16="http://schemas.microsoft.com/office/drawing/2014/main" id="{1B5C336A-2082-479E-907C-AC5CC8F0B066}"/>
               </a:ext>
             </a:extLst>
           </p:cNvPr>
@@ -6691,7 +6699,7 @@
           <p:cNvPr id="5" name="Заголовок 1">
             <a:extLst>
               <a:ext uri="{FF2B5EF4-FFF2-40B4-BE49-F238E27FC236}">
-                <a16:creationId xmlns:a16="http://schemas.microsoft.com/office/drawing/2014/main" xmlns="" id="{6707CF26-D64C-4521-9A46-CE45B85C19AB}"/>
+                <a16:creationId xmlns="" xmlns:a16="http://schemas.microsoft.com/office/drawing/2014/main" id="{6707CF26-D64C-4521-9A46-CE45B85C19AB}"/>
               </a:ext>
             </a:extLst>
           </p:cNvPr>
@@ -6725,7 +6733,7 @@
           <p:cNvPr id="6" name="Номер слайда 5">
             <a:extLst>
               <a:ext uri="{FF2B5EF4-FFF2-40B4-BE49-F238E27FC236}">
-                <a16:creationId xmlns:a16="http://schemas.microsoft.com/office/drawing/2014/main" xmlns="" id="{B720B3A5-1B43-4003-96BA-9EE17CDD7D1A}"/>
+                <a16:creationId xmlns="" xmlns:a16="http://schemas.microsoft.com/office/drawing/2014/main" id="{B720B3A5-1B43-4003-96BA-9EE17CDD7D1A}"/>
               </a:ext>
             </a:extLst>
           </p:cNvPr>
@@ -6814,7 +6822,7 @@
           <p:cNvPr id="9" name="Объект 8">
             <a:extLst>
               <a:ext uri="{FF2B5EF4-FFF2-40B4-BE49-F238E27FC236}">
-                <a16:creationId xmlns:a16="http://schemas.microsoft.com/office/drawing/2014/main" xmlns="" id="{6810AA6E-FDC1-417C-8244-49DCE698686A}"/>
+                <a16:creationId xmlns="" xmlns:a16="http://schemas.microsoft.com/office/drawing/2014/main" id="{6810AA6E-FDC1-417C-8244-49DCE698686A}"/>
               </a:ext>
             </a:extLst>
           </p:cNvPr>
@@ -6848,7 +6856,7 @@
           <p:cNvPr id="13" name="Заголовок 1">
             <a:extLst>
               <a:ext uri="{FF2B5EF4-FFF2-40B4-BE49-F238E27FC236}">
-                <a16:creationId xmlns:a16="http://schemas.microsoft.com/office/drawing/2014/main" xmlns="" id="{9806587B-E558-4AB8-ADD0-8A923FD32C40}"/>
+                <a16:creationId xmlns="" xmlns:a16="http://schemas.microsoft.com/office/drawing/2014/main" id="{9806587B-E558-4AB8-ADD0-8A923FD32C40}"/>
               </a:ext>
             </a:extLst>
           </p:cNvPr>
@@ -6961,7 +6969,7 @@
           <p:cNvPr id="14" name="Объект 4">
             <a:extLst>
               <a:ext uri="{FF2B5EF4-FFF2-40B4-BE49-F238E27FC236}">
-                <a16:creationId xmlns:a16="http://schemas.microsoft.com/office/drawing/2014/main" xmlns="" id="{530C6861-F387-40DC-8934-B77039B26413}"/>
+                <a16:creationId xmlns="" xmlns:a16="http://schemas.microsoft.com/office/drawing/2014/main" id="{530C6861-F387-40DC-8934-B77039B26413}"/>
               </a:ext>
             </a:extLst>
           </p:cNvPr>
@@ -6991,7 +6999,7 @@
           <p:cNvPr id="15" name="Рисунок 14">
             <a:extLst>
               <a:ext uri="{FF2B5EF4-FFF2-40B4-BE49-F238E27FC236}">
-                <a16:creationId xmlns:a16="http://schemas.microsoft.com/office/drawing/2014/main" xmlns="" id="{1C149022-BB00-48C2-B919-4828C25607DE}"/>
+                <a16:creationId xmlns="" xmlns:a16="http://schemas.microsoft.com/office/drawing/2014/main" id="{1C149022-BB00-48C2-B919-4828C25607DE}"/>
               </a:ext>
             </a:extLst>
           </p:cNvPr>
@@ -7021,7 +7029,7 @@
           <p:cNvPr id="3" name="Рисунок 2">
             <a:extLst>
               <a:ext uri="{FF2B5EF4-FFF2-40B4-BE49-F238E27FC236}">
-                <a16:creationId xmlns:a16="http://schemas.microsoft.com/office/drawing/2014/main" xmlns="" id="{381C3943-5053-41C9-B65E-42D68BD52CC4}"/>
+                <a16:creationId xmlns="" xmlns:a16="http://schemas.microsoft.com/office/drawing/2014/main" id="{381C3943-5053-41C9-B65E-42D68BD52CC4}"/>
               </a:ext>
             </a:extLst>
           </p:cNvPr>
@@ -7050,7 +7058,7 @@
           <p:cNvPr id="4" name="Рисунок 3">
             <a:extLst>
               <a:ext uri="{FF2B5EF4-FFF2-40B4-BE49-F238E27FC236}">
-                <a16:creationId xmlns:a16="http://schemas.microsoft.com/office/drawing/2014/main" xmlns="" id="{2B4CD87C-6CAB-4B4A-AC10-84566481D9B4}"/>
+                <a16:creationId xmlns="" xmlns:a16="http://schemas.microsoft.com/office/drawing/2014/main" id="{2B4CD87C-6CAB-4B4A-AC10-84566481D9B4}"/>
               </a:ext>
             </a:extLst>
           </p:cNvPr>
@@ -7079,7 +7087,7 @@
           <p:cNvPr id="10" name="Объект 8">
             <a:extLst>
               <a:ext uri="{FF2B5EF4-FFF2-40B4-BE49-F238E27FC236}">
-                <a16:creationId xmlns:a16="http://schemas.microsoft.com/office/drawing/2014/main" xmlns="" id="{559FBF85-FA77-437D-8AC7-F5FE137096FB}"/>
+                <a16:creationId xmlns="" xmlns:a16="http://schemas.microsoft.com/office/drawing/2014/main" id="{559FBF85-FA77-437D-8AC7-F5FE137096FB}"/>
               </a:ext>
             </a:extLst>
           </p:cNvPr>
@@ -7342,7 +7350,7 @@
           <p:cNvPr id="18" name="Номер слайда 5">
             <a:extLst>
               <a:ext uri="{FF2B5EF4-FFF2-40B4-BE49-F238E27FC236}">
-                <a16:creationId xmlns:a16="http://schemas.microsoft.com/office/drawing/2014/main" xmlns="" id="{1465D2B8-1200-4810-8025-39AE0598DC6D}"/>
+                <a16:creationId xmlns="" xmlns:a16="http://schemas.microsoft.com/office/drawing/2014/main" id="{1465D2B8-1200-4810-8025-39AE0598DC6D}"/>
               </a:ext>
             </a:extLst>
           </p:cNvPr>
@@ -7431,7 +7439,7 @@
           <p:cNvPr id="2" name="Заголовок 1">
             <a:extLst>
               <a:ext uri="{FF2B5EF4-FFF2-40B4-BE49-F238E27FC236}">
-                <a16:creationId xmlns:a16="http://schemas.microsoft.com/office/drawing/2014/main" xmlns="" id="{7F7DA553-9946-4046-ACA1-D34169A28759}"/>
+                <a16:creationId xmlns="" xmlns:a16="http://schemas.microsoft.com/office/drawing/2014/main" id="{7F7DA553-9946-4046-ACA1-D34169A28759}"/>
               </a:ext>
             </a:extLst>
           </p:cNvPr>
@@ -7470,7 +7478,7 @@
           <p:cNvPr id="3" name="Объект 2">
             <a:extLst>
               <a:ext uri="{FF2B5EF4-FFF2-40B4-BE49-F238E27FC236}">
-                <a16:creationId xmlns:a16="http://schemas.microsoft.com/office/drawing/2014/main" xmlns="" id="{9729EC04-8DE2-46BA-9B2C-B4C8230FBBE4}"/>
+                <a16:creationId xmlns="" xmlns:a16="http://schemas.microsoft.com/office/drawing/2014/main" id="{9729EC04-8DE2-46BA-9B2C-B4C8230FBBE4}"/>
               </a:ext>
             </a:extLst>
           </p:cNvPr>
@@ -7504,7 +7512,7 @@
           <p:cNvPr id="5" name="Номер слайда 5">
             <a:extLst>
               <a:ext uri="{FF2B5EF4-FFF2-40B4-BE49-F238E27FC236}">
-                <a16:creationId xmlns:a16="http://schemas.microsoft.com/office/drawing/2014/main" xmlns="" id="{8A13635C-D156-4527-B981-EBC4EEB6672B}"/>
+                <a16:creationId xmlns="" xmlns:a16="http://schemas.microsoft.com/office/drawing/2014/main" id="{8A13635C-D156-4527-B981-EBC4EEB6672B}"/>
               </a:ext>
             </a:extLst>
           </p:cNvPr>
@@ -7593,7 +7601,7 @@
           <p:cNvPr id="2" name="Заголовок 1">
             <a:extLst>
               <a:ext uri="{FF2B5EF4-FFF2-40B4-BE49-F238E27FC236}">
-                <a16:creationId xmlns:a16="http://schemas.microsoft.com/office/drawing/2014/main" xmlns="" id="{79F46467-70A8-44AF-95D6-B904E0F44E6E}"/>
+                <a16:creationId xmlns="" xmlns:a16="http://schemas.microsoft.com/office/drawing/2014/main" id="{79F46467-70A8-44AF-95D6-B904E0F44E6E}"/>
               </a:ext>
             </a:extLst>
           </p:cNvPr>
@@ -7627,7 +7635,7 @@
           <p:cNvPr id="1028" name="Picture 4" descr="ÐÐ°ÑÑÐ¸Ð½ÐºÐ¸ Ð¿Ð¾ Ð·Ð°Ð¿ÑÐ¾ÑÑ unity 3d">
             <a:extLst>
               <a:ext uri="{FF2B5EF4-FFF2-40B4-BE49-F238E27FC236}">
-                <a16:creationId xmlns:a16="http://schemas.microsoft.com/office/drawing/2014/main" xmlns="" id="{DD38A7FD-8870-4D92-8E8E-AE39F93FE078}"/>
+                <a16:creationId xmlns="" xmlns:a16="http://schemas.microsoft.com/office/drawing/2014/main" id="{DD38A7FD-8870-4D92-8E8E-AE39F93FE078}"/>
               </a:ext>
             </a:extLst>
           </p:cNvPr>
@@ -7674,7 +7682,7 @@
           <p:cNvPr id="1038" name="Picture 14" descr="ÐÐ°ÑÑÐ¸Ð½ÐºÐ¸ Ð¿Ð¾ Ð·Ð°Ð¿ÑÐ¾ÑÑ Microsoft Visual Studio">
             <a:extLst>
               <a:ext uri="{FF2B5EF4-FFF2-40B4-BE49-F238E27FC236}">
-                <a16:creationId xmlns:a16="http://schemas.microsoft.com/office/drawing/2014/main" xmlns="" id="{7E54A76B-0E20-4C0F-B4D4-AF34EFA32C00}"/>
+                <a16:creationId xmlns="" xmlns:a16="http://schemas.microsoft.com/office/drawing/2014/main" id="{7E54A76B-0E20-4C0F-B4D4-AF34EFA32C00}"/>
               </a:ext>
             </a:extLst>
           </p:cNvPr>
@@ -7722,7 +7730,7 @@
 Ð¾Ð¶ÐµÐµ Ð¸Ð·Ð¾Ð±ÑÐ°Ð¶ÐµÐ½Ð¸Ðµ">
             <a:extLst>
               <a:ext uri="{FF2B5EF4-FFF2-40B4-BE49-F238E27FC236}">
-                <a16:creationId xmlns:a16="http://schemas.microsoft.com/office/drawing/2014/main" xmlns="" id="{29F4D075-80BF-43D0-B97E-AFD2AED0DEAF}"/>
+                <a16:creationId xmlns="" xmlns:a16="http://schemas.microsoft.com/office/drawing/2014/main" id="{29F4D075-80BF-43D0-B97E-AFD2AED0DEAF}"/>
               </a:ext>
             </a:extLst>
           </p:cNvPr>
@@ -7769,7 +7777,7 @@
           <p:cNvPr id="8" name="Номер слайда 5">
             <a:extLst>
               <a:ext uri="{FF2B5EF4-FFF2-40B4-BE49-F238E27FC236}">
-                <a16:creationId xmlns:a16="http://schemas.microsoft.com/office/drawing/2014/main" xmlns="" id="{2602FBB5-337E-4C36-BEC9-4385C258BCF8}"/>
+                <a16:creationId xmlns="" xmlns:a16="http://schemas.microsoft.com/office/drawing/2014/main" id="{2602FBB5-337E-4C36-BEC9-4385C258BCF8}"/>
               </a:ext>
             </a:extLst>
           </p:cNvPr>
@@ -7858,7 +7866,7 @@
           <p:cNvPr id="1026" name="Picture 2" descr="Ð¡Ð½Ð¸Ð¼Ð¾Ðº ÑÐºÑÐ°Ð½Ð° 2019-06-13 Ð² 18.44.17.png">
             <a:extLst>
               <a:ext uri="{FF2B5EF4-FFF2-40B4-BE49-F238E27FC236}">
-                <a16:creationId xmlns:a16="http://schemas.microsoft.com/office/drawing/2014/main" xmlns="" id="{E2763E89-DF38-4630-A3B6-035D700CC22A}"/>
+                <a16:creationId xmlns="" xmlns:a16="http://schemas.microsoft.com/office/drawing/2014/main" id="{E2763E89-DF38-4630-A3B6-035D700CC22A}"/>
               </a:ext>
             </a:extLst>
           </p:cNvPr>
@@ -7905,7 +7913,7 @@
           <p:cNvPr id="2" name="Заголовок 1">
             <a:extLst>
               <a:ext uri="{FF2B5EF4-FFF2-40B4-BE49-F238E27FC236}">
-                <a16:creationId xmlns:a16="http://schemas.microsoft.com/office/drawing/2014/main" xmlns="" id="{373B277D-030A-420B-B99B-97AADF760E7C}"/>
+                <a16:creationId xmlns="" xmlns:a16="http://schemas.microsoft.com/office/drawing/2014/main" id="{373B277D-030A-420B-B99B-97AADF760E7C}"/>
               </a:ext>
             </a:extLst>
           </p:cNvPr>
@@ -7939,7 +7947,7 @@
           <p:cNvPr id="3" name="Объект 2">
             <a:extLst>
               <a:ext uri="{FF2B5EF4-FFF2-40B4-BE49-F238E27FC236}">
-                <a16:creationId xmlns:a16="http://schemas.microsoft.com/office/drawing/2014/main" xmlns="" id="{94ADC66B-6DBA-440F-8A8D-C29C5CDDB07E}"/>
+                <a16:creationId xmlns="" xmlns:a16="http://schemas.microsoft.com/office/drawing/2014/main" id="{94ADC66B-6DBA-440F-8A8D-C29C5CDDB07E}"/>
               </a:ext>
             </a:extLst>
           </p:cNvPr>
@@ -7974,7 +7982,7 @@
           <p:cNvPr id="6" name="Рисунок 5">
             <a:extLst>
               <a:ext uri="{FF2B5EF4-FFF2-40B4-BE49-F238E27FC236}">
-                <a16:creationId xmlns:a16="http://schemas.microsoft.com/office/drawing/2014/main" xmlns="" id="{E0B40CF8-5558-4EDB-8158-C8CAD9FC13AD}"/>
+                <a16:creationId xmlns="" xmlns:a16="http://schemas.microsoft.com/office/drawing/2014/main" id="{E0B40CF8-5558-4EDB-8158-C8CAD9FC13AD}"/>
               </a:ext>
             </a:extLst>
           </p:cNvPr>
@@ -8004,7 +8012,7 @@
           <p:cNvPr id="9" name="Объект 2">
             <a:extLst>
               <a:ext uri="{FF2B5EF4-FFF2-40B4-BE49-F238E27FC236}">
-                <a16:creationId xmlns:a16="http://schemas.microsoft.com/office/drawing/2014/main" xmlns="" id="{66DB6FD7-E21E-4BEC-A5F2-A552A57474F8}"/>
+                <a16:creationId xmlns="" xmlns:a16="http://schemas.microsoft.com/office/drawing/2014/main" id="{66DB6FD7-E21E-4BEC-A5F2-A552A57474F8}"/>
               </a:ext>
             </a:extLst>
           </p:cNvPr>
@@ -8268,7 +8276,7 @@
           <p:cNvPr id="10" name="Номер слайда 5">
             <a:extLst>
               <a:ext uri="{FF2B5EF4-FFF2-40B4-BE49-F238E27FC236}">
-                <a16:creationId xmlns:a16="http://schemas.microsoft.com/office/drawing/2014/main" xmlns="" id="{CAAFCB9D-A848-4C0F-9908-1B6419DDADF5}"/>
+                <a16:creationId xmlns="" xmlns:a16="http://schemas.microsoft.com/office/drawing/2014/main" id="{CAAFCB9D-A848-4C0F-9908-1B6419DDADF5}"/>
               </a:ext>
             </a:extLst>
           </p:cNvPr>
@@ -8327,7 +8335,7 @@
           <p:cNvPr id="8" name="Объект 2">
             <a:extLst>
               <a:ext uri="{FF2B5EF4-FFF2-40B4-BE49-F238E27FC236}">
-                <a16:creationId xmlns:a16="http://schemas.microsoft.com/office/drawing/2014/main" xmlns="" id="{5A097D2E-3A4B-411A-8DF3-E4A6F4834BBB}"/>
+                <a16:creationId xmlns="" xmlns:a16="http://schemas.microsoft.com/office/drawing/2014/main" id="{5A097D2E-3A4B-411A-8DF3-E4A6F4834BBB}"/>
               </a:ext>
             </a:extLst>
           </p:cNvPr>
@@ -8621,7 +8629,7 @@
           <p:cNvPr id="3" name="Рисунок 2">
             <a:extLst>
               <a:ext uri="{FF2B5EF4-FFF2-40B4-BE49-F238E27FC236}">
-                <a16:creationId xmlns:a16="http://schemas.microsoft.com/office/drawing/2014/main" xmlns="" id="{265509EC-C62F-4163-9454-7481DE5D69D6}"/>
+                <a16:creationId xmlns="" xmlns:a16="http://schemas.microsoft.com/office/drawing/2014/main" id="{265509EC-C62F-4163-9454-7481DE5D69D6}"/>
               </a:ext>
             </a:extLst>
           </p:cNvPr>
@@ -8651,7 +8659,7 @@
           <p:cNvPr id="7" name="Рисунок 6">
             <a:extLst>
               <a:ext uri="{FF2B5EF4-FFF2-40B4-BE49-F238E27FC236}">
-                <a16:creationId xmlns:a16="http://schemas.microsoft.com/office/drawing/2014/main" xmlns="" id="{A1C5CB87-9807-438F-802A-FF5E9A634026}"/>
+                <a16:creationId xmlns="" xmlns:a16="http://schemas.microsoft.com/office/drawing/2014/main" id="{A1C5CB87-9807-438F-802A-FF5E9A634026}"/>
               </a:ext>
             </a:extLst>
           </p:cNvPr>
@@ -8680,7 +8688,7 @@
           <p:cNvPr id="2" name="Заголовок 1">
             <a:extLst>
               <a:ext uri="{FF2B5EF4-FFF2-40B4-BE49-F238E27FC236}">
-                <a16:creationId xmlns:a16="http://schemas.microsoft.com/office/drawing/2014/main" xmlns="" id="{DD02D1D5-B662-40C3-BC17-4195A46AEFB1}"/>
+                <a16:creationId xmlns="" xmlns:a16="http://schemas.microsoft.com/office/drawing/2014/main" id="{DD02D1D5-B662-40C3-BC17-4195A46AEFB1}"/>
               </a:ext>
             </a:extLst>
           </p:cNvPr>
@@ -8714,7 +8722,7 @@
           <p:cNvPr id="6" name="Номер слайда 5">
             <a:extLst>
               <a:ext uri="{FF2B5EF4-FFF2-40B4-BE49-F238E27FC236}">
-                <a16:creationId xmlns:a16="http://schemas.microsoft.com/office/drawing/2014/main" xmlns="" id="{EE1E64BE-7BBA-4B28-AE0D-5E85B7027A00}"/>
+                <a16:creationId xmlns="" xmlns:a16="http://schemas.microsoft.com/office/drawing/2014/main" id="{EE1E64BE-7BBA-4B28-AE0D-5E85B7027A00}"/>
               </a:ext>
             </a:extLst>
           </p:cNvPr>
@@ -8803,7 +8811,7 @@
           <p:cNvPr id="2" name="Заголовок 1">
             <a:extLst>
               <a:ext uri="{FF2B5EF4-FFF2-40B4-BE49-F238E27FC236}">
-                <a16:creationId xmlns:a16="http://schemas.microsoft.com/office/drawing/2014/main" xmlns="" id="{F348B7D3-CDAB-42B7-8AC4-38AAD8190E41}"/>
+                <a16:creationId xmlns="" xmlns:a16="http://schemas.microsoft.com/office/drawing/2014/main" id="{F348B7D3-CDAB-42B7-8AC4-38AAD8190E41}"/>
               </a:ext>
             </a:extLst>
           </p:cNvPr>
@@ -8837,7 +8845,7 @@
           <p:cNvPr id="3" name="Объект 2">
             <a:extLst>
               <a:ext uri="{FF2B5EF4-FFF2-40B4-BE49-F238E27FC236}">
-                <a16:creationId xmlns:a16="http://schemas.microsoft.com/office/drawing/2014/main" xmlns="" id="{E88200EA-5DE4-46CC-9048-255BE15531A4}"/>
+                <a16:creationId xmlns="" xmlns:a16="http://schemas.microsoft.com/office/drawing/2014/main" id="{E88200EA-5DE4-46CC-9048-255BE15531A4}"/>
               </a:ext>
             </a:extLst>
           </p:cNvPr>
@@ -8876,7 +8884,7 @@
           <p:cNvPr id="5" name="Номер слайда 5">
             <a:extLst>
               <a:ext uri="{FF2B5EF4-FFF2-40B4-BE49-F238E27FC236}">
-                <a16:creationId xmlns:a16="http://schemas.microsoft.com/office/drawing/2014/main" xmlns="" id="{99F853D2-85C0-4AF5-8842-5EAC3A7FA00B}"/>
+                <a16:creationId xmlns="" xmlns:a16="http://schemas.microsoft.com/office/drawing/2014/main" id="{99F853D2-85C0-4AF5-8842-5EAC3A7FA00B}"/>
               </a:ext>
             </a:extLst>
           </p:cNvPr>
@@ -8965,7 +8973,7 @@
           <p:cNvPr id="2" name="Заголовок 1">
             <a:extLst>
               <a:ext uri="{FF2B5EF4-FFF2-40B4-BE49-F238E27FC236}">
-                <a16:creationId xmlns:a16="http://schemas.microsoft.com/office/drawing/2014/main" xmlns="" id="{8569579B-7247-40A6-AC40-96F2D1D656F0}"/>
+                <a16:creationId xmlns="" xmlns:a16="http://schemas.microsoft.com/office/drawing/2014/main" id="{8569579B-7247-40A6-AC40-96F2D1D656F0}"/>
               </a:ext>
             </a:extLst>
           </p:cNvPr>
@@ -8999,7 +9007,7 @@
           <p:cNvPr id="4" name="Picture 6" descr="ÐÐ°ÑÑÐ¸Ð½ÐºÐ¸ Ð¿Ð¾ Ð·Ð°Ð¿ÑÐ¾ÑÑ mysql">
             <a:extLst>
               <a:ext uri="{FF2B5EF4-FFF2-40B4-BE49-F238E27FC236}">
-                <a16:creationId xmlns:a16="http://schemas.microsoft.com/office/drawing/2014/main" xmlns="" id="{E151BD00-9020-4A21-950D-B46E96949ACB}"/>
+                <a16:creationId xmlns="" xmlns:a16="http://schemas.microsoft.com/office/drawing/2014/main" id="{E151BD00-9020-4A21-950D-B46E96949ACB}"/>
               </a:ext>
             </a:extLst>
           </p:cNvPr>
@@ -9046,7 +9054,7 @@
           <p:cNvPr id="6" name="Picture 16" descr="ÐÐ°ÑÑÐ¸Ð½ÐºÐ¸ Ð¿Ð¾ Ð·Ð°Ð¿ÑÐ¾ÑÑ mongodb">
             <a:extLst>
               <a:ext uri="{FF2B5EF4-FFF2-40B4-BE49-F238E27FC236}">
-                <a16:creationId xmlns:a16="http://schemas.microsoft.com/office/drawing/2014/main" xmlns="" id="{FD78CE42-F30F-4781-8F8B-22126B1990D1}"/>
+                <a16:creationId xmlns="" xmlns:a16="http://schemas.microsoft.com/office/drawing/2014/main" id="{FD78CE42-F30F-4781-8F8B-22126B1990D1}"/>
               </a:ext>
             </a:extLst>
           </p:cNvPr>
@@ -9093,7 +9101,7 @@
           <p:cNvPr id="8" name="Номер слайда 5">
             <a:extLst>
               <a:ext uri="{FF2B5EF4-FFF2-40B4-BE49-F238E27FC236}">
-                <a16:creationId xmlns:a16="http://schemas.microsoft.com/office/drawing/2014/main" xmlns="" id="{2D529321-4EC6-4C75-99B7-481CC3D00C6A}"/>
+                <a16:creationId xmlns="" xmlns:a16="http://schemas.microsoft.com/office/drawing/2014/main" id="{2D529321-4EC6-4C75-99B7-481CC3D00C6A}"/>
               </a:ext>
             </a:extLst>
           </p:cNvPr>
@@ -9152,7 +9160,7 @@
           <p:cNvPr id="1026" name="Picture 2" descr="ÐÐ°ÑÑÐ¸Ð½ÐºÐ¸ Ð¿Ð¾ Ð·Ð°Ð¿ÑÐ¾ÑÑ sqlite">
             <a:extLst>
               <a:ext uri="{FF2B5EF4-FFF2-40B4-BE49-F238E27FC236}">
-                <a16:creationId xmlns:a16="http://schemas.microsoft.com/office/drawing/2014/main" xmlns="" id="{D881E58D-0201-49C0-89AD-CE6649074144}"/>
+                <a16:creationId xmlns="" xmlns:a16="http://schemas.microsoft.com/office/drawing/2014/main" id="{D881E58D-0201-49C0-89AD-CE6649074144}"/>
               </a:ext>
             </a:extLst>
           </p:cNvPr>
@@ -9229,7 +9237,7 @@
           <p:cNvPr id="2" name="Заголовок 1">
             <a:extLst>
               <a:ext uri="{FF2B5EF4-FFF2-40B4-BE49-F238E27FC236}">
-                <a16:creationId xmlns:a16="http://schemas.microsoft.com/office/drawing/2014/main" xmlns="" id="{1C598229-2E0F-4C0A-BE82-7B03AB56CA47}"/>
+                <a16:creationId xmlns="" xmlns:a16="http://schemas.microsoft.com/office/drawing/2014/main" id="{1C598229-2E0F-4C0A-BE82-7B03AB56CA47}"/>
               </a:ext>
             </a:extLst>
           </p:cNvPr>
@@ -9263,7 +9271,7 @@
           <p:cNvPr id="3" name="Объект 2">
             <a:extLst>
               <a:ext uri="{FF2B5EF4-FFF2-40B4-BE49-F238E27FC236}">
-                <a16:creationId xmlns:a16="http://schemas.microsoft.com/office/drawing/2014/main" xmlns="" id="{EF58A533-0D7A-477B-A42B-3B33AA7E56A1}"/>
+                <a16:creationId xmlns="" xmlns:a16="http://schemas.microsoft.com/office/drawing/2014/main" id="{EF58A533-0D7A-477B-A42B-3B33AA7E56A1}"/>
               </a:ext>
             </a:extLst>
           </p:cNvPr>
@@ -9324,7 +9332,7 @@
           <p:cNvPr id="4" name="Объект 2">
             <a:extLst>
               <a:ext uri="{FF2B5EF4-FFF2-40B4-BE49-F238E27FC236}">
-                <a16:creationId xmlns:a16="http://schemas.microsoft.com/office/drawing/2014/main" xmlns="" id="{5AE3A61F-A2FE-4BB9-8C86-85915B635BA4}"/>
+                <a16:creationId xmlns="" xmlns:a16="http://schemas.microsoft.com/office/drawing/2014/main" id="{5AE3A61F-A2FE-4BB9-8C86-85915B635BA4}"/>
               </a:ext>
             </a:extLst>
           </p:cNvPr>
@@ -9635,7 +9643,7 @@
           <p:cNvPr id="5" name="Объект 2">
             <a:extLst>
               <a:ext uri="{FF2B5EF4-FFF2-40B4-BE49-F238E27FC236}">
-                <a16:creationId xmlns:a16="http://schemas.microsoft.com/office/drawing/2014/main" xmlns="" id="{23662E78-EF33-4F09-ACFF-7ABD7BC38AF8}"/>
+                <a16:creationId xmlns="" xmlns:a16="http://schemas.microsoft.com/office/drawing/2014/main" id="{23662E78-EF33-4F09-ACFF-7ABD7BC38AF8}"/>
               </a:ext>
             </a:extLst>
           </p:cNvPr>
@@ -9952,7 +9960,7 @@
           <p:cNvPr id="9" name="Номер слайда 5">
             <a:extLst>
               <a:ext uri="{FF2B5EF4-FFF2-40B4-BE49-F238E27FC236}">
-                <a16:creationId xmlns:a16="http://schemas.microsoft.com/office/drawing/2014/main" xmlns="" id="{573359E6-FDE5-457F-8032-91A1E804C5DC}"/>
+                <a16:creationId xmlns="" xmlns:a16="http://schemas.microsoft.com/office/drawing/2014/main" id="{573359E6-FDE5-457F-8032-91A1E804C5DC}"/>
               </a:ext>
             </a:extLst>
           </p:cNvPr>
@@ -10041,7 +10049,7 @@
           <p:cNvPr id="2" name="Заголовок 1">
             <a:extLst>
               <a:ext uri="{FF2B5EF4-FFF2-40B4-BE49-F238E27FC236}">
-                <a16:creationId xmlns:a16="http://schemas.microsoft.com/office/drawing/2014/main" xmlns="" id="{26B03773-AEDE-4C28-8DA0-8F3B67036B5B}"/>
+                <a16:creationId xmlns="" xmlns:a16="http://schemas.microsoft.com/office/drawing/2014/main" id="{26B03773-AEDE-4C28-8DA0-8F3B67036B5B}"/>
               </a:ext>
             </a:extLst>
           </p:cNvPr>
@@ -10075,7 +10083,7 @@
           <p:cNvPr id="3" name="Объект 2">
             <a:extLst>
               <a:ext uri="{FF2B5EF4-FFF2-40B4-BE49-F238E27FC236}">
-                <a16:creationId xmlns:a16="http://schemas.microsoft.com/office/drawing/2014/main" xmlns="" id="{4841B33C-17B7-4081-876E-BD88A681A4D0}"/>
+                <a16:creationId xmlns="" xmlns:a16="http://schemas.microsoft.com/office/drawing/2014/main" id="{4841B33C-17B7-4081-876E-BD88A681A4D0}"/>
               </a:ext>
             </a:extLst>
           </p:cNvPr>
@@ -10112,7 +10120,7 @@
  Ð·Ð½Ð°ÑÐ¾Ðº">
             <a:extLst>
               <a:ext uri="{FF2B5EF4-FFF2-40B4-BE49-F238E27FC236}">
-                <a16:creationId xmlns:a16="http://schemas.microsoft.com/office/drawing/2014/main" xmlns="" id="{9D3C6283-A0B2-4CA3-8448-EBFB52AD1649}"/>
+                <a16:creationId xmlns="" xmlns:a16="http://schemas.microsoft.com/office/drawing/2014/main" id="{9D3C6283-A0B2-4CA3-8448-EBFB52AD1649}"/>
               </a:ext>
             </a:extLst>
           </p:cNvPr>
@@ -10159,7 +10167,7 @@
           <p:cNvPr id="2054" name="Picture 6" descr="ÐÐ°ÑÑÐ¸Ð½ÐºÐ¸ Ð¿Ð¾ Ð·Ð°Ð¿ÑÐ¾ÑÑ data sampling icon">
             <a:extLst>
               <a:ext uri="{FF2B5EF4-FFF2-40B4-BE49-F238E27FC236}">
-                <a16:creationId xmlns:a16="http://schemas.microsoft.com/office/drawing/2014/main" xmlns="" id="{C11CFCB1-C238-4149-81D2-9EA38C929A79}"/>
+                <a16:creationId xmlns="" xmlns:a16="http://schemas.microsoft.com/office/drawing/2014/main" id="{C11CFCB1-C238-4149-81D2-9EA38C929A79}"/>
               </a:ext>
             </a:extLst>
           </p:cNvPr>
@@ -10206,7 +10214,7 @@
           <p:cNvPr id="2056" name="Picture 8" descr="ÐÐ°ÑÑÐ¸Ð½ÐºÐ¸ Ð¿Ð¾ Ð·Ð°Ð¿ÑÐ¾ÑÑ data refresh icon">
             <a:extLst>
               <a:ext uri="{FF2B5EF4-FFF2-40B4-BE49-F238E27FC236}">
-                <a16:creationId xmlns:a16="http://schemas.microsoft.com/office/drawing/2014/main" xmlns="" id="{9411FD29-0E44-465F-9A02-6312D51380CC}"/>
+                <a16:creationId xmlns="" xmlns:a16="http://schemas.microsoft.com/office/drawing/2014/main" id="{9411FD29-0E44-465F-9A02-6312D51380CC}"/>
               </a:ext>
             </a:extLst>
           </p:cNvPr>
@@ -10253,7 +10261,7 @@
           <p:cNvPr id="10" name="Объект 2">
             <a:extLst>
               <a:ext uri="{FF2B5EF4-FFF2-40B4-BE49-F238E27FC236}">
-                <a16:creationId xmlns:a16="http://schemas.microsoft.com/office/drawing/2014/main" xmlns="" id="{F027ED9E-D37D-48CE-9BA4-A524E80FCC67}"/>
+                <a16:creationId xmlns="" xmlns:a16="http://schemas.microsoft.com/office/drawing/2014/main" id="{F027ED9E-D37D-48CE-9BA4-A524E80FCC67}"/>
               </a:ext>
             </a:extLst>
           </p:cNvPr>
@@ -10515,7 +10523,7 @@
           <p:cNvPr id="11" name="Объект 2">
             <a:extLst>
               <a:ext uri="{FF2B5EF4-FFF2-40B4-BE49-F238E27FC236}">
-                <a16:creationId xmlns:a16="http://schemas.microsoft.com/office/drawing/2014/main" xmlns="" id="{A75CC79F-3A61-46E1-A217-53616B0F071D}"/>
+                <a16:creationId xmlns="" xmlns:a16="http://schemas.microsoft.com/office/drawing/2014/main" id="{A75CC79F-3A61-46E1-A217-53616B0F071D}"/>
               </a:ext>
             </a:extLst>
           </p:cNvPr>
@@ -10780,7 +10788,7 @@
           <p:cNvPr id="6" name="Рисунок 5">
             <a:extLst>
               <a:ext uri="{FF2B5EF4-FFF2-40B4-BE49-F238E27FC236}">
-                <a16:creationId xmlns:a16="http://schemas.microsoft.com/office/drawing/2014/main" xmlns="" id="{ED13D37B-46D9-4C91-90A5-37B5ADF891F9}"/>
+                <a16:creationId xmlns="" xmlns:a16="http://schemas.microsoft.com/office/drawing/2014/main" id="{ED13D37B-46D9-4C91-90A5-37B5ADF891F9}"/>
               </a:ext>
             </a:extLst>
           </p:cNvPr>
@@ -10810,7 +10818,7 @@
           <p:cNvPr id="12" name="Номер слайда 5">
             <a:extLst>
               <a:ext uri="{FF2B5EF4-FFF2-40B4-BE49-F238E27FC236}">
-                <a16:creationId xmlns:a16="http://schemas.microsoft.com/office/drawing/2014/main" xmlns="" id="{FA00E5F8-E195-4769-BADA-A89E112FBD60}"/>
+                <a16:creationId xmlns="" xmlns:a16="http://schemas.microsoft.com/office/drawing/2014/main" id="{FA00E5F8-E195-4769-BADA-A89E112FBD60}"/>
               </a:ext>
             </a:extLst>
           </p:cNvPr>
@@ -10899,7 +10907,7 @@
           <p:cNvPr id="2" name="Заголовок 1">
             <a:extLst>
               <a:ext uri="{FF2B5EF4-FFF2-40B4-BE49-F238E27FC236}">
-                <a16:creationId xmlns:a16="http://schemas.microsoft.com/office/drawing/2014/main" xmlns="" id="{880A8314-2189-465F-A3D4-C6195758EAE5}"/>
+                <a16:creationId xmlns="" xmlns:a16="http://schemas.microsoft.com/office/drawing/2014/main" id="{880A8314-2189-465F-A3D4-C6195758EAE5}"/>
               </a:ext>
             </a:extLst>
           </p:cNvPr>
@@ -10940,7 +10948,7 @@
           <p:cNvPr id="3" name="Объект 2">
             <a:extLst>
               <a:ext uri="{FF2B5EF4-FFF2-40B4-BE49-F238E27FC236}">
-                <a16:creationId xmlns:a16="http://schemas.microsoft.com/office/drawing/2014/main" xmlns="" id="{E9D633EE-5329-4FC6-A6D9-960C6AC57103}"/>
+                <a16:creationId xmlns="" xmlns:a16="http://schemas.microsoft.com/office/drawing/2014/main" id="{E9D633EE-5329-4FC6-A6D9-960C6AC57103}"/>
               </a:ext>
             </a:extLst>
           </p:cNvPr>
@@ -11002,7 +11010,7 @@
           <p:cNvPr id="6" name="Номер слайда 5">
             <a:extLst>
               <a:ext uri="{FF2B5EF4-FFF2-40B4-BE49-F238E27FC236}">
-                <a16:creationId xmlns:a16="http://schemas.microsoft.com/office/drawing/2014/main" xmlns="" id="{35DB0B31-6320-4583-9179-4FCE5E2052B1}"/>
+                <a16:creationId xmlns="" xmlns:a16="http://schemas.microsoft.com/office/drawing/2014/main" id="{35DB0B31-6320-4583-9179-4FCE5E2052B1}"/>
               </a:ext>
             </a:extLst>
           </p:cNvPr>
@@ -11091,7 +11099,7 @@
           <p:cNvPr id="2" name="Заголовок 1">
             <a:extLst>
               <a:ext uri="{FF2B5EF4-FFF2-40B4-BE49-F238E27FC236}">
-                <a16:creationId xmlns:a16="http://schemas.microsoft.com/office/drawing/2014/main" xmlns="" id="{1408F5FF-F097-449F-A002-05D9752AAF22}"/>
+                <a16:creationId xmlns="" xmlns:a16="http://schemas.microsoft.com/office/drawing/2014/main" id="{1408F5FF-F097-449F-A002-05D9752AAF22}"/>
               </a:ext>
             </a:extLst>
           </p:cNvPr>
@@ -11132,7 +11140,7 @@
           <p:cNvPr id="3" name="Объект 2">
             <a:extLst>
               <a:ext uri="{FF2B5EF4-FFF2-40B4-BE49-F238E27FC236}">
-                <a16:creationId xmlns:a16="http://schemas.microsoft.com/office/drawing/2014/main" xmlns="" id="{77FA3B7B-72DF-4124-9210-E5C4395D1B92}"/>
+                <a16:creationId xmlns="" xmlns:a16="http://schemas.microsoft.com/office/drawing/2014/main" id="{77FA3B7B-72DF-4124-9210-E5C4395D1B92}"/>
               </a:ext>
             </a:extLst>
           </p:cNvPr>
@@ -11206,7 +11214,7 @@
           <p:cNvPr id="5" name="Номер слайда 5">
             <a:extLst>
               <a:ext uri="{FF2B5EF4-FFF2-40B4-BE49-F238E27FC236}">
-                <a16:creationId xmlns:a16="http://schemas.microsoft.com/office/drawing/2014/main" xmlns="" id="{8FE86237-4B62-4945-B471-BFB828E50973}"/>
+                <a16:creationId xmlns="" xmlns:a16="http://schemas.microsoft.com/office/drawing/2014/main" id="{8FE86237-4B62-4945-B471-BFB828E50973}"/>
               </a:ext>
             </a:extLst>
           </p:cNvPr>
@@ -11295,7 +11303,7 @@
           <p:cNvPr id="2" name="Заголовок 1">
             <a:extLst>
               <a:ext uri="{FF2B5EF4-FFF2-40B4-BE49-F238E27FC236}">
-                <a16:creationId xmlns:a16="http://schemas.microsoft.com/office/drawing/2014/main" xmlns="" id="{85E5A39E-E77F-4265-BF9C-628469EED62C}"/>
+                <a16:creationId xmlns="" xmlns:a16="http://schemas.microsoft.com/office/drawing/2014/main" id="{85E5A39E-E77F-4265-BF9C-628469EED62C}"/>
               </a:ext>
             </a:extLst>
           </p:cNvPr>
@@ -11329,7 +11337,7 @@
           <p:cNvPr id="4098" name="Picture 2" descr="Dms_cw_ER_diag.png">
             <a:extLst>
               <a:ext uri="{FF2B5EF4-FFF2-40B4-BE49-F238E27FC236}">
-                <a16:creationId xmlns:a16="http://schemas.microsoft.com/office/drawing/2014/main" xmlns="" id="{02F1379B-442D-49BC-9699-E952749B9928}"/>
+                <a16:creationId xmlns="" xmlns:a16="http://schemas.microsoft.com/office/drawing/2014/main" id="{02F1379B-442D-49BC-9699-E952749B9928}"/>
               </a:ext>
             </a:extLst>
           </p:cNvPr>
@@ -11378,7 +11386,7 @@
           <p:cNvPr id="6" name="Номер слайда 5">
             <a:extLst>
               <a:ext uri="{FF2B5EF4-FFF2-40B4-BE49-F238E27FC236}">
-                <a16:creationId xmlns:a16="http://schemas.microsoft.com/office/drawing/2014/main" xmlns="" id="{1799D236-4F77-41CE-8A40-ECFCC76D2870}"/>
+                <a16:creationId xmlns="" xmlns:a16="http://schemas.microsoft.com/office/drawing/2014/main" id="{1799D236-4F77-41CE-8A40-ECFCC76D2870}"/>
               </a:ext>
             </a:extLst>
           </p:cNvPr>
@@ -11467,7 +11475,7 @@
           <p:cNvPr id="2" name="Заголовок 1">
             <a:extLst>
               <a:ext uri="{FF2B5EF4-FFF2-40B4-BE49-F238E27FC236}">
-                <a16:creationId xmlns:a16="http://schemas.microsoft.com/office/drawing/2014/main" xmlns="" id="{C37A47CB-8FD7-4364-AE7C-E3B4049545FD}"/>
+                <a16:creationId xmlns="" xmlns:a16="http://schemas.microsoft.com/office/drawing/2014/main" id="{C37A47CB-8FD7-4364-AE7C-E3B4049545FD}"/>
               </a:ext>
             </a:extLst>
           </p:cNvPr>
@@ -11501,7 +11509,7 @@
           <p:cNvPr id="6" name="Рисунок 5">
             <a:extLst>
               <a:ext uri="{FF2B5EF4-FFF2-40B4-BE49-F238E27FC236}">
-                <a16:creationId xmlns:a16="http://schemas.microsoft.com/office/drawing/2014/main" xmlns="" id="{5E8D1268-8638-48F0-B9B3-4F3332C68085}"/>
+                <a16:creationId xmlns="" xmlns:a16="http://schemas.microsoft.com/office/drawing/2014/main" id="{5E8D1268-8638-48F0-B9B3-4F3332C68085}"/>
               </a:ext>
             </a:extLst>
           </p:cNvPr>
@@ -11531,7 +11539,7 @@
           <p:cNvPr id="8" name="Объект 2">
             <a:extLst>
               <a:ext uri="{FF2B5EF4-FFF2-40B4-BE49-F238E27FC236}">
-                <a16:creationId xmlns:a16="http://schemas.microsoft.com/office/drawing/2014/main" xmlns="" id="{B11FCCFD-E2C6-43FD-9703-24CA914B2B0F}"/>
+                <a16:creationId xmlns="" xmlns:a16="http://schemas.microsoft.com/office/drawing/2014/main" id="{B11FCCFD-E2C6-43FD-9703-24CA914B2B0F}"/>
               </a:ext>
             </a:extLst>
           </p:cNvPr>
@@ -11566,7 +11574,7 @@
           <p:cNvPr id="9" name="Номер слайда 5">
             <a:extLst>
               <a:ext uri="{FF2B5EF4-FFF2-40B4-BE49-F238E27FC236}">
-                <a16:creationId xmlns:a16="http://schemas.microsoft.com/office/drawing/2014/main" xmlns="" id="{A5BC61DC-C258-4EEB-8EA4-443C26B74CEC}"/>
+                <a16:creationId xmlns="" xmlns:a16="http://schemas.microsoft.com/office/drawing/2014/main" id="{A5BC61DC-C258-4EEB-8EA4-443C26B74CEC}"/>
               </a:ext>
             </a:extLst>
           </p:cNvPr>

--- a/Dms coursework presentation.pptx
+++ b/Dms coursework presentation.pptx
@@ -1,32 +1,36 @@
 
 <file path=ppt/presentation.xml><?xml version="1.0" encoding="utf-8"?>
-<p:presentation xmlns:a="http://schemas.openxmlformats.org/drawingml/2006/main" xmlns:r="http://schemas.openxmlformats.org/officeDocument/2006/relationships" xmlns:p="http://schemas.openxmlformats.org/presentationml/2006/main" autoCompressPictures="0">
+<p:presentation xmlns:a="http://schemas.openxmlformats.org/drawingml/2006/main" xmlns:r="http://schemas.openxmlformats.org/officeDocument/2006/relationships" xmlns:p="http://schemas.openxmlformats.org/presentationml/2006/main" saveSubsetFonts="1" autoCompressPictures="0">
   <p:sldMasterIdLst>
     <p:sldMasterId id="2147483668" r:id="rId1"/>
   </p:sldMasterIdLst>
   <p:notesMasterIdLst>
-    <p:notesMasterId r:id="rId18"/>
+    <p:notesMasterId r:id="rId22"/>
   </p:notesMasterIdLst>
   <p:handoutMasterIdLst>
-    <p:handoutMasterId r:id="rId19"/>
+    <p:handoutMasterId r:id="rId23"/>
   </p:handoutMasterIdLst>
   <p:sldIdLst>
     <p:sldId id="256" r:id="rId2"/>
     <p:sldId id="265" r:id="rId3"/>
-    <p:sldId id="259" r:id="rId4"/>
-    <p:sldId id="257" r:id="rId5"/>
-    <p:sldId id="260" r:id="rId6"/>
-    <p:sldId id="262" r:id="rId7"/>
-    <p:sldId id="261" r:id="rId8"/>
-    <p:sldId id="263" r:id="rId9"/>
-    <p:sldId id="269" r:id="rId10"/>
-    <p:sldId id="270" r:id="rId11"/>
-    <p:sldId id="271" r:id="rId12"/>
-    <p:sldId id="266" r:id="rId13"/>
-    <p:sldId id="268" r:id="rId14"/>
-    <p:sldId id="258" r:id="rId15"/>
-    <p:sldId id="267" r:id="rId16"/>
-    <p:sldId id="264" r:id="rId17"/>
+    <p:sldId id="272" r:id="rId4"/>
+    <p:sldId id="273" r:id="rId5"/>
+    <p:sldId id="259" r:id="rId6"/>
+    <p:sldId id="257" r:id="rId7"/>
+    <p:sldId id="260" r:id="rId8"/>
+    <p:sldId id="262" r:id="rId9"/>
+    <p:sldId id="261" r:id="rId10"/>
+    <p:sldId id="263" r:id="rId11"/>
+    <p:sldId id="269" r:id="rId12"/>
+    <p:sldId id="270" r:id="rId13"/>
+    <p:sldId id="271" r:id="rId14"/>
+    <p:sldId id="266" r:id="rId15"/>
+    <p:sldId id="268" r:id="rId16"/>
+    <p:sldId id="258" r:id="rId17"/>
+    <p:sldId id="267" r:id="rId18"/>
+    <p:sldId id="275" r:id="rId19"/>
+    <p:sldId id="264" r:id="rId20"/>
+    <p:sldId id="274" r:id="rId21"/>
   </p:sldIdLst>
   <p:sldSz cx="12192000" cy="6858000"/>
   <p:notesSz cx="6858000" cy="9144000"/>
@@ -227,7 +231,7 @@
           <a:p>
             <a:fld id="{E53235BE-535F-4B52-9A6A-61DF154E8B21}" type="datetimeFigureOut">
               <a:rPr lang="ru-RU" smtClean="0"/>
-              <a:t>13.06.2019</a:t>
+              <a:t>14.06.2019</a:t>
             </a:fld>
             <a:endParaRPr lang="ru-RU"/>
           </a:p>
@@ -405,7 +409,7 @@
           <a:p>
             <a:fld id="{71CA7AC1-AE64-4F8B-B034-A6AF11122F1C}" type="datetimeFigureOut">
               <a:rPr lang="ru-RU" smtClean="0"/>
-              <a:t>13.06.2019</a:t>
+              <a:t>14.06.2019</a:t>
             </a:fld>
             <a:endParaRPr lang="ru-RU"/>
           </a:p>
@@ -1395,7 +1399,7 @@
           <a:p>
             <a:fld id="{21B13B9E-CFAC-4523-B583-2A3B8D06F6E4}" type="datetime1">
               <a:rPr lang="en-US" smtClean="0"/>
-              <a:t>6/13/2019</a:t>
+              <a:t>6/14/2019</a:t>
             </a:fld>
             <a:endParaRPr lang="en-US" dirty="0"/>
           </a:p>
@@ -1647,7 +1651,7 @@
           <a:p>
             <a:fld id="{ECD534E4-F700-4AD8-915D-FD7F8F40A064}" type="datetime1">
               <a:rPr lang="en-US" smtClean="0"/>
-              <a:t>6/13/2019</a:t>
+              <a:t>6/14/2019</a:t>
             </a:fld>
             <a:endParaRPr lang="en-US" dirty="0"/>
           </a:p>
@@ -1962,7 +1966,7 @@
           <a:p>
             <a:fld id="{CE7543AA-D742-4B73-90B8-3459342156D0}" type="datetime1">
               <a:rPr lang="en-US" smtClean="0"/>
-              <a:t>6/13/2019</a:t>
+              <a:t>6/14/2019</a:t>
             </a:fld>
             <a:endParaRPr lang="en-US" dirty="0"/>
           </a:p>
@@ -2304,7 +2308,7 @@
           <a:p>
             <a:fld id="{89489826-0BF1-4054-8D88-8777C7672CD3}" type="datetime1">
               <a:rPr lang="en-US" smtClean="0"/>
-              <a:t>6/13/2019</a:t>
+              <a:t>6/14/2019</a:t>
             </a:fld>
             <a:endParaRPr lang="en-US" dirty="0"/>
           </a:p>
@@ -2619,7 +2623,7 @@
           <a:p>
             <a:fld id="{78C23677-386A-470F-89EA-7B82AF6404FA}" type="datetime1">
               <a:rPr lang="en-US" smtClean="0"/>
-              <a:t>6/13/2019</a:t>
+              <a:t>6/14/2019</a:t>
             </a:fld>
             <a:endParaRPr lang="en-US" dirty="0"/>
           </a:p>
@@ -3013,7 +3017,7 @@
           <a:p>
             <a:fld id="{F7D5D388-EDD2-4845-A743-2D0E64400C88}" type="datetime1">
               <a:rPr lang="en-US" smtClean="0"/>
-              <a:t>6/13/2019</a:t>
+              <a:t>6/14/2019</a:t>
             </a:fld>
             <a:endParaRPr lang="en-US" dirty="0"/>
           </a:p>
@@ -3184,7 +3188,7 @@
           <a:p>
             <a:fld id="{BC7025EA-44CE-4FB5-8F82-5B2724D3C612}" type="datetime1">
               <a:rPr lang="en-US" smtClean="0"/>
-              <a:t>6/13/2019</a:t>
+              <a:t>6/14/2019</a:t>
             </a:fld>
             <a:endParaRPr lang="en-US" dirty="0"/>
           </a:p>
@@ -3364,7 +3368,7 @@
           <a:p>
             <a:fld id="{C22D5224-83A5-48C5-9A2E-8E1F9F3387CC}" type="datetime1">
               <a:rPr lang="en-US" smtClean="0"/>
-              <a:t>6/13/2019</a:t>
+              <a:t>6/14/2019</a:t>
             </a:fld>
             <a:endParaRPr lang="en-US" dirty="0"/>
           </a:p>
@@ -3541,7 +3545,7 @@
           <a:p>
             <a:fld id="{90B03D9B-6C49-4D3A-95A3-FDBB93B9BD8A}" type="datetime1">
               <a:rPr lang="en-US" smtClean="0"/>
-              <a:t>6/13/2019</a:t>
+              <a:t>6/14/2019</a:t>
             </a:fld>
             <a:endParaRPr lang="en-US" dirty="0"/>
           </a:p>
@@ -3789,7 +3793,7 @@
           <a:p>
             <a:fld id="{220B0A5B-9407-4A41-85B2-195751586D5D}" type="datetime1">
               <a:rPr lang="en-US" smtClean="0"/>
-              <a:t>6/13/2019</a:t>
+              <a:t>6/14/2019</a:t>
             </a:fld>
             <a:endParaRPr lang="en-US" dirty="0"/>
           </a:p>
@@ -4022,7 +4026,7 @@
           <a:p>
             <a:fld id="{9BA30D3D-2FBE-4E2A-A07A-0448965AA950}" type="datetime1">
               <a:rPr lang="en-US" smtClean="0"/>
-              <a:t>6/13/2019</a:t>
+              <a:t>6/14/2019</a:t>
             </a:fld>
             <a:endParaRPr lang="en-US" dirty="0"/>
           </a:p>
@@ -4396,7 +4400,7 @@
           <a:p>
             <a:fld id="{E8C205D3-8214-4D3D-8357-A316ACFE9806}" type="datetime1">
               <a:rPr lang="en-US" smtClean="0"/>
-              <a:t>6/13/2019</a:t>
+              <a:t>6/14/2019</a:t>
             </a:fld>
             <a:endParaRPr lang="en-US" dirty="0"/>
           </a:p>
@@ -4520,7 +4524,7 @@
           <a:p>
             <a:fld id="{692B768E-8835-4632-8E24-651AA906C935}" type="datetime1">
               <a:rPr lang="en-US" smtClean="0"/>
-              <a:t>6/13/2019</a:t>
+              <a:t>6/14/2019</a:t>
             </a:fld>
             <a:endParaRPr lang="en-US" dirty="0"/>
           </a:p>
@@ -4616,7 +4620,7 @@
           <a:p>
             <a:fld id="{58AFA8FE-6075-4B77-81C6-E7B658A02A9E}" type="datetime1">
               <a:rPr lang="en-US" smtClean="0"/>
-              <a:t>6/13/2019</a:t>
+              <a:t>6/14/2019</a:t>
             </a:fld>
             <a:endParaRPr lang="en-US" dirty="0"/>
           </a:p>
@@ -4872,7 +4876,7 @@
           <a:p>
             <a:fld id="{541C8086-F55D-414D-93F5-7B8E1AD42EB3}" type="datetime1">
               <a:rPr lang="en-US" smtClean="0"/>
-              <a:t>6/13/2019</a:t>
+              <a:t>6/14/2019</a:t>
             </a:fld>
             <a:endParaRPr lang="en-US" dirty="0"/>
           </a:p>
@@ -5135,7 +5139,7 @@
           <a:p>
             <a:fld id="{55D095B8-F9C7-4A1B-B77C-D023CC7E4C71}" type="datetime1">
               <a:rPr lang="en-US" smtClean="0"/>
-              <a:t>6/13/2019</a:t>
+              <a:t>6/14/2019</a:t>
             </a:fld>
             <a:endParaRPr lang="en-US" dirty="0"/>
           </a:p>
@@ -5879,7 +5883,7 @@
           <a:p>
             <a:fld id="{C366B981-C25A-40B6-84FE-4E40F80A1F56}" type="datetime1">
               <a:rPr lang="en-US" smtClean="0"/>
-              <a:t>6/13/2019</a:t>
+              <a:t>6/14/2019</a:t>
             </a:fld>
             <a:endParaRPr lang="en-US" dirty="0"/>
           </a:p>
@@ -6429,7 +6433,11 @@
             <a:pPr algn="ctr"/>
             <a:r>
               <a:rPr lang="en-US" dirty="0"/>
-              <a:t>Leave The Island</a:t>
+              <a:t>Leave </a:t>
+            </a:r>
+            <a:r>
+              <a:rPr lang="en-US"/>
+              <a:t>The Island </a:t>
             </a:r>
             <a:endParaRPr lang="ru-RU" dirty="0"/>
           </a:p>
@@ -6467,10 +6475,10 @@
       </p:grpSpPr>
       <p:sp>
         <p:nvSpPr>
-          <p:cNvPr id="3" name="Объект 2">
+          <p:cNvPr id="2" name="Заголовок 1">
             <a:extLst>
               <a:ext uri="{FF2B5EF4-FFF2-40B4-BE49-F238E27FC236}">
-                <a16:creationId xmlns:a16="http://schemas.microsoft.com/office/drawing/2014/main" id="{15FBFF49-5375-485E-B951-0D322BC0EC48}"/>
+                <a16:creationId xmlns:a16="http://schemas.microsoft.com/office/drawing/2014/main" id="{85E5A39E-E77F-4265-BF9C-628469EED62C}"/>
               </a:ext>
             </a:extLst>
           </p:cNvPr>
@@ -6478,67 +6486,82 @@
             <a:spLocks noGrp="1"/>
           </p:cNvSpPr>
           <p:nvPr>
-            <p:ph idx="1"/>
+            <p:ph type="title"/>
           </p:nvPr>
         </p:nvSpPr>
         <p:spPr>
           <a:xfrm>
-            <a:off x="467269" y="2977227"/>
-            <a:ext cx="8596668" cy="3880773"/>
+            <a:off x="0" y="0"/>
+            <a:ext cx="9788839" cy="1320800"/>
           </a:xfrm>
         </p:spPr>
         <p:txBody>
           <a:bodyPr/>
           <a:lstStyle/>
           <a:p>
-            <a:r>
-              <a:rPr lang="en-US" dirty="0"/>
-              <a:t>MongoDB</a:t>
-            </a:r>
-            <a:endParaRPr lang="ru-RU" dirty="0"/>
-          </a:p>
-        </p:txBody>
-      </p:sp>
-      <p:sp>
-        <p:nvSpPr>
-          <p:cNvPr id="5" name="Заголовок 1">
+            <a:pPr algn="ctr"/>
+            <a:r>
+              <a:rPr lang="ru-RU" dirty="0"/>
+              <a:t>Структура баз данных на верхнем уровне</a:t>
+            </a:r>
+          </a:p>
+        </p:txBody>
+      </p:sp>
+      <p:pic>
+        <p:nvPicPr>
+          <p:cNvPr id="4098" name="Picture 2" descr="Dms_cw_ER_diag.png">
             <a:extLst>
               <a:ext uri="{FF2B5EF4-FFF2-40B4-BE49-F238E27FC236}">
-                <a16:creationId xmlns:a16="http://schemas.microsoft.com/office/drawing/2014/main" id="{7F5C4A93-84B9-4DC5-B621-01CFE57FDD7F}"/>
+                <a16:creationId xmlns:a16="http://schemas.microsoft.com/office/drawing/2014/main" id="{02F1379B-442D-49BC-9699-E952749B9928}"/>
               </a:ext>
             </a:extLst>
           </p:cNvPr>
-          <p:cNvSpPr>
-            <a:spLocks noGrp="1"/>
-          </p:cNvSpPr>
-          <p:nvPr>
-            <p:ph type="title"/>
-          </p:nvPr>
-        </p:nvSpPr>
-        <p:spPr>
+          <p:cNvPicPr>
+            <a:picLocks noGrp="1" noChangeAspect="1" noChangeArrowheads="1"/>
+          </p:cNvPicPr>
+          <p:nvPr>
+            <p:ph idx="1"/>
+          </p:nvPr>
+        </p:nvPicPr>
+        <p:blipFill>
+          <a:blip r:embed="rId2">
+            <a:extLst>
+              <a:ext uri="{28A0092B-C50C-407E-A947-70E740481C1C}">
+                <a14:useLocalDpi xmlns:a14="http://schemas.microsoft.com/office/drawing/2010/main" val="0"/>
+              </a:ext>
+            </a:extLst>
+          </a:blip>
+          <a:srcRect/>
+          <a:stretch>
+            <a:fillRect/>
+          </a:stretch>
+        </p:blipFill>
+        <p:spPr bwMode="auto">
           <a:xfrm>
-            <a:off x="677863" y="0"/>
-            <a:ext cx="8596312" cy="1320800"/>
+            <a:off x="405486" y="867718"/>
+            <a:ext cx="8825011" cy="5545164"/>
           </a:xfrm>
+          <a:prstGeom prst="rect">
+            <a:avLst/>
+          </a:prstGeom>
+          <a:noFill/>
+          <a:extLst>
+            <a:ext uri="{909E8E84-426E-40DD-AFC4-6F175D3DCCD1}">
+              <a14:hiddenFill xmlns:a14="http://schemas.microsoft.com/office/drawing/2010/main">
+                <a:solidFill>
+                  <a:srgbClr val="FFFFFF"/>
+                </a:solidFill>
+              </a14:hiddenFill>
+            </a:ext>
+          </a:extLst>
         </p:spPr>
-        <p:txBody>
-          <a:bodyPr/>
-          <a:lstStyle/>
-          <a:p>
-            <a:pPr algn="ctr"/>
-            <a:r>
-              <a:rPr lang="ru-RU" dirty="0"/>
-              <a:t>Модели баз данных (2/3)</a:t>
-            </a:r>
-          </a:p>
-        </p:txBody>
-      </p:sp>
-      <p:sp>
-        <p:nvSpPr>
-          <p:cNvPr id="6" name="Номер слайда 5">
+      </p:pic>
+      <p:sp>
+        <p:nvSpPr>
+          <p:cNvPr id="5" name="Номер слайда 5">
             <a:extLst>
               <a:ext uri="{FF2B5EF4-FFF2-40B4-BE49-F238E27FC236}">
-                <a16:creationId xmlns:a16="http://schemas.microsoft.com/office/drawing/2014/main" id="{E619EDFC-2C94-4FAD-8984-8DB1E6CA2BE3}"/>
+                <a16:creationId xmlns:a16="http://schemas.microsoft.com/office/drawing/2014/main" id="{5A7DFCE2-07A8-4B3B-BE0C-EEC439A13A87}"/>
               </a:ext>
             </a:extLst>
           </p:cNvPr>
@@ -6551,8 +6574,8 @@
         </p:nvSpPr>
         <p:spPr>
           <a:xfrm>
-            <a:off x="10713309" y="6041362"/>
-            <a:ext cx="1478692" cy="365125"/>
+            <a:off x="10999317" y="6041362"/>
+            <a:ext cx="1192683" cy="365125"/>
           </a:xfrm>
         </p:spPr>
         <p:txBody>
@@ -6574,28 +6597,15 @@
                   <a:schemeClr val="bg1"/>
                 </a:solidFill>
               </a:rPr>
-              <a:t>/1</a:t>
-            </a:r>
-            <a:r>
-              <a:rPr lang="ru-RU" sz="3600" dirty="0">
-                <a:solidFill>
-                  <a:schemeClr val="bg1"/>
-                </a:solidFill>
-              </a:rPr>
-              <a:t>6</a:t>
-            </a:r>
-            <a:endParaRPr lang="en-US" sz="3600" dirty="0">
-              <a:solidFill>
-                <a:schemeClr val="bg1"/>
-              </a:solidFill>
-            </a:endParaRPr>
+              <a:t>/20</a:t>
+            </a:r>
           </a:p>
         </p:txBody>
       </p:sp>
     </p:spTree>
     <p:extLst>
       <p:ext uri="{BB962C8B-B14F-4D97-AF65-F5344CB8AC3E}">
-        <p14:creationId xmlns:p14="http://schemas.microsoft.com/office/powerpoint/2010/main" val="1033660558"/>
+        <p14:creationId xmlns:p14="http://schemas.microsoft.com/office/powerpoint/2010/main" val="919346693"/>
       </p:ext>
     </p:extLst>
   </p:cSld>
@@ -6624,10 +6634,10 @@
       </p:grpSpPr>
       <p:sp>
         <p:nvSpPr>
-          <p:cNvPr id="3" name="Объект 2">
+          <p:cNvPr id="2" name="Заголовок 1">
             <a:extLst>
               <a:ext uri="{FF2B5EF4-FFF2-40B4-BE49-F238E27FC236}">
-                <a16:creationId xmlns:a16="http://schemas.microsoft.com/office/drawing/2014/main" id="{1B5C336A-2082-479E-907C-AC5CC8F0B066}"/>
+                <a16:creationId xmlns:a16="http://schemas.microsoft.com/office/drawing/2014/main" id="{C37A47CB-8FD7-4364-AE7C-E3B4049545FD}"/>
               </a:ext>
             </a:extLst>
           </p:cNvPr>
@@ -6635,67 +6645,63 @@
             <a:spLocks noGrp="1"/>
           </p:cNvSpPr>
           <p:nvPr>
-            <p:ph idx="1"/>
+            <p:ph type="title"/>
           </p:nvPr>
         </p:nvSpPr>
         <p:spPr>
           <a:xfrm>
-            <a:off x="677507" y="2977227"/>
-            <a:ext cx="8596668" cy="3880773"/>
+            <a:off x="-6005" y="0"/>
+            <a:ext cx="8596668" cy="1320800"/>
           </a:xfrm>
         </p:spPr>
         <p:txBody>
           <a:bodyPr/>
           <a:lstStyle/>
           <a:p>
-            <a:r>
-              <a:rPr lang="en-US" dirty="0"/>
-              <a:t>SQLite</a:t>
-            </a:r>
-            <a:endParaRPr lang="ru-RU" dirty="0"/>
-          </a:p>
-        </p:txBody>
-      </p:sp>
-      <p:sp>
-        <p:nvSpPr>
-          <p:cNvPr id="5" name="Заголовок 1">
+            <a:pPr algn="ctr"/>
+            <a:r>
+              <a:rPr lang="ru-RU" dirty="0"/>
+              <a:t>Модели баз данных (1/3)</a:t>
+            </a:r>
+          </a:p>
+        </p:txBody>
+      </p:sp>
+      <p:pic>
+        <p:nvPicPr>
+          <p:cNvPr id="6" name="Рисунок 5">
             <a:extLst>
               <a:ext uri="{FF2B5EF4-FFF2-40B4-BE49-F238E27FC236}">
-                <a16:creationId xmlns:a16="http://schemas.microsoft.com/office/drawing/2014/main" id="{6707CF26-D64C-4521-9A46-CE45B85C19AB}"/>
+                <a16:creationId xmlns:a16="http://schemas.microsoft.com/office/drawing/2014/main" id="{5E8D1268-8638-48F0-B9B3-4F3332C68085}"/>
               </a:ext>
             </a:extLst>
           </p:cNvPr>
-          <p:cNvSpPr>
-            <a:spLocks noGrp="1"/>
-          </p:cNvSpPr>
-          <p:nvPr>
-            <p:ph type="title"/>
-          </p:nvPr>
-        </p:nvSpPr>
+          <p:cNvPicPr>
+            <a:picLocks noChangeAspect="1"/>
+          </p:cNvPicPr>
+          <p:nvPr/>
+        </p:nvPicPr>
+        <p:blipFill>
+          <a:blip r:embed="rId2"/>
+          <a:stretch>
+            <a:fillRect/>
+          </a:stretch>
+        </p:blipFill>
         <p:spPr>
           <a:xfrm>
-            <a:off x="677863" y="0"/>
-            <a:ext cx="8596312" cy="1320800"/>
+            <a:off x="1981380" y="660400"/>
+            <a:ext cx="6769168" cy="6197600"/>
           </a:xfrm>
+          <a:prstGeom prst="rect">
+            <a:avLst/>
+          </a:prstGeom>
         </p:spPr>
-        <p:txBody>
-          <a:bodyPr/>
-          <a:lstStyle/>
-          <a:p>
-            <a:pPr algn="ctr"/>
-            <a:r>
-              <a:rPr lang="ru-RU" dirty="0"/>
-              <a:t>Модели баз данных (3/3)</a:t>
-            </a:r>
-          </a:p>
-        </p:txBody>
-      </p:sp>
-      <p:sp>
-        <p:nvSpPr>
-          <p:cNvPr id="6" name="Номер слайда 5">
+      </p:pic>
+      <p:sp>
+        <p:nvSpPr>
+          <p:cNvPr id="8" name="Объект 2">
             <a:extLst>
               <a:ext uri="{FF2B5EF4-FFF2-40B4-BE49-F238E27FC236}">
-                <a16:creationId xmlns:a16="http://schemas.microsoft.com/office/drawing/2014/main" id="{B720B3A5-1B43-4003-96BA-9EE17CDD7D1A}"/>
+                <a16:creationId xmlns:a16="http://schemas.microsoft.com/office/drawing/2014/main" id="{B11FCCFD-E2C6-43FD-9703-24CA914B2B0F}"/>
               </a:ext>
             </a:extLst>
           </p:cNvPr>
@@ -6703,13 +6709,48 @@
             <a:spLocks noGrp="1"/>
           </p:cNvSpPr>
           <p:nvPr>
-            <p:ph type="sldNum" sz="quarter" idx="12"/>
+            <p:ph idx="1"/>
           </p:nvPr>
         </p:nvSpPr>
         <p:spPr>
           <a:xfrm>
-            <a:off x="10700951" y="6041362"/>
-            <a:ext cx="1491049" cy="365125"/>
+            <a:off x="-6005" y="978794"/>
+            <a:ext cx="2147269" cy="5879206"/>
+          </a:xfrm>
+        </p:spPr>
+        <p:txBody>
+          <a:bodyPr/>
+          <a:lstStyle/>
+          <a:p>
+            <a:pPr algn="ctr"/>
+            <a:r>
+              <a:rPr lang="en-US" dirty="0"/>
+              <a:t>MySQL</a:t>
+            </a:r>
+            <a:endParaRPr lang="ru-RU" dirty="0"/>
+          </a:p>
+        </p:txBody>
+      </p:sp>
+      <p:sp>
+        <p:nvSpPr>
+          <p:cNvPr id="7" name="Номер слайда 5">
+            <a:extLst>
+              <a:ext uri="{FF2B5EF4-FFF2-40B4-BE49-F238E27FC236}">
+                <a16:creationId xmlns:a16="http://schemas.microsoft.com/office/drawing/2014/main" id="{19BF89A4-2B2A-472F-83E5-F67D2F5CFA78}"/>
+              </a:ext>
+            </a:extLst>
+          </p:cNvPr>
+          <p:cNvSpPr>
+            <a:spLocks noGrp="1"/>
+          </p:cNvSpPr>
+          <p:nvPr>
+            <p:ph type="sldNum" sz="quarter" idx="12"/>
+          </p:nvPr>
+        </p:nvSpPr>
+        <p:spPr>
+          <a:xfrm>
+            <a:off x="10999317" y="6041362"/>
+            <a:ext cx="1192683" cy="365125"/>
           </a:xfrm>
         </p:spPr>
         <p:txBody>
@@ -6731,28 +6772,15 @@
                   <a:schemeClr val="bg1"/>
                 </a:solidFill>
               </a:rPr>
-              <a:t>/1</a:t>
-            </a:r>
-            <a:r>
-              <a:rPr lang="ru-RU" sz="3600" dirty="0">
-                <a:solidFill>
-                  <a:schemeClr val="bg1"/>
-                </a:solidFill>
-              </a:rPr>
-              <a:t>6</a:t>
-            </a:r>
-            <a:endParaRPr lang="en-US" sz="3600" dirty="0">
-              <a:solidFill>
-                <a:schemeClr val="bg1"/>
-              </a:solidFill>
-            </a:endParaRPr>
+              <a:t>/20</a:t>
+            </a:r>
           </a:p>
         </p:txBody>
       </p:sp>
     </p:spTree>
     <p:extLst>
       <p:ext uri="{BB962C8B-B14F-4D97-AF65-F5344CB8AC3E}">
-        <p14:creationId xmlns:p14="http://schemas.microsoft.com/office/powerpoint/2010/main" val="3475517144"/>
+        <p14:creationId xmlns:p14="http://schemas.microsoft.com/office/powerpoint/2010/main" val="663314577"/>
       </p:ext>
     </p:extLst>
   </p:cSld>
@@ -6781,6 +6809,808 @@
       </p:grpSpPr>
       <p:sp>
         <p:nvSpPr>
+          <p:cNvPr id="5" name="Заголовок 1">
+            <a:extLst>
+              <a:ext uri="{FF2B5EF4-FFF2-40B4-BE49-F238E27FC236}">
+                <a16:creationId xmlns:a16="http://schemas.microsoft.com/office/drawing/2014/main" id="{7F5C4A93-84B9-4DC5-B621-01CFE57FDD7F}"/>
+              </a:ext>
+            </a:extLst>
+          </p:cNvPr>
+          <p:cNvSpPr>
+            <a:spLocks noGrp="1"/>
+          </p:cNvSpPr>
+          <p:nvPr>
+            <p:ph type="title"/>
+          </p:nvPr>
+        </p:nvSpPr>
+        <p:spPr>
+          <a:xfrm>
+            <a:off x="677863" y="0"/>
+            <a:ext cx="8596312" cy="1320800"/>
+          </a:xfrm>
+        </p:spPr>
+        <p:txBody>
+          <a:bodyPr/>
+          <a:lstStyle/>
+          <a:p>
+            <a:pPr algn="ctr"/>
+            <a:r>
+              <a:rPr lang="ru-RU" dirty="0"/>
+              <a:t>Модели баз данных (2/3)</a:t>
+            </a:r>
+          </a:p>
+        </p:txBody>
+      </p:sp>
+      <p:pic>
+        <p:nvPicPr>
+          <p:cNvPr id="4" name="Изображение 3"/>
+          <p:cNvPicPr>
+            <a:picLocks noChangeAspect="1"/>
+          </p:cNvPicPr>
+          <p:nvPr/>
+        </p:nvPicPr>
+        <p:blipFill>
+          <a:blip r:embed="rId2">
+            <a:extLst>
+              <a:ext uri="{28A0092B-C50C-407E-A947-70E740481C1C}">
+                <a14:useLocalDpi xmlns:a14="http://schemas.microsoft.com/office/drawing/2010/main" val="0"/>
+              </a:ext>
+            </a:extLst>
+          </a:blip>
+          <a:stretch>
+            <a:fillRect/>
+          </a:stretch>
+        </p:blipFill>
+        <p:spPr>
+          <a:xfrm>
+            <a:off x="1416676" y="1008993"/>
+            <a:ext cx="7886955" cy="5467545"/>
+          </a:xfrm>
+          <a:prstGeom prst="rect">
+            <a:avLst/>
+          </a:prstGeom>
+        </p:spPr>
+      </p:pic>
+      <p:sp>
+        <p:nvSpPr>
+          <p:cNvPr id="7" name="Номер слайда 5">
+            <a:extLst>
+              <a:ext uri="{FF2B5EF4-FFF2-40B4-BE49-F238E27FC236}">
+                <a16:creationId xmlns:a16="http://schemas.microsoft.com/office/drawing/2014/main" id="{C60EC007-EAF8-4A61-AF32-6DF6EEF97624}"/>
+              </a:ext>
+            </a:extLst>
+          </p:cNvPr>
+          <p:cNvSpPr>
+            <a:spLocks noGrp="1"/>
+          </p:cNvSpPr>
+          <p:nvPr>
+            <p:ph type="sldNum" sz="quarter" idx="12"/>
+          </p:nvPr>
+        </p:nvSpPr>
+        <p:spPr>
+          <a:xfrm>
+            <a:off x="10780933" y="6041362"/>
+            <a:ext cx="1411068" cy="365125"/>
+          </a:xfrm>
+        </p:spPr>
+        <p:txBody>
+          <a:bodyPr/>
+          <a:lstStyle/>
+          <a:p>
+            <a:fld id="{D57F1E4F-1CFF-5643-939E-217C01CDF565}" type="slidenum">
+              <a:rPr lang="en-US" sz="3600" smtClean="0">
+                <a:solidFill>
+                  <a:schemeClr val="bg1"/>
+                </a:solidFill>
+              </a:rPr>
+              <a:pPr/>
+              <a:t>12</a:t>
+            </a:fld>
+            <a:r>
+              <a:rPr lang="en-US" sz="3600" dirty="0">
+                <a:solidFill>
+                  <a:schemeClr val="bg1"/>
+                </a:solidFill>
+              </a:rPr>
+              <a:t>/20</a:t>
+            </a:r>
+          </a:p>
+        </p:txBody>
+      </p:sp>
+      <p:sp>
+        <p:nvSpPr>
+          <p:cNvPr id="9" name="Объект 2">
+            <a:extLst>
+              <a:ext uri="{FF2B5EF4-FFF2-40B4-BE49-F238E27FC236}">
+                <a16:creationId xmlns:a16="http://schemas.microsoft.com/office/drawing/2014/main" id="{8DF1EFAB-CF3A-45C5-913E-42108887557D}"/>
+              </a:ext>
+            </a:extLst>
+          </p:cNvPr>
+          <p:cNvSpPr txBox="1">
+            <a:spLocks/>
+          </p:cNvSpPr>
+          <p:nvPr/>
+        </p:nvSpPr>
+        <p:spPr>
+          <a:xfrm>
+            <a:off x="-6005" y="978794"/>
+            <a:ext cx="2147269" cy="5879206"/>
+          </a:xfrm>
+          <a:prstGeom prst="rect">
+            <a:avLst/>
+          </a:prstGeom>
+        </p:spPr>
+        <p:txBody>
+          <a:bodyPr vert="horz" lIns="91440" tIns="45720" rIns="91440" bIns="45720" rtlCol="0">
+            <a:normAutofit/>
+          </a:bodyPr>
+          <a:lstStyle>
+            <a:lvl1pPr marL="342900" indent="-342900" algn="l" defTabSz="457200" rtl="0" eaLnBrk="1" latinLnBrk="0" hangingPunct="1">
+              <a:spcBef>
+                <a:spcPts val="1000"/>
+              </a:spcBef>
+              <a:spcAft>
+                <a:spcPts val="0"/>
+              </a:spcAft>
+              <a:buClr>
+                <a:schemeClr val="accent1"/>
+              </a:buClr>
+              <a:buSzPct val="80000"/>
+              <a:buFont typeface="Wingdings 3" charset="2"/>
+              <a:buChar char=""/>
+              <a:defRPr sz="1800" kern="1200">
+                <a:solidFill>
+                  <a:schemeClr val="tx1">
+                    <a:lumMod val="75000"/>
+                    <a:lumOff val="25000"/>
+                  </a:schemeClr>
+                </a:solidFill>
+                <a:latin typeface="+mn-lt"/>
+                <a:ea typeface="+mn-ea"/>
+                <a:cs typeface="+mn-cs"/>
+              </a:defRPr>
+            </a:lvl1pPr>
+            <a:lvl2pPr marL="742950" indent="-285750" algn="l" defTabSz="457200" rtl="0" eaLnBrk="1" latinLnBrk="0" hangingPunct="1">
+              <a:spcBef>
+                <a:spcPts val="1000"/>
+              </a:spcBef>
+              <a:spcAft>
+                <a:spcPts val="0"/>
+              </a:spcAft>
+              <a:buClr>
+                <a:schemeClr val="accent1"/>
+              </a:buClr>
+              <a:buSzPct val="80000"/>
+              <a:buFont typeface="Wingdings 3" charset="2"/>
+              <a:buChar char=""/>
+              <a:defRPr sz="1600" kern="1200">
+                <a:solidFill>
+                  <a:schemeClr val="tx1">
+                    <a:lumMod val="75000"/>
+                    <a:lumOff val="25000"/>
+                  </a:schemeClr>
+                </a:solidFill>
+                <a:latin typeface="+mn-lt"/>
+                <a:ea typeface="+mn-ea"/>
+                <a:cs typeface="+mn-cs"/>
+              </a:defRPr>
+            </a:lvl2pPr>
+            <a:lvl3pPr marL="1143000" indent="-228600" algn="l" defTabSz="457200" rtl="0" eaLnBrk="1" latinLnBrk="0" hangingPunct="1">
+              <a:spcBef>
+                <a:spcPts val="1000"/>
+              </a:spcBef>
+              <a:spcAft>
+                <a:spcPts val="0"/>
+              </a:spcAft>
+              <a:buClr>
+                <a:schemeClr val="accent1"/>
+              </a:buClr>
+              <a:buSzPct val="80000"/>
+              <a:buFont typeface="Wingdings 3" charset="2"/>
+              <a:buChar char=""/>
+              <a:defRPr sz="1400" kern="1200">
+                <a:solidFill>
+                  <a:schemeClr val="tx1">
+                    <a:lumMod val="75000"/>
+                    <a:lumOff val="25000"/>
+                  </a:schemeClr>
+                </a:solidFill>
+                <a:latin typeface="+mn-lt"/>
+                <a:ea typeface="+mn-ea"/>
+                <a:cs typeface="+mn-cs"/>
+              </a:defRPr>
+            </a:lvl3pPr>
+            <a:lvl4pPr marL="1600200" indent="-228600" algn="l" defTabSz="457200" rtl="0" eaLnBrk="1" latinLnBrk="0" hangingPunct="1">
+              <a:spcBef>
+                <a:spcPts val="1000"/>
+              </a:spcBef>
+              <a:spcAft>
+                <a:spcPts val="0"/>
+              </a:spcAft>
+              <a:buClr>
+                <a:schemeClr val="accent1"/>
+              </a:buClr>
+              <a:buSzPct val="80000"/>
+              <a:buFont typeface="Wingdings 3" charset="2"/>
+              <a:buChar char=""/>
+              <a:defRPr sz="1200" kern="1200">
+                <a:solidFill>
+                  <a:schemeClr val="tx1">
+                    <a:lumMod val="75000"/>
+                    <a:lumOff val="25000"/>
+                  </a:schemeClr>
+                </a:solidFill>
+                <a:latin typeface="+mn-lt"/>
+                <a:ea typeface="+mn-ea"/>
+                <a:cs typeface="+mn-cs"/>
+              </a:defRPr>
+            </a:lvl4pPr>
+            <a:lvl5pPr marL="2057400" indent="-228600" algn="l" defTabSz="457200" rtl="0" eaLnBrk="1" latinLnBrk="0" hangingPunct="1">
+              <a:spcBef>
+                <a:spcPts val="1000"/>
+              </a:spcBef>
+              <a:spcAft>
+                <a:spcPts val="0"/>
+              </a:spcAft>
+              <a:buClr>
+                <a:schemeClr val="accent1"/>
+              </a:buClr>
+              <a:buSzPct val="80000"/>
+              <a:buFont typeface="Wingdings 3" charset="2"/>
+              <a:buChar char=""/>
+              <a:defRPr sz="1200" kern="1200">
+                <a:solidFill>
+                  <a:schemeClr val="tx1">
+                    <a:lumMod val="75000"/>
+                    <a:lumOff val="25000"/>
+                  </a:schemeClr>
+                </a:solidFill>
+                <a:latin typeface="+mn-lt"/>
+                <a:ea typeface="+mn-ea"/>
+                <a:cs typeface="+mn-cs"/>
+              </a:defRPr>
+            </a:lvl5pPr>
+            <a:lvl6pPr marL="2514600" indent="-228600" algn="l" defTabSz="457200" rtl="0" eaLnBrk="1" latinLnBrk="0" hangingPunct="1">
+              <a:spcBef>
+                <a:spcPts val="1000"/>
+              </a:spcBef>
+              <a:spcAft>
+                <a:spcPts val="0"/>
+              </a:spcAft>
+              <a:buClr>
+                <a:schemeClr val="accent1"/>
+              </a:buClr>
+              <a:buSzPct val="80000"/>
+              <a:buFont typeface="Wingdings 3" charset="2"/>
+              <a:buChar char=""/>
+              <a:defRPr sz="1200" kern="1200">
+                <a:solidFill>
+                  <a:schemeClr val="tx1">
+                    <a:lumMod val="75000"/>
+                    <a:lumOff val="25000"/>
+                  </a:schemeClr>
+                </a:solidFill>
+                <a:latin typeface="+mn-lt"/>
+                <a:ea typeface="+mn-ea"/>
+                <a:cs typeface="+mn-cs"/>
+              </a:defRPr>
+            </a:lvl6pPr>
+            <a:lvl7pPr marL="2971800" indent="-228600" algn="l" defTabSz="457200" rtl="0" eaLnBrk="1" latinLnBrk="0" hangingPunct="1">
+              <a:spcBef>
+                <a:spcPts val="1000"/>
+              </a:spcBef>
+              <a:spcAft>
+                <a:spcPts val="0"/>
+              </a:spcAft>
+              <a:buClr>
+                <a:schemeClr val="accent1"/>
+              </a:buClr>
+              <a:buSzPct val="80000"/>
+              <a:buFont typeface="Wingdings 3" charset="2"/>
+              <a:buChar char=""/>
+              <a:defRPr sz="1200" kern="1200">
+                <a:solidFill>
+                  <a:schemeClr val="tx1">
+                    <a:lumMod val="75000"/>
+                    <a:lumOff val="25000"/>
+                  </a:schemeClr>
+                </a:solidFill>
+                <a:latin typeface="+mn-lt"/>
+                <a:ea typeface="+mn-ea"/>
+                <a:cs typeface="+mn-cs"/>
+              </a:defRPr>
+            </a:lvl7pPr>
+            <a:lvl8pPr marL="3429000" indent="-228600" algn="l" defTabSz="457200" rtl="0" eaLnBrk="1" latinLnBrk="0" hangingPunct="1">
+              <a:spcBef>
+                <a:spcPts val="1000"/>
+              </a:spcBef>
+              <a:spcAft>
+                <a:spcPts val="0"/>
+              </a:spcAft>
+              <a:buClr>
+                <a:schemeClr val="accent1"/>
+              </a:buClr>
+              <a:buSzPct val="80000"/>
+              <a:buFont typeface="Wingdings 3" charset="2"/>
+              <a:buChar char=""/>
+              <a:defRPr sz="1200" kern="1200">
+                <a:solidFill>
+                  <a:schemeClr val="tx1">
+                    <a:lumMod val="75000"/>
+                    <a:lumOff val="25000"/>
+                  </a:schemeClr>
+                </a:solidFill>
+                <a:latin typeface="+mn-lt"/>
+                <a:ea typeface="+mn-ea"/>
+                <a:cs typeface="+mn-cs"/>
+              </a:defRPr>
+            </a:lvl8pPr>
+            <a:lvl9pPr marL="3886200" indent="-228600" algn="l" defTabSz="457200" rtl="0" eaLnBrk="1" latinLnBrk="0" hangingPunct="1">
+              <a:spcBef>
+                <a:spcPts val="1000"/>
+              </a:spcBef>
+              <a:spcAft>
+                <a:spcPts val="0"/>
+              </a:spcAft>
+              <a:buClr>
+                <a:schemeClr val="accent1"/>
+              </a:buClr>
+              <a:buSzPct val="80000"/>
+              <a:buFont typeface="Wingdings 3" charset="2"/>
+              <a:buChar char=""/>
+              <a:defRPr sz="1200" kern="1200">
+                <a:solidFill>
+                  <a:schemeClr val="tx1">
+                    <a:lumMod val="75000"/>
+                    <a:lumOff val="25000"/>
+                  </a:schemeClr>
+                </a:solidFill>
+                <a:latin typeface="+mn-lt"/>
+                <a:ea typeface="+mn-ea"/>
+                <a:cs typeface="+mn-cs"/>
+              </a:defRPr>
+            </a:lvl9pPr>
+          </a:lstStyle>
+          <a:p>
+            <a:pPr algn="ctr"/>
+            <a:r>
+              <a:rPr lang="en-US" dirty="0"/>
+              <a:t>MongoDB</a:t>
+            </a:r>
+            <a:endParaRPr lang="ru-RU" dirty="0"/>
+          </a:p>
+        </p:txBody>
+      </p:sp>
+    </p:spTree>
+    <p:extLst>
+      <p:ext uri="{BB962C8B-B14F-4D97-AF65-F5344CB8AC3E}">
+        <p14:creationId xmlns:p14="http://schemas.microsoft.com/office/powerpoint/2010/main" val="1033660558"/>
+      </p:ext>
+    </p:extLst>
+  </p:cSld>
+  <p:clrMapOvr>
+    <a:masterClrMapping/>
+  </p:clrMapOvr>
+</p:sld>
+</file>
+
+<file path=ppt/slides/slide13.xml><?xml version="1.0" encoding="utf-8"?>
+<p:sld xmlns:a="http://schemas.openxmlformats.org/drawingml/2006/main" xmlns:r="http://schemas.openxmlformats.org/officeDocument/2006/relationships" xmlns:p="http://schemas.openxmlformats.org/presentationml/2006/main">
+  <p:cSld>
+    <p:spTree>
+      <p:nvGrpSpPr>
+        <p:cNvPr id="1" name=""/>
+        <p:cNvGrpSpPr/>
+        <p:nvPr/>
+      </p:nvGrpSpPr>
+      <p:grpSpPr>
+        <a:xfrm>
+          <a:off x="0" y="0"/>
+          <a:ext cx="0" cy="0"/>
+          <a:chOff x="0" y="0"/>
+          <a:chExt cx="0" cy="0"/>
+        </a:xfrm>
+      </p:grpSpPr>
+      <p:sp>
+        <p:nvSpPr>
+          <p:cNvPr id="5" name="Заголовок 1">
+            <a:extLst>
+              <a:ext uri="{FF2B5EF4-FFF2-40B4-BE49-F238E27FC236}">
+                <a16:creationId xmlns:a16="http://schemas.microsoft.com/office/drawing/2014/main" id="{6707CF26-D64C-4521-9A46-CE45B85C19AB}"/>
+              </a:ext>
+            </a:extLst>
+          </p:cNvPr>
+          <p:cNvSpPr>
+            <a:spLocks noGrp="1"/>
+          </p:cNvSpPr>
+          <p:nvPr>
+            <p:ph type="title"/>
+          </p:nvPr>
+        </p:nvSpPr>
+        <p:spPr>
+          <a:xfrm>
+            <a:off x="677863" y="0"/>
+            <a:ext cx="8596312" cy="1320800"/>
+          </a:xfrm>
+        </p:spPr>
+        <p:txBody>
+          <a:bodyPr/>
+          <a:lstStyle/>
+          <a:p>
+            <a:pPr algn="ctr"/>
+            <a:r>
+              <a:rPr lang="ru-RU" dirty="0"/>
+              <a:t>Модели баз данных (3/3)</a:t>
+            </a:r>
+          </a:p>
+        </p:txBody>
+      </p:sp>
+      <p:pic>
+        <p:nvPicPr>
+          <p:cNvPr id="2" name="Рисунок 1"/>
+          <p:cNvPicPr>
+            <a:picLocks noChangeAspect="1"/>
+          </p:cNvPicPr>
+          <p:nvPr/>
+        </p:nvPicPr>
+        <p:blipFill>
+          <a:blip r:embed="rId2"/>
+          <a:stretch>
+            <a:fillRect/>
+          </a:stretch>
+        </p:blipFill>
+        <p:spPr>
+          <a:xfrm>
+            <a:off x="1621720" y="978793"/>
+            <a:ext cx="7776729" cy="5293217"/>
+          </a:xfrm>
+          <a:prstGeom prst="rect">
+            <a:avLst/>
+          </a:prstGeom>
+        </p:spPr>
+      </p:pic>
+      <p:sp>
+        <p:nvSpPr>
+          <p:cNvPr id="7" name="Номер слайда 5">
+            <a:extLst>
+              <a:ext uri="{FF2B5EF4-FFF2-40B4-BE49-F238E27FC236}">
+                <a16:creationId xmlns:a16="http://schemas.microsoft.com/office/drawing/2014/main" id="{4CBD0019-A202-4803-9622-31EC2B90A115}"/>
+              </a:ext>
+            </a:extLst>
+          </p:cNvPr>
+          <p:cNvSpPr>
+            <a:spLocks noGrp="1"/>
+          </p:cNvSpPr>
+          <p:nvPr>
+            <p:ph type="sldNum" sz="quarter" idx="12"/>
+          </p:nvPr>
+        </p:nvSpPr>
+        <p:spPr>
+          <a:xfrm>
+            <a:off x="10780933" y="6041362"/>
+            <a:ext cx="1411068" cy="365125"/>
+          </a:xfrm>
+        </p:spPr>
+        <p:txBody>
+          <a:bodyPr/>
+          <a:lstStyle/>
+          <a:p>
+            <a:fld id="{D57F1E4F-1CFF-5643-939E-217C01CDF565}" type="slidenum">
+              <a:rPr lang="en-US" sz="3600" smtClean="0">
+                <a:solidFill>
+                  <a:schemeClr val="bg1"/>
+                </a:solidFill>
+              </a:rPr>
+              <a:pPr/>
+              <a:t>13</a:t>
+            </a:fld>
+            <a:r>
+              <a:rPr lang="en-US" sz="3600" dirty="0">
+                <a:solidFill>
+                  <a:schemeClr val="bg1"/>
+                </a:solidFill>
+              </a:rPr>
+              <a:t>/20</a:t>
+            </a:r>
+          </a:p>
+        </p:txBody>
+      </p:sp>
+      <p:sp>
+        <p:nvSpPr>
+          <p:cNvPr id="8" name="Объект 2">
+            <a:extLst>
+              <a:ext uri="{FF2B5EF4-FFF2-40B4-BE49-F238E27FC236}">
+                <a16:creationId xmlns:a16="http://schemas.microsoft.com/office/drawing/2014/main" id="{7E49EF4F-2492-4146-ACEC-95CBD054DA53}"/>
+              </a:ext>
+            </a:extLst>
+          </p:cNvPr>
+          <p:cNvSpPr txBox="1">
+            <a:spLocks/>
+          </p:cNvSpPr>
+          <p:nvPr/>
+        </p:nvSpPr>
+        <p:spPr>
+          <a:xfrm>
+            <a:off x="-6005" y="978794"/>
+            <a:ext cx="2147269" cy="5879206"/>
+          </a:xfrm>
+          <a:prstGeom prst="rect">
+            <a:avLst/>
+          </a:prstGeom>
+        </p:spPr>
+        <p:txBody>
+          <a:bodyPr vert="horz" lIns="91440" tIns="45720" rIns="91440" bIns="45720" rtlCol="0">
+            <a:normAutofit/>
+          </a:bodyPr>
+          <a:lstStyle>
+            <a:lvl1pPr marL="342900" indent="-342900" algn="l" defTabSz="457200" rtl="0" eaLnBrk="1" latinLnBrk="0" hangingPunct="1">
+              <a:spcBef>
+                <a:spcPts val="1000"/>
+              </a:spcBef>
+              <a:spcAft>
+                <a:spcPts val="0"/>
+              </a:spcAft>
+              <a:buClr>
+                <a:schemeClr val="accent1"/>
+              </a:buClr>
+              <a:buSzPct val="80000"/>
+              <a:buFont typeface="Wingdings 3" charset="2"/>
+              <a:buChar char=""/>
+              <a:defRPr sz="1800" kern="1200">
+                <a:solidFill>
+                  <a:schemeClr val="tx1">
+                    <a:lumMod val="75000"/>
+                    <a:lumOff val="25000"/>
+                  </a:schemeClr>
+                </a:solidFill>
+                <a:latin typeface="+mn-lt"/>
+                <a:ea typeface="+mn-ea"/>
+                <a:cs typeface="+mn-cs"/>
+              </a:defRPr>
+            </a:lvl1pPr>
+            <a:lvl2pPr marL="742950" indent="-285750" algn="l" defTabSz="457200" rtl="0" eaLnBrk="1" latinLnBrk="0" hangingPunct="1">
+              <a:spcBef>
+                <a:spcPts val="1000"/>
+              </a:spcBef>
+              <a:spcAft>
+                <a:spcPts val="0"/>
+              </a:spcAft>
+              <a:buClr>
+                <a:schemeClr val="accent1"/>
+              </a:buClr>
+              <a:buSzPct val="80000"/>
+              <a:buFont typeface="Wingdings 3" charset="2"/>
+              <a:buChar char=""/>
+              <a:defRPr sz="1600" kern="1200">
+                <a:solidFill>
+                  <a:schemeClr val="tx1">
+                    <a:lumMod val="75000"/>
+                    <a:lumOff val="25000"/>
+                  </a:schemeClr>
+                </a:solidFill>
+                <a:latin typeface="+mn-lt"/>
+                <a:ea typeface="+mn-ea"/>
+                <a:cs typeface="+mn-cs"/>
+              </a:defRPr>
+            </a:lvl2pPr>
+            <a:lvl3pPr marL="1143000" indent="-228600" algn="l" defTabSz="457200" rtl="0" eaLnBrk="1" latinLnBrk="0" hangingPunct="1">
+              <a:spcBef>
+                <a:spcPts val="1000"/>
+              </a:spcBef>
+              <a:spcAft>
+                <a:spcPts val="0"/>
+              </a:spcAft>
+              <a:buClr>
+                <a:schemeClr val="accent1"/>
+              </a:buClr>
+              <a:buSzPct val="80000"/>
+              <a:buFont typeface="Wingdings 3" charset="2"/>
+              <a:buChar char=""/>
+              <a:defRPr sz="1400" kern="1200">
+                <a:solidFill>
+                  <a:schemeClr val="tx1">
+                    <a:lumMod val="75000"/>
+                    <a:lumOff val="25000"/>
+                  </a:schemeClr>
+                </a:solidFill>
+                <a:latin typeface="+mn-lt"/>
+                <a:ea typeface="+mn-ea"/>
+                <a:cs typeface="+mn-cs"/>
+              </a:defRPr>
+            </a:lvl3pPr>
+            <a:lvl4pPr marL="1600200" indent="-228600" algn="l" defTabSz="457200" rtl="0" eaLnBrk="1" latinLnBrk="0" hangingPunct="1">
+              <a:spcBef>
+                <a:spcPts val="1000"/>
+              </a:spcBef>
+              <a:spcAft>
+                <a:spcPts val="0"/>
+              </a:spcAft>
+              <a:buClr>
+                <a:schemeClr val="accent1"/>
+              </a:buClr>
+              <a:buSzPct val="80000"/>
+              <a:buFont typeface="Wingdings 3" charset="2"/>
+              <a:buChar char=""/>
+              <a:defRPr sz="1200" kern="1200">
+                <a:solidFill>
+                  <a:schemeClr val="tx1">
+                    <a:lumMod val="75000"/>
+                    <a:lumOff val="25000"/>
+                  </a:schemeClr>
+                </a:solidFill>
+                <a:latin typeface="+mn-lt"/>
+                <a:ea typeface="+mn-ea"/>
+                <a:cs typeface="+mn-cs"/>
+              </a:defRPr>
+            </a:lvl4pPr>
+            <a:lvl5pPr marL="2057400" indent="-228600" algn="l" defTabSz="457200" rtl="0" eaLnBrk="1" latinLnBrk="0" hangingPunct="1">
+              <a:spcBef>
+                <a:spcPts val="1000"/>
+              </a:spcBef>
+              <a:spcAft>
+                <a:spcPts val="0"/>
+              </a:spcAft>
+              <a:buClr>
+                <a:schemeClr val="accent1"/>
+              </a:buClr>
+              <a:buSzPct val="80000"/>
+              <a:buFont typeface="Wingdings 3" charset="2"/>
+              <a:buChar char=""/>
+              <a:defRPr sz="1200" kern="1200">
+                <a:solidFill>
+                  <a:schemeClr val="tx1">
+                    <a:lumMod val="75000"/>
+                    <a:lumOff val="25000"/>
+                  </a:schemeClr>
+                </a:solidFill>
+                <a:latin typeface="+mn-lt"/>
+                <a:ea typeface="+mn-ea"/>
+                <a:cs typeface="+mn-cs"/>
+              </a:defRPr>
+            </a:lvl5pPr>
+            <a:lvl6pPr marL="2514600" indent="-228600" algn="l" defTabSz="457200" rtl="0" eaLnBrk="1" latinLnBrk="0" hangingPunct="1">
+              <a:spcBef>
+                <a:spcPts val="1000"/>
+              </a:spcBef>
+              <a:spcAft>
+                <a:spcPts val="0"/>
+              </a:spcAft>
+              <a:buClr>
+                <a:schemeClr val="accent1"/>
+              </a:buClr>
+              <a:buSzPct val="80000"/>
+              <a:buFont typeface="Wingdings 3" charset="2"/>
+              <a:buChar char=""/>
+              <a:defRPr sz="1200" kern="1200">
+                <a:solidFill>
+                  <a:schemeClr val="tx1">
+                    <a:lumMod val="75000"/>
+                    <a:lumOff val="25000"/>
+                  </a:schemeClr>
+                </a:solidFill>
+                <a:latin typeface="+mn-lt"/>
+                <a:ea typeface="+mn-ea"/>
+                <a:cs typeface="+mn-cs"/>
+              </a:defRPr>
+            </a:lvl6pPr>
+            <a:lvl7pPr marL="2971800" indent="-228600" algn="l" defTabSz="457200" rtl="0" eaLnBrk="1" latinLnBrk="0" hangingPunct="1">
+              <a:spcBef>
+                <a:spcPts val="1000"/>
+              </a:spcBef>
+              <a:spcAft>
+                <a:spcPts val="0"/>
+              </a:spcAft>
+              <a:buClr>
+                <a:schemeClr val="accent1"/>
+              </a:buClr>
+              <a:buSzPct val="80000"/>
+              <a:buFont typeface="Wingdings 3" charset="2"/>
+              <a:buChar char=""/>
+              <a:defRPr sz="1200" kern="1200">
+                <a:solidFill>
+                  <a:schemeClr val="tx1">
+                    <a:lumMod val="75000"/>
+                    <a:lumOff val="25000"/>
+                  </a:schemeClr>
+                </a:solidFill>
+                <a:latin typeface="+mn-lt"/>
+                <a:ea typeface="+mn-ea"/>
+                <a:cs typeface="+mn-cs"/>
+              </a:defRPr>
+            </a:lvl7pPr>
+            <a:lvl8pPr marL="3429000" indent="-228600" algn="l" defTabSz="457200" rtl="0" eaLnBrk="1" latinLnBrk="0" hangingPunct="1">
+              <a:spcBef>
+                <a:spcPts val="1000"/>
+              </a:spcBef>
+              <a:spcAft>
+                <a:spcPts val="0"/>
+              </a:spcAft>
+              <a:buClr>
+                <a:schemeClr val="accent1"/>
+              </a:buClr>
+              <a:buSzPct val="80000"/>
+              <a:buFont typeface="Wingdings 3" charset="2"/>
+              <a:buChar char=""/>
+              <a:defRPr sz="1200" kern="1200">
+                <a:solidFill>
+                  <a:schemeClr val="tx1">
+                    <a:lumMod val="75000"/>
+                    <a:lumOff val="25000"/>
+                  </a:schemeClr>
+                </a:solidFill>
+                <a:latin typeface="+mn-lt"/>
+                <a:ea typeface="+mn-ea"/>
+                <a:cs typeface="+mn-cs"/>
+              </a:defRPr>
+            </a:lvl8pPr>
+            <a:lvl9pPr marL="3886200" indent="-228600" algn="l" defTabSz="457200" rtl="0" eaLnBrk="1" latinLnBrk="0" hangingPunct="1">
+              <a:spcBef>
+                <a:spcPts val="1000"/>
+              </a:spcBef>
+              <a:spcAft>
+                <a:spcPts val="0"/>
+              </a:spcAft>
+              <a:buClr>
+                <a:schemeClr val="accent1"/>
+              </a:buClr>
+              <a:buSzPct val="80000"/>
+              <a:buFont typeface="Wingdings 3" charset="2"/>
+              <a:buChar char=""/>
+              <a:defRPr sz="1200" kern="1200">
+                <a:solidFill>
+                  <a:schemeClr val="tx1">
+                    <a:lumMod val="75000"/>
+                    <a:lumOff val="25000"/>
+                  </a:schemeClr>
+                </a:solidFill>
+                <a:latin typeface="+mn-lt"/>
+                <a:ea typeface="+mn-ea"/>
+                <a:cs typeface="+mn-cs"/>
+              </a:defRPr>
+            </a:lvl9pPr>
+          </a:lstStyle>
+          <a:p>
+            <a:pPr algn="ctr"/>
+            <a:r>
+              <a:rPr lang="en-US" dirty="0"/>
+              <a:t>SQLite</a:t>
+            </a:r>
+            <a:endParaRPr lang="ru-RU" dirty="0"/>
+          </a:p>
+        </p:txBody>
+      </p:sp>
+    </p:spTree>
+    <p:extLst>
+      <p:ext uri="{BB962C8B-B14F-4D97-AF65-F5344CB8AC3E}">
+        <p14:creationId xmlns:p14="http://schemas.microsoft.com/office/powerpoint/2010/main" val="3475517144"/>
+      </p:ext>
+    </p:extLst>
+  </p:cSld>
+  <p:clrMapOvr>
+    <a:masterClrMapping/>
+  </p:clrMapOvr>
+</p:sld>
+</file>
+
+<file path=ppt/slides/slide14.xml><?xml version="1.0" encoding="utf-8"?>
+<p:sld xmlns:a="http://schemas.openxmlformats.org/drawingml/2006/main" xmlns:r="http://schemas.openxmlformats.org/officeDocument/2006/relationships" xmlns:p="http://schemas.openxmlformats.org/presentationml/2006/main">
+  <p:cSld>
+    <p:spTree>
+      <p:nvGrpSpPr>
+        <p:cNvPr id="1" name=""/>
+        <p:cNvGrpSpPr/>
+        <p:nvPr/>
+      </p:nvGrpSpPr>
+      <p:grpSpPr>
+        <a:xfrm>
+          <a:off x="0" y="0"/>
+          <a:ext cx="0" cy="0"/>
+          <a:chOff x="0" y="0"/>
+          <a:chExt cx="0" cy="0"/>
+        </a:xfrm>
+      </p:grpSpPr>
+      <p:sp>
+        <p:nvSpPr>
           <p:cNvPr id="9" name="Объект 8">
             <a:extLst>
               <a:ext uri="{FF2B5EF4-FFF2-40B4-BE49-F238E27FC236}">
@@ -6797,7 +7627,7 @@
         </p:nvSpPr>
         <p:spPr>
           <a:xfrm>
-            <a:off x="677334" y="787959"/>
+            <a:off x="4103114" y="787959"/>
             <a:ext cx="1596309" cy="466726"/>
           </a:xfrm>
         </p:spPr>
@@ -6935,16 +7765,15 @@
           </p:cNvPicPr>
           <p:nvPr/>
         </p:nvPicPr>
-        <p:blipFill>
+        <p:blipFill rotWithShape="1">
           <a:blip r:embed="rId2"/>
-          <a:stretch>
-            <a:fillRect/>
-          </a:stretch>
+          <a:srcRect r="3834"/>
+          <a:stretch/>
         </p:blipFill>
         <p:spPr>
           <a:xfrm>
-            <a:off x="677333" y="1907463"/>
-            <a:ext cx="6539524" cy="1129021"/>
+            <a:off x="1756864" y="1928108"/>
+            <a:ext cx="6288804" cy="1129021"/>
           </a:xfrm>
           <a:prstGeom prst="rect">
             <a:avLst/>
@@ -6973,7 +7802,7 @@
         </p:blipFill>
         <p:spPr>
           <a:xfrm>
-            <a:off x="677333" y="1280760"/>
+            <a:off x="1756864" y="1320800"/>
             <a:ext cx="6288804" cy="621273"/>
           </a:xfrm>
           <a:prstGeom prst="rect">
@@ -7002,7 +7831,7 @@
         </p:blipFill>
         <p:spPr>
           <a:xfrm>
-            <a:off x="677333" y="4691108"/>
+            <a:off x="3358188" y="4691108"/>
             <a:ext cx="3086157" cy="1791332"/>
           </a:xfrm>
           <a:prstGeom prst="rect">
@@ -7031,7 +7860,7 @@
         </p:blipFill>
         <p:spPr>
           <a:xfrm>
-            <a:off x="679165" y="3821517"/>
+            <a:off x="2749706" y="3849466"/>
             <a:ext cx="4451921" cy="869591"/>
           </a:xfrm>
           <a:prstGeom prst="rect">
@@ -7055,7 +7884,7 @@
         </p:nvSpPr>
         <p:spPr>
           <a:xfrm>
-            <a:off x="677333" y="3382740"/>
+            <a:off x="4103113" y="3382740"/>
             <a:ext cx="1596309" cy="466726"/>
           </a:xfrm>
           <a:prstGeom prst="rect">
@@ -7304,10 +8133,10 @@
       </p:sp>
       <p:sp>
         <p:nvSpPr>
-          <p:cNvPr id="18" name="Номер слайда 5">
+          <p:cNvPr id="11" name="Номер слайда 5">
             <a:extLst>
               <a:ext uri="{FF2B5EF4-FFF2-40B4-BE49-F238E27FC236}">
-                <a16:creationId xmlns:a16="http://schemas.microsoft.com/office/drawing/2014/main" id="{1465D2B8-1200-4810-8025-39AE0598DC6D}"/>
+                <a16:creationId xmlns:a16="http://schemas.microsoft.com/office/drawing/2014/main" id="{0C600CD9-D9D8-4844-9218-8789ED67DAF0}"/>
               </a:ext>
             </a:extLst>
           </p:cNvPr>
@@ -7320,8 +8149,8 @@
         </p:nvSpPr>
         <p:spPr>
           <a:xfrm>
-            <a:off x="10700951" y="6041362"/>
-            <a:ext cx="1491049" cy="365125"/>
+            <a:off x="10780933" y="6041362"/>
+            <a:ext cx="1411068" cy="365125"/>
           </a:xfrm>
         </p:spPr>
         <p:txBody>
@@ -7335,7 +8164,7 @@
                 </a:solidFill>
               </a:rPr>
               <a:pPr/>
-              <a:t>12</a:t>
+              <a:t>14</a:t>
             </a:fld>
             <a:r>
               <a:rPr lang="en-US" sz="3600" dirty="0">
@@ -7343,21 +8172,8 @@
                   <a:schemeClr val="bg1"/>
                 </a:solidFill>
               </a:rPr>
-              <a:t>/1</a:t>
-            </a:r>
-            <a:r>
-              <a:rPr lang="ru-RU" sz="3600" dirty="0">
-                <a:solidFill>
-                  <a:schemeClr val="bg1"/>
-                </a:solidFill>
-              </a:rPr>
-              <a:t>6</a:t>
-            </a:r>
-            <a:endParaRPr lang="en-US" sz="3600" dirty="0">
-              <a:solidFill>
-                <a:schemeClr val="bg1"/>
-              </a:solidFill>
-            </a:endParaRPr>
+              <a:t>/20</a:t>
+            </a:r>
           </a:p>
         </p:txBody>
       </p:sp>
@@ -7374,7 +8190,7 @@
 </p:sld>
 </file>
 
-<file path=ppt/slides/slide13.xml><?xml version="1.0" encoding="utf-8"?>
+<file path=ppt/slides/slide15.xml><?xml version="1.0" encoding="utf-8"?>
 <p:sld xmlns:a="http://schemas.openxmlformats.org/drawingml/2006/main" xmlns:r="http://schemas.openxmlformats.org/officeDocument/2006/relationships" xmlns:p="http://schemas.openxmlformats.org/presentationml/2006/main">
   <p:cSld>
     <p:spTree>
@@ -7443,8 +8259,8 @@
         </p:nvSpPr>
         <p:spPr>
           <a:xfrm>
-            <a:off x="590837" y="1488613"/>
-            <a:ext cx="8596668" cy="3880773"/>
+            <a:off x="4307217" y="1121370"/>
+            <a:ext cx="1336902" cy="566671"/>
           </a:xfrm>
         </p:spPr>
         <p:txBody>
@@ -7459,26 +8275,85 @@
           </a:p>
         </p:txBody>
       </p:sp>
-      <p:sp>
-        <p:nvSpPr>
-          <p:cNvPr id="5" name="Номер слайда 5">
+      <p:pic>
+        <p:nvPicPr>
+          <p:cNvPr id="4" name="Рисунок 3">
             <a:extLst>
               <a:ext uri="{FF2B5EF4-FFF2-40B4-BE49-F238E27FC236}">
-                <a16:creationId xmlns:a16="http://schemas.microsoft.com/office/drawing/2014/main" id="{8A13635C-D156-4527-B981-EBC4EEB6672B}"/>
+                <a16:creationId xmlns:a16="http://schemas.microsoft.com/office/drawing/2014/main" id="{401C2BE4-4F75-420A-8E9E-940557334205}"/>
               </a:ext>
             </a:extLst>
           </p:cNvPr>
-          <p:cNvSpPr>
-            <a:spLocks noGrp="1"/>
-          </p:cNvSpPr>
-          <p:nvPr>
-            <p:ph type="sldNum" sz="quarter" idx="12"/>
-          </p:nvPr>
-        </p:nvSpPr>
+          <p:cNvPicPr>
+            <a:picLocks noChangeAspect="1"/>
+          </p:cNvPicPr>
+          <p:nvPr/>
+        </p:nvPicPr>
+        <p:blipFill>
+          <a:blip r:embed="rId2"/>
+          <a:stretch>
+            <a:fillRect/>
+          </a:stretch>
+        </p:blipFill>
         <p:spPr>
           <a:xfrm>
-            <a:off x="10700951" y="6041362"/>
-            <a:ext cx="1491049" cy="365125"/>
+            <a:off x="2558804" y="1867988"/>
+            <a:ext cx="5725720" cy="3122024"/>
+          </a:xfrm>
+          <a:prstGeom prst="rect">
+            <a:avLst/>
+          </a:prstGeom>
+        </p:spPr>
+      </p:pic>
+      <p:pic>
+        <p:nvPicPr>
+          <p:cNvPr id="6" name="Объект 4">
+            <a:extLst>
+              <a:ext uri="{FF2B5EF4-FFF2-40B4-BE49-F238E27FC236}">
+                <a16:creationId xmlns:a16="http://schemas.microsoft.com/office/drawing/2014/main" id="{03BF109D-99A2-41D2-AFF7-571D7C26E245}"/>
+              </a:ext>
+            </a:extLst>
+          </p:cNvPr>
+          <p:cNvPicPr>
+            <a:picLocks noChangeAspect="1"/>
+          </p:cNvPicPr>
+          <p:nvPr/>
+        </p:nvPicPr>
+        <p:blipFill rotWithShape="1">
+          <a:blip r:embed="rId3"/>
+          <a:srcRect t="-1345" r="36260" b="58154"/>
+          <a:stretch/>
+        </p:blipFill>
+        <p:spPr>
+          <a:xfrm>
+            <a:off x="2558804" y="4990012"/>
+            <a:ext cx="5725720" cy="669822"/>
+          </a:xfrm>
+          <a:prstGeom prst="rect">
+            <a:avLst/>
+          </a:prstGeom>
+        </p:spPr>
+      </p:pic>
+      <p:sp>
+        <p:nvSpPr>
+          <p:cNvPr id="7" name="Номер слайда 5">
+            <a:extLst>
+              <a:ext uri="{FF2B5EF4-FFF2-40B4-BE49-F238E27FC236}">
+                <a16:creationId xmlns:a16="http://schemas.microsoft.com/office/drawing/2014/main" id="{9E6C58E2-B050-4C07-ABB0-1C642A541E49}"/>
+              </a:ext>
+            </a:extLst>
+          </p:cNvPr>
+          <p:cNvSpPr>
+            <a:spLocks noGrp="1"/>
+          </p:cNvSpPr>
+          <p:nvPr>
+            <p:ph type="sldNum" sz="quarter" idx="12"/>
+          </p:nvPr>
+        </p:nvSpPr>
+        <p:spPr>
+          <a:xfrm>
+            <a:off x="10780933" y="6041362"/>
+            <a:ext cx="1411068" cy="365125"/>
           </a:xfrm>
         </p:spPr>
         <p:txBody>
@@ -7492,7 +8367,7 @@
                 </a:solidFill>
               </a:rPr>
               <a:pPr/>
-              <a:t>13</a:t>
+              <a:t>15</a:t>
             </a:fld>
             <a:r>
               <a:rPr lang="en-US" sz="3600" dirty="0">
@@ -7500,21 +8375,8 @@
                   <a:schemeClr val="bg1"/>
                 </a:solidFill>
               </a:rPr>
-              <a:t>/1</a:t>
-            </a:r>
-            <a:r>
-              <a:rPr lang="ru-RU" sz="3600" dirty="0">
-                <a:solidFill>
-                  <a:schemeClr val="bg1"/>
-                </a:solidFill>
-              </a:rPr>
-              <a:t>6</a:t>
-            </a:r>
-            <a:endParaRPr lang="en-US" sz="3600" dirty="0">
-              <a:solidFill>
-                <a:schemeClr val="bg1"/>
-              </a:solidFill>
-            </a:endParaRPr>
+              <a:t>/20</a:t>
+            </a:r>
           </a:p>
         </p:txBody>
       </p:sp>
@@ -7531,7 +8393,7 @@
 </p:sld>
 </file>
 
-<file path=ppt/slides/slide14.xml><?xml version="1.0" encoding="utf-8"?>
+<file path=ppt/slides/slide16.xml><?xml version="1.0" encoding="utf-8"?>
 <p:sld xmlns:a="http://schemas.openxmlformats.org/drawingml/2006/main" xmlns:r="http://schemas.openxmlformats.org/officeDocument/2006/relationships" xmlns:p="http://schemas.openxmlformats.org/presentationml/2006/main">
   <p:cSld>
     <p:spTree>
@@ -7566,7 +8428,7 @@
         </p:nvSpPr>
         <p:spPr>
           <a:xfrm>
-            <a:off x="677334" y="-23822"/>
+            <a:off x="677334" y="0"/>
             <a:ext cx="8596668" cy="1320800"/>
           </a:xfrm>
         </p:spPr>
@@ -7726,10 +8588,10 @@
       </p:pic>
       <p:sp>
         <p:nvSpPr>
-          <p:cNvPr id="8" name="Номер слайда 5">
+          <p:cNvPr id="7" name="Номер слайда 5">
             <a:extLst>
               <a:ext uri="{FF2B5EF4-FFF2-40B4-BE49-F238E27FC236}">
-                <a16:creationId xmlns:a16="http://schemas.microsoft.com/office/drawing/2014/main" id="{2602FBB5-337E-4C36-BEC9-4385C258BCF8}"/>
+                <a16:creationId xmlns:a16="http://schemas.microsoft.com/office/drawing/2014/main" id="{1CBD08EC-4E86-4539-A3EA-09D04FA9F4F1}"/>
               </a:ext>
             </a:extLst>
           </p:cNvPr>
@@ -7742,8 +8604,8 @@
         </p:nvSpPr>
         <p:spPr>
           <a:xfrm>
-            <a:off x="10999317" y="6041362"/>
-            <a:ext cx="1192683" cy="365125"/>
+            <a:off x="10780933" y="6041362"/>
+            <a:ext cx="1411068" cy="365125"/>
           </a:xfrm>
         </p:spPr>
         <p:txBody>
@@ -7757,7 +8619,7 @@
                 </a:solidFill>
               </a:rPr>
               <a:pPr/>
-              <a:t>14</a:t>
+              <a:t>16</a:t>
             </a:fld>
             <a:r>
               <a:rPr lang="en-US" sz="3600" dirty="0">
@@ -7765,21 +8627,8 @@
                   <a:schemeClr val="bg1"/>
                 </a:solidFill>
               </a:rPr>
-              <a:t>/1</a:t>
-            </a:r>
-            <a:r>
-              <a:rPr lang="ru-RU" sz="3600" dirty="0">
-                <a:solidFill>
-                  <a:schemeClr val="bg1"/>
-                </a:solidFill>
-              </a:rPr>
-              <a:t>6</a:t>
-            </a:r>
-            <a:endParaRPr lang="en-US" sz="3600" dirty="0">
-              <a:solidFill>
-                <a:schemeClr val="bg1"/>
-              </a:solidFill>
-            </a:endParaRPr>
+              <a:t>/20</a:t>
+            </a:r>
           </a:p>
         </p:txBody>
       </p:sp>
@@ -7796,7 +8645,7 @@
 </p:sld>
 </file>
 
-<file path=ppt/slides/slide15.xml><?xml version="1.0" encoding="utf-8"?>
+<file path=ppt/slides/slide17.xml><?xml version="1.0" encoding="utf-8"?>
 <p:sld xmlns:a="http://schemas.openxmlformats.org/drawingml/2006/main" xmlns:r="http://schemas.openxmlformats.org/officeDocument/2006/relationships" xmlns:p="http://schemas.openxmlformats.org/presentationml/2006/main">
   <p:cSld>
     <p:spTree>
@@ -8225,65 +9074,6 @@
       </p:sp>
       <p:sp>
         <p:nvSpPr>
-          <p:cNvPr id="10" name="Номер слайда 5">
-            <a:extLst>
-              <a:ext uri="{FF2B5EF4-FFF2-40B4-BE49-F238E27FC236}">
-                <a16:creationId xmlns:a16="http://schemas.microsoft.com/office/drawing/2014/main" id="{CAAFCB9D-A848-4C0F-9908-1B6419DDADF5}"/>
-              </a:ext>
-            </a:extLst>
-          </p:cNvPr>
-          <p:cNvSpPr>
-            <a:spLocks noGrp="1"/>
-          </p:cNvSpPr>
-          <p:nvPr>
-            <p:ph type="sldNum" sz="quarter" idx="12"/>
-          </p:nvPr>
-        </p:nvSpPr>
-        <p:spPr>
-          <a:xfrm>
-            <a:off x="10700951" y="6041362"/>
-            <a:ext cx="1491049" cy="365125"/>
-          </a:xfrm>
-        </p:spPr>
-        <p:txBody>
-          <a:bodyPr/>
-          <a:lstStyle/>
-          <a:p>
-            <a:fld id="{D57F1E4F-1CFF-5643-939E-217C01CDF565}" type="slidenum">
-              <a:rPr lang="en-US" sz="3600" smtClean="0">
-                <a:solidFill>
-                  <a:schemeClr val="bg1"/>
-                </a:solidFill>
-              </a:rPr>
-              <a:pPr/>
-              <a:t>15</a:t>
-            </a:fld>
-            <a:r>
-              <a:rPr lang="en-US" sz="3600" dirty="0">
-                <a:solidFill>
-                  <a:schemeClr val="bg1"/>
-                </a:solidFill>
-              </a:rPr>
-              <a:t>/1</a:t>
-            </a:r>
-            <a:r>
-              <a:rPr lang="ru-RU" sz="3600" dirty="0">
-                <a:solidFill>
-                  <a:schemeClr val="bg1"/>
-                </a:solidFill>
-              </a:rPr>
-              <a:t>6</a:t>
-            </a:r>
-            <a:endParaRPr lang="en-US" sz="3600" dirty="0">
-              <a:solidFill>
-                <a:schemeClr val="bg1"/>
-              </a:solidFill>
-            </a:endParaRPr>
-          </a:p>
-        </p:txBody>
-      </p:sp>
-      <p:sp>
-        <p:nvSpPr>
           <p:cNvPr id="8" name="Объект 2">
             <a:extLst>
               <a:ext uri="{FF2B5EF4-FFF2-40B4-BE49-F238E27FC236}">
@@ -8546,6 +9336,52 @@
           </a:p>
         </p:txBody>
       </p:sp>
+      <p:sp>
+        <p:nvSpPr>
+          <p:cNvPr id="11" name="Номер слайда 5">
+            <a:extLst>
+              <a:ext uri="{FF2B5EF4-FFF2-40B4-BE49-F238E27FC236}">
+                <a16:creationId xmlns:a16="http://schemas.microsoft.com/office/drawing/2014/main" id="{0140B511-3401-4A59-9049-30EEF1EF1E8E}"/>
+              </a:ext>
+            </a:extLst>
+          </p:cNvPr>
+          <p:cNvSpPr>
+            <a:spLocks noGrp="1"/>
+          </p:cNvSpPr>
+          <p:nvPr>
+            <p:ph type="sldNum" sz="quarter" idx="12"/>
+          </p:nvPr>
+        </p:nvSpPr>
+        <p:spPr>
+          <a:xfrm>
+            <a:off x="10780933" y="6041362"/>
+            <a:ext cx="1411068" cy="365125"/>
+          </a:xfrm>
+        </p:spPr>
+        <p:txBody>
+          <a:bodyPr/>
+          <a:lstStyle/>
+          <a:p>
+            <a:fld id="{D57F1E4F-1CFF-5643-939E-217C01CDF565}" type="slidenum">
+              <a:rPr lang="en-US" sz="3600" smtClean="0">
+                <a:solidFill>
+                  <a:schemeClr val="bg1"/>
+                </a:solidFill>
+              </a:rPr>
+              <a:pPr/>
+              <a:t>17</a:t>
+            </a:fld>
+            <a:r>
+              <a:rPr lang="en-US" sz="3600" dirty="0">
+                <a:solidFill>
+                  <a:schemeClr val="bg1"/>
+                </a:solidFill>
+              </a:rPr>
+              <a:t>/20</a:t>
+            </a:r>
+          </a:p>
+        </p:txBody>
+      </p:sp>
     </p:spTree>
     <p:extLst>
       <p:ext uri="{BB962C8B-B14F-4D97-AF65-F5344CB8AC3E}">
@@ -8559,7 +9395,247 @@
 </p:sld>
 </file>
 
-<file path=ppt/slides/slide16.xml><?xml version="1.0" encoding="utf-8"?>
+<file path=ppt/slides/slide18.xml><?xml version="1.0" encoding="utf-8"?>
+<p:sld xmlns:a="http://schemas.openxmlformats.org/drawingml/2006/main" xmlns:r="http://schemas.openxmlformats.org/officeDocument/2006/relationships" xmlns:p="http://schemas.openxmlformats.org/presentationml/2006/main">
+  <p:cSld>
+    <p:spTree>
+      <p:nvGrpSpPr>
+        <p:cNvPr id="1" name=""/>
+        <p:cNvGrpSpPr/>
+        <p:nvPr/>
+      </p:nvGrpSpPr>
+      <p:grpSpPr>
+        <a:xfrm>
+          <a:off x="0" y="0"/>
+          <a:ext cx="0" cy="0"/>
+          <a:chOff x="0" y="0"/>
+          <a:chExt cx="0" cy="0"/>
+        </a:xfrm>
+      </p:grpSpPr>
+      <p:sp>
+        <p:nvSpPr>
+          <p:cNvPr id="2" name="Заголовок 1">
+            <a:extLst>
+              <a:ext uri="{FF2B5EF4-FFF2-40B4-BE49-F238E27FC236}">
+                <a16:creationId xmlns:a16="http://schemas.microsoft.com/office/drawing/2014/main" id="{7443E038-3AD3-4787-BBA7-542AD92EB231}"/>
+              </a:ext>
+            </a:extLst>
+          </p:cNvPr>
+          <p:cNvSpPr>
+            <a:spLocks noGrp="1"/>
+          </p:cNvSpPr>
+          <p:nvPr>
+            <p:ph type="title"/>
+          </p:nvPr>
+        </p:nvSpPr>
+        <p:spPr>
+          <a:xfrm>
+            <a:off x="677334" y="0"/>
+            <a:ext cx="8596668" cy="1320800"/>
+          </a:xfrm>
+        </p:spPr>
+        <p:txBody>
+          <a:bodyPr/>
+          <a:lstStyle/>
+          <a:p>
+            <a:pPr algn="ctr"/>
+            <a:r>
+              <a:rPr lang="ru-RU" dirty="0"/>
+              <a:t>Пример работы приложения</a:t>
+            </a:r>
+          </a:p>
+        </p:txBody>
+      </p:sp>
+      <p:sp>
+        <p:nvSpPr>
+          <p:cNvPr id="5" name="Номер слайда 5">
+            <a:extLst>
+              <a:ext uri="{FF2B5EF4-FFF2-40B4-BE49-F238E27FC236}">
+                <a16:creationId xmlns:a16="http://schemas.microsoft.com/office/drawing/2014/main" id="{D82019B0-430B-4224-93F5-18973ACA7C9E}"/>
+              </a:ext>
+            </a:extLst>
+          </p:cNvPr>
+          <p:cNvSpPr txBox="1">
+            <a:spLocks/>
+          </p:cNvSpPr>
+          <p:nvPr/>
+        </p:nvSpPr>
+        <p:spPr>
+          <a:xfrm>
+            <a:off x="10780933" y="6041362"/>
+            <a:ext cx="1411068" cy="365125"/>
+          </a:xfrm>
+          <a:prstGeom prst="rect">
+            <a:avLst/>
+          </a:prstGeom>
+        </p:spPr>
+        <p:txBody>
+          <a:bodyPr vert="horz" lIns="91440" tIns="45720" rIns="91440" bIns="45720" rtlCol="0" anchor="ctr"/>
+          <a:lstStyle>
+            <a:defPPr>
+              <a:defRPr lang="en-US"/>
+            </a:defPPr>
+            <a:lvl1pPr marL="0" algn="r" defTabSz="457200" rtl="0" eaLnBrk="1" latinLnBrk="0" hangingPunct="1">
+              <a:defRPr sz="900" kern="1200">
+                <a:solidFill>
+                  <a:schemeClr val="accent1"/>
+                </a:solidFill>
+                <a:latin typeface="+mn-lt"/>
+                <a:ea typeface="+mn-ea"/>
+                <a:cs typeface="+mn-cs"/>
+              </a:defRPr>
+            </a:lvl1pPr>
+            <a:lvl2pPr marL="457200" algn="l" defTabSz="457200" rtl="0" eaLnBrk="1" latinLnBrk="0" hangingPunct="1">
+              <a:defRPr sz="1800" kern="1200">
+                <a:solidFill>
+                  <a:schemeClr val="tx1"/>
+                </a:solidFill>
+                <a:latin typeface="+mn-lt"/>
+                <a:ea typeface="+mn-ea"/>
+                <a:cs typeface="+mn-cs"/>
+              </a:defRPr>
+            </a:lvl2pPr>
+            <a:lvl3pPr marL="914400" algn="l" defTabSz="457200" rtl="0" eaLnBrk="1" latinLnBrk="0" hangingPunct="1">
+              <a:defRPr sz="1800" kern="1200">
+                <a:solidFill>
+                  <a:schemeClr val="tx1"/>
+                </a:solidFill>
+                <a:latin typeface="+mn-lt"/>
+                <a:ea typeface="+mn-ea"/>
+                <a:cs typeface="+mn-cs"/>
+              </a:defRPr>
+            </a:lvl3pPr>
+            <a:lvl4pPr marL="1371600" algn="l" defTabSz="457200" rtl="0" eaLnBrk="1" latinLnBrk="0" hangingPunct="1">
+              <a:defRPr sz="1800" kern="1200">
+                <a:solidFill>
+                  <a:schemeClr val="tx1"/>
+                </a:solidFill>
+                <a:latin typeface="+mn-lt"/>
+                <a:ea typeface="+mn-ea"/>
+                <a:cs typeface="+mn-cs"/>
+              </a:defRPr>
+            </a:lvl4pPr>
+            <a:lvl5pPr marL="1828800" algn="l" defTabSz="457200" rtl="0" eaLnBrk="1" latinLnBrk="0" hangingPunct="1">
+              <a:defRPr sz="1800" kern="1200">
+                <a:solidFill>
+                  <a:schemeClr val="tx1"/>
+                </a:solidFill>
+                <a:latin typeface="+mn-lt"/>
+                <a:ea typeface="+mn-ea"/>
+                <a:cs typeface="+mn-cs"/>
+              </a:defRPr>
+            </a:lvl5pPr>
+            <a:lvl6pPr marL="2286000" algn="l" defTabSz="457200" rtl="0" eaLnBrk="1" latinLnBrk="0" hangingPunct="1">
+              <a:defRPr sz="1800" kern="1200">
+                <a:solidFill>
+                  <a:schemeClr val="tx1"/>
+                </a:solidFill>
+                <a:latin typeface="+mn-lt"/>
+                <a:ea typeface="+mn-ea"/>
+                <a:cs typeface="+mn-cs"/>
+              </a:defRPr>
+            </a:lvl6pPr>
+            <a:lvl7pPr marL="2743200" algn="l" defTabSz="457200" rtl="0" eaLnBrk="1" latinLnBrk="0" hangingPunct="1">
+              <a:defRPr sz="1800" kern="1200">
+                <a:solidFill>
+                  <a:schemeClr val="tx1"/>
+                </a:solidFill>
+                <a:latin typeface="+mn-lt"/>
+                <a:ea typeface="+mn-ea"/>
+                <a:cs typeface="+mn-cs"/>
+              </a:defRPr>
+            </a:lvl7pPr>
+            <a:lvl8pPr marL="3200400" algn="l" defTabSz="457200" rtl="0" eaLnBrk="1" latinLnBrk="0" hangingPunct="1">
+              <a:defRPr sz="1800" kern="1200">
+                <a:solidFill>
+                  <a:schemeClr val="tx1"/>
+                </a:solidFill>
+                <a:latin typeface="+mn-lt"/>
+                <a:ea typeface="+mn-ea"/>
+                <a:cs typeface="+mn-cs"/>
+              </a:defRPr>
+            </a:lvl8pPr>
+            <a:lvl9pPr marL="3657600" algn="l" defTabSz="457200" rtl="0" eaLnBrk="1" latinLnBrk="0" hangingPunct="1">
+              <a:defRPr sz="1800" kern="1200">
+                <a:solidFill>
+                  <a:schemeClr val="tx1"/>
+                </a:solidFill>
+                <a:latin typeface="+mn-lt"/>
+                <a:ea typeface="+mn-ea"/>
+                <a:cs typeface="+mn-cs"/>
+              </a:defRPr>
+            </a:lvl9pPr>
+          </a:lstStyle>
+          <a:p>
+            <a:fld id="{D57F1E4F-1CFF-5643-939E-217C01CDF565}" type="slidenum">
+              <a:rPr lang="en-US" sz="3600" smtClean="0">
+                <a:solidFill>
+                  <a:schemeClr val="bg1"/>
+                </a:solidFill>
+              </a:rPr>
+              <a:pPr/>
+              <a:t>18</a:t>
+            </a:fld>
+            <a:r>
+              <a:rPr lang="en-US" sz="3600">
+                <a:solidFill>
+                  <a:schemeClr val="bg1"/>
+                </a:solidFill>
+              </a:rPr>
+              <a:t>/20</a:t>
+            </a:r>
+            <a:endParaRPr lang="en-US" sz="3600" dirty="0">
+              <a:solidFill>
+                <a:schemeClr val="bg1"/>
+              </a:solidFill>
+            </a:endParaRPr>
+          </a:p>
+        </p:txBody>
+      </p:sp>
+      <p:pic>
+        <p:nvPicPr>
+          <p:cNvPr id="7" name="Рисунок 6">
+            <a:extLst>
+              <a:ext uri="{FF2B5EF4-FFF2-40B4-BE49-F238E27FC236}">
+                <a16:creationId xmlns:a16="http://schemas.microsoft.com/office/drawing/2014/main" id="{B9051896-2488-498F-98EF-AF2F0784A649}"/>
+              </a:ext>
+            </a:extLst>
+          </p:cNvPr>
+          <p:cNvPicPr>
+            <a:picLocks noChangeAspect="1"/>
+          </p:cNvPicPr>
+          <p:nvPr/>
+        </p:nvPicPr>
+        <p:blipFill>
+          <a:blip r:embed="rId2"/>
+          <a:stretch>
+            <a:fillRect/>
+          </a:stretch>
+        </p:blipFill>
+        <p:spPr>
+          <a:xfrm>
+            <a:off x="312259" y="809938"/>
+            <a:ext cx="9326817" cy="5238124"/>
+          </a:xfrm>
+          <a:prstGeom prst="rect">
+            <a:avLst/>
+          </a:prstGeom>
+        </p:spPr>
+      </p:pic>
+    </p:spTree>
+    <p:extLst>
+      <p:ext uri="{BB962C8B-B14F-4D97-AF65-F5344CB8AC3E}">
+        <p14:creationId xmlns:p14="http://schemas.microsoft.com/office/powerpoint/2010/main" val="4065417658"/>
+      </p:ext>
+    </p:extLst>
+  </p:cSld>
+  <p:clrMapOvr>
+    <a:masterClrMapping/>
+  </p:clrMapOvr>
+</p:sld>
+</file>
+
+<file path=ppt/slides/slide19.xml><?xml version="1.0" encoding="utf-8"?>
 <p:sld xmlns:a="http://schemas.openxmlformats.org/drawingml/2006/main" xmlns:r="http://schemas.openxmlformats.org/officeDocument/2006/relationships" xmlns:p="http://schemas.openxmlformats.org/presentationml/2006/main">
   <p:cSld>
     <p:spTree>
@@ -8671,10 +9747,10 @@
       </p:sp>
       <p:sp>
         <p:nvSpPr>
-          <p:cNvPr id="6" name="Номер слайда 5">
+          <p:cNvPr id="8" name="Номер слайда 5">
             <a:extLst>
               <a:ext uri="{FF2B5EF4-FFF2-40B4-BE49-F238E27FC236}">
-                <a16:creationId xmlns:a16="http://schemas.microsoft.com/office/drawing/2014/main" id="{EE1E64BE-7BBA-4B28-AE0D-5E85B7027A00}"/>
+                <a16:creationId xmlns:a16="http://schemas.microsoft.com/office/drawing/2014/main" id="{B4EC507D-6C2A-4613-918F-149D2DA1327D}"/>
               </a:ext>
             </a:extLst>
           </p:cNvPr>
@@ -8687,8 +9763,8 @@
         </p:nvSpPr>
         <p:spPr>
           <a:xfrm>
-            <a:off x="10700951" y="6041362"/>
-            <a:ext cx="1491049" cy="365125"/>
+            <a:off x="10780933" y="6041362"/>
+            <a:ext cx="1411068" cy="365125"/>
           </a:xfrm>
         </p:spPr>
         <p:txBody>
@@ -8702,7 +9778,7 @@
                 </a:solidFill>
               </a:rPr>
               <a:pPr/>
-              <a:t>16</a:t>
+              <a:t>19</a:t>
             </a:fld>
             <a:r>
               <a:rPr lang="en-US" sz="3600" dirty="0">
@@ -8710,21 +9786,8 @@
                   <a:schemeClr val="bg1"/>
                 </a:solidFill>
               </a:rPr>
-              <a:t>/1</a:t>
-            </a:r>
-            <a:r>
-              <a:rPr lang="ru-RU" sz="3600" dirty="0">
-                <a:solidFill>
-                  <a:schemeClr val="bg1"/>
-                </a:solidFill>
-              </a:rPr>
-              <a:t>6</a:t>
-            </a:r>
-            <a:endParaRPr lang="en-US" sz="3600" dirty="0">
-              <a:solidFill>
-                <a:schemeClr val="bg1"/>
-              </a:solidFill>
-            </a:endParaRPr>
+              <a:t>/20</a:t>
+            </a:r>
           </a:p>
         </p:txBody>
       </p:sp>
@@ -8785,6 +9848,9 @@
           <a:lstStyle/>
           <a:p>
             <a:pPr algn="ctr"/>
+            <a:br>
+              <a:rPr lang="en-US" dirty="0"/>
+            </a:br>
             <a:r>
               <a:rPr lang="ru-RU" dirty="0"/>
               <a:t>Предметная область</a:t>
@@ -8872,21 +9938,8 @@
                   <a:schemeClr val="bg1"/>
                 </a:solidFill>
               </a:rPr>
-              <a:t>/1</a:t>
-            </a:r>
-            <a:r>
-              <a:rPr lang="ru-RU" sz="3600" dirty="0">
-                <a:solidFill>
-                  <a:schemeClr val="bg1"/>
-                </a:solidFill>
-              </a:rPr>
-              <a:t>6</a:t>
-            </a:r>
-            <a:endParaRPr lang="en-US" sz="3600" dirty="0">
-              <a:solidFill>
-                <a:schemeClr val="bg1"/>
-              </a:solidFill>
-            </a:endParaRPr>
+              <a:t>/20</a:t>
+            </a:r>
           </a:p>
         </p:txBody>
       </p:sp>
@@ -8903,7 +9956,668 @@
 </p:sld>
 </file>
 
+<file path=ppt/slides/slide20.xml><?xml version="1.0" encoding="utf-8"?>
+<p:sld xmlns:a="http://schemas.openxmlformats.org/drawingml/2006/main" xmlns:r="http://schemas.openxmlformats.org/officeDocument/2006/relationships" xmlns:p="http://schemas.openxmlformats.org/presentationml/2006/main">
+  <p:cSld>
+    <p:spTree>
+      <p:nvGrpSpPr>
+        <p:cNvPr id="1" name=""/>
+        <p:cNvGrpSpPr/>
+        <p:nvPr/>
+      </p:nvGrpSpPr>
+      <p:grpSpPr>
+        <a:xfrm>
+          <a:off x="0" y="0"/>
+          <a:ext cx="0" cy="0"/>
+          <a:chOff x="0" y="0"/>
+          <a:chExt cx="0" cy="0"/>
+        </a:xfrm>
+      </p:grpSpPr>
+      <p:sp>
+        <p:nvSpPr>
+          <p:cNvPr id="2" name="Заголовок 1"/>
+          <p:cNvSpPr>
+            <a:spLocks noGrp="1"/>
+          </p:cNvSpPr>
+          <p:nvPr>
+            <p:ph type="title"/>
+          </p:nvPr>
+        </p:nvSpPr>
+        <p:spPr>
+          <a:xfrm>
+            <a:off x="677335" y="0"/>
+            <a:ext cx="8596668" cy="956733"/>
+          </a:xfrm>
+        </p:spPr>
+        <p:txBody>
+          <a:bodyPr/>
+          <a:lstStyle/>
+          <a:p>
+            <a:pPr algn="ctr"/>
+            <a:r>
+              <a:rPr lang="ru-RU" dirty="0"/>
+              <a:t>Выводы</a:t>
+            </a:r>
+          </a:p>
+        </p:txBody>
+      </p:sp>
+      <p:sp>
+        <p:nvSpPr>
+          <p:cNvPr id="3" name="Текст 2"/>
+          <p:cNvSpPr>
+            <a:spLocks noGrp="1"/>
+          </p:cNvSpPr>
+          <p:nvPr>
+            <p:ph type="body" idx="1"/>
+          </p:nvPr>
+        </p:nvSpPr>
+        <p:spPr>
+          <a:xfrm>
+            <a:off x="538355" y="1104987"/>
+            <a:ext cx="8874628" cy="5753013"/>
+          </a:xfrm>
+        </p:spPr>
+        <p:txBody>
+          <a:bodyPr>
+            <a:normAutofit/>
+          </a:bodyPr>
+          <a:lstStyle/>
+          <a:p>
+            <a:r>
+              <a:rPr lang="ru-RU" sz="2400" dirty="0">
+                <a:solidFill>
+                  <a:schemeClr val="tx1"/>
+                </a:solidFill>
+              </a:rPr>
+              <a:t>В процессе прохождения курса дисциплины СУБД, были получены навыки разработки баз данных для игры. </a:t>
+            </a:r>
+          </a:p>
+          <a:p>
+            <a:r>
+              <a:rPr lang="ru-RU" sz="2400" dirty="0">
+                <a:solidFill>
+                  <a:schemeClr val="tx1"/>
+                </a:solidFill>
+              </a:rPr>
+              <a:t>Был изучен подход к проектированию приложения, которое может  взаимодействовать с БД (выбирая из нескольких).</a:t>
+            </a:r>
+          </a:p>
+          <a:p>
+            <a:r>
+              <a:rPr lang="ru-RU" sz="2400" dirty="0">
+                <a:solidFill>
+                  <a:schemeClr val="tx1"/>
+                </a:solidFill>
+              </a:rPr>
+              <a:t>Получены навыки разработки игры на </a:t>
+            </a:r>
+            <a:r>
+              <a:rPr lang="ru-RU" sz="2400" dirty="0" err="1">
+                <a:solidFill>
+                  <a:schemeClr val="tx1"/>
+                </a:solidFill>
+              </a:rPr>
+              <a:t>Unity</a:t>
+            </a:r>
+            <a:r>
+              <a:rPr lang="ru-RU" sz="2400" dirty="0">
+                <a:solidFill>
+                  <a:schemeClr val="tx1"/>
+                </a:solidFill>
+              </a:rPr>
+              <a:t> и опыт работы с различными базами данных, в том числе и с </a:t>
+            </a:r>
+            <a:r>
+              <a:rPr lang="ru-RU" sz="2400" dirty="0" err="1">
+                <a:solidFill>
+                  <a:schemeClr val="tx1"/>
+                </a:solidFill>
+              </a:rPr>
+              <a:t>NoSQL</a:t>
+            </a:r>
+            <a:r>
+              <a:rPr lang="ru-RU" sz="2400" dirty="0">
+                <a:solidFill>
+                  <a:schemeClr val="tx1"/>
+                </a:solidFill>
+              </a:rPr>
+              <a:t>.</a:t>
+            </a:r>
+            <a:endParaRPr lang="en-US" sz="2400" dirty="0">
+              <a:solidFill>
+                <a:schemeClr val="tx1"/>
+              </a:solidFill>
+            </a:endParaRPr>
+          </a:p>
+          <a:p>
+            <a:endParaRPr lang="en-US" sz="2400" dirty="0">
+              <a:solidFill>
+                <a:schemeClr val="tx1"/>
+              </a:solidFill>
+            </a:endParaRPr>
+          </a:p>
+          <a:p>
+            <a:endParaRPr lang="ru-RU" sz="2400" dirty="0">
+              <a:solidFill>
+                <a:schemeClr val="tx1"/>
+              </a:solidFill>
+            </a:endParaRPr>
+          </a:p>
+          <a:p>
+            <a:pPr algn="ctr"/>
+            <a:r>
+              <a:rPr lang="ru-RU" sz="2400" dirty="0"/>
+              <a:t>Ссылка на </a:t>
+            </a:r>
+            <a:r>
+              <a:rPr lang="en-US" sz="2400" dirty="0" err="1">
+                <a:solidFill>
+                  <a:srgbClr val="92D050"/>
+                </a:solidFill>
+              </a:rPr>
+              <a:t>Github</a:t>
+            </a:r>
+            <a:endParaRPr lang="ru-RU" sz="2400" dirty="0">
+              <a:solidFill>
+                <a:srgbClr val="92D050"/>
+              </a:solidFill>
+            </a:endParaRPr>
+          </a:p>
+          <a:p>
+            <a:pPr algn="ctr"/>
+            <a:r>
+              <a:rPr lang="ru-RU" sz="2400" dirty="0"/>
+              <a:t>Ссылка на </a:t>
+            </a:r>
+            <a:r>
+              <a:rPr lang="en-US" sz="2400" dirty="0" err="1">
+                <a:hlinkClick r:id="rId2"/>
+              </a:rPr>
+              <a:t>trello</a:t>
+            </a:r>
+            <a:br>
+              <a:rPr lang="ru-RU" sz="2400" dirty="0"/>
+            </a:br>
+            <a:endParaRPr lang="ru-RU" sz="2400" dirty="0"/>
+          </a:p>
+        </p:txBody>
+      </p:sp>
+      <p:sp>
+        <p:nvSpPr>
+          <p:cNvPr id="6" name="Номер слайда 5">
+            <a:extLst>
+              <a:ext uri="{FF2B5EF4-FFF2-40B4-BE49-F238E27FC236}">
+                <a16:creationId xmlns:a16="http://schemas.microsoft.com/office/drawing/2014/main" id="{2E1EC7BE-F621-4633-BEB9-780249360B28}"/>
+              </a:ext>
+            </a:extLst>
+          </p:cNvPr>
+          <p:cNvSpPr>
+            <a:spLocks noGrp="1"/>
+          </p:cNvSpPr>
+          <p:nvPr>
+            <p:ph type="sldNum" sz="quarter" idx="12"/>
+          </p:nvPr>
+        </p:nvSpPr>
+        <p:spPr>
+          <a:xfrm>
+            <a:off x="10780933" y="6041362"/>
+            <a:ext cx="1411068" cy="365125"/>
+          </a:xfrm>
+        </p:spPr>
+        <p:txBody>
+          <a:bodyPr/>
+          <a:lstStyle/>
+          <a:p>
+            <a:fld id="{D57F1E4F-1CFF-5643-939E-217C01CDF565}" type="slidenum">
+              <a:rPr lang="en-US" sz="3600" smtClean="0">
+                <a:solidFill>
+                  <a:schemeClr val="bg1"/>
+                </a:solidFill>
+              </a:rPr>
+              <a:pPr/>
+              <a:t>20</a:t>
+            </a:fld>
+            <a:r>
+              <a:rPr lang="en-US" sz="3600" dirty="0">
+                <a:solidFill>
+                  <a:schemeClr val="bg1"/>
+                </a:solidFill>
+              </a:rPr>
+              <a:t>/20</a:t>
+            </a:r>
+          </a:p>
+        </p:txBody>
+      </p:sp>
+    </p:spTree>
+    <p:extLst>
+      <p:ext uri="{BB962C8B-B14F-4D97-AF65-F5344CB8AC3E}">
+        <p14:creationId xmlns:p14="http://schemas.microsoft.com/office/powerpoint/2010/main" val="620795843"/>
+      </p:ext>
+    </p:extLst>
+  </p:cSld>
+  <p:clrMapOvr>
+    <a:masterClrMapping/>
+  </p:clrMapOvr>
+</p:sld>
+</file>
+
 <file path=ppt/slides/slide3.xml><?xml version="1.0" encoding="utf-8"?>
+<p:sld xmlns:a="http://schemas.openxmlformats.org/drawingml/2006/main" xmlns:r="http://schemas.openxmlformats.org/officeDocument/2006/relationships" xmlns:p="http://schemas.openxmlformats.org/presentationml/2006/main">
+  <p:cSld>
+    <p:spTree>
+      <p:nvGrpSpPr>
+        <p:cNvPr id="1" name=""/>
+        <p:cNvGrpSpPr/>
+        <p:nvPr/>
+      </p:nvGrpSpPr>
+      <p:grpSpPr>
+        <a:xfrm>
+          <a:off x="0" y="0"/>
+          <a:ext cx="0" cy="0"/>
+          <a:chOff x="0" y="0"/>
+          <a:chExt cx="0" cy="0"/>
+        </a:xfrm>
+      </p:grpSpPr>
+      <p:sp>
+        <p:nvSpPr>
+          <p:cNvPr id="2" name="Заголовок 1"/>
+          <p:cNvSpPr>
+            <a:spLocks noGrp="1"/>
+          </p:cNvSpPr>
+          <p:nvPr>
+            <p:ph type="title"/>
+          </p:nvPr>
+        </p:nvSpPr>
+        <p:spPr>
+          <a:xfrm>
+            <a:off x="677334" y="337494"/>
+            <a:ext cx="8596668" cy="675379"/>
+          </a:xfrm>
+        </p:spPr>
+        <p:txBody>
+          <a:bodyPr>
+            <a:normAutofit fontScale="90000"/>
+          </a:bodyPr>
+          <a:lstStyle/>
+          <a:p>
+            <a:r>
+              <a:rPr lang="ru-RU" dirty="0"/>
+              <a:t>Цели и задачи работы</a:t>
+            </a:r>
+          </a:p>
+        </p:txBody>
+      </p:sp>
+      <p:sp>
+        <p:nvSpPr>
+          <p:cNvPr id="3" name="Текст 2"/>
+          <p:cNvSpPr>
+            <a:spLocks noGrp="1"/>
+          </p:cNvSpPr>
+          <p:nvPr>
+            <p:ph type="body" idx="1"/>
+          </p:nvPr>
+        </p:nvSpPr>
+        <p:spPr>
+          <a:xfrm>
+            <a:off x="677333" y="1362217"/>
+            <a:ext cx="9957841" cy="5044270"/>
+          </a:xfrm>
+        </p:spPr>
+        <p:txBody>
+          <a:bodyPr>
+            <a:normAutofit/>
+          </a:bodyPr>
+          <a:lstStyle/>
+          <a:p>
+            <a:pPr>
+              <a:spcBef>
+                <a:spcPts val="0"/>
+              </a:spcBef>
+              <a:spcAft>
+                <a:spcPts val="1600"/>
+              </a:spcAft>
+            </a:pPr>
+            <a:r>
+              <a:rPr lang="ru-RU" sz="3000" dirty="0">
+                <a:solidFill>
+                  <a:srgbClr val="000000"/>
+                </a:solidFill>
+                <a:latin typeface="+mj-lt"/>
+              </a:rPr>
+              <a:t>Целью данной работы является создание БД игровых компонентов для игры </a:t>
+            </a:r>
+            <a:r>
+              <a:rPr lang="en-US" sz="3000" dirty="0">
+                <a:solidFill>
+                  <a:srgbClr val="000000"/>
+                </a:solidFill>
+                <a:latin typeface="+mj-lt"/>
+              </a:rPr>
+              <a:t>Leave the Island</a:t>
+            </a:r>
+            <a:r>
+              <a:rPr lang="ru-RU" sz="3000" dirty="0">
+                <a:solidFill>
+                  <a:srgbClr val="000000"/>
+                </a:solidFill>
+                <a:latin typeface="+mj-lt"/>
+              </a:rPr>
+              <a:t>.</a:t>
+            </a:r>
+            <a:endParaRPr lang="ru-RU" sz="3000" dirty="0">
+              <a:latin typeface="+mj-lt"/>
+            </a:endParaRPr>
+          </a:p>
+          <a:p>
+            <a:pPr>
+              <a:spcBef>
+                <a:spcPts val="0"/>
+              </a:spcBef>
+              <a:spcAft>
+                <a:spcPts val="1600"/>
+              </a:spcAft>
+            </a:pPr>
+            <a:r>
+              <a:rPr lang="ru-RU" sz="3000" dirty="0">
+                <a:solidFill>
+                  <a:srgbClr val="000000"/>
+                </a:solidFill>
+                <a:latin typeface="+mj-lt"/>
+              </a:rPr>
+              <a:t>Задачи: Необходимо обеспечить:</a:t>
+            </a:r>
+            <a:endParaRPr lang="ru-RU" sz="3000" dirty="0">
+              <a:latin typeface="+mj-lt"/>
+            </a:endParaRPr>
+          </a:p>
+          <a:p>
+            <a:pPr>
+              <a:spcBef>
+                <a:spcPts val="0"/>
+              </a:spcBef>
+              <a:spcAft>
+                <a:spcPts val="1600"/>
+              </a:spcAft>
+            </a:pPr>
+            <a:r>
+              <a:rPr lang="ru-RU" sz="3000" dirty="0">
+                <a:solidFill>
+                  <a:srgbClr val="000000"/>
+                </a:solidFill>
+                <a:latin typeface="+mj-lt"/>
+              </a:rPr>
+              <a:t>- подключение всех БД к игре;</a:t>
+            </a:r>
+            <a:endParaRPr lang="ru-RU" sz="3000" dirty="0">
+              <a:latin typeface="+mj-lt"/>
+            </a:endParaRPr>
+          </a:p>
+          <a:p>
+            <a:pPr>
+              <a:spcBef>
+                <a:spcPts val="0"/>
+              </a:spcBef>
+              <a:spcAft>
+                <a:spcPts val="1600"/>
+              </a:spcAft>
+            </a:pPr>
+            <a:r>
+              <a:rPr lang="ru-RU" sz="3000" dirty="0">
+                <a:solidFill>
+                  <a:srgbClr val="000000"/>
+                </a:solidFill>
+                <a:latin typeface="+mj-lt"/>
+              </a:rPr>
+              <a:t>- просмотр записей в БД. </a:t>
+            </a:r>
+            <a:endParaRPr lang="ru-RU" sz="3000" dirty="0">
+              <a:latin typeface="+mj-lt"/>
+            </a:endParaRPr>
+          </a:p>
+          <a:p>
+            <a:br>
+              <a:rPr lang="ru-RU" dirty="0"/>
+            </a:br>
+            <a:endParaRPr lang="ru-RU" dirty="0"/>
+          </a:p>
+        </p:txBody>
+      </p:sp>
+      <p:sp>
+        <p:nvSpPr>
+          <p:cNvPr id="6" name="Номер слайда 5">
+            <a:extLst>
+              <a:ext uri="{FF2B5EF4-FFF2-40B4-BE49-F238E27FC236}">
+                <a16:creationId xmlns:a16="http://schemas.microsoft.com/office/drawing/2014/main" id="{466180CD-5821-4B3F-82BE-0D1EFB847697}"/>
+              </a:ext>
+            </a:extLst>
+          </p:cNvPr>
+          <p:cNvSpPr>
+            <a:spLocks noGrp="1"/>
+          </p:cNvSpPr>
+          <p:nvPr>
+            <p:ph type="sldNum" sz="quarter" idx="12"/>
+          </p:nvPr>
+        </p:nvSpPr>
+        <p:spPr>
+          <a:xfrm>
+            <a:off x="10999317" y="6041362"/>
+            <a:ext cx="1192683" cy="365125"/>
+          </a:xfrm>
+        </p:spPr>
+        <p:txBody>
+          <a:bodyPr/>
+          <a:lstStyle/>
+          <a:p>
+            <a:fld id="{D57F1E4F-1CFF-5643-939E-217C01CDF565}" type="slidenum">
+              <a:rPr lang="en-US" sz="3600" smtClean="0">
+                <a:solidFill>
+                  <a:schemeClr val="bg1"/>
+                </a:solidFill>
+              </a:rPr>
+              <a:pPr/>
+              <a:t>3</a:t>
+            </a:fld>
+            <a:r>
+              <a:rPr lang="en-US" sz="3600" dirty="0">
+                <a:solidFill>
+                  <a:schemeClr val="bg1"/>
+                </a:solidFill>
+              </a:rPr>
+              <a:t>/20</a:t>
+            </a:r>
+          </a:p>
+        </p:txBody>
+      </p:sp>
+    </p:spTree>
+    <p:extLst>
+      <p:ext uri="{BB962C8B-B14F-4D97-AF65-F5344CB8AC3E}">
+        <p14:creationId xmlns:p14="http://schemas.microsoft.com/office/powerpoint/2010/main" val="1360728437"/>
+      </p:ext>
+    </p:extLst>
+  </p:cSld>
+  <p:clrMapOvr>
+    <a:masterClrMapping/>
+  </p:clrMapOvr>
+</p:sld>
+</file>
+
+<file path=ppt/slides/slide4.xml><?xml version="1.0" encoding="utf-8"?>
+<p:sld xmlns:a="http://schemas.openxmlformats.org/drawingml/2006/main" xmlns:r="http://schemas.openxmlformats.org/officeDocument/2006/relationships" xmlns:p="http://schemas.openxmlformats.org/presentationml/2006/main">
+  <p:cSld>
+    <p:spTree>
+      <p:nvGrpSpPr>
+        <p:cNvPr id="1" name=""/>
+        <p:cNvGrpSpPr/>
+        <p:nvPr/>
+      </p:nvGrpSpPr>
+      <p:grpSpPr>
+        <a:xfrm>
+          <a:off x="0" y="0"/>
+          <a:ext cx="0" cy="0"/>
+          <a:chOff x="0" y="0"/>
+          <a:chExt cx="0" cy="0"/>
+        </a:xfrm>
+      </p:grpSpPr>
+      <p:sp>
+        <p:nvSpPr>
+          <p:cNvPr id="2" name="Заголовок 1"/>
+          <p:cNvSpPr>
+            <a:spLocks noGrp="1"/>
+          </p:cNvSpPr>
+          <p:nvPr>
+            <p:ph type="title"/>
+          </p:nvPr>
+        </p:nvSpPr>
+        <p:spPr>
+          <a:xfrm>
+            <a:off x="677334" y="281225"/>
+            <a:ext cx="8596668" cy="914530"/>
+          </a:xfrm>
+        </p:spPr>
+        <p:txBody>
+          <a:bodyPr/>
+          <a:lstStyle/>
+          <a:p>
+            <a:r>
+              <a:rPr lang="ru-RU" dirty="0"/>
+              <a:t>Требования к работе</a:t>
+            </a:r>
+          </a:p>
+        </p:txBody>
+      </p:sp>
+      <p:sp>
+        <p:nvSpPr>
+          <p:cNvPr id="3" name="Текст 2"/>
+          <p:cNvSpPr>
+            <a:spLocks noGrp="1"/>
+          </p:cNvSpPr>
+          <p:nvPr>
+            <p:ph type="body" idx="1"/>
+          </p:nvPr>
+        </p:nvSpPr>
+        <p:spPr>
+          <a:xfrm>
+            <a:off x="677335" y="1674055"/>
+            <a:ext cx="8596668" cy="4732432"/>
+          </a:xfrm>
+        </p:spPr>
+        <p:txBody>
+          <a:bodyPr/>
+          <a:lstStyle/>
+          <a:p>
+            <a:pPr fontAlgn="base"/>
+            <a:r>
+              <a:rPr lang="ru-RU" sz="3500" dirty="0">
+                <a:solidFill>
+                  <a:schemeClr val="tx1"/>
+                </a:solidFill>
+              </a:rPr>
+              <a:t>- Необходимо создать приложение с различными БД;</a:t>
+            </a:r>
+          </a:p>
+          <a:p>
+            <a:pPr fontAlgn="base"/>
+            <a:r>
+              <a:rPr lang="ru-RU" sz="3500" dirty="0">
+                <a:solidFill>
+                  <a:schemeClr val="tx1"/>
+                </a:solidFill>
+              </a:rPr>
+              <a:t>- Одна из БД должна быть </a:t>
+            </a:r>
+            <a:r>
+              <a:rPr lang="ru-RU" sz="3500" dirty="0" err="1">
+                <a:solidFill>
+                  <a:schemeClr val="tx1"/>
+                </a:solidFill>
+              </a:rPr>
+              <a:t>NoSQL</a:t>
+            </a:r>
+            <a:r>
+              <a:rPr lang="ru-RU" sz="3500" dirty="0">
+                <a:solidFill>
+                  <a:schemeClr val="tx1"/>
+                </a:solidFill>
+              </a:rPr>
+              <a:t>;</a:t>
+            </a:r>
+          </a:p>
+          <a:p>
+            <a:pPr fontAlgn="base"/>
+            <a:r>
+              <a:rPr lang="ru-RU" sz="3500" dirty="0">
+                <a:solidFill>
+                  <a:schemeClr val="tx1"/>
+                </a:solidFill>
+              </a:rPr>
+              <a:t>- В приложении должна быть возможность выбора базы данных;</a:t>
+            </a:r>
+          </a:p>
+          <a:p>
+            <a:endParaRPr lang="ru-RU" dirty="0"/>
+          </a:p>
+        </p:txBody>
+      </p:sp>
+      <p:sp>
+        <p:nvSpPr>
+          <p:cNvPr id="6" name="Номер слайда 5">
+            <a:extLst>
+              <a:ext uri="{FF2B5EF4-FFF2-40B4-BE49-F238E27FC236}">
+                <a16:creationId xmlns:a16="http://schemas.microsoft.com/office/drawing/2014/main" id="{8A9ECD04-9559-4C7B-9FE9-88922B3149D7}"/>
+              </a:ext>
+            </a:extLst>
+          </p:cNvPr>
+          <p:cNvSpPr>
+            <a:spLocks noGrp="1"/>
+          </p:cNvSpPr>
+          <p:nvPr>
+            <p:ph type="sldNum" sz="quarter" idx="12"/>
+          </p:nvPr>
+        </p:nvSpPr>
+        <p:spPr>
+          <a:xfrm>
+            <a:off x="10999317" y="6041362"/>
+            <a:ext cx="1192683" cy="365125"/>
+          </a:xfrm>
+        </p:spPr>
+        <p:txBody>
+          <a:bodyPr/>
+          <a:lstStyle/>
+          <a:p>
+            <a:fld id="{D57F1E4F-1CFF-5643-939E-217C01CDF565}" type="slidenum">
+              <a:rPr lang="en-US" sz="3600" smtClean="0">
+                <a:solidFill>
+                  <a:schemeClr val="bg1"/>
+                </a:solidFill>
+              </a:rPr>
+              <a:pPr/>
+              <a:t>4</a:t>
+            </a:fld>
+            <a:r>
+              <a:rPr lang="en-US" sz="3600" dirty="0">
+                <a:solidFill>
+                  <a:schemeClr val="bg1"/>
+                </a:solidFill>
+              </a:rPr>
+              <a:t>/20</a:t>
+            </a:r>
+          </a:p>
+        </p:txBody>
+      </p:sp>
+    </p:spTree>
+    <p:extLst>
+      <p:ext uri="{BB962C8B-B14F-4D97-AF65-F5344CB8AC3E}">
+        <p14:creationId xmlns:p14="http://schemas.microsoft.com/office/powerpoint/2010/main" val="3918525487"/>
+      </p:ext>
+    </p:extLst>
+  </p:cSld>
+  <p:clrMapOvr>
+    <a:masterClrMapping/>
+  </p:clrMapOvr>
+</p:sld>
+</file>
+
+<file path=ppt/slides/slide5.xml><?xml version="1.0" encoding="utf-8"?>
 <p:sld xmlns:a="http://schemas.openxmlformats.org/drawingml/2006/main" xmlns:r="http://schemas.openxmlformats.org/officeDocument/2006/relationships" xmlns:p="http://schemas.openxmlformats.org/presentationml/2006/main">
   <p:cSld>
     <p:spTree>
@@ -9048,65 +10762,6 @@
           </a:extLst>
         </p:spPr>
       </p:pic>
-      <p:sp>
-        <p:nvSpPr>
-          <p:cNvPr id="8" name="Номер слайда 5">
-            <a:extLst>
-              <a:ext uri="{FF2B5EF4-FFF2-40B4-BE49-F238E27FC236}">
-                <a16:creationId xmlns:a16="http://schemas.microsoft.com/office/drawing/2014/main" id="{2D529321-4EC6-4C75-99B7-481CC3D00C6A}"/>
-              </a:ext>
-            </a:extLst>
-          </p:cNvPr>
-          <p:cNvSpPr>
-            <a:spLocks noGrp="1"/>
-          </p:cNvSpPr>
-          <p:nvPr>
-            <p:ph type="sldNum" sz="quarter" idx="12"/>
-          </p:nvPr>
-        </p:nvSpPr>
-        <p:spPr>
-          <a:xfrm>
-            <a:off x="10999317" y="6041362"/>
-            <a:ext cx="1192683" cy="365125"/>
-          </a:xfrm>
-        </p:spPr>
-        <p:txBody>
-          <a:bodyPr/>
-          <a:lstStyle/>
-          <a:p>
-            <a:fld id="{D57F1E4F-1CFF-5643-939E-217C01CDF565}" type="slidenum">
-              <a:rPr lang="en-US" sz="3600" smtClean="0">
-                <a:solidFill>
-                  <a:schemeClr val="bg1"/>
-                </a:solidFill>
-              </a:rPr>
-              <a:pPr/>
-              <a:t>3</a:t>
-            </a:fld>
-            <a:r>
-              <a:rPr lang="en-US" sz="3600" dirty="0">
-                <a:solidFill>
-                  <a:schemeClr val="bg1"/>
-                </a:solidFill>
-              </a:rPr>
-              <a:t>/1</a:t>
-            </a:r>
-            <a:r>
-              <a:rPr lang="ru-RU" sz="3600" dirty="0">
-                <a:solidFill>
-                  <a:schemeClr val="bg1"/>
-                </a:solidFill>
-              </a:rPr>
-              <a:t>6</a:t>
-            </a:r>
-            <a:endParaRPr lang="en-US" sz="3600" dirty="0">
-              <a:solidFill>
-                <a:schemeClr val="bg1"/>
-              </a:solidFill>
-            </a:endParaRPr>
-          </a:p>
-        </p:txBody>
-      </p:sp>
       <p:pic>
         <p:nvPicPr>
           <p:cNvPr id="1026" name="Picture 2" descr="ÐÐ°ÑÑÐ¸Ð½ÐºÐ¸ Ð¿Ð¾ Ð·Ð°Ð¿ÑÐ¾ÑÑ sqlite">
@@ -9154,6 +10809,52 @@
           </a:extLst>
         </p:spPr>
       </p:pic>
+      <p:sp>
+        <p:nvSpPr>
+          <p:cNvPr id="7" name="Номер слайда 5">
+            <a:extLst>
+              <a:ext uri="{FF2B5EF4-FFF2-40B4-BE49-F238E27FC236}">
+                <a16:creationId xmlns:a16="http://schemas.microsoft.com/office/drawing/2014/main" id="{E6BBF542-7BF5-4C4B-AA0F-8554297C131B}"/>
+              </a:ext>
+            </a:extLst>
+          </p:cNvPr>
+          <p:cNvSpPr>
+            <a:spLocks noGrp="1"/>
+          </p:cNvSpPr>
+          <p:nvPr>
+            <p:ph type="sldNum" sz="quarter" idx="12"/>
+          </p:nvPr>
+        </p:nvSpPr>
+        <p:spPr>
+          <a:xfrm>
+            <a:off x="10999317" y="6041362"/>
+            <a:ext cx="1192683" cy="365125"/>
+          </a:xfrm>
+        </p:spPr>
+        <p:txBody>
+          <a:bodyPr/>
+          <a:lstStyle/>
+          <a:p>
+            <a:fld id="{D57F1E4F-1CFF-5643-939E-217C01CDF565}" type="slidenum">
+              <a:rPr lang="en-US" sz="3600" smtClean="0">
+                <a:solidFill>
+                  <a:schemeClr val="bg1"/>
+                </a:solidFill>
+              </a:rPr>
+              <a:pPr/>
+              <a:t>5</a:t>
+            </a:fld>
+            <a:r>
+              <a:rPr lang="en-US" sz="3600" dirty="0">
+                <a:solidFill>
+                  <a:schemeClr val="bg1"/>
+                </a:solidFill>
+              </a:rPr>
+              <a:t>/20</a:t>
+            </a:r>
+          </a:p>
+        </p:txBody>
+      </p:sp>
     </p:spTree>
     <p:extLst>
       <p:ext uri="{BB962C8B-B14F-4D97-AF65-F5344CB8AC3E}">
@@ -9167,7 +10868,7 @@
 </p:sld>
 </file>
 
-<file path=ppt/slides/slide4.xml><?xml version="1.0" encoding="utf-8"?>
+<file path=ppt/slides/slide6.xml><?xml version="1.0" encoding="utf-8"?>
 <p:sld xmlns:a="http://schemas.openxmlformats.org/drawingml/2006/main" xmlns:r="http://schemas.openxmlformats.org/officeDocument/2006/relationships" xmlns:p="http://schemas.openxmlformats.org/presentationml/2006/main">
   <p:cSld>
     <p:spTree>
@@ -9882,13 +11583,6 @@
               <a:buFont typeface="Arial" panose="020B0604020202020204" pitchFamily="34" charset="0"/>
               <a:buChar char="•"/>
             </a:pPr>
-            <a:endParaRPr lang="ru-RU" sz="2000" dirty="0"/>
-          </a:p>
-          <a:p>
-            <a:pPr algn="ctr">
-              <a:buFont typeface="Arial" panose="020B0604020202020204" pitchFamily="34" charset="0"/>
-              <a:buChar char="•"/>
-            </a:pPr>
             <a:r>
               <a:rPr lang="ru-RU" sz="2000" dirty="0"/>
               <a:t>Администрирование </a:t>
@@ -9909,10 +11603,10 @@
       </p:sp>
       <p:sp>
         <p:nvSpPr>
-          <p:cNvPr id="9" name="Номер слайда 5">
+          <p:cNvPr id="7" name="Номер слайда 5">
             <a:extLst>
               <a:ext uri="{FF2B5EF4-FFF2-40B4-BE49-F238E27FC236}">
-                <a16:creationId xmlns:a16="http://schemas.microsoft.com/office/drawing/2014/main" id="{573359E6-FDE5-457F-8032-91A1E804C5DC}"/>
+                <a16:creationId xmlns:a16="http://schemas.microsoft.com/office/drawing/2014/main" id="{5E0F90FC-1597-4E62-BF22-9E6B8BE08F20}"/>
               </a:ext>
             </a:extLst>
           </p:cNvPr>
@@ -9940,7 +11634,7 @@
                 </a:solidFill>
               </a:rPr>
               <a:pPr/>
-              <a:t>4</a:t>
+              <a:t>6</a:t>
             </a:fld>
             <a:r>
               <a:rPr lang="en-US" sz="3600" dirty="0">
@@ -9948,21 +11642,8 @@
                   <a:schemeClr val="bg1"/>
                 </a:solidFill>
               </a:rPr>
-              <a:t>/1</a:t>
-            </a:r>
-            <a:r>
-              <a:rPr lang="ru-RU" sz="3600" dirty="0">
-                <a:solidFill>
-                  <a:schemeClr val="bg1"/>
-                </a:solidFill>
-              </a:rPr>
-              <a:t>6</a:t>
-            </a:r>
-            <a:endParaRPr lang="en-US" sz="3600" dirty="0">
-              <a:solidFill>
-                <a:schemeClr val="bg1"/>
-              </a:solidFill>
-            </a:endParaRPr>
+              <a:t>/20</a:t>
+            </a:r>
           </a:p>
         </p:txBody>
       </p:sp>
@@ -9979,7 +11660,7 @@
 </p:sld>
 </file>
 
-<file path=ppt/slides/slide5.xml><?xml version="1.0" encoding="utf-8"?>
+<file path=ppt/slides/slide7.xml><?xml version="1.0" encoding="utf-8"?>
 <p:sld xmlns:a="http://schemas.openxmlformats.org/drawingml/2006/main" xmlns:r="http://schemas.openxmlformats.org/officeDocument/2006/relationships" xmlns:p="http://schemas.openxmlformats.org/presentationml/2006/main">
   <p:cSld>
     <p:spTree>
@@ -10767,10 +12448,10 @@
       </p:pic>
       <p:sp>
         <p:nvSpPr>
-          <p:cNvPr id="12" name="Номер слайда 5">
+          <p:cNvPr id="13" name="Номер слайда 5">
             <a:extLst>
               <a:ext uri="{FF2B5EF4-FFF2-40B4-BE49-F238E27FC236}">
-                <a16:creationId xmlns:a16="http://schemas.microsoft.com/office/drawing/2014/main" id="{FA00E5F8-E195-4769-BADA-A89E112FBD60}"/>
+                <a16:creationId xmlns:a16="http://schemas.microsoft.com/office/drawing/2014/main" id="{CAB50ADB-80C9-4A63-A4A5-49620093D64C}"/>
               </a:ext>
             </a:extLst>
           </p:cNvPr>
@@ -10798,7 +12479,7 @@
                 </a:solidFill>
               </a:rPr>
               <a:pPr/>
-              <a:t>5</a:t>
+              <a:t>7</a:t>
             </a:fld>
             <a:r>
               <a:rPr lang="en-US" sz="3600" dirty="0">
@@ -10806,21 +12487,8 @@
                   <a:schemeClr val="bg1"/>
                 </a:solidFill>
               </a:rPr>
-              <a:t>/1</a:t>
-            </a:r>
-            <a:r>
-              <a:rPr lang="ru-RU" sz="3600" dirty="0">
-                <a:solidFill>
-                  <a:schemeClr val="bg1"/>
-                </a:solidFill>
-              </a:rPr>
-              <a:t>6</a:t>
-            </a:r>
-            <a:endParaRPr lang="en-US" sz="3600" dirty="0">
-              <a:solidFill>
-                <a:schemeClr val="bg1"/>
-              </a:solidFill>
-            </a:endParaRPr>
+              <a:t>/20</a:t>
+            </a:r>
           </a:p>
         </p:txBody>
       </p:sp>
@@ -10828,402 +12496,6 @@
     <p:extLst>
       <p:ext uri="{BB962C8B-B14F-4D97-AF65-F5344CB8AC3E}">
         <p14:creationId xmlns:p14="http://schemas.microsoft.com/office/powerpoint/2010/main" val="3584036860"/>
-      </p:ext>
-    </p:extLst>
-  </p:cSld>
-  <p:clrMapOvr>
-    <a:masterClrMapping/>
-  </p:clrMapOvr>
-</p:sld>
-</file>
-
-<file path=ppt/slides/slide6.xml><?xml version="1.0" encoding="utf-8"?>
-<p:sld xmlns:a="http://schemas.openxmlformats.org/drawingml/2006/main" xmlns:r="http://schemas.openxmlformats.org/officeDocument/2006/relationships" xmlns:p="http://schemas.openxmlformats.org/presentationml/2006/main">
-  <p:cSld>
-    <p:spTree>
-      <p:nvGrpSpPr>
-        <p:cNvPr id="1" name=""/>
-        <p:cNvGrpSpPr/>
-        <p:nvPr/>
-      </p:nvGrpSpPr>
-      <p:grpSpPr>
-        <a:xfrm>
-          <a:off x="0" y="0"/>
-          <a:ext cx="0" cy="0"/>
-          <a:chOff x="0" y="0"/>
-          <a:chExt cx="0" cy="0"/>
-        </a:xfrm>
-      </p:grpSpPr>
-      <p:sp>
-        <p:nvSpPr>
-          <p:cNvPr id="2" name="Заголовок 1">
-            <a:extLst>
-              <a:ext uri="{FF2B5EF4-FFF2-40B4-BE49-F238E27FC236}">
-                <a16:creationId xmlns:a16="http://schemas.microsoft.com/office/drawing/2014/main" id="{880A8314-2189-465F-A3D4-C6195758EAE5}"/>
-              </a:ext>
-            </a:extLst>
-          </p:cNvPr>
-          <p:cNvSpPr>
-            <a:spLocks noGrp="1"/>
-          </p:cNvSpPr>
-          <p:nvPr>
-            <p:ph type="title"/>
-          </p:nvPr>
-        </p:nvSpPr>
-        <p:spPr>
-          <a:xfrm>
-            <a:off x="677334" y="0"/>
-            <a:ext cx="8596668" cy="1320800"/>
-          </a:xfrm>
-        </p:spPr>
-        <p:txBody>
-          <a:bodyPr/>
-          <a:lstStyle/>
-          <a:p>
-            <a:pPr algn="ctr"/>
-            <a:r>
-              <a:rPr lang="ru-RU" dirty="0"/>
-              <a:t>Описание хранимых данных в</a:t>
-            </a:r>
-            <a:br>
-              <a:rPr lang="ru-RU" dirty="0"/>
-            </a:br>
-            <a:r>
-              <a:rPr lang="ru-RU" dirty="0"/>
-              <a:t>каждой из используемых БД</a:t>
-            </a:r>
-          </a:p>
-        </p:txBody>
-      </p:sp>
-      <p:sp>
-        <p:nvSpPr>
-          <p:cNvPr id="3" name="Объект 2">
-            <a:extLst>
-              <a:ext uri="{FF2B5EF4-FFF2-40B4-BE49-F238E27FC236}">
-                <a16:creationId xmlns:a16="http://schemas.microsoft.com/office/drawing/2014/main" id="{E9D633EE-5329-4FC6-A6D9-960C6AC57103}"/>
-              </a:ext>
-            </a:extLst>
-          </p:cNvPr>
-          <p:cNvSpPr>
-            <a:spLocks noGrp="1"/>
-          </p:cNvSpPr>
-          <p:nvPr>
-            <p:ph idx="1"/>
-          </p:nvPr>
-        </p:nvSpPr>
-        <p:spPr>
-          <a:xfrm>
-            <a:off x="3462881" y="1789886"/>
-            <a:ext cx="3025574" cy="3850481"/>
-          </a:xfrm>
-        </p:spPr>
-        <p:txBody>
-          <a:bodyPr>
-            <a:normAutofit/>
-          </a:bodyPr>
-          <a:lstStyle/>
-          <a:p>
-            <a:r>
-              <a:rPr lang="ru-RU" sz="3900" dirty="0"/>
-              <a:t>Персонаж</a:t>
-            </a:r>
-          </a:p>
-          <a:p>
-            <a:r>
-              <a:rPr lang="ru-RU" sz="3900" dirty="0"/>
-              <a:t>Сюжет</a:t>
-            </a:r>
-          </a:p>
-          <a:p>
-            <a:r>
-              <a:rPr lang="ru-RU" sz="3900" dirty="0"/>
-              <a:t>Звук</a:t>
-            </a:r>
-          </a:p>
-          <a:p>
-            <a:r>
-              <a:rPr lang="ru-RU" sz="3900" dirty="0"/>
-              <a:t>Записки</a:t>
-            </a:r>
-          </a:p>
-          <a:p>
-            <a:r>
-              <a:rPr lang="ru-RU" sz="3900" dirty="0"/>
-              <a:t>Концовки</a:t>
-            </a:r>
-          </a:p>
-          <a:p>
-            <a:endParaRPr lang="ru-RU" sz="3600" dirty="0"/>
-          </a:p>
-        </p:txBody>
-      </p:sp>
-      <p:sp>
-        <p:nvSpPr>
-          <p:cNvPr id="6" name="Номер слайда 5">
-            <a:extLst>
-              <a:ext uri="{FF2B5EF4-FFF2-40B4-BE49-F238E27FC236}">
-                <a16:creationId xmlns:a16="http://schemas.microsoft.com/office/drawing/2014/main" id="{35DB0B31-6320-4583-9179-4FCE5E2052B1}"/>
-              </a:ext>
-            </a:extLst>
-          </p:cNvPr>
-          <p:cNvSpPr>
-            <a:spLocks noGrp="1"/>
-          </p:cNvSpPr>
-          <p:nvPr>
-            <p:ph type="sldNum" sz="quarter" idx="12"/>
-          </p:nvPr>
-        </p:nvSpPr>
-        <p:spPr>
-          <a:xfrm>
-            <a:off x="10999317" y="6041362"/>
-            <a:ext cx="1192683" cy="365125"/>
-          </a:xfrm>
-        </p:spPr>
-        <p:txBody>
-          <a:bodyPr/>
-          <a:lstStyle/>
-          <a:p>
-            <a:fld id="{D57F1E4F-1CFF-5643-939E-217C01CDF565}" type="slidenum">
-              <a:rPr lang="en-US" sz="3600" smtClean="0">
-                <a:solidFill>
-                  <a:schemeClr val="bg1"/>
-                </a:solidFill>
-              </a:rPr>
-              <a:pPr/>
-              <a:t>6</a:t>
-            </a:fld>
-            <a:r>
-              <a:rPr lang="en-US" sz="3600" dirty="0">
-                <a:solidFill>
-                  <a:schemeClr val="bg1"/>
-                </a:solidFill>
-              </a:rPr>
-              <a:t>/1</a:t>
-            </a:r>
-            <a:r>
-              <a:rPr lang="ru-RU" sz="3600" dirty="0">
-                <a:solidFill>
-                  <a:schemeClr val="bg1"/>
-                </a:solidFill>
-              </a:rPr>
-              <a:t>6</a:t>
-            </a:r>
-            <a:endParaRPr lang="en-US" sz="3600" dirty="0">
-              <a:solidFill>
-                <a:schemeClr val="bg1"/>
-              </a:solidFill>
-            </a:endParaRPr>
-          </a:p>
-        </p:txBody>
-      </p:sp>
-    </p:spTree>
-    <p:extLst>
-      <p:ext uri="{BB962C8B-B14F-4D97-AF65-F5344CB8AC3E}">
-        <p14:creationId xmlns:p14="http://schemas.microsoft.com/office/powerpoint/2010/main" val="2691694289"/>
-      </p:ext>
-    </p:extLst>
-  </p:cSld>
-  <p:clrMapOvr>
-    <a:masterClrMapping/>
-  </p:clrMapOvr>
-</p:sld>
-</file>
-
-<file path=ppt/slides/slide7.xml><?xml version="1.0" encoding="utf-8"?>
-<p:sld xmlns:a="http://schemas.openxmlformats.org/drawingml/2006/main" xmlns:r="http://schemas.openxmlformats.org/officeDocument/2006/relationships" xmlns:p="http://schemas.openxmlformats.org/presentationml/2006/main">
-  <p:cSld>
-    <p:spTree>
-      <p:nvGrpSpPr>
-        <p:cNvPr id="1" name=""/>
-        <p:cNvGrpSpPr/>
-        <p:nvPr/>
-      </p:nvGrpSpPr>
-      <p:grpSpPr>
-        <a:xfrm>
-          <a:off x="0" y="0"/>
-          <a:ext cx="0" cy="0"/>
-          <a:chOff x="0" y="0"/>
-          <a:chExt cx="0" cy="0"/>
-        </a:xfrm>
-      </p:grpSpPr>
-      <p:sp>
-        <p:nvSpPr>
-          <p:cNvPr id="2" name="Заголовок 1">
-            <a:extLst>
-              <a:ext uri="{FF2B5EF4-FFF2-40B4-BE49-F238E27FC236}">
-                <a16:creationId xmlns:a16="http://schemas.microsoft.com/office/drawing/2014/main" id="{1408F5FF-F097-449F-A002-05D9752AAF22}"/>
-              </a:ext>
-            </a:extLst>
-          </p:cNvPr>
-          <p:cNvSpPr>
-            <a:spLocks noGrp="1"/>
-          </p:cNvSpPr>
-          <p:nvPr>
-            <p:ph type="title"/>
-          </p:nvPr>
-        </p:nvSpPr>
-        <p:spPr>
-          <a:xfrm>
-            <a:off x="677334" y="0"/>
-            <a:ext cx="8596668" cy="1320800"/>
-          </a:xfrm>
-        </p:spPr>
-        <p:txBody>
-          <a:bodyPr/>
-          <a:lstStyle/>
-          <a:p>
-            <a:pPr algn="ctr"/>
-            <a:r>
-              <a:rPr lang="ru-RU" dirty="0"/>
-              <a:t>Перечень основных операций с</a:t>
-            </a:r>
-            <a:br>
-              <a:rPr lang="ru-RU" dirty="0"/>
-            </a:br>
-            <a:r>
-              <a:rPr lang="ru-RU" dirty="0"/>
-              <a:t>базами данных</a:t>
-            </a:r>
-          </a:p>
-        </p:txBody>
-      </p:sp>
-      <p:sp>
-        <p:nvSpPr>
-          <p:cNvPr id="3" name="Объект 2">
-            <a:extLst>
-              <a:ext uri="{FF2B5EF4-FFF2-40B4-BE49-F238E27FC236}">
-                <a16:creationId xmlns:a16="http://schemas.microsoft.com/office/drawing/2014/main" id="{77FA3B7B-72DF-4124-9210-E5C4395D1B92}"/>
-              </a:ext>
-            </a:extLst>
-          </p:cNvPr>
-          <p:cNvSpPr>
-            <a:spLocks noGrp="1"/>
-          </p:cNvSpPr>
-          <p:nvPr>
-            <p:ph idx="1"/>
-          </p:nvPr>
-        </p:nvSpPr>
-        <p:spPr>
-          <a:xfrm>
-            <a:off x="677333" y="1728573"/>
-            <a:ext cx="8981261" cy="4919362"/>
-          </a:xfrm>
-        </p:spPr>
-        <p:txBody>
-          <a:bodyPr>
-            <a:normAutofit/>
-          </a:bodyPr>
-          <a:lstStyle/>
-          <a:p>
-            <a:pPr marL="0" indent="0">
-              <a:buNone/>
-            </a:pPr>
-            <a:r>
-              <a:rPr lang="ru-RU" sz="3200" b="1" dirty="0"/>
-              <a:t>Примеры составных запросов</a:t>
-            </a:r>
-          </a:p>
-          <a:p>
-            <a:r>
-              <a:rPr lang="ru-RU" sz="3200" dirty="0"/>
-              <a:t>Получение информации о параметрах игры.</a:t>
-            </a:r>
-          </a:p>
-          <a:p>
-            <a:pPr marL="0" indent="0">
-              <a:buNone/>
-            </a:pPr>
-            <a:endParaRPr lang="ru-RU" sz="3200" b="1" dirty="0"/>
-          </a:p>
-          <a:p>
-            <a:pPr marL="0" indent="0">
-              <a:buNone/>
-            </a:pPr>
-            <a:r>
-              <a:rPr lang="ru-RU" sz="3200" b="1" dirty="0"/>
-              <a:t>Выборка данных</a:t>
-            </a:r>
-          </a:p>
-          <a:p>
-            <a:r>
-              <a:rPr lang="ru-RU" sz="3200" dirty="0"/>
-              <a:t>Получение пользователем информации о характеристиках персонажа.</a:t>
-            </a:r>
-          </a:p>
-          <a:p>
-            <a:r>
-              <a:rPr lang="ru-RU" sz="3200" dirty="0"/>
-              <a:t>Получение пользователем подробной информации о развитии игры.</a:t>
-            </a:r>
-          </a:p>
-          <a:p>
-            <a:endParaRPr lang="ru-RU" sz="3200" dirty="0"/>
-          </a:p>
-        </p:txBody>
-      </p:sp>
-      <p:sp>
-        <p:nvSpPr>
-          <p:cNvPr id="5" name="Номер слайда 5">
-            <a:extLst>
-              <a:ext uri="{FF2B5EF4-FFF2-40B4-BE49-F238E27FC236}">
-                <a16:creationId xmlns:a16="http://schemas.microsoft.com/office/drawing/2014/main" id="{8FE86237-4B62-4945-B471-BFB828E50973}"/>
-              </a:ext>
-            </a:extLst>
-          </p:cNvPr>
-          <p:cNvSpPr>
-            <a:spLocks noGrp="1"/>
-          </p:cNvSpPr>
-          <p:nvPr>
-            <p:ph type="sldNum" sz="quarter" idx="12"/>
-          </p:nvPr>
-        </p:nvSpPr>
-        <p:spPr>
-          <a:xfrm>
-            <a:off x="10999317" y="6041362"/>
-            <a:ext cx="1192683" cy="365125"/>
-          </a:xfrm>
-        </p:spPr>
-        <p:txBody>
-          <a:bodyPr/>
-          <a:lstStyle/>
-          <a:p>
-            <a:fld id="{D57F1E4F-1CFF-5643-939E-217C01CDF565}" type="slidenum">
-              <a:rPr lang="en-US" sz="3600" smtClean="0">
-                <a:solidFill>
-                  <a:schemeClr val="bg1"/>
-                </a:solidFill>
-              </a:rPr>
-              <a:pPr/>
-              <a:t>7</a:t>
-            </a:fld>
-            <a:r>
-              <a:rPr lang="en-US" sz="3600" dirty="0">
-                <a:solidFill>
-                  <a:schemeClr val="bg1"/>
-                </a:solidFill>
-              </a:rPr>
-              <a:t>/1</a:t>
-            </a:r>
-            <a:r>
-              <a:rPr lang="ru-RU" sz="3600" dirty="0">
-                <a:solidFill>
-                  <a:schemeClr val="bg1"/>
-                </a:solidFill>
-              </a:rPr>
-              <a:t>6</a:t>
-            </a:r>
-            <a:endParaRPr lang="en-US" sz="3600" dirty="0">
-              <a:solidFill>
-                <a:schemeClr val="bg1"/>
-              </a:solidFill>
-            </a:endParaRPr>
-          </a:p>
-        </p:txBody>
-      </p:sp>
-    </p:spTree>
-    <p:extLst>
-      <p:ext uri="{BB962C8B-B14F-4D97-AF65-F5344CB8AC3E}">
-        <p14:creationId xmlns:p14="http://schemas.microsoft.com/office/powerpoint/2010/main" val="666216987"/>
       </p:ext>
     </p:extLst>
   </p:cSld>
@@ -11255,7 +12527,7 @@
           <p:cNvPr id="2" name="Заголовок 1">
             <a:extLst>
               <a:ext uri="{FF2B5EF4-FFF2-40B4-BE49-F238E27FC236}">
-                <a16:creationId xmlns:a16="http://schemas.microsoft.com/office/drawing/2014/main" id="{85E5A39E-E77F-4265-BF9C-628469EED62C}"/>
+                <a16:creationId xmlns:a16="http://schemas.microsoft.com/office/drawing/2014/main" id="{880A8314-2189-465F-A3D4-C6195758EAE5}"/>
               </a:ext>
             </a:extLst>
           </p:cNvPr>
@@ -11268,8 +12540,8 @@
         </p:nvSpPr>
         <p:spPr>
           <a:xfrm>
-            <a:off x="0" y="0"/>
-            <a:ext cx="9788839" cy="1320800"/>
+            <a:off x="677334" y="0"/>
+            <a:ext cx="8596668" cy="1320800"/>
           </a:xfrm>
         </p:spPr>
         <p:txBody>
@@ -11279,66 +12551,86 @@
             <a:pPr algn="ctr"/>
             <a:r>
               <a:rPr lang="ru-RU" dirty="0"/>
-              <a:t>Структура баз данных на верхнем уровне</a:t>
-            </a:r>
-          </a:p>
-        </p:txBody>
-      </p:sp>
-      <p:pic>
-        <p:nvPicPr>
-          <p:cNvPr id="4098" name="Picture 2" descr="Dms_cw_ER_diag.png">
+              <a:t>Описание хранимых данных в</a:t>
+            </a:r>
+            <a:br>
+              <a:rPr lang="ru-RU" dirty="0"/>
+            </a:br>
+            <a:r>
+              <a:rPr lang="ru-RU" dirty="0"/>
+              <a:t>каждой из используемых БД</a:t>
+            </a:r>
+          </a:p>
+        </p:txBody>
+      </p:sp>
+      <p:sp>
+        <p:nvSpPr>
+          <p:cNvPr id="3" name="Объект 2">
             <a:extLst>
               <a:ext uri="{FF2B5EF4-FFF2-40B4-BE49-F238E27FC236}">
-                <a16:creationId xmlns:a16="http://schemas.microsoft.com/office/drawing/2014/main" id="{02F1379B-442D-49BC-9699-E952749B9928}"/>
+                <a16:creationId xmlns:a16="http://schemas.microsoft.com/office/drawing/2014/main" id="{E9D633EE-5329-4FC6-A6D9-960C6AC57103}"/>
               </a:ext>
             </a:extLst>
           </p:cNvPr>
-          <p:cNvPicPr>
-            <a:picLocks noGrp="1" noChangeAspect="1" noChangeArrowheads="1"/>
-          </p:cNvPicPr>
+          <p:cNvSpPr>
+            <a:spLocks noGrp="1"/>
+          </p:cNvSpPr>
           <p:nvPr>
             <p:ph idx="1"/>
           </p:nvPr>
-        </p:nvPicPr>
-        <p:blipFill>
-          <a:blip r:embed="rId2">
-            <a:extLst>
-              <a:ext uri="{28A0092B-C50C-407E-A947-70E740481C1C}">
-                <a14:useLocalDpi xmlns:a14="http://schemas.microsoft.com/office/drawing/2010/main" val="0"/>
-              </a:ext>
-            </a:extLst>
-          </a:blip>
-          <a:srcRect/>
-          <a:stretch>
-            <a:fillRect/>
-          </a:stretch>
-        </p:blipFill>
-        <p:spPr bwMode="auto">
+        </p:nvSpPr>
+        <p:spPr>
           <a:xfrm>
-            <a:off x="405486" y="867718"/>
-            <a:ext cx="8825011" cy="5545164"/>
+            <a:off x="3462881" y="1789886"/>
+            <a:ext cx="3025574" cy="3850481"/>
           </a:xfrm>
-          <a:prstGeom prst="rect">
-            <a:avLst/>
-          </a:prstGeom>
-          <a:noFill/>
-          <a:extLst>
-            <a:ext uri="{909E8E84-426E-40DD-AFC4-6F175D3DCCD1}">
-              <a14:hiddenFill xmlns:a14="http://schemas.microsoft.com/office/drawing/2010/main">
-                <a:solidFill>
-                  <a:srgbClr val="FFFFFF"/>
-                </a:solidFill>
-              </a14:hiddenFill>
-            </a:ext>
-          </a:extLst>
         </p:spPr>
-      </p:pic>
-      <p:sp>
-        <p:nvSpPr>
-          <p:cNvPr id="6" name="Номер слайда 5">
+        <p:txBody>
+          <a:bodyPr>
+            <a:normAutofit/>
+          </a:bodyPr>
+          <a:lstStyle/>
+          <a:p>
+            <a:r>
+              <a:rPr lang="ru-RU" sz="3900" dirty="0"/>
+              <a:t>Персонаж</a:t>
+            </a:r>
+          </a:p>
+          <a:p>
+            <a:r>
+              <a:rPr lang="ru-RU" sz="3900" dirty="0"/>
+              <a:t>Сюжет</a:t>
+            </a:r>
+          </a:p>
+          <a:p>
+            <a:r>
+              <a:rPr lang="ru-RU" sz="3900" dirty="0"/>
+              <a:t>Звук</a:t>
+            </a:r>
+          </a:p>
+          <a:p>
+            <a:r>
+              <a:rPr lang="ru-RU" sz="3900" dirty="0"/>
+              <a:t>Записки</a:t>
+            </a:r>
+          </a:p>
+          <a:p>
+            <a:r>
+              <a:rPr lang="ru-RU" sz="3900" dirty="0"/>
+              <a:t>Концовки</a:t>
+            </a:r>
+          </a:p>
+          <a:p>
+            <a:endParaRPr lang="ru-RU" sz="3600" dirty="0"/>
+          </a:p>
+        </p:txBody>
+      </p:sp>
+      <p:sp>
+        <p:nvSpPr>
+          <p:cNvPr id="5" name="Номер слайда 5">
             <a:extLst>
               <a:ext uri="{FF2B5EF4-FFF2-40B4-BE49-F238E27FC236}">
-                <a16:creationId xmlns:a16="http://schemas.microsoft.com/office/drawing/2014/main" id="{1799D236-4F77-41CE-8A40-ECFCC76D2870}"/>
+                <a16:creationId xmlns:a16="http://schemas.microsoft.com/office/drawing/2014/main" id="{FBC6C5DF-F4E1-4A0B-A4B5-EEA6FC1785CB}"/>
               </a:ext>
             </a:extLst>
           </p:cNvPr>
@@ -11374,28 +12666,15 @@
                   <a:schemeClr val="bg1"/>
                 </a:solidFill>
               </a:rPr>
-              <a:t>/1</a:t>
-            </a:r>
-            <a:r>
-              <a:rPr lang="ru-RU" sz="3600" dirty="0">
-                <a:solidFill>
-                  <a:schemeClr val="bg1"/>
-                </a:solidFill>
-              </a:rPr>
-              <a:t>6</a:t>
-            </a:r>
-            <a:endParaRPr lang="en-US" sz="3600" dirty="0">
-              <a:solidFill>
-                <a:schemeClr val="bg1"/>
-              </a:solidFill>
-            </a:endParaRPr>
+              <a:t>/20</a:t>
+            </a:r>
           </a:p>
         </p:txBody>
       </p:sp>
     </p:spTree>
     <p:extLst>
       <p:ext uri="{BB962C8B-B14F-4D97-AF65-F5344CB8AC3E}">
-        <p14:creationId xmlns:p14="http://schemas.microsoft.com/office/powerpoint/2010/main" val="919346693"/>
+        <p14:creationId xmlns:p14="http://schemas.microsoft.com/office/powerpoint/2010/main" val="2691694289"/>
       </p:ext>
     </p:extLst>
   </p:cSld>
@@ -11427,7 +12706,7 @@
           <p:cNvPr id="2" name="Заголовок 1">
             <a:extLst>
               <a:ext uri="{FF2B5EF4-FFF2-40B4-BE49-F238E27FC236}">
-                <a16:creationId xmlns:a16="http://schemas.microsoft.com/office/drawing/2014/main" id="{C37A47CB-8FD7-4364-AE7C-E3B4049545FD}"/>
+                <a16:creationId xmlns:a16="http://schemas.microsoft.com/office/drawing/2014/main" id="{1408F5FF-F097-449F-A002-05D9752AAF22}"/>
               </a:ext>
             </a:extLst>
           </p:cNvPr>
@@ -11440,7 +12719,7 @@
         </p:nvSpPr>
         <p:spPr>
           <a:xfrm>
-            <a:off x="-6005" y="0"/>
+            <a:off x="677334" y="0"/>
             <a:ext cx="8596668" cy="1320800"/>
           </a:xfrm>
         </p:spPr>
@@ -11451,47 +12730,98 @@
             <a:pPr algn="ctr"/>
             <a:r>
               <a:rPr lang="ru-RU" dirty="0"/>
-              <a:t>Модели баз данных (1/3)</a:t>
-            </a:r>
-          </a:p>
-        </p:txBody>
-      </p:sp>
-      <p:pic>
-        <p:nvPicPr>
-          <p:cNvPr id="6" name="Рисунок 5">
+              <a:t>Перечень основных операций с</a:t>
+            </a:r>
+            <a:br>
+              <a:rPr lang="ru-RU" dirty="0"/>
+            </a:br>
+            <a:r>
+              <a:rPr lang="ru-RU" dirty="0"/>
+              <a:t>базами данных</a:t>
+            </a:r>
+          </a:p>
+        </p:txBody>
+      </p:sp>
+      <p:sp>
+        <p:nvSpPr>
+          <p:cNvPr id="3" name="Объект 2">
             <a:extLst>
               <a:ext uri="{FF2B5EF4-FFF2-40B4-BE49-F238E27FC236}">
-                <a16:creationId xmlns:a16="http://schemas.microsoft.com/office/drawing/2014/main" id="{5E8D1268-8638-48F0-B9B3-4F3332C68085}"/>
+                <a16:creationId xmlns:a16="http://schemas.microsoft.com/office/drawing/2014/main" id="{77FA3B7B-72DF-4124-9210-E5C4395D1B92}"/>
               </a:ext>
             </a:extLst>
           </p:cNvPr>
-          <p:cNvPicPr>
-            <a:picLocks noChangeAspect="1"/>
-          </p:cNvPicPr>
-          <p:nvPr/>
-        </p:nvPicPr>
-        <p:blipFill>
-          <a:blip r:embed="rId2"/>
-          <a:stretch>
-            <a:fillRect/>
-          </a:stretch>
-        </p:blipFill>
+          <p:cNvSpPr>
+            <a:spLocks noGrp="1"/>
+          </p:cNvSpPr>
+          <p:nvPr>
+            <p:ph idx="1"/>
+          </p:nvPr>
+        </p:nvSpPr>
         <p:spPr>
           <a:xfrm>
-            <a:off x="2141264" y="660400"/>
-            <a:ext cx="6769168" cy="6197600"/>
+            <a:off x="677333" y="1728573"/>
+            <a:ext cx="8981261" cy="4919362"/>
           </a:xfrm>
-          <a:prstGeom prst="rect">
-            <a:avLst/>
-          </a:prstGeom>
         </p:spPr>
-      </p:pic>
-      <p:sp>
-        <p:nvSpPr>
-          <p:cNvPr id="8" name="Объект 2">
+        <p:txBody>
+          <a:bodyPr>
+            <a:normAutofit/>
+          </a:bodyPr>
+          <a:lstStyle/>
+          <a:p>
+            <a:pPr marL="0" indent="0">
+              <a:buNone/>
+            </a:pPr>
+            <a:r>
+              <a:rPr lang="ru-RU" sz="3200" b="1" dirty="0"/>
+              <a:t>Примеры составных запросов</a:t>
+            </a:r>
+          </a:p>
+          <a:p>
+            <a:r>
+              <a:rPr lang="ru-RU" sz="3200" dirty="0"/>
+              <a:t>Получение информации о параметрах игры.</a:t>
+            </a:r>
+          </a:p>
+          <a:p>
+            <a:pPr marL="0" indent="0">
+              <a:buNone/>
+            </a:pPr>
+            <a:endParaRPr lang="ru-RU" sz="3200" b="1" dirty="0"/>
+          </a:p>
+          <a:p>
+            <a:pPr marL="0" indent="0">
+              <a:buNone/>
+            </a:pPr>
+            <a:r>
+              <a:rPr lang="ru-RU" sz="3200" b="1" dirty="0"/>
+              <a:t>Выборка данных</a:t>
+            </a:r>
+          </a:p>
+          <a:p>
+            <a:r>
+              <a:rPr lang="ru-RU" sz="3200" dirty="0"/>
+              <a:t>Получение пользователем информации о характеристиках персонажа.</a:t>
+            </a:r>
+          </a:p>
+          <a:p>
+            <a:r>
+              <a:rPr lang="ru-RU" sz="3200" dirty="0"/>
+              <a:t>Получение пользователем подробной информации о развитии игры.</a:t>
+            </a:r>
+          </a:p>
+          <a:p>
+            <a:endParaRPr lang="ru-RU" sz="3200" dirty="0"/>
+          </a:p>
+        </p:txBody>
+      </p:sp>
+      <p:sp>
+        <p:nvSpPr>
+          <p:cNvPr id="6" name="Номер слайда 5">
             <a:extLst>
               <a:ext uri="{FF2B5EF4-FFF2-40B4-BE49-F238E27FC236}">
-                <a16:creationId xmlns:a16="http://schemas.microsoft.com/office/drawing/2014/main" id="{B11FCCFD-E2C6-43FD-9703-24CA914B2B0F}"/>
+                <a16:creationId xmlns:a16="http://schemas.microsoft.com/office/drawing/2014/main" id="{F6512233-9208-4CBB-BCF5-3CF219E0C631}"/>
               </a:ext>
             </a:extLst>
           </p:cNvPr>
@@ -11499,48 +12829,13 @@
             <a:spLocks noGrp="1"/>
           </p:cNvSpPr>
           <p:nvPr>
-            <p:ph idx="1"/>
+            <p:ph type="sldNum" sz="quarter" idx="12"/>
           </p:nvPr>
         </p:nvSpPr>
         <p:spPr>
           <a:xfrm>
-            <a:off x="63041" y="3035223"/>
-            <a:ext cx="2078223" cy="401971"/>
-          </a:xfrm>
-        </p:spPr>
-        <p:txBody>
-          <a:bodyPr/>
-          <a:lstStyle/>
-          <a:p>
-            <a:pPr algn="ctr"/>
-            <a:r>
-              <a:rPr lang="en-US" dirty="0"/>
-              <a:t>MySQL</a:t>
-            </a:r>
-            <a:endParaRPr lang="ru-RU" dirty="0"/>
-          </a:p>
-        </p:txBody>
-      </p:sp>
-      <p:sp>
-        <p:nvSpPr>
-          <p:cNvPr id="9" name="Номер слайда 5">
-            <a:extLst>
-              <a:ext uri="{FF2B5EF4-FFF2-40B4-BE49-F238E27FC236}">
-                <a16:creationId xmlns:a16="http://schemas.microsoft.com/office/drawing/2014/main" id="{A5BC61DC-C258-4EEB-8EA4-443C26B74CEC}"/>
-              </a:ext>
-            </a:extLst>
-          </p:cNvPr>
-          <p:cNvSpPr>
-            <a:spLocks noGrp="1"/>
-          </p:cNvSpPr>
-          <p:nvPr>
-            <p:ph type="sldNum" sz="quarter" idx="12"/>
-          </p:nvPr>
-        </p:nvSpPr>
-        <p:spPr>
-          <a:xfrm>
-            <a:off x="10663881" y="6041362"/>
-            <a:ext cx="1528119" cy="365125"/>
+            <a:off x="10999317" y="6041362"/>
+            <a:ext cx="1192683" cy="365125"/>
           </a:xfrm>
         </p:spPr>
         <p:txBody>
@@ -11562,28 +12857,15 @@
                   <a:schemeClr val="bg1"/>
                 </a:solidFill>
               </a:rPr>
-              <a:t>/1</a:t>
-            </a:r>
-            <a:r>
-              <a:rPr lang="ru-RU" sz="3600" dirty="0">
-                <a:solidFill>
-                  <a:schemeClr val="bg1"/>
-                </a:solidFill>
-              </a:rPr>
-              <a:t>6</a:t>
-            </a:r>
-            <a:endParaRPr lang="en-US" sz="3600" dirty="0">
-              <a:solidFill>
-                <a:schemeClr val="bg1"/>
-              </a:solidFill>
-            </a:endParaRPr>
+              <a:t>/20</a:t>
+            </a:r>
           </a:p>
         </p:txBody>
       </p:sp>
     </p:spTree>
     <p:extLst>
       <p:ext uri="{BB962C8B-B14F-4D97-AF65-F5344CB8AC3E}">
-        <p14:creationId xmlns:p14="http://schemas.microsoft.com/office/powerpoint/2010/main" val="663314577"/>
+        <p14:creationId xmlns:p14="http://schemas.microsoft.com/office/powerpoint/2010/main" val="666216987"/>
       </p:ext>
     </p:extLst>
   </p:cSld>

--- a/Dms coursework presentation.pptx
+++ b/Dms coursework presentation.pptx
@@ -15,15 +15,15 @@
     <p:sldId id="265" r:id="rId3"/>
     <p:sldId id="272" r:id="rId4"/>
     <p:sldId id="273" r:id="rId5"/>
-    <p:sldId id="259" r:id="rId6"/>
-    <p:sldId id="257" r:id="rId7"/>
-    <p:sldId id="260" r:id="rId8"/>
-    <p:sldId id="262" r:id="rId9"/>
-    <p:sldId id="261" r:id="rId10"/>
-    <p:sldId id="263" r:id="rId11"/>
-    <p:sldId id="269" r:id="rId12"/>
-    <p:sldId id="270" r:id="rId13"/>
-    <p:sldId id="271" r:id="rId14"/>
+    <p:sldId id="260" r:id="rId6"/>
+    <p:sldId id="262" r:id="rId7"/>
+    <p:sldId id="259" r:id="rId8"/>
+    <p:sldId id="257" r:id="rId9"/>
+    <p:sldId id="263" r:id="rId10"/>
+    <p:sldId id="269" r:id="rId11"/>
+    <p:sldId id="270" r:id="rId12"/>
+    <p:sldId id="271" r:id="rId13"/>
+    <p:sldId id="261" r:id="rId14"/>
     <p:sldId id="266" r:id="rId15"/>
     <p:sldId id="268" r:id="rId16"/>
     <p:sldId id="258" r:id="rId17"/>
@@ -6478,165 +6478,6 @@
           <p:cNvPr id="2" name="Заголовок 1">
             <a:extLst>
               <a:ext uri="{FF2B5EF4-FFF2-40B4-BE49-F238E27FC236}">
-                <a16:creationId xmlns:a16="http://schemas.microsoft.com/office/drawing/2014/main" id="{85E5A39E-E77F-4265-BF9C-628469EED62C}"/>
-              </a:ext>
-            </a:extLst>
-          </p:cNvPr>
-          <p:cNvSpPr>
-            <a:spLocks noGrp="1"/>
-          </p:cNvSpPr>
-          <p:nvPr>
-            <p:ph type="title"/>
-          </p:nvPr>
-        </p:nvSpPr>
-        <p:spPr>
-          <a:xfrm>
-            <a:off x="0" y="0"/>
-            <a:ext cx="9788839" cy="1320800"/>
-          </a:xfrm>
-        </p:spPr>
-        <p:txBody>
-          <a:bodyPr/>
-          <a:lstStyle/>
-          <a:p>
-            <a:pPr algn="ctr"/>
-            <a:r>
-              <a:rPr lang="ru-RU" dirty="0"/>
-              <a:t>Структура баз данных на верхнем уровне</a:t>
-            </a:r>
-          </a:p>
-        </p:txBody>
-      </p:sp>
-      <p:pic>
-        <p:nvPicPr>
-          <p:cNvPr id="4098" name="Picture 2" descr="Dms_cw_ER_diag.png">
-            <a:extLst>
-              <a:ext uri="{FF2B5EF4-FFF2-40B4-BE49-F238E27FC236}">
-                <a16:creationId xmlns:a16="http://schemas.microsoft.com/office/drawing/2014/main" id="{02F1379B-442D-49BC-9699-E952749B9928}"/>
-              </a:ext>
-            </a:extLst>
-          </p:cNvPr>
-          <p:cNvPicPr>
-            <a:picLocks noGrp="1" noChangeAspect="1" noChangeArrowheads="1"/>
-          </p:cNvPicPr>
-          <p:nvPr>
-            <p:ph idx="1"/>
-          </p:nvPr>
-        </p:nvPicPr>
-        <p:blipFill>
-          <a:blip r:embed="rId2">
-            <a:extLst>
-              <a:ext uri="{28A0092B-C50C-407E-A947-70E740481C1C}">
-                <a14:useLocalDpi xmlns:a14="http://schemas.microsoft.com/office/drawing/2010/main" val="0"/>
-              </a:ext>
-            </a:extLst>
-          </a:blip>
-          <a:srcRect/>
-          <a:stretch>
-            <a:fillRect/>
-          </a:stretch>
-        </p:blipFill>
-        <p:spPr bwMode="auto">
-          <a:xfrm>
-            <a:off x="405486" y="867718"/>
-            <a:ext cx="8825011" cy="5545164"/>
-          </a:xfrm>
-          <a:prstGeom prst="rect">
-            <a:avLst/>
-          </a:prstGeom>
-          <a:noFill/>
-          <a:extLst>
-            <a:ext uri="{909E8E84-426E-40DD-AFC4-6F175D3DCCD1}">
-              <a14:hiddenFill xmlns:a14="http://schemas.microsoft.com/office/drawing/2010/main">
-                <a:solidFill>
-                  <a:srgbClr val="FFFFFF"/>
-                </a:solidFill>
-              </a14:hiddenFill>
-            </a:ext>
-          </a:extLst>
-        </p:spPr>
-      </p:pic>
-      <p:sp>
-        <p:nvSpPr>
-          <p:cNvPr id="5" name="Номер слайда 5">
-            <a:extLst>
-              <a:ext uri="{FF2B5EF4-FFF2-40B4-BE49-F238E27FC236}">
-                <a16:creationId xmlns:a16="http://schemas.microsoft.com/office/drawing/2014/main" id="{5A7DFCE2-07A8-4B3B-BE0C-EEC439A13A87}"/>
-              </a:ext>
-            </a:extLst>
-          </p:cNvPr>
-          <p:cNvSpPr>
-            <a:spLocks noGrp="1"/>
-          </p:cNvSpPr>
-          <p:nvPr>
-            <p:ph type="sldNum" sz="quarter" idx="12"/>
-          </p:nvPr>
-        </p:nvSpPr>
-        <p:spPr>
-          <a:xfrm>
-            <a:off x="10999317" y="6041362"/>
-            <a:ext cx="1192683" cy="365125"/>
-          </a:xfrm>
-        </p:spPr>
-        <p:txBody>
-          <a:bodyPr/>
-          <a:lstStyle/>
-          <a:p>
-            <a:fld id="{D57F1E4F-1CFF-5643-939E-217C01CDF565}" type="slidenum">
-              <a:rPr lang="en-US" sz="3600" smtClean="0">
-                <a:solidFill>
-                  <a:schemeClr val="bg1"/>
-                </a:solidFill>
-              </a:rPr>
-              <a:pPr/>
-              <a:t>10</a:t>
-            </a:fld>
-            <a:r>
-              <a:rPr lang="en-US" sz="3600" dirty="0">
-                <a:solidFill>
-                  <a:schemeClr val="bg1"/>
-                </a:solidFill>
-              </a:rPr>
-              <a:t>/20</a:t>
-            </a:r>
-          </a:p>
-        </p:txBody>
-      </p:sp>
-    </p:spTree>
-    <p:extLst>
-      <p:ext uri="{BB962C8B-B14F-4D97-AF65-F5344CB8AC3E}">
-        <p14:creationId xmlns:p14="http://schemas.microsoft.com/office/powerpoint/2010/main" val="919346693"/>
-      </p:ext>
-    </p:extLst>
-  </p:cSld>
-  <p:clrMapOvr>
-    <a:masterClrMapping/>
-  </p:clrMapOvr>
-</p:sld>
-</file>
-
-<file path=ppt/slides/slide11.xml><?xml version="1.0" encoding="utf-8"?>
-<p:sld xmlns:a="http://schemas.openxmlformats.org/drawingml/2006/main" xmlns:r="http://schemas.openxmlformats.org/officeDocument/2006/relationships" xmlns:p="http://schemas.openxmlformats.org/presentationml/2006/main">
-  <p:cSld>
-    <p:spTree>
-      <p:nvGrpSpPr>
-        <p:cNvPr id="1" name=""/>
-        <p:cNvGrpSpPr/>
-        <p:nvPr/>
-      </p:nvGrpSpPr>
-      <p:grpSpPr>
-        <a:xfrm>
-          <a:off x="0" y="0"/>
-          <a:ext cx="0" cy="0"/>
-          <a:chOff x="0" y="0"/>
-          <a:chExt cx="0" cy="0"/>
-        </a:xfrm>
-      </p:grpSpPr>
-      <p:sp>
-        <p:nvSpPr>
-          <p:cNvPr id="2" name="Заголовок 1">
-            <a:extLst>
-              <a:ext uri="{FF2B5EF4-FFF2-40B4-BE49-F238E27FC236}">
                 <a16:creationId xmlns:a16="http://schemas.microsoft.com/office/drawing/2014/main" id="{C37A47CB-8FD7-4364-AE7C-E3B4049545FD}"/>
               </a:ext>
             </a:extLst>
@@ -6749,8 +6590,8 @@
         </p:nvSpPr>
         <p:spPr>
           <a:xfrm>
-            <a:off x="10999317" y="6041362"/>
-            <a:ext cx="1192683" cy="365125"/>
+            <a:off x="10737933" y="6041362"/>
+            <a:ext cx="1454067" cy="365125"/>
           </a:xfrm>
         </p:spPr>
         <p:txBody>
@@ -6764,7 +6605,7 @@
                 </a:solidFill>
               </a:rPr>
               <a:pPr/>
-              <a:t>11</a:t>
+              <a:t>10</a:t>
             </a:fld>
             <a:r>
               <a:rPr lang="en-US" sz="3600" dirty="0">
@@ -6790,7 +6631,7 @@
 </p:sld>
 </file>
 
-<file path=ppt/slides/slide12.xml><?xml version="1.0" encoding="utf-8"?>
+<file path=ppt/slides/slide11.xml><?xml version="1.0" encoding="utf-8"?>
 <p:sld xmlns:a="http://schemas.openxmlformats.org/drawingml/2006/main" xmlns:r="http://schemas.openxmlformats.org/officeDocument/2006/relationships" xmlns:p="http://schemas.openxmlformats.org/presentationml/2006/main">
   <p:cSld>
     <p:spTree>
@@ -6904,7 +6745,7 @@
                 </a:solidFill>
               </a:rPr>
               <a:pPr/>
-              <a:t>12</a:t>
+              <a:t>11</a:t>
             </a:fld>
             <a:r>
               <a:rPr lang="en-US" sz="3600" dirty="0">
@@ -7185,6 +7026,404 @@
     <p:extLst>
       <p:ext uri="{BB962C8B-B14F-4D97-AF65-F5344CB8AC3E}">
         <p14:creationId xmlns:p14="http://schemas.microsoft.com/office/powerpoint/2010/main" val="1033660558"/>
+      </p:ext>
+    </p:extLst>
+  </p:cSld>
+  <p:clrMapOvr>
+    <a:masterClrMapping/>
+  </p:clrMapOvr>
+</p:sld>
+</file>
+
+<file path=ppt/slides/slide12.xml><?xml version="1.0" encoding="utf-8"?>
+<p:sld xmlns:a="http://schemas.openxmlformats.org/drawingml/2006/main" xmlns:r="http://schemas.openxmlformats.org/officeDocument/2006/relationships" xmlns:p="http://schemas.openxmlformats.org/presentationml/2006/main">
+  <p:cSld>
+    <p:spTree>
+      <p:nvGrpSpPr>
+        <p:cNvPr id="1" name=""/>
+        <p:cNvGrpSpPr/>
+        <p:nvPr/>
+      </p:nvGrpSpPr>
+      <p:grpSpPr>
+        <a:xfrm>
+          <a:off x="0" y="0"/>
+          <a:ext cx="0" cy="0"/>
+          <a:chOff x="0" y="0"/>
+          <a:chExt cx="0" cy="0"/>
+        </a:xfrm>
+      </p:grpSpPr>
+      <p:sp>
+        <p:nvSpPr>
+          <p:cNvPr id="5" name="Заголовок 1">
+            <a:extLst>
+              <a:ext uri="{FF2B5EF4-FFF2-40B4-BE49-F238E27FC236}">
+                <a16:creationId xmlns:a16="http://schemas.microsoft.com/office/drawing/2014/main" id="{6707CF26-D64C-4521-9A46-CE45B85C19AB}"/>
+              </a:ext>
+            </a:extLst>
+          </p:cNvPr>
+          <p:cNvSpPr>
+            <a:spLocks noGrp="1"/>
+          </p:cNvSpPr>
+          <p:nvPr>
+            <p:ph type="title"/>
+          </p:nvPr>
+        </p:nvSpPr>
+        <p:spPr>
+          <a:xfrm>
+            <a:off x="677863" y="0"/>
+            <a:ext cx="8596312" cy="1320800"/>
+          </a:xfrm>
+        </p:spPr>
+        <p:txBody>
+          <a:bodyPr/>
+          <a:lstStyle/>
+          <a:p>
+            <a:pPr algn="ctr"/>
+            <a:r>
+              <a:rPr lang="ru-RU" dirty="0"/>
+              <a:t>Модели баз данных (3/3)</a:t>
+            </a:r>
+          </a:p>
+        </p:txBody>
+      </p:sp>
+      <p:pic>
+        <p:nvPicPr>
+          <p:cNvPr id="2" name="Рисунок 1"/>
+          <p:cNvPicPr>
+            <a:picLocks noChangeAspect="1"/>
+          </p:cNvPicPr>
+          <p:nvPr/>
+        </p:nvPicPr>
+        <p:blipFill>
+          <a:blip r:embed="rId2"/>
+          <a:stretch>
+            <a:fillRect/>
+          </a:stretch>
+        </p:blipFill>
+        <p:spPr>
+          <a:xfrm>
+            <a:off x="1621720" y="978793"/>
+            <a:ext cx="7776729" cy="5293217"/>
+          </a:xfrm>
+          <a:prstGeom prst="rect">
+            <a:avLst/>
+          </a:prstGeom>
+        </p:spPr>
+      </p:pic>
+      <p:sp>
+        <p:nvSpPr>
+          <p:cNvPr id="7" name="Номер слайда 5">
+            <a:extLst>
+              <a:ext uri="{FF2B5EF4-FFF2-40B4-BE49-F238E27FC236}">
+                <a16:creationId xmlns:a16="http://schemas.microsoft.com/office/drawing/2014/main" id="{4CBD0019-A202-4803-9622-31EC2B90A115}"/>
+              </a:ext>
+            </a:extLst>
+          </p:cNvPr>
+          <p:cNvSpPr>
+            <a:spLocks noGrp="1"/>
+          </p:cNvSpPr>
+          <p:nvPr>
+            <p:ph type="sldNum" sz="quarter" idx="12"/>
+          </p:nvPr>
+        </p:nvSpPr>
+        <p:spPr>
+          <a:xfrm>
+            <a:off x="10780933" y="6041362"/>
+            <a:ext cx="1411068" cy="365125"/>
+          </a:xfrm>
+        </p:spPr>
+        <p:txBody>
+          <a:bodyPr/>
+          <a:lstStyle/>
+          <a:p>
+            <a:fld id="{D57F1E4F-1CFF-5643-939E-217C01CDF565}" type="slidenum">
+              <a:rPr lang="en-US" sz="3600" smtClean="0">
+                <a:solidFill>
+                  <a:schemeClr val="bg1"/>
+                </a:solidFill>
+              </a:rPr>
+              <a:pPr/>
+              <a:t>12</a:t>
+            </a:fld>
+            <a:r>
+              <a:rPr lang="en-US" sz="3600" dirty="0">
+                <a:solidFill>
+                  <a:schemeClr val="bg1"/>
+                </a:solidFill>
+              </a:rPr>
+              <a:t>/20</a:t>
+            </a:r>
+          </a:p>
+        </p:txBody>
+      </p:sp>
+      <p:sp>
+        <p:nvSpPr>
+          <p:cNvPr id="8" name="Объект 2">
+            <a:extLst>
+              <a:ext uri="{FF2B5EF4-FFF2-40B4-BE49-F238E27FC236}">
+                <a16:creationId xmlns:a16="http://schemas.microsoft.com/office/drawing/2014/main" id="{7E49EF4F-2492-4146-ACEC-95CBD054DA53}"/>
+              </a:ext>
+            </a:extLst>
+          </p:cNvPr>
+          <p:cNvSpPr txBox="1">
+            <a:spLocks/>
+          </p:cNvSpPr>
+          <p:nvPr/>
+        </p:nvSpPr>
+        <p:spPr>
+          <a:xfrm>
+            <a:off x="-6005" y="978794"/>
+            <a:ext cx="2147269" cy="5879206"/>
+          </a:xfrm>
+          <a:prstGeom prst="rect">
+            <a:avLst/>
+          </a:prstGeom>
+        </p:spPr>
+        <p:txBody>
+          <a:bodyPr vert="horz" lIns="91440" tIns="45720" rIns="91440" bIns="45720" rtlCol="0">
+            <a:normAutofit/>
+          </a:bodyPr>
+          <a:lstStyle>
+            <a:lvl1pPr marL="342900" indent="-342900" algn="l" defTabSz="457200" rtl="0" eaLnBrk="1" latinLnBrk="0" hangingPunct="1">
+              <a:spcBef>
+                <a:spcPts val="1000"/>
+              </a:spcBef>
+              <a:spcAft>
+                <a:spcPts val="0"/>
+              </a:spcAft>
+              <a:buClr>
+                <a:schemeClr val="accent1"/>
+              </a:buClr>
+              <a:buSzPct val="80000"/>
+              <a:buFont typeface="Wingdings 3" charset="2"/>
+              <a:buChar char=""/>
+              <a:defRPr sz="1800" kern="1200">
+                <a:solidFill>
+                  <a:schemeClr val="tx1">
+                    <a:lumMod val="75000"/>
+                    <a:lumOff val="25000"/>
+                  </a:schemeClr>
+                </a:solidFill>
+                <a:latin typeface="+mn-lt"/>
+                <a:ea typeface="+mn-ea"/>
+                <a:cs typeface="+mn-cs"/>
+              </a:defRPr>
+            </a:lvl1pPr>
+            <a:lvl2pPr marL="742950" indent="-285750" algn="l" defTabSz="457200" rtl="0" eaLnBrk="1" latinLnBrk="0" hangingPunct="1">
+              <a:spcBef>
+                <a:spcPts val="1000"/>
+              </a:spcBef>
+              <a:spcAft>
+                <a:spcPts val="0"/>
+              </a:spcAft>
+              <a:buClr>
+                <a:schemeClr val="accent1"/>
+              </a:buClr>
+              <a:buSzPct val="80000"/>
+              <a:buFont typeface="Wingdings 3" charset="2"/>
+              <a:buChar char=""/>
+              <a:defRPr sz="1600" kern="1200">
+                <a:solidFill>
+                  <a:schemeClr val="tx1">
+                    <a:lumMod val="75000"/>
+                    <a:lumOff val="25000"/>
+                  </a:schemeClr>
+                </a:solidFill>
+                <a:latin typeface="+mn-lt"/>
+                <a:ea typeface="+mn-ea"/>
+                <a:cs typeface="+mn-cs"/>
+              </a:defRPr>
+            </a:lvl2pPr>
+            <a:lvl3pPr marL="1143000" indent="-228600" algn="l" defTabSz="457200" rtl="0" eaLnBrk="1" latinLnBrk="0" hangingPunct="1">
+              <a:spcBef>
+                <a:spcPts val="1000"/>
+              </a:spcBef>
+              <a:spcAft>
+                <a:spcPts val="0"/>
+              </a:spcAft>
+              <a:buClr>
+                <a:schemeClr val="accent1"/>
+              </a:buClr>
+              <a:buSzPct val="80000"/>
+              <a:buFont typeface="Wingdings 3" charset="2"/>
+              <a:buChar char=""/>
+              <a:defRPr sz="1400" kern="1200">
+                <a:solidFill>
+                  <a:schemeClr val="tx1">
+                    <a:lumMod val="75000"/>
+                    <a:lumOff val="25000"/>
+                  </a:schemeClr>
+                </a:solidFill>
+                <a:latin typeface="+mn-lt"/>
+                <a:ea typeface="+mn-ea"/>
+                <a:cs typeface="+mn-cs"/>
+              </a:defRPr>
+            </a:lvl3pPr>
+            <a:lvl4pPr marL="1600200" indent="-228600" algn="l" defTabSz="457200" rtl="0" eaLnBrk="1" latinLnBrk="0" hangingPunct="1">
+              <a:spcBef>
+                <a:spcPts val="1000"/>
+              </a:spcBef>
+              <a:spcAft>
+                <a:spcPts val="0"/>
+              </a:spcAft>
+              <a:buClr>
+                <a:schemeClr val="accent1"/>
+              </a:buClr>
+              <a:buSzPct val="80000"/>
+              <a:buFont typeface="Wingdings 3" charset="2"/>
+              <a:buChar char=""/>
+              <a:defRPr sz="1200" kern="1200">
+                <a:solidFill>
+                  <a:schemeClr val="tx1">
+                    <a:lumMod val="75000"/>
+                    <a:lumOff val="25000"/>
+                  </a:schemeClr>
+                </a:solidFill>
+                <a:latin typeface="+mn-lt"/>
+                <a:ea typeface="+mn-ea"/>
+                <a:cs typeface="+mn-cs"/>
+              </a:defRPr>
+            </a:lvl4pPr>
+            <a:lvl5pPr marL="2057400" indent="-228600" algn="l" defTabSz="457200" rtl="0" eaLnBrk="1" latinLnBrk="0" hangingPunct="1">
+              <a:spcBef>
+                <a:spcPts val="1000"/>
+              </a:spcBef>
+              <a:spcAft>
+                <a:spcPts val="0"/>
+              </a:spcAft>
+              <a:buClr>
+                <a:schemeClr val="accent1"/>
+              </a:buClr>
+              <a:buSzPct val="80000"/>
+              <a:buFont typeface="Wingdings 3" charset="2"/>
+              <a:buChar char=""/>
+              <a:defRPr sz="1200" kern="1200">
+                <a:solidFill>
+                  <a:schemeClr val="tx1">
+                    <a:lumMod val="75000"/>
+                    <a:lumOff val="25000"/>
+                  </a:schemeClr>
+                </a:solidFill>
+                <a:latin typeface="+mn-lt"/>
+                <a:ea typeface="+mn-ea"/>
+                <a:cs typeface="+mn-cs"/>
+              </a:defRPr>
+            </a:lvl5pPr>
+            <a:lvl6pPr marL="2514600" indent="-228600" algn="l" defTabSz="457200" rtl="0" eaLnBrk="1" latinLnBrk="0" hangingPunct="1">
+              <a:spcBef>
+                <a:spcPts val="1000"/>
+              </a:spcBef>
+              <a:spcAft>
+                <a:spcPts val="0"/>
+              </a:spcAft>
+              <a:buClr>
+                <a:schemeClr val="accent1"/>
+              </a:buClr>
+              <a:buSzPct val="80000"/>
+              <a:buFont typeface="Wingdings 3" charset="2"/>
+              <a:buChar char=""/>
+              <a:defRPr sz="1200" kern="1200">
+                <a:solidFill>
+                  <a:schemeClr val="tx1">
+                    <a:lumMod val="75000"/>
+                    <a:lumOff val="25000"/>
+                  </a:schemeClr>
+                </a:solidFill>
+                <a:latin typeface="+mn-lt"/>
+                <a:ea typeface="+mn-ea"/>
+                <a:cs typeface="+mn-cs"/>
+              </a:defRPr>
+            </a:lvl6pPr>
+            <a:lvl7pPr marL="2971800" indent="-228600" algn="l" defTabSz="457200" rtl="0" eaLnBrk="1" latinLnBrk="0" hangingPunct="1">
+              <a:spcBef>
+                <a:spcPts val="1000"/>
+              </a:spcBef>
+              <a:spcAft>
+                <a:spcPts val="0"/>
+              </a:spcAft>
+              <a:buClr>
+                <a:schemeClr val="accent1"/>
+              </a:buClr>
+              <a:buSzPct val="80000"/>
+              <a:buFont typeface="Wingdings 3" charset="2"/>
+              <a:buChar char=""/>
+              <a:defRPr sz="1200" kern="1200">
+                <a:solidFill>
+                  <a:schemeClr val="tx1">
+                    <a:lumMod val="75000"/>
+                    <a:lumOff val="25000"/>
+                  </a:schemeClr>
+                </a:solidFill>
+                <a:latin typeface="+mn-lt"/>
+                <a:ea typeface="+mn-ea"/>
+                <a:cs typeface="+mn-cs"/>
+              </a:defRPr>
+            </a:lvl7pPr>
+            <a:lvl8pPr marL="3429000" indent="-228600" algn="l" defTabSz="457200" rtl="0" eaLnBrk="1" latinLnBrk="0" hangingPunct="1">
+              <a:spcBef>
+                <a:spcPts val="1000"/>
+              </a:spcBef>
+              <a:spcAft>
+                <a:spcPts val="0"/>
+              </a:spcAft>
+              <a:buClr>
+                <a:schemeClr val="accent1"/>
+              </a:buClr>
+              <a:buSzPct val="80000"/>
+              <a:buFont typeface="Wingdings 3" charset="2"/>
+              <a:buChar char=""/>
+              <a:defRPr sz="1200" kern="1200">
+                <a:solidFill>
+                  <a:schemeClr val="tx1">
+                    <a:lumMod val="75000"/>
+                    <a:lumOff val="25000"/>
+                  </a:schemeClr>
+                </a:solidFill>
+                <a:latin typeface="+mn-lt"/>
+                <a:ea typeface="+mn-ea"/>
+                <a:cs typeface="+mn-cs"/>
+              </a:defRPr>
+            </a:lvl8pPr>
+            <a:lvl9pPr marL="3886200" indent="-228600" algn="l" defTabSz="457200" rtl="0" eaLnBrk="1" latinLnBrk="0" hangingPunct="1">
+              <a:spcBef>
+                <a:spcPts val="1000"/>
+              </a:spcBef>
+              <a:spcAft>
+                <a:spcPts val="0"/>
+              </a:spcAft>
+              <a:buClr>
+                <a:schemeClr val="accent1"/>
+              </a:buClr>
+              <a:buSzPct val="80000"/>
+              <a:buFont typeface="Wingdings 3" charset="2"/>
+              <a:buChar char=""/>
+              <a:defRPr sz="1200" kern="1200">
+                <a:solidFill>
+                  <a:schemeClr val="tx1">
+                    <a:lumMod val="75000"/>
+                    <a:lumOff val="25000"/>
+                  </a:schemeClr>
+                </a:solidFill>
+                <a:latin typeface="+mn-lt"/>
+                <a:ea typeface="+mn-ea"/>
+                <a:cs typeface="+mn-cs"/>
+              </a:defRPr>
+            </a:lvl9pPr>
+          </a:lstStyle>
+          <a:p>
+            <a:pPr algn="ctr"/>
+            <a:r>
+              <a:rPr lang="en-US" dirty="0"/>
+              <a:t>SQLite</a:t>
+            </a:r>
+            <a:endParaRPr lang="ru-RU" dirty="0"/>
+          </a:p>
+        </p:txBody>
+      </p:sp>
+    </p:spTree>
+    <p:extLst>
+      <p:ext uri="{BB962C8B-B14F-4D97-AF65-F5344CB8AC3E}">
+        <p14:creationId xmlns:p14="http://schemas.microsoft.com/office/powerpoint/2010/main" val="3475517144"/>
       </p:ext>
     </p:extLst>
   </p:cSld>
@@ -7213,10 +7452,10 @@
       </p:grpSpPr>
       <p:sp>
         <p:nvSpPr>
-          <p:cNvPr id="5" name="Заголовок 1">
+          <p:cNvPr id="2" name="Заголовок 1">
             <a:extLst>
               <a:ext uri="{FF2B5EF4-FFF2-40B4-BE49-F238E27FC236}">
-                <a16:creationId xmlns:a16="http://schemas.microsoft.com/office/drawing/2014/main" id="{6707CF26-D64C-4521-9A46-CE45B85C19AB}"/>
+                <a16:creationId xmlns:a16="http://schemas.microsoft.com/office/drawing/2014/main" id="{1408F5FF-F097-449F-A002-05D9752AAF22}"/>
               </a:ext>
             </a:extLst>
           </p:cNvPr>
@@ -7229,8 +7468,8 @@
         </p:nvSpPr>
         <p:spPr>
           <a:xfrm>
-            <a:off x="677863" y="0"/>
-            <a:ext cx="8596312" cy="1320800"/>
+            <a:off x="677334" y="0"/>
+            <a:ext cx="8596668" cy="1320800"/>
           </a:xfrm>
         </p:spPr>
         <p:txBody>
@@ -7240,41 +7479,24 @@
             <a:pPr algn="ctr"/>
             <a:r>
               <a:rPr lang="ru-RU" dirty="0"/>
-              <a:t>Модели баз данных (3/3)</a:t>
-            </a:r>
-          </a:p>
-        </p:txBody>
-      </p:sp>
-      <p:pic>
-        <p:nvPicPr>
-          <p:cNvPr id="2" name="Рисунок 1"/>
-          <p:cNvPicPr>
-            <a:picLocks noChangeAspect="1"/>
-          </p:cNvPicPr>
-          <p:nvPr/>
-        </p:nvPicPr>
-        <p:blipFill>
-          <a:blip r:embed="rId2"/>
-          <a:stretch>
-            <a:fillRect/>
-          </a:stretch>
-        </p:blipFill>
-        <p:spPr>
-          <a:xfrm>
-            <a:off x="1621720" y="978793"/>
-            <a:ext cx="7776729" cy="5293217"/>
-          </a:xfrm>
-          <a:prstGeom prst="rect">
-            <a:avLst/>
-          </a:prstGeom>
-        </p:spPr>
-      </p:pic>
-      <p:sp>
-        <p:nvSpPr>
-          <p:cNvPr id="7" name="Номер слайда 5">
+              <a:t>Перечень основных операций с</a:t>
+            </a:r>
+            <a:br>
+              <a:rPr lang="ru-RU" dirty="0"/>
+            </a:br>
+            <a:r>
+              <a:rPr lang="ru-RU" dirty="0"/>
+              <a:t>базами данных</a:t>
+            </a:r>
+          </a:p>
+        </p:txBody>
+      </p:sp>
+      <p:sp>
+        <p:nvSpPr>
+          <p:cNvPr id="3" name="Объект 2">
             <a:extLst>
               <a:ext uri="{FF2B5EF4-FFF2-40B4-BE49-F238E27FC236}">
-                <a16:creationId xmlns:a16="http://schemas.microsoft.com/office/drawing/2014/main" id="{4CBD0019-A202-4803-9622-31EC2B90A115}"/>
+                <a16:creationId xmlns:a16="http://schemas.microsoft.com/office/drawing/2014/main" id="{77FA3B7B-72DF-4124-9210-E5C4395D1B92}"/>
               </a:ext>
             </a:extLst>
           </p:cNvPr>
@@ -7282,13 +7504,87 @@
             <a:spLocks noGrp="1"/>
           </p:cNvSpPr>
           <p:nvPr>
-            <p:ph type="sldNum" sz="quarter" idx="12"/>
+            <p:ph idx="1"/>
           </p:nvPr>
         </p:nvSpPr>
         <p:spPr>
           <a:xfrm>
-            <a:off x="10780933" y="6041362"/>
-            <a:ext cx="1411068" cy="365125"/>
+            <a:off x="677333" y="1728573"/>
+            <a:ext cx="8981261" cy="4919362"/>
+          </a:xfrm>
+        </p:spPr>
+        <p:txBody>
+          <a:bodyPr>
+            <a:normAutofit/>
+          </a:bodyPr>
+          <a:lstStyle/>
+          <a:p>
+            <a:pPr marL="0" indent="0">
+              <a:buNone/>
+            </a:pPr>
+            <a:r>
+              <a:rPr lang="ru-RU" sz="3200" b="1" dirty="0"/>
+              <a:t>Примеры составных запросов</a:t>
+            </a:r>
+          </a:p>
+          <a:p>
+            <a:r>
+              <a:rPr lang="ru-RU" sz="3200" dirty="0"/>
+              <a:t>Получение информации о параметрах игры.</a:t>
+            </a:r>
+          </a:p>
+          <a:p>
+            <a:pPr marL="0" indent="0">
+              <a:buNone/>
+            </a:pPr>
+            <a:endParaRPr lang="ru-RU" sz="3200" b="1" dirty="0"/>
+          </a:p>
+          <a:p>
+            <a:pPr marL="0" indent="0">
+              <a:buNone/>
+            </a:pPr>
+            <a:r>
+              <a:rPr lang="ru-RU" sz="3200" b="1" dirty="0"/>
+              <a:t>Выборка данных</a:t>
+            </a:r>
+          </a:p>
+          <a:p>
+            <a:r>
+              <a:rPr lang="ru-RU" sz="3200" dirty="0"/>
+              <a:t>Получение пользователем информации о характеристиках персонажа.</a:t>
+            </a:r>
+          </a:p>
+          <a:p>
+            <a:r>
+              <a:rPr lang="ru-RU" sz="3200" dirty="0"/>
+              <a:t>Получение пользователем подробной информации о развитии игры.</a:t>
+            </a:r>
+          </a:p>
+          <a:p>
+            <a:endParaRPr lang="ru-RU" sz="3200" dirty="0"/>
+          </a:p>
+        </p:txBody>
+      </p:sp>
+      <p:sp>
+        <p:nvSpPr>
+          <p:cNvPr id="6" name="Номер слайда 5">
+            <a:extLst>
+              <a:ext uri="{FF2B5EF4-FFF2-40B4-BE49-F238E27FC236}">
+                <a16:creationId xmlns:a16="http://schemas.microsoft.com/office/drawing/2014/main" id="{F6512233-9208-4CBB-BCF5-3CF219E0C631}"/>
+              </a:ext>
+            </a:extLst>
+          </p:cNvPr>
+          <p:cNvSpPr>
+            <a:spLocks noGrp="1"/>
+          </p:cNvSpPr>
+          <p:nvPr>
+            <p:ph type="sldNum" sz="quarter" idx="12"/>
+          </p:nvPr>
+        </p:nvSpPr>
+        <p:spPr>
+          <a:xfrm>
+            <a:off x="10999317" y="6041362"/>
+            <a:ext cx="1192683" cy="365125"/>
           </a:xfrm>
         </p:spPr>
         <p:txBody>
@@ -7315,274 +7611,10 @@
           </a:p>
         </p:txBody>
       </p:sp>
-      <p:sp>
-        <p:nvSpPr>
-          <p:cNvPr id="8" name="Объект 2">
-            <a:extLst>
-              <a:ext uri="{FF2B5EF4-FFF2-40B4-BE49-F238E27FC236}">
-                <a16:creationId xmlns:a16="http://schemas.microsoft.com/office/drawing/2014/main" id="{7E49EF4F-2492-4146-ACEC-95CBD054DA53}"/>
-              </a:ext>
-            </a:extLst>
-          </p:cNvPr>
-          <p:cNvSpPr txBox="1">
-            <a:spLocks/>
-          </p:cNvSpPr>
-          <p:nvPr/>
-        </p:nvSpPr>
-        <p:spPr>
-          <a:xfrm>
-            <a:off x="-6005" y="978794"/>
-            <a:ext cx="2147269" cy="5879206"/>
-          </a:xfrm>
-          <a:prstGeom prst="rect">
-            <a:avLst/>
-          </a:prstGeom>
-        </p:spPr>
-        <p:txBody>
-          <a:bodyPr vert="horz" lIns="91440" tIns="45720" rIns="91440" bIns="45720" rtlCol="0">
-            <a:normAutofit/>
-          </a:bodyPr>
-          <a:lstStyle>
-            <a:lvl1pPr marL="342900" indent="-342900" algn="l" defTabSz="457200" rtl="0" eaLnBrk="1" latinLnBrk="0" hangingPunct="1">
-              <a:spcBef>
-                <a:spcPts val="1000"/>
-              </a:spcBef>
-              <a:spcAft>
-                <a:spcPts val="0"/>
-              </a:spcAft>
-              <a:buClr>
-                <a:schemeClr val="accent1"/>
-              </a:buClr>
-              <a:buSzPct val="80000"/>
-              <a:buFont typeface="Wingdings 3" charset="2"/>
-              <a:buChar char=""/>
-              <a:defRPr sz="1800" kern="1200">
-                <a:solidFill>
-                  <a:schemeClr val="tx1">
-                    <a:lumMod val="75000"/>
-                    <a:lumOff val="25000"/>
-                  </a:schemeClr>
-                </a:solidFill>
-                <a:latin typeface="+mn-lt"/>
-                <a:ea typeface="+mn-ea"/>
-                <a:cs typeface="+mn-cs"/>
-              </a:defRPr>
-            </a:lvl1pPr>
-            <a:lvl2pPr marL="742950" indent="-285750" algn="l" defTabSz="457200" rtl="0" eaLnBrk="1" latinLnBrk="0" hangingPunct="1">
-              <a:spcBef>
-                <a:spcPts val="1000"/>
-              </a:spcBef>
-              <a:spcAft>
-                <a:spcPts val="0"/>
-              </a:spcAft>
-              <a:buClr>
-                <a:schemeClr val="accent1"/>
-              </a:buClr>
-              <a:buSzPct val="80000"/>
-              <a:buFont typeface="Wingdings 3" charset="2"/>
-              <a:buChar char=""/>
-              <a:defRPr sz="1600" kern="1200">
-                <a:solidFill>
-                  <a:schemeClr val="tx1">
-                    <a:lumMod val="75000"/>
-                    <a:lumOff val="25000"/>
-                  </a:schemeClr>
-                </a:solidFill>
-                <a:latin typeface="+mn-lt"/>
-                <a:ea typeface="+mn-ea"/>
-                <a:cs typeface="+mn-cs"/>
-              </a:defRPr>
-            </a:lvl2pPr>
-            <a:lvl3pPr marL="1143000" indent="-228600" algn="l" defTabSz="457200" rtl="0" eaLnBrk="1" latinLnBrk="0" hangingPunct="1">
-              <a:spcBef>
-                <a:spcPts val="1000"/>
-              </a:spcBef>
-              <a:spcAft>
-                <a:spcPts val="0"/>
-              </a:spcAft>
-              <a:buClr>
-                <a:schemeClr val="accent1"/>
-              </a:buClr>
-              <a:buSzPct val="80000"/>
-              <a:buFont typeface="Wingdings 3" charset="2"/>
-              <a:buChar char=""/>
-              <a:defRPr sz="1400" kern="1200">
-                <a:solidFill>
-                  <a:schemeClr val="tx1">
-                    <a:lumMod val="75000"/>
-                    <a:lumOff val="25000"/>
-                  </a:schemeClr>
-                </a:solidFill>
-                <a:latin typeface="+mn-lt"/>
-                <a:ea typeface="+mn-ea"/>
-                <a:cs typeface="+mn-cs"/>
-              </a:defRPr>
-            </a:lvl3pPr>
-            <a:lvl4pPr marL="1600200" indent="-228600" algn="l" defTabSz="457200" rtl="0" eaLnBrk="1" latinLnBrk="0" hangingPunct="1">
-              <a:spcBef>
-                <a:spcPts val="1000"/>
-              </a:spcBef>
-              <a:spcAft>
-                <a:spcPts val="0"/>
-              </a:spcAft>
-              <a:buClr>
-                <a:schemeClr val="accent1"/>
-              </a:buClr>
-              <a:buSzPct val="80000"/>
-              <a:buFont typeface="Wingdings 3" charset="2"/>
-              <a:buChar char=""/>
-              <a:defRPr sz="1200" kern="1200">
-                <a:solidFill>
-                  <a:schemeClr val="tx1">
-                    <a:lumMod val="75000"/>
-                    <a:lumOff val="25000"/>
-                  </a:schemeClr>
-                </a:solidFill>
-                <a:latin typeface="+mn-lt"/>
-                <a:ea typeface="+mn-ea"/>
-                <a:cs typeface="+mn-cs"/>
-              </a:defRPr>
-            </a:lvl4pPr>
-            <a:lvl5pPr marL="2057400" indent="-228600" algn="l" defTabSz="457200" rtl="0" eaLnBrk="1" latinLnBrk="0" hangingPunct="1">
-              <a:spcBef>
-                <a:spcPts val="1000"/>
-              </a:spcBef>
-              <a:spcAft>
-                <a:spcPts val="0"/>
-              </a:spcAft>
-              <a:buClr>
-                <a:schemeClr val="accent1"/>
-              </a:buClr>
-              <a:buSzPct val="80000"/>
-              <a:buFont typeface="Wingdings 3" charset="2"/>
-              <a:buChar char=""/>
-              <a:defRPr sz="1200" kern="1200">
-                <a:solidFill>
-                  <a:schemeClr val="tx1">
-                    <a:lumMod val="75000"/>
-                    <a:lumOff val="25000"/>
-                  </a:schemeClr>
-                </a:solidFill>
-                <a:latin typeface="+mn-lt"/>
-                <a:ea typeface="+mn-ea"/>
-                <a:cs typeface="+mn-cs"/>
-              </a:defRPr>
-            </a:lvl5pPr>
-            <a:lvl6pPr marL="2514600" indent="-228600" algn="l" defTabSz="457200" rtl="0" eaLnBrk="1" latinLnBrk="0" hangingPunct="1">
-              <a:spcBef>
-                <a:spcPts val="1000"/>
-              </a:spcBef>
-              <a:spcAft>
-                <a:spcPts val="0"/>
-              </a:spcAft>
-              <a:buClr>
-                <a:schemeClr val="accent1"/>
-              </a:buClr>
-              <a:buSzPct val="80000"/>
-              <a:buFont typeface="Wingdings 3" charset="2"/>
-              <a:buChar char=""/>
-              <a:defRPr sz="1200" kern="1200">
-                <a:solidFill>
-                  <a:schemeClr val="tx1">
-                    <a:lumMod val="75000"/>
-                    <a:lumOff val="25000"/>
-                  </a:schemeClr>
-                </a:solidFill>
-                <a:latin typeface="+mn-lt"/>
-                <a:ea typeface="+mn-ea"/>
-                <a:cs typeface="+mn-cs"/>
-              </a:defRPr>
-            </a:lvl6pPr>
-            <a:lvl7pPr marL="2971800" indent="-228600" algn="l" defTabSz="457200" rtl="0" eaLnBrk="1" latinLnBrk="0" hangingPunct="1">
-              <a:spcBef>
-                <a:spcPts val="1000"/>
-              </a:spcBef>
-              <a:spcAft>
-                <a:spcPts val="0"/>
-              </a:spcAft>
-              <a:buClr>
-                <a:schemeClr val="accent1"/>
-              </a:buClr>
-              <a:buSzPct val="80000"/>
-              <a:buFont typeface="Wingdings 3" charset="2"/>
-              <a:buChar char=""/>
-              <a:defRPr sz="1200" kern="1200">
-                <a:solidFill>
-                  <a:schemeClr val="tx1">
-                    <a:lumMod val="75000"/>
-                    <a:lumOff val="25000"/>
-                  </a:schemeClr>
-                </a:solidFill>
-                <a:latin typeface="+mn-lt"/>
-                <a:ea typeface="+mn-ea"/>
-                <a:cs typeface="+mn-cs"/>
-              </a:defRPr>
-            </a:lvl7pPr>
-            <a:lvl8pPr marL="3429000" indent="-228600" algn="l" defTabSz="457200" rtl="0" eaLnBrk="1" latinLnBrk="0" hangingPunct="1">
-              <a:spcBef>
-                <a:spcPts val="1000"/>
-              </a:spcBef>
-              <a:spcAft>
-                <a:spcPts val="0"/>
-              </a:spcAft>
-              <a:buClr>
-                <a:schemeClr val="accent1"/>
-              </a:buClr>
-              <a:buSzPct val="80000"/>
-              <a:buFont typeface="Wingdings 3" charset="2"/>
-              <a:buChar char=""/>
-              <a:defRPr sz="1200" kern="1200">
-                <a:solidFill>
-                  <a:schemeClr val="tx1">
-                    <a:lumMod val="75000"/>
-                    <a:lumOff val="25000"/>
-                  </a:schemeClr>
-                </a:solidFill>
-                <a:latin typeface="+mn-lt"/>
-                <a:ea typeface="+mn-ea"/>
-                <a:cs typeface="+mn-cs"/>
-              </a:defRPr>
-            </a:lvl8pPr>
-            <a:lvl9pPr marL="3886200" indent="-228600" algn="l" defTabSz="457200" rtl="0" eaLnBrk="1" latinLnBrk="0" hangingPunct="1">
-              <a:spcBef>
-                <a:spcPts val="1000"/>
-              </a:spcBef>
-              <a:spcAft>
-                <a:spcPts val="0"/>
-              </a:spcAft>
-              <a:buClr>
-                <a:schemeClr val="accent1"/>
-              </a:buClr>
-              <a:buSzPct val="80000"/>
-              <a:buFont typeface="Wingdings 3" charset="2"/>
-              <a:buChar char=""/>
-              <a:defRPr sz="1200" kern="1200">
-                <a:solidFill>
-                  <a:schemeClr val="tx1">
-                    <a:lumMod val="75000"/>
-                    <a:lumOff val="25000"/>
-                  </a:schemeClr>
-                </a:solidFill>
-                <a:latin typeface="+mn-lt"/>
-                <a:ea typeface="+mn-ea"/>
-                <a:cs typeface="+mn-cs"/>
-              </a:defRPr>
-            </a:lvl9pPr>
-          </a:lstStyle>
-          <a:p>
-            <a:pPr algn="ctr"/>
-            <a:r>
-              <a:rPr lang="en-US" dirty="0"/>
-              <a:t>SQLite</a:t>
-            </a:r>
-            <a:endParaRPr lang="ru-RU" dirty="0"/>
-          </a:p>
-        </p:txBody>
-      </p:sp>
     </p:spTree>
     <p:extLst>
       <p:ext uri="{BB962C8B-B14F-4D97-AF65-F5344CB8AC3E}">
-        <p14:creationId xmlns:p14="http://schemas.microsoft.com/office/powerpoint/2010/main" val="3475517144"/>
+        <p14:creationId xmlns:p14="http://schemas.microsoft.com/office/powerpoint/2010/main" val="666216987"/>
       </p:ext>
     </p:extLst>
   </p:cSld>
@@ -10639,6 +10671,1030 @@
           <p:cNvPr id="2" name="Заголовок 1">
             <a:extLst>
               <a:ext uri="{FF2B5EF4-FFF2-40B4-BE49-F238E27FC236}">
+                <a16:creationId xmlns:a16="http://schemas.microsoft.com/office/drawing/2014/main" id="{26B03773-AEDE-4C28-8DA0-8F3B67036B5B}"/>
+              </a:ext>
+            </a:extLst>
+          </p:cNvPr>
+          <p:cNvSpPr>
+            <a:spLocks noGrp="1"/>
+          </p:cNvSpPr>
+          <p:nvPr>
+            <p:ph type="title"/>
+          </p:nvPr>
+        </p:nvSpPr>
+        <p:spPr>
+          <a:xfrm>
+            <a:off x="677334" y="0"/>
+            <a:ext cx="8596668" cy="1320800"/>
+          </a:xfrm>
+        </p:spPr>
+        <p:txBody>
+          <a:bodyPr/>
+          <a:lstStyle/>
+          <a:p>
+            <a:pPr algn="ctr"/>
+            <a:r>
+              <a:rPr lang="ru-RU" dirty="0"/>
+              <a:t>Функциональные требования</a:t>
+            </a:r>
+          </a:p>
+        </p:txBody>
+      </p:sp>
+      <p:sp>
+        <p:nvSpPr>
+          <p:cNvPr id="3" name="Объект 2">
+            <a:extLst>
+              <a:ext uri="{FF2B5EF4-FFF2-40B4-BE49-F238E27FC236}">
+                <a16:creationId xmlns:a16="http://schemas.microsoft.com/office/drawing/2014/main" id="{4841B33C-17B7-4081-876E-BD88A681A4D0}"/>
+              </a:ext>
+            </a:extLst>
+          </p:cNvPr>
+          <p:cNvSpPr>
+            <a:spLocks noGrp="1"/>
+          </p:cNvSpPr>
+          <p:nvPr>
+            <p:ph idx="1"/>
+          </p:nvPr>
+        </p:nvSpPr>
+        <p:spPr>
+          <a:xfrm>
+            <a:off x="2568380" y="1765715"/>
+            <a:ext cx="3934020" cy="789155"/>
+          </a:xfrm>
+        </p:spPr>
+        <p:txBody>
+          <a:bodyPr>
+            <a:noAutofit/>
+          </a:bodyPr>
+          <a:lstStyle/>
+          <a:p>
+            <a:r>
+              <a:rPr lang="ru-RU" sz="3200" dirty="0"/>
+              <a:t>Хранение данных</a:t>
+            </a:r>
+          </a:p>
+        </p:txBody>
+      </p:sp>
+      <p:pic>
+        <p:nvPicPr>
+          <p:cNvPr id="2050" name="Picture 2" descr="ÐÐ°ÑÑÐ¸Ð½ÐºÐ¸ Ð¿Ð¾ Ð·Ð°Ð¿ÑÐ¾ÑÑ Ñ+ÑÐ°Ð½ÐµÐ½Ð¸Ðµ Ð´Ð°Ð½Ð½ÑÑ+ Ð·Ð½Ð°ÑÐ¾Ðº">
+            <a:extLst>
+              <a:ext uri="{FF2B5EF4-FFF2-40B4-BE49-F238E27FC236}">
+                <a16:creationId xmlns:a16="http://schemas.microsoft.com/office/drawing/2014/main" id="{9D3C6283-A0B2-4CA3-8448-EBFB52AD1649}"/>
+              </a:ext>
+            </a:extLst>
+          </p:cNvPr>
+          <p:cNvPicPr>
+            <a:picLocks noChangeAspect="1" noChangeArrowheads="1"/>
+          </p:cNvPicPr>
+          <p:nvPr/>
+        </p:nvPicPr>
+        <p:blipFill>
+          <a:blip r:embed="rId2">
+            <a:extLst>
+              <a:ext uri="{28A0092B-C50C-407E-A947-70E740481C1C}">
+                <a14:useLocalDpi xmlns:a14="http://schemas.microsoft.com/office/drawing/2010/main" val="0"/>
+              </a:ext>
+            </a:extLst>
+          </a:blip>
+          <a:srcRect/>
+          <a:stretch>
+            <a:fillRect/>
+          </a:stretch>
+        </p:blipFill>
+        <p:spPr bwMode="auto">
+          <a:xfrm>
+            <a:off x="350026" y="1005369"/>
+            <a:ext cx="2218354" cy="2218354"/>
+          </a:xfrm>
+          <a:prstGeom prst="rect">
+            <a:avLst/>
+          </a:prstGeom>
+          <a:noFill/>
+          <a:extLst>
+            <a:ext uri="{909E8E84-426E-40DD-AFC4-6F175D3DCCD1}">
+              <a14:hiddenFill xmlns:a14="http://schemas.microsoft.com/office/drawing/2010/main">
+                <a:solidFill>
+                  <a:srgbClr val="FFFFFF"/>
+                </a:solidFill>
+              </a14:hiddenFill>
+            </a:ext>
+          </a:extLst>
+        </p:spPr>
+      </p:pic>
+      <p:pic>
+        <p:nvPicPr>
+          <p:cNvPr id="2054" name="Picture 6" descr="ÐÐ°ÑÑÐ¸Ð½ÐºÐ¸ Ð¿Ð¾ Ð·Ð°Ð¿ÑÐ¾ÑÑ data sampling icon">
+            <a:extLst>
+              <a:ext uri="{FF2B5EF4-FFF2-40B4-BE49-F238E27FC236}">
+                <a16:creationId xmlns:a16="http://schemas.microsoft.com/office/drawing/2014/main" id="{C11CFCB1-C238-4149-81D2-9EA38C929A79}"/>
+              </a:ext>
+            </a:extLst>
+          </p:cNvPr>
+          <p:cNvPicPr>
+            <a:picLocks noChangeAspect="1" noChangeArrowheads="1"/>
+          </p:cNvPicPr>
+          <p:nvPr/>
+        </p:nvPicPr>
+        <p:blipFill>
+          <a:blip r:embed="rId3">
+            <a:extLst>
+              <a:ext uri="{28A0092B-C50C-407E-A947-70E740481C1C}">
+                <a14:useLocalDpi xmlns:a14="http://schemas.microsoft.com/office/drawing/2010/main" val="0"/>
+              </a:ext>
+            </a:extLst>
+          </a:blip>
+          <a:srcRect/>
+          <a:stretch>
+            <a:fillRect/>
+          </a:stretch>
+        </p:blipFill>
+        <p:spPr bwMode="auto">
+          <a:xfrm>
+            <a:off x="7217850" y="2400360"/>
+            <a:ext cx="2245166" cy="2245166"/>
+          </a:xfrm>
+          <a:prstGeom prst="rect">
+            <a:avLst/>
+          </a:prstGeom>
+          <a:noFill/>
+          <a:extLst>
+            <a:ext uri="{909E8E84-426E-40DD-AFC4-6F175D3DCCD1}">
+              <a14:hiddenFill xmlns:a14="http://schemas.microsoft.com/office/drawing/2010/main">
+                <a:solidFill>
+                  <a:srgbClr val="FFFFFF"/>
+                </a:solidFill>
+              </a14:hiddenFill>
+            </a:ext>
+          </a:extLst>
+        </p:spPr>
+      </p:pic>
+      <p:pic>
+        <p:nvPicPr>
+          <p:cNvPr id="2056" name="Picture 8" descr="ÐÐ°ÑÑÐ¸Ð½ÐºÐ¸ Ð¿Ð¾ Ð·Ð°Ð¿ÑÐ¾ÑÑ data refresh icon">
+            <a:extLst>
+              <a:ext uri="{FF2B5EF4-FFF2-40B4-BE49-F238E27FC236}">
+                <a16:creationId xmlns:a16="http://schemas.microsoft.com/office/drawing/2014/main" id="{9411FD29-0E44-465F-9A02-6312D51380CC}"/>
+              </a:ext>
+            </a:extLst>
+          </p:cNvPr>
+          <p:cNvPicPr>
+            <a:picLocks noChangeAspect="1" noChangeArrowheads="1"/>
+          </p:cNvPicPr>
+          <p:nvPr/>
+        </p:nvPicPr>
+        <p:blipFill>
+          <a:blip r:embed="rId4">
+            <a:extLst>
+              <a:ext uri="{28A0092B-C50C-407E-A947-70E740481C1C}">
+                <a14:useLocalDpi xmlns:a14="http://schemas.microsoft.com/office/drawing/2010/main" val="0"/>
+              </a:ext>
+            </a:extLst>
+          </a:blip>
+          <a:srcRect/>
+          <a:stretch>
+            <a:fillRect/>
+          </a:stretch>
+        </p:blipFill>
+        <p:spPr bwMode="auto">
+          <a:xfrm>
+            <a:off x="2149049" y="4419832"/>
+            <a:ext cx="2218354" cy="2218354"/>
+          </a:xfrm>
+          <a:prstGeom prst="rect">
+            <a:avLst/>
+          </a:prstGeom>
+          <a:noFill/>
+          <a:extLst>
+            <a:ext uri="{909E8E84-426E-40DD-AFC4-6F175D3DCCD1}">
+              <a14:hiddenFill xmlns:a14="http://schemas.microsoft.com/office/drawing/2010/main">
+                <a:solidFill>
+                  <a:srgbClr val="FFFFFF"/>
+                </a:solidFill>
+              </a14:hiddenFill>
+            </a:ext>
+          </a:extLst>
+        </p:spPr>
+      </p:pic>
+      <p:sp>
+        <p:nvSpPr>
+          <p:cNvPr id="10" name="Объект 2">
+            <a:extLst>
+              <a:ext uri="{FF2B5EF4-FFF2-40B4-BE49-F238E27FC236}">
+                <a16:creationId xmlns:a16="http://schemas.microsoft.com/office/drawing/2014/main" id="{F027ED9E-D37D-48CE-9BA4-A524E80FCC67}"/>
+              </a:ext>
+            </a:extLst>
+          </p:cNvPr>
+          <p:cNvSpPr txBox="1">
+            <a:spLocks/>
+          </p:cNvSpPr>
+          <p:nvPr/>
+        </p:nvSpPr>
+        <p:spPr>
+          <a:xfrm>
+            <a:off x="4357585" y="5027259"/>
+            <a:ext cx="4475631" cy="836647"/>
+          </a:xfrm>
+          <a:prstGeom prst="rect">
+            <a:avLst/>
+          </a:prstGeom>
+        </p:spPr>
+        <p:txBody>
+          <a:bodyPr vert="horz" lIns="91440" tIns="45720" rIns="91440" bIns="45720" rtlCol="0">
+            <a:noAutofit/>
+          </a:bodyPr>
+          <a:lstStyle>
+            <a:lvl1pPr marL="342900" indent="-342900" algn="l" defTabSz="457200" rtl="0" eaLnBrk="1" latinLnBrk="0" hangingPunct="1">
+              <a:spcBef>
+                <a:spcPts val="1000"/>
+              </a:spcBef>
+              <a:spcAft>
+                <a:spcPts val="0"/>
+              </a:spcAft>
+              <a:buClr>
+                <a:schemeClr val="accent1"/>
+              </a:buClr>
+              <a:buSzPct val="80000"/>
+              <a:buFont typeface="Wingdings 3" charset="2"/>
+              <a:buChar char=""/>
+              <a:defRPr sz="1800" kern="1200">
+                <a:solidFill>
+                  <a:schemeClr val="tx1">
+                    <a:lumMod val="75000"/>
+                    <a:lumOff val="25000"/>
+                  </a:schemeClr>
+                </a:solidFill>
+                <a:latin typeface="+mn-lt"/>
+                <a:ea typeface="+mn-ea"/>
+                <a:cs typeface="+mn-cs"/>
+              </a:defRPr>
+            </a:lvl1pPr>
+            <a:lvl2pPr marL="742950" indent="-285750" algn="l" defTabSz="457200" rtl="0" eaLnBrk="1" latinLnBrk="0" hangingPunct="1">
+              <a:spcBef>
+                <a:spcPts val="1000"/>
+              </a:spcBef>
+              <a:spcAft>
+                <a:spcPts val="0"/>
+              </a:spcAft>
+              <a:buClr>
+                <a:schemeClr val="accent1"/>
+              </a:buClr>
+              <a:buSzPct val="80000"/>
+              <a:buFont typeface="Wingdings 3" charset="2"/>
+              <a:buChar char=""/>
+              <a:defRPr sz="1600" kern="1200">
+                <a:solidFill>
+                  <a:schemeClr val="tx1">
+                    <a:lumMod val="75000"/>
+                    <a:lumOff val="25000"/>
+                  </a:schemeClr>
+                </a:solidFill>
+                <a:latin typeface="+mn-lt"/>
+                <a:ea typeface="+mn-ea"/>
+                <a:cs typeface="+mn-cs"/>
+              </a:defRPr>
+            </a:lvl2pPr>
+            <a:lvl3pPr marL="1143000" indent="-228600" algn="l" defTabSz="457200" rtl="0" eaLnBrk="1" latinLnBrk="0" hangingPunct="1">
+              <a:spcBef>
+                <a:spcPts val="1000"/>
+              </a:spcBef>
+              <a:spcAft>
+                <a:spcPts val="0"/>
+              </a:spcAft>
+              <a:buClr>
+                <a:schemeClr val="accent1"/>
+              </a:buClr>
+              <a:buSzPct val="80000"/>
+              <a:buFont typeface="Wingdings 3" charset="2"/>
+              <a:buChar char=""/>
+              <a:defRPr sz="1400" kern="1200">
+                <a:solidFill>
+                  <a:schemeClr val="tx1">
+                    <a:lumMod val="75000"/>
+                    <a:lumOff val="25000"/>
+                  </a:schemeClr>
+                </a:solidFill>
+                <a:latin typeface="+mn-lt"/>
+                <a:ea typeface="+mn-ea"/>
+                <a:cs typeface="+mn-cs"/>
+              </a:defRPr>
+            </a:lvl3pPr>
+            <a:lvl4pPr marL="1600200" indent="-228600" algn="l" defTabSz="457200" rtl="0" eaLnBrk="1" latinLnBrk="0" hangingPunct="1">
+              <a:spcBef>
+                <a:spcPts val="1000"/>
+              </a:spcBef>
+              <a:spcAft>
+                <a:spcPts val="0"/>
+              </a:spcAft>
+              <a:buClr>
+                <a:schemeClr val="accent1"/>
+              </a:buClr>
+              <a:buSzPct val="80000"/>
+              <a:buFont typeface="Wingdings 3" charset="2"/>
+              <a:buChar char=""/>
+              <a:defRPr sz="1200" kern="1200">
+                <a:solidFill>
+                  <a:schemeClr val="tx1">
+                    <a:lumMod val="75000"/>
+                    <a:lumOff val="25000"/>
+                  </a:schemeClr>
+                </a:solidFill>
+                <a:latin typeface="+mn-lt"/>
+                <a:ea typeface="+mn-ea"/>
+                <a:cs typeface="+mn-cs"/>
+              </a:defRPr>
+            </a:lvl4pPr>
+            <a:lvl5pPr marL="2057400" indent="-228600" algn="l" defTabSz="457200" rtl="0" eaLnBrk="1" latinLnBrk="0" hangingPunct="1">
+              <a:spcBef>
+                <a:spcPts val="1000"/>
+              </a:spcBef>
+              <a:spcAft>
+                <a:spcPts val="0"/>
+              </a:spcAft>
+              <a:buClr>
+                <a:schemeClr val="accent1"/>
+              </a:buClr>
+              <a:buSzPct val="80000"/>
+              <a:buFont typeface="Wingdings 3" charset="2"/>
+              <a:buChar char=""/>
+              <a:defRPr sz="1200" kern="1200">
+                <a:solidFill>
+                  <a:schemeClr val="tx1">
+                    <a:lumMod val="75000"/>
+                    <a:lumOff val="25000"/>
+                  </a:schemeClr>
+                </a:solidFill>
+                <a:latin typeface="+mn-lt"/>
+                <a:ea typeface="+mn-ea"/>
+                <a:cs typeface="+mn-cs"/>
+              </a:defRPr>
+            </a:lvl5pPr>
+            <a:lvl6pPr marL="2514600" indent="-228600" algn="l" defTabSz="457200" rtl="0" eaLnBrk="1" latinLnBrk="0" hangingPunct="1">
+              <a:spcBef>
+                <a:spcPts val="1000"/>
+              </a:spcBef>
+              <a:spcAft>
+                <a:spcPts val="0"/>
+              </a:spcAft>
+              <a:buClr>
+                <a:schemeClr val="accent1"/>
+              </a:buClr>
+              <a:buSzPct val="80000"/>
+              <a:buFont typeface="Wingdings 3" charset="2"/>
+              <a:buChar char=""/>
+              <a:defRPr sz="1200" kern="1200">
+                <a:solidFill>
+                  <a:schemeClr val="tx1">
+                    <a:lumMod val="75000"/>
+                    <a:lumOff val="25000"/>
+                  </a:schemeClr>
+                </a:solidFill>
+                <a:latin typeface="+mn-lt"/>
+                <a:ea typeface="+mn-ea"/>
+                <a:cs typeface="+mn-cs"/>
+              </a:defRPr>
+            </a:lvl6pPr>
+            <a:lvl7pPr marL="2971800" indent="-228600" algn="l" defTabSz="457200" rtl="0" eaLnBrk="1" latinLnBrk="0" hangingPunct="1">
+              <a:spcBef>
+                <a:spcPts val="1000"/>
+              </a:spcBef>
+              <a:spcAft>
+                <a:spcPts val="0"/>
+              </a:spcAft>
+              <a:buClr>
+                <a:schemeClr val="accent1"/>
+              </a:buClr>
+              <a:buSzPct val="80000"/>
+              <a:buFont typeface="Wingdings 3" charset="2"/>
+              <a:buChar char=""/>
+              <a:defRPr sz="1200" kern="1200">
+                <a:solidFill>
+                  <a:schemeClr val="tx1">
+                    <a:lumMod val="75000"/>
+                    <a:lumOff val="25000"/>
+                  </a:schemeClr>
+                </a:solidFill>
+                <a:latin typeface="+mn-lt"/>
+                <a:ea typeface="+mn-ea"/>
+                <a:cs typeface="+mn-cs"/>
+              </a:defRPr>
+            </a:lvl7pPr>
+            <a:lvl8pPr marL="3429000" indent="-228600" algn="l" defTabSz="457200" rtl="0" eaLnBrk="1" latinLnBrk="0" hangingPunct="1">
+              <a:spcBef>
+                <a:spcPts val="1000"/>
+              </a:spcBef>
+              <a:spcAft>
+                <a:spcPts val="0"/>
+              </a:spcAft>
+              <a:buClr>
+                <a:schemeClr val="accent1"/>
+              </a:buClr>
+              <a:buSzPct val="80000"/>
+              <a:buFont typeface="Wingdings 3" charset="2"/>
+              <a:buChar char=""/>
+              <a:defRPr sz="1200" kern="1200">
+                <a:solidFill>
+                  <a:schemeClr val="tx1">
+                    <a:lumMod val="75000"/>
+                    <a:lumOff val="25000"/>
+                  </a:schemeClr>
+                </a:solidFill>
+                <a:latin typeface="+mn-lt"/>
+                <a:ea typeface="+mn-ea"/>
+                <a:cs typeface="+mn-cs"/>
+              </a:defRPr>
+            </a:lvl8pPr>
+            <a:lvl9pPr marL="3886200" indent="-228600" algn="l" defTabSz="457200" rtl="0" eaLnBrk="1" latinLnBrk="0" hangingPunct="1">
+              <a:spcBef>
+                <a:spcPts val="1000"/>
+              </a:spcBef>
+              <a:spcAft>
+                <a:spcPts val="0"/>
+              </a:spcAft>
+              <a:buClr>
+                <a:schemeClr val="accent1"/>
+              </a:buClr>
+              <a:buSzPct val="80000"/>
+              <a:buFont typeface="Wingdings 3" charset="2"/>
+              <a:buChar char=""/>
+              <a:defRPr sz="1200" kern="1200">
+                <a:solidFill>
+                  <a:schemeClr val="tx1">
+                    <a:lumMod val="75000"/>
+                    <a:lumOff val="25000"/>
+                  </a:schemeClr>
+                </a:solidFill>
+                <a:latin typeface="+mn-lt"/>
+                <a:ea typeface="+mn-ea"/>
+                <a:cs typeface="+mn-cs"/>
+              </a:defRPr>
+            </a:lvl9pPr>
+          </a:lstStyle>
+          <a:p>
+            <a:r>
+              <a:rPr lang="ru-RU" sz="3200" dirty="0"/>
+              <a:t>Обновление данных</a:t>
+            </a:r>
+          </a:p>
+        </p:txBody>
+      </p:sp>
+      <p:sp>
+        <p:nvSpPr>
+          <p:cNvPr id="11" name="Объект 2">
+            <a:extLst>
+              <a:ext uri="{FF2B5EF4-FFF2-40B4-BE49-F238E27FC236}">
+                <a16:creationId xmlns:a16="http://schemas.microsoft.com/office/drawing/2014/main" id="{A75CC79F-3A61-46E1-A217-53616B0F071D}"/>
+              </a:ext>
+            </a:extLst>
+          </p:cNvPr>
+          <p:cNvSpPr txBox="1">
+            <a:spLocks/>
+          </p:cNvSpPr>
+          <p:nvPr/>
+        </p:nvSpPr>
+        <p:spPr>
+          <a:xfrm>
+            <a:off x="3554812" y="3185762"/>
+            <a:ext cx="4475630" cy="900314"/>
+          </a:xfrm>
+          <a:prstGeom prst="rect">
+            <a:avLst/>
+          </a:prstGeom>
+        </p:spPr>
+        <p:txBody>
+          <a:bodyPr vert="horz" lIns="91440" tIns="45720" rIns="91440" bIns="45720" rtlCol="0">
+            <a:noAutofit/>
+          </a:bodyPr>
+          <a:lstStyle>
+            <a:lvl1pPr marL="342900" indent="-342900" algn="l" defTabSz="457200" rtl="0" eaLnBrk="1" latinLnBrk="0" hangingPunct="1">
+              <a:spcBef>
+                <a:spcPts val="1000"/>
+              </a:spcBef>
+              <a:spcAft>
+                <a:spcPts val="0"/>
+              </a:spcAft>
+              <a:buClr>
+                <a:schemeClr val="accent1"/>
+              </a:buClr>
+              <a:buSzPct val="80000"/>
+              <a:buFont typeface="Wingdings 3" charset="2"/>
+              <a:buChar char=""/>
+              <a:defRPr sz="1800" kern="1200">
+                <a:solidFill>
+                  <a:schemeClr val="tx1">
+                    <a:lumMod val="75000"/>
+                    <a:lumOff val="25000"/>
+                  </a:schemeClr>
+                </a:solidFill>
+                <a:latin typeface="+mn-lt"/>
+                <a:ea typeface="+mn-ea"/>
+                <a:cs typeface="+mn-cs"/>
+              </a:defRPr>
+            </a:lvl1pPr>
+            <a:lvl2pPr marL="742950" indent="-285750" algn="l" defTabSz="457200" rtl="0" eaLnBrk="1" latinLnBrk="0" hangingPunct="1">
+              <a:spcBef>
+                <a:spcPts val="1000"/>
+              </a:spcBef>
+              <a:spcAft>
+                <a:spcPts val="0"/>
+              </a:spcAft>
+              <a:buClr>
+                <a:schemeClr val="accent1"/>
+              </a:buClr>
+              <a:buSzPct val="80000"/>
+              <a:buFont typeface="Wingdings 3" charset="2"/>
+              <a:buChar char=""/>
+              <a:defRPr sz="1600" kern="1200">
+                <a:solidFill>
+                  <a:schemeClr val="tx1">
+                    <a:lumMod val="75000"/>
+                    <a:lumOff val="25000"/>
+                  </a:schemeClr>
+                </a:solidFill>
+                <a:latin typeface="+mn-lt"/>
+                <a:ea typeface="+mn-ea"/>
+                <a:cs typeface="+mn-cs"/>
+              </a:defRPr>
+            </a:lvl2pPr>
+            <a:lvl3pPr marL="1143000" indent="-228600" algn="l" defTabSz="457200" rtl="0" eaLnBrk="1" latinLnBrk="0" hangingPunct="1">
+              <a:spcBef>
+                <a:spcPts val="1000"/>
+              </a:spcBef>
+              <a:spcAft>
+                <a:spcPts val="0"/>
+              </a:spcAft>
+              <a:buClr>
+                <a:schemeClr val="accent1"/>
+              </a:buClr>
+              <a:buSzPct val="80000"/>
+              <a:buFont typeface="Wingdings 3" charset="2"/>
+              <a:buChar char=""/>
+              <a:defRPr sz="1400" kern="1200">
+                <a:solidFill>
+                  <a:schemeClr val="tx1">
+                    <a:lumMod val="75000"/>
+                    <a:lumOff val="25000"/>
+                  </a:schemeClr>
+                </a:solidFill>
+                <a:latin typeface="+mn-lt"/>
+                <a:ea typeface="+mn-ea"/>
+                <a:cs typeface="+mn-cs"/>
+              </a:defRPr>
+            </a:lvl3pPr>
+            <a:lvl4pPr marL="1600200" indent="-228600" algn="l" defTabSz="457200" rtl="0" eaLnBrk="1" latinLnBrk="0" hangingPunct="1">
+              <a:spcBef>
+                <a:spcPts val="1000"/>
+              </a:spcBef>
+              <a:spcAft>
+                <a:spcPts val="0"/>
+              </a:spcAft>
+              <a:buClr>
+                <a:schemeClr val="accent1"/>
+              </a:buClr>
+              <a:buSzPct val="80000"/>
+              <a:buFont typeface="Wingdings 3" charset="2"/>
+              <a:buChar char=""/>
+              <a:defRPr sz="1200" kern="1200">
+                <a:solidFill>
+                  <a:schemeClr val="tx1">
+                    <a:lumMod val="75000"/>
+                    <a:lumOff val="25000"/>
+                  </a:schemeClr>
+                </a:solidFill>
+                <a:latin typeface="+mn-lt"/>
+                <a:ea typeface="+mn-ea"/>
+                <a:cs typeface="+mn-cs"/>
+              </a:defRPr>
+            </a:lvl4pPr>
+            <a:lvl5pPr marL="2057400" indent="-228600" algn="l" defTabSz="457200" rtl="0" eaLnBrk="1" latinLnBrk="0" hangingPunct="1">
+              <a:spcBef>
+                <a:spcPts val="1000"/>
+              </a:spcBef>
+              <a:spcAft>
+                <a:spcPts val="0"/>
+              </a:spcAft>
+              <a:buClr>
+                <a:schemeClr val="accent1"/>
+              </a:buClr>
+              <a:buSzPct val="80000"/>
+              <a:buFont typeface="Wingdings 3" charset="2"/>
+              <a:buChar char=""/>
+              <a:defRPr sz="1200" kern="1200">
+                <a:solidFill>
+                  <a:schemeClr val="tx1">
+                    <a:lumMod val="75000"/>
+                    <a:lumOff val="25000"/>
+                  </a:schemeClr>
+                </a:solidFill>
+                <a:latin typeface="+mn-lt"/>
+                <a:ea typeface="+mn-ea"/>
+                <a:cs typeface="+mn-cs"/>
+              </a:defRPr>
+            </a:lvl5pPr>
+            <a:lvl6pPr marL="2514600" indent="-228600" algn="l" defTabSz="457200" rtl="0" eaLnBrk="1" latinLnBrk="0" hangingPunct="1">
+              <a:spcBef>
+                <a:spcPts val="1000"/>
+              </a:spcBef>
+              <a:spcAft>
+                <a:spcPts val="0"/>
+              </a:spcAft>
+              <a:buClr>
+                <a:schemeClr val="accent1"/>
+              </a:buClr>
+              <a:buSzPct val="80000"/>
+              <a:buFont typeface="Wingdings 3" charset="2"/>
+              <a:buChar char=""/>
+              <a:defRPr sz="1200" kern="1200">
+                <a:solidFill>
+                  <a:schemeClr val="tx1">
+                    <a:lumMod val="75000"/>
+                    <a:lumOff val="25000"/>
+                  </a:schemeClr>
+                </a:solidFill>
+                <a:latin typeface="+mn-lt"/>
+                <a:ea typeface="+mn-ea"/>
+                <a:cs typeface="+mn-cs"/>
+              </a:defRPr>
+            </a:lvl6pPr>
+            <a:lvl7pPr marL="2971800" indent="-228600" algn="l" defTabSz="457200" rtl="0" eaLnBrk="1" latinLnBrk="0" hangingPunct="1">
+              <a:spcBef>
+                <a:spcPts val="1000"/>
+              </a:spcBef>
+              <a:spcAft>
+                <a:spcPts val="0"/>
+              </a:spcAft>
+              <a:buClr>
+                <a:schemeClr val="accent1"/>
+              </a:buClr>
+              <a:buSzPct val="80000"/>
+              <a:buFont typeface="Wingdings 3" charset="2"/>
+              <a:buChar char=""/>
+              <a:defRPr sz="1200" kern="1200">
+                <a:solidFill>
+                  <a:schemeClr val="tx1">
+                    <a:lumMod val="75000"/>
+                    <a:lumOff val="25000"/>
+                  </a:schemeClr>
+                </a:solidFill>
+                <a:latin typeface="+mn-lt"/>
+                <a:ea typeface="+mn-ea"/>
+                <a:cs typeface="+mn-cs"/>
+              </a:defRPr>
+            </a:lvl7pPr>
+            <a:lvl8pPr marL="3429000" indent="-228600" algn="l" defTabSz="457200" rtl="0" eaLnBrk="1" latinLnBrk="0" hangingPunct="1">
+              <a:spcBef>
+                <a:spcPts val="1000"/>
+              </a:spcBef>
+              <a:spcAft>
+                <a:spcPts val="0"/>
+              </a:spcAft>
+              <a:buClr>
+                <a:schemeClr val="accent1"/>
+              </a:buClr>
+              <a:buSzPct val="80000"/>
+              <a:buFont typeface="Wingdings 3" charset="2"/>
+              <a:buChar char=""/>
+              <a:defRPr sz="1200" kern="1200">
+                <a:solidFill>
+                  <a:schemeClr val="tx1">
+                    <a:lumMod val="75000"/>
+                    <a:lumOff val="25000"/>
+                  </a:schemeClr>
+                </a:solidFill>
+                <a:latin typeface="+mn-lt"/>
+                <a:ea typeface="+mn-ea"/>
+                <a:cs typeface="+mn-cs"/>
+              </a:defRPr>
+            </a:lvl8pPr>
+            <a:lvl9pPr marL="3886200" indent="-228600" algn="l" defTabSz="457200" rtl="0" eaLnBrk="1" latinLnBrk="0" hangingPunct="1">
+              <a:spcBef>
+                <a:spcPts val="1000"/>
+              </a:spcBef>
+              <a:spcAft>
+                <a:spcPts val="0"/>
+              </a:spcAft>
+              <a:buClr>
+                <a:schemeClr val="accent1"/>
+              </a:buClr>
+              <a:buSzPct val="80000"/>
+              <a:buFont typeface="Wingdings 3" charset="2"/>
+              <a:buChar char=""/>
+              <a:defRPr sz="1200" kern="1200">
+                <a:solidFill>
+                  <a:schemeClr val="tx1">
+                    <a:lumMod val="75000"/>
+                    <a:lumOff val="25000"/>
+                  </a:schemeClr>
+                </a:solidFill>
+                <a:latin typeface="+mn-lt"/>
+                <a:ea typeface="+mn-ea"/>
+                <a:cs typeface="+mn-cs"/>
+              </a:defRPr>
+            </a:lvl9pPr>
+          </a:lstStyle>
+          <a:p>
+            <a:pPr marL="0" indent="0">
+              <a:buNone/>
+            </a:pPr>
+            <a:r>
+              <a:rPr lang="ru-RU" sz="3200" dirty="0"/>
+              <a:t>Выборка данных</a:t>
+            </a:r>
+          </a:p>
+        </p:txBody>
+      </p:sp>
+      <p:pic>
+        <p:nvPicPr>
+          <p:cNvPr id="6" name="Рисунок 5">
+            <a:extLst>
+              <a:ext uri="{FF2B5EF4-FFF2-40B4-BE49-F238E27FC236}">
+                <a16:creationId xmlns:a16="http://schemas.microsoft.com/office/drawing/2014/main" id="{ED13D37B-46D9-4C91-90A5-37B5ADF891F9}"/>
+              </a:ext>
+            </a:extLst>
+          </p:cNvPr>
+          <p:cNvPicPr>
+            <a:picLocks noChangeAspect="1"/>
+          </p:cNvPicPr>
+          <p:nvPr/>
+        </p:nvPicPr>
+        <p:blipFill>
+          <a:blip r:embed="rId5"/>
+          <a:stretch>
+            <a:fillRect/>
+          </a:stretch>
+        </p:blipFill>
+        <p:spPr>
+          <a:xfrm rot="10800000">
+            <a:off x="6826606" y="3237007"/>
+            <a:ext cx="391244" cy="550640"/>
+          </a:xfrm>
+          <a:prstGeom prst="rect">
+            <a:avLst/>
+          </a:prstGeom>
+        </p:spPr>
+      </p:pic>
+      <p:sp>
+        <p:nvSpPr>
+          <p:cNvPr id="13" name="Номер слайда 5">
+            <a:extLst>
+              <a:ext uri="{FF2B5EF4-FFF2-40B4-BE49-F238E27FC236}">
+                <a16:creationId xmlns:a16="http://schemas.microsoft.com/office/drawing/2014/main" id="{CAB50ADB-80C9-4A63-A4A5-49620093D64C}"/>
+              </a:ext>
+            </a:extLst>
+          </p:cNvPr>
+          <p:cNvSpPr>
+            <a:spLocks noGrp="1"/>
+          </p:cNvSpPr>
+          <p:nvPr>
+            <p:ph type="sldNum" sz="quarter" idx="12"/>
+          </p:nvPr>
+        </p:nvSpPr>
+        <p:spPr>
+          <a:xfrm>
+            <a:off x="10999317" y="6041362"/>
+            <a:ext cx="1192683" cy="365125"/>
+          </a:xfrm>
+        </p:spPr>
+        <p:txBody>
+          <a:bodyPr/>
+          <a:lstStyle/>
+          <a:p>
+            <a:fld id="{D57F1E4F-1CFF-5643-939E-217C01CDF565}" type="slidenum">
+              <a:rPr lang="en-US" sz="3600" smtClean="0">
+                <a:solidFill>
+                  <a:schemeClr val="bg1"/>
+                </a:solidFill>
+              </a:rPr>
+              <a:pPr/>
+              <a:t>5</a:t>
+            </a:fld>
+            <a:r>
+              <a:rPr lang="en-US" sz="3600" dirty="0">
+                <a:solidFill>
+                  <a:schemeClr val="bg1"/>
+                </a:solidFill>
+              </a:rPr>
+              <a:t>/20</a:t>
+            </a:r>
+          </a:p>
+        </p:txBody>
+      </p:sp>
+    </p:spTree>
+    <p:extLst>
+      <p:ext uri="{BB962C8B-B14F-4D97-AF65-F5344CB8AC3E}">
+        <p14:creationId xmlns:p14="http://schemas.microsoft.com/office/powerpoint/2010/main" val="3584036860"/>
+      </p:ext>
+    </p:extLst>
+  </p:cSld>
+  <p:clrMapOvr>
+    <a:masterClrMapping/>
+  </p:clrMapOvr>
+</p:sld>
+</file>
+
+<file path=ppt/slides/slide6.xml><?xml version="1.0" encoding="utf-8"?>
+<p:sld xmlns:a="http://schemas.openxmlformats.org/drawingml/2006/main" xmlns:r="http://schemas.openxmlformats.org/officeDocument/2006/relationships" xmlns:p="http://schemas.openxmlformats.org/presentationml/2006/main">
+  <p:cSld>
+    <p:spTree>
+      <p:nvGrpSpPr>
+        <p:cNvPr id="1" name=""/>
+        <p:cNvGrpSpPr/>
+        <p:nvPr/>
+      </p:nvGrpSpPr>
+      <p:grpSpPr>
+        <a:xfrm>
+          <a:off x="0" y="0"/>
+          <a:ext cx="0" cy="0"/>
+          <a:chOff x="0" y="0"/>
+          <a:chExt cx="0" cy="0"/>
+        </a:xfrm>
+      </p:grpSpPr>
+      <p:sp>
+        <p:nvSpPr>
+          <p:cNvPr id="2" name="Заголовок 1">
+            <a:extLst>
+              <a:ext uri="{FF2B5EF4-FFF2-40B4-BE49-F238E27FC236}">
+                <a16:creationId xmlns:a16="http://schemas.microsoft.com/office/drawing/2014/main" id="{880A8314-2189-465F-A3D4-C6195758EAE5}"/>
+              </a:ext>
+            </a:extLst>
+          </p:cNvPr>
+          <p:cNvSpPr>
+            <a:spLocks noGrp="1"/>
+          </p:cNvSpPr>
+          <p:nvPr>
+            <p:ph type="title"/>
+          </p:nvPr>
+        </p:nvSpPr>
+        <p:spPr>
+          <a:xfrm>
+            <a:off x="677334" y="0"/>
+            <a:ext cx="8596668" cy="1320800"/>
+          </a:xfrm>
+        </p:spPr>
+        <p:txBody>
+          <a:bodyPr/>
+          <a:lstStyle/>
+          <a:p>
+            <a:pPr algn="ctr"/>
+            <a:r>
+              <a:rPr lang="ru-RU" dirty="0"/>
+              <a:t>Описание хранимых данных в</a:t>
+            </a:r>
+            <a:br>
+              <a:rPr lang="ru-RU" dirty="0"/>
+            </a:br>
+            <a:r>
+              <a:rPr lang="ru-RU" dirty="0"/>
+              <a:t>каждой из используемых БД</a:t>
+            </a:r>
+          </a:p>
+        </p:txBody>
+      </p:sp>
+      <p:sp>
+        <p:nvSpPr>
+          <p:cNvPr id="3" name="Объект 2">
+            <a:extLst>
+              <a:ext uri="{FF2B5EF4-FFF2-40B4-BE49-F238E27FC236}">
+                <a16:creationId xmlns:a16="http://schemas.microsoft.com/office/drawing/2014/main" id="{E9D633EE-5329-4FC6-A6D9-960C6AC57103}"/>
+              </a:ext>
+            </a:extLst>
+          </p:cNvPr>
+          <p:cNvSpPr>
+            <a:spLocks noGrp="1"/>
+          </p:cNvSpPr>
+          <p:nvPr>
+            <p:ph idx="1"/>
+          </p:nvPr>
+        </p:nvSpPr>
+        <p:spPr>
+          <a:xfrm>
+            <a:off x="3462881" y="1789886"/>
+            <a:ext cx="3025574" cy="3850481"/>
+          </a:xfrm>
+        </p:spPr>
+        <p:txBody>
+          <a:bodyPr>
+            <a:normAutofit/>
+          </a:bodyPr>
+          <a:lstStyle/>
+          <a:p>
+            <a:r>
+              <a:rPr lang="ru-RU" sz="3900" dirty="0"/>
+              <a:t>Персонаж</a:t>
+            </a:r>
+          </a:p>
+          <a:p>
+            <a:r>
+              <a:rPr lang="ru-RU" sz="3900" dirty="0"/>
+              <a:t>Сюжет</a:t>
+            </a:r>
+          </a:p>
+          <a:p>
+            <a:r>
+              <a:rPr lang="ru-RU" sz="3900" dirty="0"/>
+              <a:t>Звук</a:t>
+            </a:r>
+          </a:p>
+          <a:p>
+            <a:r>
+              <a:rPr lang="ru-RU" sz="3900" dirty="0"/>
+              <a:t>Записки</a:t>
+            </a:r>
+          </a:p>
+          <a:p>
+            <a:r>
+              <a:rPr lang="ru-RU" sz="3900" dirty="0"/>
+              <a:t>Концовки</a:t>
+            </a:r>
+          </a:p>
+          <a:p>
+            <a:endParaRPr lang="ru-RU" sz="3600" dirty="0"/>
+          </a:p>
+        </p:txBody>
+      </p:sp>
+      <p:sp>
+        <p:nvSpPr>
+          <p:cNvPr id="5" name="Номер слайда 5">
+            <a:extLst>
+              <a:ext uri="{FF2B5EF4-FFF2-40B4-BE49-F238E27FC236}">
+                <a16:creationId xmlns:a16="http://schemas.microsoft.com/office/drawing/2014/main" id="{FBC6C5DF-F4E1-4A0B-A4B5-EEA6FC1785CB}"/>
+              </a:ext>
+            </a:extLst>
+          </p:cNvPr>
+          <p:cNvSpPr>
+            <a:spLocks noGrp="1"/>
+          </p:cNvSpPr>
+          <p:nvPr>
+            <p:ph type="sldNum" sz="quarter" idx="12"/>
+          </p:nvPr>
+        </p:nvSpPr>
+        <p:spPr>
+          <a:xfrm>
+            <a:off x="10999317" y="6041362"/>
+            <a:ext cx="1192683" cy="365125"/>
+          </a:xfrm>
+        </p:spPr>
+        <p:txBody>
+          <a:bodyPr/>
+          <a:lstStyle/>
+          <a:p>
+            <a:fld id="{D57F1E4F-1CFF-5643-939E-217C01CDF565}" type="slidenum">
+              <a:rPr lang="en-US" sz="3600" smtClean="0">
+                <a:solidFill>
+                  <a:schemeClr val="bg1"/>
+                </a:solidFill>
+              </a:rPr>
+              <a:pPr/>
+              <a:t>6</a:t>
+            </a:fld>
+            <a:r>
+              <a:rPr lang="en-US" sz="3600" dirty="0">
+                <a:solidFill>
+                  <a:schemeClr val="bg1"/>
+                </a:solidFill>
+              </a:rPr>
+              <a:t>/20</a:t>
+            </a:r>
+          </a:p>
+        </p:txBody>
+      </p:sp>
+    </p:spTree>
+    <p:extLst>
+      <p:ext uri="{BB962C8B-B14F-4D97-AF65-F5344CB8AC3E}">
+        <p14:creationId xmlns:p14="http://schemas.microsoft.com/office/powerpoint/2010/main" val="2691694289"/>
+      </p:ext>
+    </p:extLst>
+  </p:cSld>
+  <p:clrMapOvr>
+    <a:masterClrMapping/>
+  </p:clrMapOvr>
+</p:sld>
+</file>
+
+<file path=ppt/slides/slide7.xml><?xml version="1.0" encoding="utf-8"?>
+<p:sld xmlns:a="http://schemas.openxmlformats.org/drawingml/2006/main" xmlns:r="http://schemas.openxmlformats.org/officeDocument/2006/relationships" xmlns:p="http://schemas.openxmlformats.org/presentationml/2006/main">
+  <p:cSld>
+    <p:spTree>
+      <p:nvGrpSpPr>
+        <p:cNvPr id="1" name=""/>
+        <p:cNvGrpSpPr/>
+        <p:nvPr/>
+      </p:nvGrpSpPr>
+      <p:grpSpPr>
+        <a:xfrm>
+          <a:off x="0" y="0"/>
+          <a:ext cx="0" cy="0"/>
+          <a:chOff x="0" y="0"/>
+          <a:chExt cx="0" cy="0"/>
+        </a:xfrm>
+      </p:grpSpPr>
+      <p:sp>
+        <p:nvSpPr>
+          <p:cNvPr id="2" name="Заголовок 1">
+            <a:extLst>
+              <a:ext uri="{FF2B5EF4-FFF2-40B4-BE49-F238E27FC236}">
                 <a16:creationId xmlns:a16="http://schemas.microsoft.com/office/drawing/2014/main" id="{8569579B-7247-40A6-AC40-96F2D1D656F0}"/>
               </a:ext>
             </a:extLst>
@@ -10842,7 +11898,7 @@
                 </a:solidFill>
               </a:rPr>
               <a:pPr/>
-              <a:t>5</a:t>
+              <a:t>7</a:t>
             </a:fld>
             <a:r>
               <a:rPr lang="en-US" sz="3600" dirty="0">
@@ -10859,1643 +11915,6 @@
     <p:extLst>
       <p:ext uri="{BB962C8B-B14F-4D97-AF65-F5344CB8AC3E}">
         <p14:creationId xmlns:p14="http://schemas.microsoft.com/office/powerpoint/2010/main" val="1896115978"/>
-      </p:ext>
-    </p:extLst>
-  </p:cSld>
-  <p:clrMapOvr>
-    <a:masterClrMapping/>
-  </p:clrMapOvr>
-</p:sld>
-</file>
-
-<file path=ppt/slides/slide6.xml><?xml version="1.0" encoding="utf-8"?>
-<p:sld xmlns:a="http://schemas.openxmlformats.org/drawingml/2006/main" xmlns:r="http://schemas.openxmlformats.org/officeDocument/2006/relationships" xmlns:p="http://schemas.openxmlformats.org/presentationml/2006/main">
-  <p:cSld>
-    <p:spTree>
-      <p:nvGrpSpPr>
-        <p:cNvPr id="1" name=""/>
-        <p:cNvGrpSpPr/>
-        <p:nvPr/>
-      </p:nvGrpSpPr>
-      <p:grpSpPr>
-        <a:xfrm>
-          <a:off x="0" y="0"/>
-          <a:ext cx="0" cy="0"/>
-          <a:chOff x="0" y="0"/>
-          <a:chExt cx="0" cy="0"/>
-        </a:xfrm>
-      </p:grpSpPr>
-      <p:sp>
-        <p:nvSpPr>
-          <p:cNvPr id="2" name="Заголовок 1">
-            <a:extLst>
-              <a:ext uri="{FF2B5EF4-FFF2-40B4-BE49-F238E27FC236}">
-                <a16:creationId xmlns:a16="http://schemas.microsoft.com/office/drawing/2014/main" id="{1C598229-2E0F-4C0A-BE82-7B03AB56CA47}"/>
-              </a:ext>
-            </a:extLst>
-          </p:cNvPr>
-          <p:cNvSpPr>
-            <a:spLocks noGrp="1"/>
-          </p:cNvSpPr>
-          <p:nvPr>
-            <p:ph type="title"/>
-          </p:nvPr>
-        </p:nvSpPr>
-        <p:spPr>
-          <a:xfrm>
-            <a:off x="677334" y="0"/>
-            <a:ext cx="8596668" cy="1320800"/>
-          </a:xfrm>
-        </p:spPr>
-        <p:txBody>
-          <a:bodyPr/>
-          <a:lstStyle/>
-          <a:p>
-            <a:pPr algn="ctr"/>
-            <a:r>
-              <a:rPr lang="ru-RU" dirty="0"/>
-              <a:t>Команда разработчиков</a:t>
-            </a:r>
-          </a:p>
-        </p:txBody>
-      </p:sp>
-      <p:sp>
-        <p:nvSpPr>
-          <p:cNvPr id="3" name="Объект 2">
-            <a:extLst>
-              <a:ext uri="{FF2B5EF4-FFF2-40B4-BE49-F238E27FC236}">
-                <a16:creationId xmlns:a16="http://schemas.microsoft.com/office/drawing/2014/main" id="{EF58A533-0D7A-477B-A42B-3B33AA7E56A1}"/>
-              </a:ext>
-            </a:extLst>
-          </p:cNvPr>
-          <p:cNvSpPr>
-            <a:spLocks noGrp="1"/>
-          </p:cNvSpPr>
-          <p:nvPr>
-            <p:ph idx="1"/>
-          </p:nvPr>
-        </p:nvSpPr>
-        <p:spPr>
-          <a:xfrm>
-            <a:off x="407773" y="2160587"/>
-            <a:ext cx="3076832" cy="3880773"/>
-          </a:xfrm>
-        </p:spPr>
-        <p:txBody>
-          <a:bodyPr>
-            <a:normAutofit/>
-          </a:bodyPr>
-          <a:lstStyle/>
-          <a:p>
-            <a:pPr algn="ctr"/>
-            <a:r>
-              <a:rPr lang="ru-RU" sz="2000" dirty="0"/>
-              <a:t>Коновалов Роман</a:t>
-            </a:r>
-            <a:br>
-              <a:rPr lang="ru-RU" sz="2000" dirty="0"/>
-            </a:br>
-            <a:r>
-              <a:rPr lang="ru-RU" sz="2000" dirty="0"/>
-              <a:t>ИВТ-363</a:t>
-            </a:r>
-            <a:br>
-              <a:rPr lang="ru-RU" sz="2000" dirty="0"/>
-            </a:br>
-            <a:endParaRPr lang="ru-RU" sz="2000" dirty="0"/>
-          </a:p>
-          <a:p>
-            <a:pPr algn="ctr">
-              <a:buFont typeface="Arial" panose="020B0604020202020204" pitchFamily="34" charset="0"/>
-              <a:buChar char="•"/>
-            </a:pPr>
-            <a:r>
-              <a:rPr lang="ru-RU" sz="2000" dirty="0"/>
-              <a:t>Администрирование </a:t>
-            </a:r>
-            <a:r>
-              <a:rPr lang="en-US" sz="2000" dirty="0"/>
-              <a:t>MongoDB</a:t>
-            </a:r>
-          </a:p>
-        </p:txBody>
-      </p:sp>
-      <p:sp>
-        <p:nvSpPr>
-          <p:cNvPr id="4" name="Объект 2">
-            <a:extLst>
-              <a:ext uri="{FF2B5EF4-FFF2-40B4-BE49-F238E27FC236}">
-                <a16:creationId xmlns:a16="http://schemas.microsoft.com/office/drawing/2014/main" id="{5AE3A61F-A2FE-4BB9-8C86-85915B635BA4}"/>
-              </a:ext>
-            </a:extLst>
-          </p:cNvPr>
-          <p:cNvSpPr txBox="1">
-            <a:spLocks/>
-          </p:cNvSpPr>
-          <p:nvPr/>
-        </p:nvSpPr>
-        <p:spPr>
-          <a:xfrm>
-            <a:off x="6503773" y="2160586"/>
-            <a:ext cx="3019168" cy="3880773"/>
-          </a:xfrm>
-          <a:prstGeom prst="rect">
-            <a:avLst/>
-          </a:prstGeom>
-        </p:spPr>
-        <p:txBody>
-          <a:bodyPr vert="horz" lIns="91440" tIns="45720" rIns="91440" bIns="45720" rtlCol="0">
-            <a:normAutofit/>
-          </a:bodyPr>
-          <a:lstStyle>
-            <a:lvl1pPr marL="342900" indent="-342900" algn="l" defTabSz="457200" rtl="0" eaLnBrk="1" latinLnBrk="0" hangingPunct="1">
-              <a:spcBef>
-                <a:spcPts val="1000"/>
-              </a:spcBef>
-              <a:spcAft>
-                <a:spcPts val="0"/>
-              </a:spcAft>
-              <a:buClr>
-                <a:schemeClr val="accent1"/>
-              </a:buClr>
-              <a:buSzPct val="80000"/>
-              <a:buFont typeface="Wingdings 3" charset="2"/>
-              <a:buChar char=""/>
-              <a:defRPr sz="1800" kern="1200">
-                <a:solidFill>
-                  <a:schemeClr val="tx1">
-                    <a:lumMod val="75000"/>
-                    <a:lumOff val="25000"/>
-                  </a:schemeClr>
-                </a:solidFill>
-                <a:latin typeface="+mn-lt"/>
-                <a:ea typeface="+mn-ea"/>
-                <a:cs typeface="+mn-cs"/>
-              </a:defRPr>
-            </a:lvl1pPr>
-            <a:lvl2pPr marL="742950" indent="-285750" algn="l" defTabSz="457200" rtl="0" eaLnBrk="1" latinLnBrk="0" hangingPunct="1">
-              <a:spcBef>
-                <a:spcPts val="1000"/>
-              </a:spcBef>
-              <a:spcAft>
-                <a:spcPts val="0"/>
-              </a:spcAft>
-              <a:buClr>
-                <a:schemeClr val="accent1"/>
-              </a:buClr>
-              <a:buSzPct val="80000"/>
-              <a:buFont typeface="Wingdings 3" charset="2"/>
-              <a:buChar char=""/>
-              <a:defRPr sz="1600" kern="1200">
-                <a:solidFill>
-                  <a:schemeClr val="tx1">
-                    <a:lumMod val="75000"/>
-                    <a:lumOff val="25000"/>
-                  </a:schemeClr>
-                </a:solidFill>
-                <a:latin typeface="+mn-lt"/>
-                <a:ea typeface="+mn-ea"/>
-                <a:cs typeface="+mn-cs"/>
-              </a:defRPr>
-            </a:lvl2pPr>
-            <a:lvl3pPr marL="1143000" indent="-228600" algn="l" defTabSz="457200" rtl="0" eaLnBrk="1" latinLnBrk="0" hangingPunct="1">
-              <a:spcBef>
-                <a:spcPts val="1000"/>
-              </a:spcBef>
-              <a:spcAft>
-                <a:spcPts val="0"/>
-              </a:spcAft>
-              <a:buClr>
-                <a:schemeClr val="accent1"/>
-              </a:buClr>
-              <a:buSzPct val="80000"/>
-              <a:buFont typeface="Wingdings 3" charset="2"/>
-              <a:buChar char=""/>
-              <a:defRPr sz="1400" kern="1200">
-                <a:solidFill>
-                  <a:schemeClr val="tx1">
-                    <a:lumMod val="75000"/>
-                    <a:lumOff val="25000"/>
-                  </a:schemeClr>
-                </a:solidFill>
-                <a:latin typeface="+mn-lt"/>
-                <a:ea typeface="+mn-ea"/>
-                <a:cs typeface="+mn-cs"/>
-              </a:defRPr>
-            </a:lvl3pPr>
-            <a:lvl4pPr marL="1600200" indent="-228600" algn="l" defTabSz="457200" rtl="0" eaLnBrk="1" latinLnBrk="0" hangingPunct="1">
-              <a:spcBef>
-                <a:spcPts val="1000"/>
-              </a:spcBef>
-              <a:spcAft>
-                <a:spcPts val="0"/>
-              </a:spcAft>
-              <a:buClr>
-                <a:schemeClr val="accent1"/>
-              </a:buClr>
-              <a:buSzPct val="80000"/>
-              <a:buFont typeface="Wingdings 3" charset="2"/>
-              <a:buChar char=""/>
-              <a:defRPr sz="1200" kern="1200">
-                <a:solidFill>
-                  <a:schemeClr val="tx1">
-                    <a:lumMod val="75000"/>
-                    <a:lumOff val="25000"/>
-                  </a:schemeClr>
-                </a:solidFill>
-                <a:latin typeface="+mn-lt"/>
-                <a:ea typeface="+mn-ea"/>
-                <a:cs typeface="+mn-cs"/>
-              </a:defRPr>
-            </a:lvl4pPr>
-            <a:lvl5pPr marL="2057400" indent="-228600" algn="l" defTabSz="457200" rtl="0" eaLnBrk="1" latinLnBrk="0" hangingPunct="1">
-              <a:spcBef>
-                <a:spcPts val="1000"/>
-              </a:spcBef>
-              <a:spcAft>
-                <a:spcPts val="0"/>
-              </a:spcAft>
-              <a:buClr>
-                <a:schemeClr val="accent1"/>
-              </a:buClr>
-              <a:buSzPct val="80000"/>
-              <a:buFont typeface="Wingdings 3" charset="2"/>
-              <a:buChar char=""/>
-              <a:defRPr sz="1200" kern="1200">
-                <a:solidFill>
-                  <a:schemeClr val="tx1">
-                    <a:lumMod val="75000"/>
-                    <a:lumOff val="25000"/>
-                  </a:schemeClr>
-                </a:solidFill>
-                <a:latin typeface="+mn-lt"/>
-                <a:ea typeface="+mn-ea"/>
-                <a:cs typeface="+mn-cs"/>
-              </a:defRPr>
-            </a:lvl5pPr>
-            <a:lvl6pPr marL="2514600" indent="-228600" algn="l" defTabSz="457200" rtl="0" eaLnBrk="1" latinLnBrk="0" hangingPunct="1">
-              <a:spcBef>
-                <a:spcPts val="1000"/>
-              </a:spcBef>
-              <a:spcAft>
-                <a:spcPts val="0"/>
-              </a:spcAft>
-              <a:buClr>
-                <a:schemeClr val="accent1"/>
-              </a:buClr>
-              <a:buSzPct val="80000"/>
-              <a:buFont typeface="Wingdings 3" charset="2"/>
-              <a:buChar char=""/>
-              <a:defRPr sz="1200" kern="1200">
-                <a:solidFill>
-                  <a:schemeClr val="tx1">
-                    <a:lumMod val="75000"/>
-                    <a:lumOff val="25000"/>
-                  </a:schemeClr>
-                </a:solidFill>
-                <a:latin typeface="+mn-lt"/>
-                <a:ea typeface="+mn-ea"/>
-                <a:cs typeface="+mn-cs"/>
-              </a:defRPr>
-            </a:lvl6pPr>
-            <a:lvl7pPr marL="2971800" indent="-228600" algn="l" defTabSz="457200" rtl="0" eaLnBrk="1" latinLnBrk="0" hangingPunct="1">
-              <a:spcBef>
-                <a:spcPts val="1000"/>
-              </a:spcBef>
-              <a:spcAft>
-                <a:spcPts val="0"/>
-              </a:spcAft>
-              <a:buClr>
-                <a:schemeClr val="accent1"/>
-              </a:buClr>
-              <a:buSzPct val="80000"/>
-              <a:buFont typeface="Wingdings 3" charset="2"/>
-              <a:buChar char=""/>
-              <a:defRPr sz="1200" kern="1200">
-                <a:solidFill>
-                  <a:schemeClr val="tx1">
-                    <a:lumMod val="75000"/>
-                    <a:lumOff val="25000"/>
-                  </a:schemeClr>
-                </a:solidFill>
-                <a:latin typeface="+mn-lt"/>
-                <a:ea typeface="+mn-ea"/>
-                <a:cs typeface="+mn-cs"/>
-              </a:defRPr>
-            </a:lvl7pPr>
-            <a:lvl8pPr marL="3429000" indent="-228600" algn="l" defTabSz="457200" rtl="0" eaLnBrk="1" latinLnBrk="0" hangingPunct="1">
-              <a:spcBef>
-                <a:spcPts val="1000"/>
-              </a:spcBef>
-              <a:spcAft>
-                <a:spcPts val="0"/>
-              </a:spcAft>
-              <a:buClr>
-                <a:schemeClr val="accent1"/>
-              </a:buClr>
-              <a:buSzPct val="80000"/>
-              <a:buFont typeface="Wingdings 3" charset="2"/>
-              <a:buChar char=""/>
-              <a:defRPr sz="1200" kern="1200">
-                <a:solidFill>
-                  <a:schemeClr val="tx1">
-                    <a:lumMod val="75000"/>
-                    <a:lumOff val="25000"/>
-                  </a:schemeClr>
-                </a:solidFill>
-                <a:latin typeface="+mn-lt"/>
-                <a:ea typeface="+mn-ea"/>
-                <a:cs typeface="+mn-cs"/>
-              </a:defRPr>
-            </a:lvl8pPr>
-            <a:lvl9pPr marL="3886200" indent="-228600" algn="l" defTabSz="457200" rtl="0" eaLnBrk="1" latinLnBrk="0" hangingPunct="1">
-              <a:spcBef>
-                <a:spcPts val="1000"/>
-              </a:spcBef>
-              <a:spcAft>
-                <a:spcPts val="0"/>
-              </a:spcAft>
-              <a:buClr>
-                <a:schemeClr val="accent1"/>
-              </a:buClr>
-              <a:buSzPct val="80000"/>
-              <a:buFont typeface="Wingdings 3" charset="2"/>
-              <a:buChar char=""/>
-              <a:defRPr sz="1200" kern="1200">
-                <a:solidFill>
-                  <a:schemeClr val="tx1">
-                    <a:lumMod val="75000"/>
-                    <a:lumOff val="25000"/>
-                  </a:schemeClr>
-                </a:solidFill>
-                <a:latin typeface="+mn-lt"/>
-                <a:ea typeface="+mn-ea"/>
-                <a:cs typeface="+mn-cs"/>
-              </a:defRPr>
-            </a:lvl9pPr>
-          </a:lstStyle>
-          <a:p>
-            <a:pPr algn="ctr"/>
-            <a:r>
-              <a:rPr lang="ru-RU" sz="2000" dirty="0"/>
-              <a:t>Пивоваров Валентин</a:t>
-            </a:r>
-            <a:br>
-              <a:rPr lang="ru-RU" sz="2000" dirty="0"/>
-            </a:br>
-            <a:r>
-              <a:rPr lang="ru-RU" sz="2000" dirty="0"/>
-              <a:t>ИВТ-363</a:t>
-            </a:r>
-            <a:br>
-              <a:rPr lang="ru-RU" sz="2000" dirty="0"/>
-            </a:br>
-            <a:endParaRPr lang="ru-RU" sz="2000" dirty="0"/>
-          </a:p>
-          <a:p>
-            <a:pPr algn="ctr">
-              <a:buFont typeface="Arial" panose="020B0604020202020204" pitchFamily="34" charset="0"/>
-              <a:buChar char="•"/>
-            </a:pPr>
-            <a:r>
-              <a:rPr lang="ru-RU" sz="2000" dirty="0"/>
-              <a:t>Разработка игры</a:t>
-            </a:r>
-            <a:endParaRPr lang="en-US" sz="2000" dirty="0"/>
-          </a:p>
-          <a:p>
-            <a:pPr algn="ctr">
-              <a:buFont typeface="Arial" panose="020B0604020202020204" pitchFamily="34" charset="0"/>
-              <a:buChar char="•"/>
-            </a:pPr>
-            <a:r>
-              <a:rPr lang="ru-RU" sz="2000" dirty="0"/>
-              <a:t>Администрирование </a:t>
-            </a:r>
-            <a:r>
-              <a:rPr lang="en-US" sz="2000" dirty="0"/>
-              <a:t>MySQL</a:t>
-            </a:r>
-            <a:endParaRPr lang="ru-RU" sz="2000" dirty="0"/>
-          </a:p>
-          <a:p>
-            <a:pPr algn="ctr">
-              <a:buFont typeface="Arial" panose="020B0604020202020204" pitchFamily="34" charset="0"/>
-              <a:buChar char="•"/>
-            </a:pPr>
-            <a:r>
-              <a:rPr lang="ru-RU" sz="2000" dirty="0"/>
-              <a:t>Менеджер проекта</a:t>
-            </a:r>
-            <a:endParaRPr lang="en-US" sz="2000" dirty="0"/>
-          </a:p>
-        </p:txBody>
-      </p:sp>
-      <p:sp>
-        <p:nvSpPr>
-          <p:cNvPr id="5" name="Объект 2">
-            <a:extLst>
-              <a:ext uri="{FF2B5EF4-FFF2-40B4-BE49-F238E27FC236}">
-                <a16:creationId xmlns:a16="http://schemas.microsoft.com/office/drawing/2014/main" id="{23662E78-EF33-4F09-ACFF-7ABD7BC38AF8}"/>
-              </a:ext>
-            </a:extLst>
-          </p:cNvPr>
-          <p:cNvSpPr txBox="1">
-            <a:spLocks/>
-          </p:cNvSpPr>
-          <p:nvPr/>
-        </p:nvSpPr>
-        <p:spPr>
-          <a:xfrm>
-            <a:off x="3484606" y="2160589"/>
-            <a:ext cx="3019168" cy="3880773"/>
-          </a:xfrm>
-          <a:prstGeom prst="rect">
-            <a:avLst/>
-          </a:prstGeom>
-        </p:spPr>
-        <p:txBody>
-          <a:bodyPr vert="horz" lIns="91440" tIns="45720" rIns="91440" bIns="45720" rtlCol="0">
-            <a:normAutofit/>
-          </a:bodyPr>
-          <a:lstStyle>
-            <a:lvl1pPr marL="342900" indent="-342900" algn="l" defTabSz="457200" rtl="0" eaLnBrk="1" latinLnBrk="0" hangingPunct="1">
-              <a:spcBef>
-                <a:spcPts val="1000"/>
-              </a:spcBef>
-              <a:spcAft>
-                <a:spcPts val="0"/>
-              </a:spcAft>
-              <a:buClr>
-                <a:schemeClr val="accent1"/>
-              </a:buClr>
-              <a:buSzPct val="80000"/>
-              <a:buFont typeface="Wingdings 3" charset="2"/>
-              <a:buChar char=""/>
-              <a:defRPr sz="1800" kern="1200">
-                <a:solidFill>
-                  <a:schemeClr val="tx1">
-                    <a:lumMod val="75000"/>
-                    <a:lumOff val="25000"/>
-                  </a:schemeClr>
-                </a:solidFill>
-                <a:latin typeface="+mn-lt"/>
-                <a:ea typeface="+mn-ea"/>
-                <a:cs typeface="+mn-cs"/>
-              </a:defRPr>
-            </a:lvl1pPr>
-            <a:lvl2pPr marL="742950" indent="-285750" algn="l" defTabSz="457200" rtl="0" eaLnBrk="1" latinLnBrk="0" hangingPunct="1">
-              <a:spcBef>
-                <a:spcPts val="1000"/>
-              </a:spcBef>
-              <a:spcAft>
-                <a:spcPts val="0"/>
-              </a:spcAft>
-              <a:buClr>
-                <a:schemeClr val="accent1"/>
-              </a:buClr>
-              <a:buSzPct val="80000"/>
-              <a:buFont typeface="Wingdings 3" charset="2"/>
-              <a:buChar char=""/>
-              <a:defRPr sz="1600" kern="1200">
-                <a:solidFill>
-                  <a:schemeClr val="tx1">
-                    <a:lumMod val="75000"/>
-                    <a:lumOff val="25000"/>
-                  </a:schemeClr>
-                </a:solidFill>
-                <a:latin typeface="+mn-lt"/>
-                <a:ea typeface="+mn-ea"/>
-                <a:cs typeface="+mn-cs"/>
-              </a:defRPr>
-            </a:lvl2pPr>
-            <a:lvl3pPr marL="1143000" indent="-228600" algn="l" defTabSz="457200" rtl="0" eaLnBrk="1" latinLnBrk="0" hangingPunct="1">
-              <a:spcBef>
-                <a:spcPts val="1000"/>
-              </a:spcBef>
-              <a:spcAft>
-                <a:spcPts val="0"/>
-              </a:spcAft>
-              <a:buClr>
-                <a:schemeClr val="accent1"/>
-              </a:buClr>
-              <a:buSzPct val="80000"/>
-              <a:buFont typeface="Wingdings 3" charset="2"/>
-              <a:buChar char=""/>
-              <a:defRPr sz="1400" kern="1200">
-                <a:solidFill>
-                  <a:schemeClr val="tx1">
-                    <a:lumMod val="75000"/>
-                    <a:lumOff val="25000"/>
-                  </a:schemeClr>
-                </a:solidFill>
-                <a:latin typeface="+mn-lt"/>
-                <a:ea typeface="+mn-ea"/>
-                <a:cs typeface="+mn-cs"/>
-              </a:defRPr>
-            </a:lvl3pPr>
-            <a:lvl4pPr marL="1600200" indent="-228600" algn="l" defTabSz="457200" rtl="0" eaLnBrk="1" latinLnBrk="0" hangingPunct="1">
-              <a:spcBef>
-                <a:spcPts val="1000"/>
-              </a:spcBef>
-              <a:spcAft>
-                <a:spcPts val="0"/>
-              </a:spcAft>
-              <a:buClr>
-                <a:schemeClr val="accent1"/>
-              </a:buClr>
-              <a:buSzPct val="80000"/>
-              <a:buFont typeface="Wingdings 3" charset="2"/>
-              <a:buChar char=""/>
-              <a:defRPr sz="1200" kern="1200">
-                <a:solidFill>
-                  <a:schemeClr val="tx1">
-                    <a:lumMod val="75000"/>
-                    <a:lumOff val="25000"/>
-                  </a:schemeClr>
-                </a:solidFill>
-                <a:latin typeface="+mn-lt"/>
-                <a:ea typeface="+mn-ea"/>
-                <a:cs typeface="+mn-cs"/>
-              </a:defRPr>
-            </a:lvl4pPr>
-            <a:lvl5pPr marL="2057400" indent="-228600" algn="l" defTabSz="457200" rtl="0" eaLnBrk="1" latinLnBrk="0" hangingPunct="1">
-              <a:spcBef>
-                <a:spcPts val="1000"/>
-              </a:spcBef>
-              <a:spcAft>
-                <a:spcPts val="0"/>
-              </a:spcAft>
-              <a:buClr>
-                <a:schemeClr val="accent1"/>
-              </a:buClr>
-              <a:buSzPct val="80000"/>
-              <a:buFont typeface="Wingdings 3" charset="2"/>
-              <a:buChar char=""/>
-              <a:defRPr sz="1200" kern="1200">
-                <a:solidFill>
-                  <a:schemeClr val="tx1">
-                    <a:lumMod val="75000"/>
-                    <a:lumOff val="25000"/>
-                  </a:schemeClr>
-                </a:solidFill>
-                <a:latin typeface="+mn-lt"/>
-                <a:ea typeface="+mn-ea"/>
-                <a:cs typeface="+mn-cs"/>
-              </a:defRPr>
-            </a:lvl5pPr>
-            <a:lvl6pPr marL="2514600" indent="-228600" algn="l" defTabSz="457200" rtl="0" eaLnBrk="1" latinLnBrk="0" hangingPunct="1">
-              <a:spcBef>
-                <a:spcPts val="1000"/>
-              </a:spcBef>
-              <a:spcAft>
-                <a:spcPts val="0"/>
-              </a:spcAft>
-              <a:buClr>
-                <a:schemeClr val="accent1"/>
-              </a:buClr>
-              <a:buSzPct val="80000"/>
-              <a:buFont typeface="Wingdings 3" charset="2"/>
-              <a:buChar char=""/>
-              <a:defRPr sz="1200" kern="1200">
-                <a:solidFill>
-                  <a:schemeClr val="tx1">
-                    <a:lumMod val="75000"/>
-                    <a:lumOff val="25000"/>
-                  </a:schemeClr>
-                </a:solidFill>
-                <a:latin typeface="+mn-lt"/>
-                <a:ea typeface="+mn-ea"/>
-                <a:cs typeface="+mn-cs"/>
-              </a:defRPr>
-            </a:lvl6pPr>
-            <a:lvl7pPr marL="2971800" indent="-228600" algn="l" defTabSz="457200" rtl="0" eaLnBrk="1" latinLnBrk="0" hangingPunct="1">
-              <a:spcBef>
-                <a:spcPts val="1000"/>
-              </a:spcBef>
-              <a:spcAft>
-                <a:spcPts val="0"/>
-              </a:spcAft>
-              <a:buClr>
-                <a:schemeClr val="accent1"/>
-              </a:buClr>
-              <a:buSzPct val="80000"/>
-              <a:buFont typeface="Wingdings 3" charset="2"/>
-              <a:buChar char=""/>
-              <a:defRPr sz="1200" kern="1200">
-                <a:solidFill>
-                  <a:schemeClr val="tx1">
-                    <a:lumMod val="75000"/>
-                    <a:lumOff val="25000"/>
-                  </a:schemeClr>
-                </a:solidFill>
-                <a:latin typeface="+mn-lt"/>
-                <a:ea typeface="+mn-ea"/>
-                <a:cs typeface="+mn-cs"/>
-              </a:defRPr>
-            </a:lvl7pPr>
-            <a:lvl8pPr marL="3429000" indent="-228600" algn="l" defTabSz="457200" rtl="0" eaLnBrk="1" latinLnBrk="0" hangingPunct="1">
-              <a:spcBef>
-                <a:spcPts val="1000"/>
-              </a:spcBef>
-              <a:spcAft>
-                <a:spcPts val="0"/>
-              </a:spcAft>
-              <a:buClr>
-                <a:schemeClr val="accent1"/>
-              </a:buClr>
-              <a:buSzPct val="80000"/>
-              <a:buFont typeface="Wingdings 3" charset="2"/>
-              <a:buChar char=""/>
-              <a:defRPr sz="1200" kern="1200">
-                <a:solidFill>
-                  <a:schemeClr val="tx1">
-                    <a:lumMod val="75000"/>
-                    <a:lumOff val="25000"/>
-                  </a:schemeClr>
-                </a:solidFill>
-                <a:latin typeface="+mn-lt"/>
-                <a:ea typeface="+mn-ea"/>
-                <a:cs typeface="+mn-cs"/>
-              </a:defRPr>
-            </a:lvl8pPr>
-            <a:lvl9pPr marL="3886200" indent="-228600" algn="l" defTabSz="457200" rtl="0" eaLnBrk="1" latinLnBrk="0" hangingPunct="1">
-              <a:spcBef>
-                <a:spcPts val="1000"/>
-              </a:spcBef>
-              <a:spcAft>
-                <a:spcPts val="0"/>
-              </a:spcAft>
-              <a:buClr>
-                <a:schemeClr val="accent1"/>
-              </a:buClr>
-              <a:buSzPct val="80000"/>
-              <a:buFont typeface="Wingdings 3" charset="2"/>
-              <a:buChar char=""/>
-              <a:defRPr sz="1200" kern="1200">
-                <a:solidFill>
-                  <a:schemeClr val="tx1">
-                    <a:lumMod val="75000"/>
-                    <a:lumOff val="25000"/>
-                  </a:schemeClr>
-                </a:solidFill>
-                <a:latin typeface="+mn-lt"/>
-                <a:ea typeface="+mn-ea"/>
-                <a:cs typeface="+mn-cs"/>
-              </a:defRPr>
-            </a:lvl9pPr>
-          </a:lstStyle>
-          <a:p>
-            <a:pPr algn="ctr"/>
-            <a:r>
-              <a:rPr lang="ru-RU" sz="2000" dirty="0"/>
-              <a:t>Аксёнова Виктория</a:t>
-            </a:r>
-            <a:br>
-              <a:rPr lang="ru-RU" sz="2000" dirty="0"/>
-            </a:br>
-            <a:r>
-              <a:rPr lang="ru-RU" sz="2000" dirty="0"/>
-              <a:t>ИВТ-364</a:t>
-            </a:r>
-            <a:br>
-              <a:rPr lang="ru-RU" sz="2000" dirty="0"/>
-            </a:br>
-            <a:endParaRPr lang="ru-RU" sz="2000" dirty="0"/>
-          </a:p>
-          <a:p>
-            <a:pPr algn="ctr">
-              <a:buFont typeface="Arial" panose="020B0604020202020204" pitchFamily="34" charset="0"/>
-              <a:buChar char="•"/>
-            </a:pPr>
-            <a:r>
-              <a:rPr lang="ru-RU" sz="2000" dirty="0"/>
-              <a:t>Администрирование </a:t>
-            </a:r>
-            <a:r>
-              <a:rPr lang="en-US" sz="2000" dirty="0"/>
-              <a:t>MS SQL</a:t>
-            </a:r>
-            <a:endParaRPr lang="ru-RU" sz="2000" dirty="0"/>
-          </a:p>
-          <a:p>
-            <a:pPr algn="ctr">
-              <a:buFont typeface="Arial" panose="020B0604020202020204" pitchFamily="34" charset="0"/>
-              <a:buChar char="•"/>
-            </a:pPr>
-            <a:r>
-              <a:rPr lang="ru-RU" sz="2000" dirty="0"/>
-              <a:t>Администрирование </a:t>
-            </a:r>
-            <a:r>
-              <a:rPr lang="en-US" sz="2000" dirty="0"/>
-              <a:t>SQLite</a:t>
-            </a:r>
-          </a:p>
-          <a:p>
-            <a:pPr algn="ctr">
-              <a:buFont typeface="Arial" panose="020B0604020202020204" pitchFamily="34" charset="0"/>
-              <a:buChar char="•"/>
-            </a:pPr>
-            <a:endParaRPr lang="en-US" sz="2000" dirty="0"/>
-          </a:p>
-        </p:txBody>
-      </p:sp>
-      <p:sp>
-        <p:nvSpPr>
-          <p:cNvPr id="7" name="Номер слайда 5">
-            <a:extLst>
-              <a:ext uri="{FF2B5EF4-FFF2-40B4-BE49-F238E27FC236}">
-                <a16:creationId xmlns:a16="http://schemas.microsoft.com/office/drawing/2014/main" id="{5E0F90FC-1597-4E62-BF22-9E6B8BE08F20}"/>
-              </a:ext>
-            </a:extLst>
-          </p:cNvPr>
-          <p:cNvSpPr>
-            <a:spLocks noGrp="1"/>
-          </p:cNvSpPr>
-          <p:nvPr>
-            <p:ph type="sldNum" sz="quarter" idx="12"/>
-          </p:nvPr>
-        </p:nvSpPr>
-        <p:spPr>
-          <a:xfrm>
-            <a:off x="10999317" y="6041362"/>
-            <a:ext cx="1192683" cy="365125"/>
-          </a:xfrm>
-        </p:spPr>
-        <p:txBody>
-          <a:bodyPr/>
-          <a:lstStyle/>
-          <a:p>
-            <a:fld id="{D57F1E4F-1CFF-5643-939E-217C01CDF565}" type="slidenum">
-              <a:rPr lang="en-US" sz="3600" smtClean="0">
-                <a:solidFill>
-                  <a:schemeClr val="bg1"/>
-                </a:solidFill>
-              </a:rPr>
-              <a:pPr/>
-              <a:t>6</a:t>
-            </a:fld>
-            <a:r>
-              <a:rPr lang="en-US" sz="3600" dirty="0">
-                <a:solidFill>
-                  <a:schemeClr val="bg1"/>
-                </a:solidFill>
-              </a:rPr>
-              <a:t>/20</a:t>
-            </a:r>
-          </a:p>
-        </p:txBody>
-      </p:sp>
-    </p:spTree>
-    <p:extLst>
-      <p:ext uri="{BB962C8B-B14F-4D97-AF65-F5344CB8AC3E}">
-        <p14:creationId xmlns:p14="http://schemas.microsoft.com/office/powerpoint/2010/main" val="118479970"/>
-      </p:ext>
-    </p:extLst>
-  </p:cSld>
-  <p:clrMapOvr>
-    <a:masterClrMapping/>
-  </p:clrMapOvr>
-</p:sld>
-</file>
-
-<file path=ppt/slides/slide7.xml><?xml version="1.0" encoding="utf-8"?>
-<p:sld xmlns:a="http://schemas.openxmlformats.org/drawingml/2006/main" xmlns:r="http://schemas.openxmlformats.org/officeDocument/2006/relationships" xmlns:p="http://schemas.openxmlformats.org/presentationml/2006/main">
-  <p:cSld>
-    <p:spTree>
-      <p:nvGrpSpPr>
-        <p:cNvPr id="1" name=""/>
-        <p:cNvGrpSpPr/>
-        <p:nvPr/>
-      </p:nvGrpSpPr>
-      <p:grpSpPr>
-        <a:xfrm>
-          <a:off x="0" y="0"/>
-          <a:ext cx="0" cy="0"/>
-          <a:chOff x="0" y="0"/>
-          <a:chExt cx="0" cy="0"/>
-        </a:xfrm>
-      </p:grpSpPr>
-      <p:sp>
-        <p:nvSpPr>
-          <p:cNvPr id="2" name="Заголовок 1">
-            <a:extLst>
-              <a:ext uri="{FF2B5EF4-FFF2-40B4-BE49-F238E27FC236}">
-                <a16:creationId xmlns:a16="http://schemas.microsoft.com/office/drawing/2014/main" id="{26B03773-AEDE-4C28-8DA0-8F3B67036B5B}"/>
-              </a:ext>
-            </a:extLst>
-          </p:cNvPr>
-          <p:cNvSpPr>
-            <a:spLocks noGrp="1"/>
-          </p:cNvSpPr>
-          <p:nvPr>
-            <p:ph type="title"/>
-          </p:nvPr>
-        </p:nvSpPr>
-        <p:spPr>
-          <a:xfrm>
-            <a:off x="677334" y="0"/>
-            <a:ext cx="8596668" cy="1320800"/>
-          </a:xfrm>
-        </p:spPr>
-        <p:txBody>
-          <a:bodyPr/>
-          <a:lstStyle/>
-          <a:p>
-            <a:pPr algn="ctr"/>
-            <a:r>
-              <a:rPr lang="ru-RU" dirty="0"/>
-              <a:t>Функциональные требования</a:t>
-            </a:r>
-          </a:p>
-        </p:txBody>
-      </p:sp>
-      <p:sp>
-        <p:nvSpPr>
-          <p:cNvPr id="3" name="Объект 2">
-            <a:extLst>
-              <a:ext uri="{FF2B5EF4-FFF2-40B4-BE49-F238E27FC236}">
-                <a16:creationId xmlns:a16="http://schemas.microsoft.com/office/drawing/2014/main" id="{4841B33C-17B7-4081-876E-BD88A681A4D0}"/>
-              </a:ext>
-            </a:extLst>
-          </p:cNvPr>
-          <p:cNvSpPr>
-            <a:spLocks noGrp="1"/>
-          </p:cNvSpPr>
-          <p:nvPr>
-            <p:ph idx="1"/>
-          </p:nvPr>
-        </p:nvSpPr>
-        <p:spPr>
-          <a:xfrm>
-            <a:off x="2568380" y="1765715"/>
-            <a:ext cx="3934020" cy="789155"/>
-          </a:xfrm>
-        </p:spPr>
-        <p:txBody>
-          <a:bodyPr>
-            <a:noAutofit/>
-          </a:bodyPr>
-          <a:lstStyle/>
-          <a:p>
-            <a:r>
-              <a:rPr lang="ru-RU" sz="3200" dirty="0"/>
-              <a:t>Хранение данных</a:t>
-            </a:r>
-          </a:p>
-        </p:txBody>
-      </p:sp>
-      <p:pic>
-        <p:nvPicPr>
-          <p:cNvPr id="2050" name="Picture 2" descr="ÐÐ°ÑÑÐ¸Ð½ÐºÐ¸ Ð¿Ð¾ Ð·Ð°Ð¿ÑÐ¾ÑÑ Ñ-ÑÐ°Ð½ÐµÐ½Ð¸Ðµ Ð´Ð°Ð½Ð½ÑÑ- Ð·Ð½Ð°ÑÐ¾Ðº">
-            <a:extLst>
-              <a:ext uri="{FF2B5EF4-FFF2-40B4-BE49-F238E27FC236}">
-                <a16:creationId xmlns:a16="http://schemas.microsoft.com/office/drawing/2014/main" id="{9D3C6283-A0B2-4CA3-8448-EBFB52AD1649}"/>
-              </a:ext>
-            </a:extLst>
-          </p:cNvPr>
-          <p:cNvPicPr>
-            <a:picLocks noChangeAspect="1" noChangeArrowheads="1"/>
-          </p:cNvPicPr>
-          <p:nvPr/>
-        </p:nvPicPr>
-        <p:blipFill>
-          <a:blip r:embed="rId2">
-            <a:extLst>
-              <a:ext uri="{28A0092B-C50C-407E-A947-70E740481C1C}">
-                <a14:useLocalDpi xmlns:a14="http://schemas.microsoft.com/office/drawing/2010/main" val="0"/>
-              </a:ext>
-            </a:extLst>
-          </a:blip>
-          <a:srcRect/>
-          <a:stretch>
-            <a:fillRect/>
-          </a:stretch>
-        </p:blipFill>
-        <p:spPr bwMode="auto">
-          <a:xfrm>
-            <a:off x="350026" y="1005369"/>
-            <a:ext cx="2218354" cy="2218354"/>
-          </a:xfrm>
-          <a:prstGeom prst="rect">
-            <a:avLst/>
-          </a:prstGeom>
-          <a:noFill/>
-          <a:extLst>
-            <a:ext uri="{909E8E84-426E-40DD-AFC4-6F175D3DCCD1}">
-              <a14:hiddenFill xmlns:a14="http://schemas.microsoft.com/office/drawing/2010/main">
-                <a:solidFill>
-                  <a:srgbClr val="FFFFFF"/>
-                </a:solidFill>
-              </a14:hiddenFill>
-            </a:ext>
-          </a:extLst>
-        </p:spPr>
-      </p:pic>
-      <p:pic>
-        <p:nvPicPr>
-          <p:cNvPr id="2054" name="Picture 6" descr="ÐÐ°ÑÑÐ¸Ð½ÐºÐ¸ Ð¿Ð¾ Ð·Ð°Ð¿ÑÐ¾ÑÑ data sampling icon">
-            <a:extLst>
-              <a:ext uri="{FF2B5EF4-FFF2-40B4-BE49-F238E27FC236}">
-                <a16:creationId xmlns:a16="http://schemas.microsoft.com/office/drawing/2014/main" id="{C11CFCB1-C238-4149-81D2-9EA38C929A79}"/>
-              </a:ext>
-            </a:extLst>
-          </p:cNvPr>
-          <p:cNvPicPr>
-            <a:picLocks noChangeAspect="1" noChangeArrowheads="1"/>
-          </p:cNvPicPr>
-          <p:nvPr/>
-        </p:nvPicPr>
-        <p:blipFill>
-          <a:blip r:embed="rId3">
-            <a:extLst>
-              <a:ext uri="{28A0092B-C50C-407E-A947-70E740481C1C}">
-                <a14:useLocalDpi xmlns:a14="http://schemas.microsoft.com/office/drawing/2010/main" val="0"/>
-              </a:ext>
-            </a:extLst>
-          </a:blip>
-          <a:srcRect/>
-          <a:stretch>
-            <a:fillRect/>
-          </a:stretch>
-        </p:blipFill>
-        <p:spPr bwMode="auto">
-          <a:xfrm>
-            <a:off x="7217850" y="2400360"/>
-            <a:ext cx="2245166" cy="2245166"/>
-          </a:xfrm>
-          <a:prstGeom prst="rect">
-            <a:avLst/>
-          </a:prstGeom>
-          <a:noFill/>
-          <a:extLst>
-            <a:ext uri="{909E8E84-426E-40DD-AFC4-6F175D3DCCD1}">
-              <a14:hiddenFill xmlns:a14="http://schemas.microsoft.com/office/drawing/2010/main">
-                <a:solidFill>
-                  <a:srgbClr val="FFFFFF"/>
-                </a:solidFill>
-              </a14:hiddenFill>
-            </a:ext>
-          </a:extLst>
-        </p:spPr>
-      </p:pic>
-      <p:pic>
-        <p:nvPicPr>
-          <p:cNvPr id="2056" name="Picture 8" descr="ÐÐ°ÑÑÐ¸Ð½ÐºÐ¸ Ð¿Ð¾ Ð·Ð°Ð¿ÑÐ¾ÑÑ data refresh icon">
-            <a:extLst>
-              <a:ext uri="{FF2B5EF4-FFF2-40B4-BE49-F238E27FC236}">
-                <a16:creationId xmlns:a16="http://schemas.microsoft.com/office/drawing/2014/main" id="{9411FD29-0E44-465F-9A02-6312D51380CC}"/>
-              </a:ext>
-            </a:extLst>
-          </p:cNvPr>
-          <p:cNvPicPr>
-            <a:picLocks noChangeAspect="1" noChangeArrowheads="1"/>
-          </p:cNvPicPr>
-          <p:nvPr/>
-        </p:nvPicPr>
-        <p:blipFill>
-          <a:blip r:embed="rId4">
-            <a:extLst>
-              <a:ext uri="{28A0092B-C50C-407E-A947-70E740481C1C}">
-                <a14:useLocalDpi xmlns:a14="http://schemas.microsoft.com/office/drawing/2010/main" val="0"/>
-              </a:ext>
-            </a:extLst>
-          </a:blip>
-          <a:srcRect/>
-          <a:stretch>
-            <a:fillRect/>
-          </a:stretch>
-        </p:blipFill>
-        <p:spPr bwMode="auto">
-          <a:xfrm>
-            <a:off x="2149049" y="4419832"/>
-            <a:ext cx="2218354" cy="2218354"/>
-          </a:xfrm>
-          <a:prstGeom prst="rect">
-            <a:avLst/>
-          </a:prstGeom>
-          <a:noFill/>
-          <a:extLst>
-            <a:ext uri="{909E8E84-426E-40DD-AFC4-6F175D3DCCD1}">
-              <a14:hiddenFill xmlns:a14="http://schemas.microsoft.com/office/drawing/2010/main">
-                <a:solidFill>
-                  <a:srgbClr val="FFFFFF"/>
-                </a:solidFill>
-              </a14:hiddenFill>
-            </a:ext>
-          </a:extLst>
-        </p:spPr>
-      </p:pic>
-      <p:sp>
-        <p:nvSpPr>
-          <p:cNvPr id="10" name="Объект 2">
-            <a:extLst>
-              <a:ext uri="{FF2B5EF4-FFF2-40B4-BE49-F238E27FC236}">
-                <a16:creationId xmlns:a16="http://schemas.microsoft.com/office/drawing/2014/main" id="{F027ED9E-D37D-48CE-9BA4-A524E80FCC67}"/>
-              </a:ext>
-            </a:extLst>
-          </p:cNvPr>
-          <p:cNvSpPr txBox="1">
-            <a:spLocks/>
-          </p:cNvSpPr>
-          <p:nvPr/>
-        </p:nvSpPr>
-        <p:spPr>
-          <a:xfrm>
-            <a:off x="4357585" y="5027259"/>
-            <a:ext cx="4475631" cy="836647"/>
-          </a:xfrm>
-          <a:prstGeom prst="rect">
-            <a:avLst/>
-          </a:prstGeom>
-        </p:spPr>
-        <p:txBody>
-          <a:bodyPr vert="horz" lIns="91440" tIns="45720" rIns="91440" bIns="45720" rtlCol="0">
-            <a:noAutofit/>
-          </a:bodyPr>
-          <a:lstStyle>
-            <a:lvl1pPr marL="342900" indent="-342900" algn="l" defTabSz="457200" rtl="0" eaLnBrk="1" latinLnBrk="0" hangingPunct="1">
-              <a:spcBef>
-                <a:spcPts val="1000"/>
-              </a:spcBef>
-              <a:spcAft>
-                <a:spcPts val="0"/>
-              </a:spcAft>
-              <a:buClr>
-                <a:schemeClr val="accent1"/>
-              </a:buClr>
-              <a:buSzPct val="80000"/>
-              <a:buFont typeface="Wingdings 3" charset="2"/>
-              <a:buChar char=""/>
-              <a:defRPr sz="1800" kern="1200">
-                <a:solidFill>
-                  <a:schemeClr val="tx1">
-                    <a:lumMod val="75000"/>
-                    <a:lumOff val="25000"/>
-                  </a:schemeClr>
-                </a:solidFill>
-                <a:latin typeface="+mn-lt"/>
-                <a:ea typeface="+mn-ea"/>
-                <a:cs typeface="+mn-cs"/>
-              </a:defRPr>
-            </a:lvl1pPr>
-            <a:lvl2pPr marL="742950" indent="-285750" algn="l" defTabSz="457200" rtl="0" eaLnBrk="1" latinLnBrk="0" hangingPunct="1">
-              <a:spcBef>
-                <a:spcPts val="1000"/>
-              </a:spcBef>
-              <a:spcAft>
-                <a:spcPts val="0"/>
-              </a:spcAft>
-              <a:buClr>
-                <a:schemeClr val="accent1"/>
-              </a:buClr>
-              <a:buSzPct val="80000"/>
-              <a:buFont typeface="Wingdings 3" charset="2"/>
-              <a:buChar char=""/>
-              <a:defRPr sz="1600" kern="1200">
-                <a:solidFill>
-                  <a:schemeClr val="tx1">
-                    <a:lumMod val="75000"/>
-                    <a:lumOff val="25000"/>
-                  </a:schemeClr>
-                </a:solidFill>
-                <a:latin typeface="+mn-lt"/>
-                <a:ea typeface="+mn-ea"/>
-                <a:cs typeface="+mn-cs"/>
-              </a:defRPr>
-            </a:lvl2pPr>
-            <a:lvl3pPr marL="1143000" indent="-228600" algn="l" defTabSz="457200" rtl="0" eaLnBrk="1" latinLnBrk="0" hangingPunct="1">
-              <a:spcBef>
-                <a:spcPts val="1000"/>
-              </a:spcBef>
-              <a:spcAft>
-                <a:spcPts val="0"/>
-              </a:spcAft>
-              <a:buClr>
-                <a:schemeClr val="accent1"/>
-              </a:buClr>
-              <a:buSzPct val="80000"/>
-              <a:buFont typeface="Wingdings 3" charset="2"/>
-              <a:buChar char=""/>
-              <a:defRPr sz="1400" kern="1200">
-                <a:solidFill>
-                  <a:schemeClr val="tx1">
-                    <a:lumMod val="75000"/>
-                    <a:lumOff val="25000"/>
-                  </a:schemeClr>
-                </a:solidFill>
-                <a:latin typeface="+mn-lt"/>
-                <a:ea typeface="+mn-ea"/>
-                <a:cs typeface="+mn-cs"/>
-              </a:defRPr>
-            </a:lvl3pPr>
-            <a:lvl4pPr marL="1600200" indent="-228600" algn="l" defTabSz="457200" rtl="0" eaLnBrk="1" latinLnBrk="0" hangingPunct="1">
-              <a:spcBef>
-                <a:spcPts val="1000"/>
-              </a:spcBef>
-              <a:spcAft>
-                <a:spcPts val="0"/>
-              </a:spcAft>
-              <a:buClr>
-                <a:schemeClr val="accent1"/>
-              </a:buClr>
-              <a:buSzPct val="80000"/>
-              <a:buFont typeface="Wingdings 3" charset="2"/>
-              <a:buChar char=""/>
-              <a:defRPr sz="1200" kern="1200">
-                <a:solidFill>
-                  <a:schemeClr val="tx1">
-                    <a:lumMod val="75000"/>
-                    <a:lumOff val="25000"/>
-                  </a:schemeClr>
-                </a:solidFill>
-                <a:latin typeface="+mn-lt"/>
-                <a:ea typeface="+mn-ea"/>
-                <a:cs typeface="+mn-cs"/>
-              </a:defRPr>
-            </a:lvl4pPr>
-            <a:lvl5pPr marL="2057400" indent="-228600" algn="l" defTabSz="457200" rtl="0" eaLnBrk="1" latinLnBrk="0" hangingPunct="1">
-              <a:spcBef>
-                <a:spcPts val="1000"/>
-              </a:spcBef>
-              <a:spcAft>
-                <a:spcPts val="0"/>
-              </a:spcAft>
-              <a:buClr>
-                <a:schemeClr val="accent1"/>
-              </a:buClr>
-              <a:buSzPct val="80000"/>
-              <a:buFont typeface="Wingdings 3" charset="2"/>
-              <a:buChar char=""/>
-              <a:defRPr sz="1200" kern="1200">
-                <a:solidFill>
-                  <a:schemeClr val="tx1">
-                    <a:lumMod val="75000"/>
-                    <a:lumOff val="25000"/>
-                  </a:schemeClr>
-                </a:solidFill>
-                <a:latin typeface="+mn-lt"/>
-                <a:ea typeface="+mn-ea"/>
-                <a:cs typeface="+mn-cs"/>
-              </a:defRPr>
-            </a:lvl5pPr>
-            <a:lvl6pPr marL="2514600" indent="-228600" algn="l" defTabSz="457200" rtl="0" eaLnBrk="1" latinLnBrk="0" hangingPunct="1">
-              <a:spcBef>
-                <a:spcPts val="1000"/>
-              </a:spcBef>
-              <a:spcAft>
-                <a:spcPts val="0"/>
-              </a:spcAft>
-              <a:buClr>
-                <a:schemeClr val="accent1"/>
-              </a:buClr>
-              <a:buSzPct val="80000"/>
-              <a:buFont typeface="Wingdings 3" charset="2"/>
-              <a:buChar char=""/>
-              <a:defRPr sz="1200" kern="1200">
-                <a:solidFill>
-                  <a:schemeClr val="tx1">
-                    <a:lumMod val="75000"/>
-                    <a:lumOff val="25000"/>
-                  </a:schemeClr>
-                </a:solidFill>
-                <a:latin typeface="+mn-lt"/>
-                <a:ea typeface="+mn-ea"/>
-                <a:cs typeface="+mn-cs"/>
-              </a:defRPr>
-            </a:lvl6pPr>
-            <a:lvl7pPr marL="2971800" indent="-228600" algn="l" defTabSz="457200" rtl="0" eaLnBrk="1" latinLnBrk="0" hangingPunct="1">
-              <a:spcBef>
-                <a:spcPts val="1000"/>
-              </a:spcBef>
-              <a:spcAft>
-                <a:spcPts val="0"/>
-              </a:spcAft>
-              <a:buClr>
-                <a:schemeClr val="accent1"/>
-              </a:buClr>
-              <a:buSzPct val="80000"/>
-              <a:buFont typeface="Wingdings 3" charset="2"/>
-              <a:buChar char=""/>
-              <a:defRPr sz="1200" kern="1200">
-                <a:solidFill>
-                  <a:schemeClr val="tx1">
-                    <a:lumMod val="75000"/>
-                    <a:lumOff val="25000"/>
-                  </a:schemeClr>
-                </a:solidFill>
-                <a:latin typeface="+mn-lt"/>
-                <a:ea typeface="+mn-ea"/>
-                <a:cs typeface="+mn-cs"/>
-              </a:defRPr>
-            </a:lvl7pPr>
-            <a:lvl8pPr marL="3429000" indent="-228600" algn="l" defTabSz="457200" rtl="0" eaLnBrk="1" latinLnBrk="0" hangingPunct="1">
-              <a:spcBef>
-                <a:spcPts val="1000"/>
-              </a:spcBef>
-              <a:spcAft>
-                <a:spcPts val="0"/>
-              </a:spcAft>
-              <a:buClr>
-                <a:schemeClr val="accent1"/>
-              </a:buClr>
-              <a:buSzPct val="80000"/>
-              <a:buFont typeface="Wingdings 3" charset="2"/>
-              <a:buChar char=""/>
-              <a:defRPr sz="1200" kern="1200">
-                <a:solidFill>
-                  <a:schemeClr val="tx1">
-                    <a:lumMod val="75000"/>
-                    <a:lumOff val="25000"/>
-                  </a:schemeClr>
-                </a:solidFill>
-                <a:latin typeface="+mn-lt"/>
-                <a:ea typeface="+mn-ea"/>
-                <a:cs typeface="+mn-cs"/>
-              </a:defRPr>
-            </a:lvl8pPr>
-            <a:lvl9pPr marL="3886200" indent="-228600" algn="l" defTabSz="457200" rtl="0" eaLnBrk="1" latinLnBrk="0" hangingPunct="1">
-              <a:spcBef>
-                <a:spcPts val="1000"/>
-              </a:spcBef>
-              <a:spcAft>
-                <a:spcPts val="0"/>
-              </a:spcAft>
-              <a:buClr>
-                <a:schemeClr val="accent1"/>
-              </a:buClr>
-              <a:buSzPct val="80000"/>
-              <a:buFont typeface="Wingdings 3" charset="2"/>
-              <a:buChar char=""/>
-              <a:defRPr sz="1200" kern="1200">
-                <a:solidFill>
-                  <a:schemeClr val="tx1">
-                    <a:lumMod val="75000"/>
-                    <a:lumOff val="25000"/>
-                  </a:schemeClr>
-                </a:solidFill>
-                <a:latin typeface="+mn-lt"/>
-                <a:ea typeface="+mn-ea"/>
-                <a:cs typeface="+mn-cs"/>
-              </a:defRPr>
-            </a:lvl9pPr>
-          </a:lstStyle>
-          <a:p>
-            <a:r>
-              <a:rPr lang="ru-RU" sz="3200" dirty="0"/>
-              <a:t>Обновление данных</a:t>
-            </a:r>
-          </a:p>
-        </p:txBody>
-      </p:sp>
-      <p:sp>
-        <p:nvSpPr>
-          <p:cNvPr id="11" name="Объект 2">
-            <a:extLst>
-              <a:ext uri="{FF2B5EF4-FFF2-40B4-BE49-F238E27FC236}">
-                <a16:creationId xmlns:a16="http://schemas.microsoft.com/office/drawing/2014/main" id="{A75CC79F-3A61-46E1-A217-53616B0F071D}"/>
-              </a:ext>
-            </a:extLst>
-          </p:cNvPr>
-          <p:cNvSpPr txBox="1">
-            <a:spLocks/>
-          </p:cNvSpPr>
-          <p:nvPr/>
-        </p:nvSpPr>
-        <p:spPr>
-          <a:xfrm>
-            <a:off x="3554812" y="3185762"/>
-            <a:ext cx="4475630" cy="900314"/>
-          </a:xfrm>
-          <a:prstGeom prst="rect">
-            <a:avLst/>
-          </a:prstGeom>
-        </p:spPr>
-        <p:txBody>
-          <a:bodyPr vert="horz" lIns="91440" tIns="45720" rIns="91440" bIns="45720" rtlCol="0">
-            <a:noAutofit/>
-          </a:bodyPr>
-          <a:lstStyle>
-            <a:lvl1pPr marL="342900" indent="-342900" algn="l" defTabSz="457200" rtl="0" eaLnBrk="1" latinLnBrk="0" hangingPunct="1">
-              <a:spcBef>
-                <a:spcPts val="1000"/>
-              </a:spcBef>
-              <a:spcAft>
-                <a:spcPts val="0"/>
-              </a:spcAft>
-              <a:buClr>
-                <a:schemeClr val="accent1"/>
-              </a:buClr>
-              <a:buSzPct val="80000"/>
-              <a:buFont typeface="Wingdings 3" charset="2"/>
-              <a:buChar char=""/>
-              <a:defRPr sz="1800" kern="1200">
-                <a:solidFill>
-                  <a:schemeClr val="tx1">
-                    <a:lumMod val="75000"/>
-                    <a:lumOff val="25000"/>
-                  </a:schemeClr>
-                </a:solidFill>
-                <a:latin typeface="+mn-lt"/>
-                <a:ea typeface="+mn-ea"/>
-                <a:cs typeface="+mn-cs"/>
-              </a:defRPr>
-            </a:lvl1pPr>
-            <a:lvl2pPr marL="742950" indent="-285750" algn="l" defTabSz="457200" rtl="0" eaLnBrk="1" latinLnBrk="0" hangingPunct="1">
-              <a:spcBef>
-                <a:spcPts val="1000"/>
-              </a:spcBef>
-              <a:spcAft>
-                <a:spcPts val="0"/>
-              </a:spcAft>
-              <a:buClr>
-                <a:schemeClr val="accent1"/>
-              </a:buClr>
-              <a:buSzPct val="80000"/>
-              <a:buFont typeface="Wingdings 3" charset="2"/>
-              <a:buChar char=""/>
-              <a:defRPr sz="1600" kern="1200">
-                <a:solidFill>
-                  <a:schemeClr val="tx1">
-                    <a:lumMod val="75000"/>
-                    <a:lumOff val="25000"/>
-                  </a:schemeClr>
-                </a:solidFill>
-                <a:latin typeface="+mn-lt"/>
-                <a:ea typeface="+mn-ea"/>
-                <a:cs typeface="+mn-cs"/>
-              </a:defRPr>
-            </a:lvl2pPr>
-            <a:lvl3pPr marL="1143000" indent="-228600" algn="l" defTabSz="457200" rtl="0" eaLnBrk="1" latinLnBrk="0" hangingPunct="1">
-              <a:spcBef>
-                <a:spcPts val="1000"/>
-              </a:spcBef>
-              <a:spcAft>
-                <a:spcPts val="0"/>
-              </a:spcAft>
-              <a:buClr>
-                <a:schemeClr val="accent1"/>
-              </a:buClr>
-              <a:buSzPct val="80000"/>
-              <a:buFont typeface="Wingdings 3" charset="2"/>
-              <a:buChar char=""/>
-              <a:defRPr sz="1400" kern="1200">
-                <a:solidFill>
-                  <a:schemeClr val="tx1">
-                    <a:lumMod val="75000"/>
-                    <a:lumOff val="25000"/>
-                  </a:schemeClr>
-                </a:solidFill>
-                <a:latin typeface="+mn-lt"/>
-                <a:ea typeface="+mn-ea"/>
-                <a:cs typeface="+mn-cs"/>
-              </a:defRPr>
-            </a:lvl3pPr>
-            <a:lvl4pPr marL="1600200" indent="-228600" algn="l" defTabSz="457200" rtl="0" eaLnBrk="1" latinLnBrk="0" hangingPunct="1">
-              <a:spcBef>
-                <a:spcPts val="1000"/>
-              </a:spcBef>
-              <a:spcAft>
-                <a:spcPts val="0"/>
-              </a:spcAft>
-              <a:buClr>
-                <a:schemeClr val="accent1"/>
-              </a:buClr>
-              <a:buSzPct val="80000"/>
-              <a:buFont typeface="Wingdings 3" charset="2"/>
-              <a:buChar char=""/>
-              <a:defRPr sz="1200" kern="1200">
-                <a:solidFill>
-                  <a:schemeClr val="tx1">
-                    <a:lumMod val="75000"/>
-                    <a:lumOff val="25000"/>
-                  </a:schemeClr>
-                </a:solidFill>
-                <a:latin typeface="+mn-lt"/>
-                <a:ea typeface="+mn-ea"/>
-                <a:cs typeface="+mn-cs"/>
-              </a:defRPr>
-            </a:lvl4pPr>
-            <a:lvl5pPr marL="2057400" indent="-228600" algn="l" defTabSz="457200" rtl="0" eaLnBrk="1" latinLnBrk="0" hangingPunct="1">
-              <a:spcBef>
-                <a:spcPts val="1000"/>
-              </a:spcBef>
-              <a:spcAft>
-                <a:spcPts val="0"/>
-              </a:spcAft>
-              <a:buClr>
-                <a:schemeClr val="accent1"/>
-              </a:buClr>
-              <a:buSzPct val="80000"/>
-              <a:buFont typeface="Wingdings 3" charset="2"/>
-              <a:buChar char=""/>
-              <a:defRPr sz="1200" kern="1200">
-                <a:solidFill>
-                  <a:schemeClr val="tx1">
-                    <a:lumMod val="75000"/>
-                    <a:lumOff val="25000"/>
-                  </a:schemeClr>
-                </a:solidFill>
-                <a:latin typeface="+mn-lt"/>
-                <a:ea typeface="+mn-ea"/>
-                <a:cs typeface="+mn-cs"/>
-              </a:defRPr>
-            </a:lvl5pPr>
-            <a:lvl6pPr marL="2514600" indent="-228600" algn="l" defTabSz="457200" rtl="0" eaLnBrk="1" latinLnBrk="0" hangingPunct="1">
-              <a:spcBef>
-                <a:spcPts val="1000"/>
-              </a:spcBef>
-              <a:spcAft>
-                <a:spcPts val="0"/>
-              </a:spcAft>
-              <a:buClr>
-                <a:schemeClr val="accent1"/>
-              </a:buClr>
-              <a:buSzPct val="80000"/>
-              <a:buFont typeface="Wingdings 3" charset="2"/>
-              <a:buChar char=""/>
-              <a:defRPr sz="1200" kern="1200">
-                <a:solidFill>
-                  <a:schemeClr val="tx1">
-                    <a:lumMod val="75000"/>
-                    <a:lumOff val="25000"/>
-                  </a:schemeClr>
-                </a:solidFill>
-                <a:latin typeface="+mn-lt"/>
-                <a:ea typeface="+mn-ea"/>
-                <a:cs typeface="+mn-cs"/>
-              </a:defRPr>
-            </a:lvl6pPr>
-            <a:lvl7pPr marL="2971800" indent="-228600" algn="l" defTabSz="457200" rtl="0" eaLnBrk="1" latinLnBrk="0" hangingPunct="1">
-              <a:spcBef>
-                <a:spcPts val="1000"/>
-              </a:spcBef>
-              <a:spcAft>
-                <a:spcPts val="0"/>
-              </a:spcAft>
-              <a:buClr>
-                <a:schemeClr val="accent1"/>
-              </a:buClr>
-              <a:buSzPct val="80000"/>
-              <a:buFont typeface="Wingdings 3" charset="2"/>
-              <a:buChar char=""/>
-              <a:defRPr sz="1200" kern="1200">
-                <a:solidFill>
-                  <a:schemeClr val="tx1">
-                    <a:lumMod val="75000"/>
-                    <a:lumOff val="25000"/>
-                  </a:schemeClr>
-                </a:solidFill>
-                <a:latin typeface="+mn-lt"/>
-                <a:ea typeface="+mn-ea"/>
-                <a:cs typeface="+mn-cs"/>
-              </a:defRPr>
-            </a:lvl7pPr>
-            <a:lvl8pPr marL="3429000" indent="-228600" algn="l" defTabSz="457200" rtl="0" eaLnBrk="1" latinLnBrk="0" hangingPunct="1">
-              <a:spcBef>
-                <a:spcPts val="1000"/>
-              </a:spcBef>
-              <a:spcAft>
-                <a:spcPts val="0"/>
-              </a:spcAft>
-              <a:buClr>
-                <a:schemeClr val="accent1"/>
-              </a:buClr>
-              <a:buSzPct val="80000"/>
-              <a:buFont typeface="Wingdings 3" charset="2"/>
-              <a:buChar char=""/>
-              <a:defRPr sz="1200" kern="1200">
-                <a:solidFill>
-                  <a:schemeClr val="tx1">
-                    <a:lumMod val="75000"/>
-                    <a:lumOff val="25000"/>
-                  </a:schemeClr>
-                </a:solidFill>
-                <a:latin typeface="+mn-lt"/>
-                <a:ea typeface="+mn-ea"/>
-                <a:cs typeface="+mn-cs"/>
-              </a:defRPr>
-            </a:lvl8pPr>
-            <a:lvl9pPr marL="3886200" indent="-228600" algn="l" defTabSz="457200" rtl="0" eaLnBrk="1" latinLnBrk="0" hangingPunct="1">
-              <a:spcBef>
-                <a:spcPts val="1000"/>
-              </a:spcBef>
-              <a:spcAft>
-                <a:spcPts val="0"/>
-              </a:spcAft>
-              <a:buClr>
-                <a:schemeClr val="accent1"/>
-              </a:buClr>
-              <a:buSzPct val="80000"/>
-              <a:buFont typeface="Wingdings 3" charset="2"/>
-              <a:buChar char=""/>
-              <a:defRPr sz="1200" kern="1200">
-                <a:solidFill>
-                  <a:schemeClr val="tx1">
-                    <a:lumMod val="75000"/>
-                    <a:lumOff val="25000"/>
-                  </a:schemeClr>
-                </a:solidFill>
-                <a:latin typeface="+mn-lt"/>
-                <a:ea typeface="+mn-ea"/>
-                <a:cs typeface="+mn-cs"/>
-              </a:defRPr>
-            </a:lvl9pPr>
-          </a:lstStyle>
-          <a:p>
-            <a:pPr marL="0" indent="0">
-              <a:buNone/>
-            </a:pPr>
-            <a:r>
-              <a:rPr lang="ru-RU" sz="3200" dirty="0"/>
-              <a:t>Выборка данных</a:t>
-            </a:r>
-          </a:p>
-        </p:txBody>
-      </p:sp>
-      <p:pic>
-        <p:nvPicPr>
-          <p:cNvPr id="6" name="Рисунок 5">
-            <a:extLst>
-              <a:ext uri="{FF2B5EF4-FFF2-40B4-BE49-F238E27FC236}">
-                <a16:creationId xmlns:a16="http://schemas.microsoft.com/office/drawing/2014/main" id="{ED13D37B-46D9-4C91-90A5-37B5ADF891F9}"/>
-              </a:ext>
-            </a:extLst>
-          </p:cNvPr>
-          <p:cNvPicPr>
-            <a:picLocks noChangeAspect="1"/>
-          </p:cNvPicPr>
-          <p:nvPr/>
-        </p:nvPicPr>
-        <p:blipFill>
-          <a:blip r:embed="rId5"/>
-          <a:stretch>
-            <a:fillRect/>
-          </a:stretch>
-        </p:blipFill>
-        <p:spPr>
-          <a:xfrm rot="10800000">
-            <a:off x="6826606" y="3237007"/>
-            <a:ext cx="391244" cy="550640"/>
-          </a:xfrm>
-          <a:prstGeom prst="rect">
-            <a:avLst/>
-          </a:prstGeom>
-        </p:spPr>
-      </p:pic>
-      <p:sp>
-        <p:nvSpPr>
-          <p:cNvPr id="13" name="Номер слайда 5">
-            <a:extLst>
-              <a:ext uri="{FF2B5EF4-FFF2-40B4-BE49-F238E27FC236}">
-                <a16:creationId xmlns:a16="http://schemas.microsoft.com/office/drawing/2014/main" id="{CAB50ADB-80C9-4A63-A4A5-49620093D64C}"/>
-              </a:ext>
-            </a:extLst>
-          </p:cNvPr>
-          <p:cNvSpPr>
-            <a:spLocks noGrp="1"/>
-          </p:cNvSpPr>
-          <p:nvPr>
-            <p:ph type="sldNum" sz="quarter" idx="12"/>
-          </p:nvPr>
-        </p:nvSpPr>
-        <p:spPr>
-          <a:xfrm>
-            <a:off x="10999317" y="6041362"/>
-            <a:ext cx="1192683" cy="365125"/>
-          </a:xfrm>
-        </p:spPr>
-        <p:txBody>
-          <a:bodyPr/>
-          <a:lstStyle/>
-          <a:p>
-            <a:fld id="{D57F1E4F-1CFF-5643-939E-217C01CDF565}" type="slidenum">
-              <a:rPr lang="en-US" sz="3600" smtClean="0">
-                <a:solidFill>
-                  <a:schemeClr val="bg1"/>
-                </a:solidFill>
-              </a:rPr>
-              <a:pPr/>
-              <a:t>7</a:t>
-            </a:fld>
-            <a:r>
-              <a:rPr lang="en-US" sz="3600" dirty="0">
-                <a:solidFill>
-                  <a:schemeClr val="bg1"/>
-                </a:solidFill>
-              </a:rPr>
-              <a:t>/20</a:t>
-            </a:r>
-          </a:p>
-        </p:txBody>
-      </p:sp>
-    </p:spTree>
-    <p:extLst>
-      <p:ext uri="{BB962C8B-B14F-4D97-AF65-F5344CB8AC3E}">
-        <p14:creationId xmlns:p14="http://schemas.microsoft.com/office/powerpoint/2010/main" val="3584036860"/>
       </p:ext>
     </p:extLst>
   </p:cSld>
@@ -12527,7 +11946,7 @@
           <p:cNvPr id="2" name="Заголовок 1">
             <a:extLst>
               <a:ext uri="{FF2B5EF4-FFF2-40B4-BE49-F238E27FC236}">
-                <a16:creationId xmlns:a16="http://schemas.microsoft.com/office/drawing/2014/main" id="{880A8314-2189-465F-A3D4-C6195758EAE5}"/>
+                <a16:creationId xmlns:a16="http://schemas.microsoft.com/office/drawing/2014/main" id="{1C598229-2E0F-4C0A-BE82-7B03AB56CA47}"/>
               </a:ext>
             </a:extLst>
           </p:cNvPr>
@@ -12551,14 +11970,7 @@
             <a:pPr algn="ctr"/>
             <a:r>
               <a:rPr lang="ru-RU" dirty="0"/>
-              <a:t>Описание хранимых данных в</a:t>
-            </a:r>
-            <a:br>
-              <a:rPr lang="ru-RU" dirty="0"/>
-            </a:br>
-            <a:r>
-              <a:rPr lang="ru-RU" dirty="0"/>
-              <a:t>каждой из используемых БД</a:t>
+              <a:t>Команда разработчиков</a:t>
             </a:r>
           </a:p>
         </p:txBody>
@@ -12568,7 +11980,7 @@
           <p:cNvPr id="3" name="Объект 2">
             <a:extLst>
               <a:ext uri="{FF2B5EF4-FFF2-40B4-BE49-F238E27FC236}">
-                <a16:creationId xmlns:a16="http://schemas.microsoft.com/office/drawing/2014/main" id="{E9D633EE-5329-4FC6-A6D9-960C6AC57103}"/>
+                <a16:creationId xmlns:a16="http://schemas.microsoft.com/office/drawing/2014/main" id="{EF58A533-0D7A-477B-A42B-3B33AA7E56A1}"/>
               </a:ext>
             </a:extLst>
           </p:cNvPr>
@@ -12581,8 +11993,8 @@
         </p:nvSpPr>
         <p:spPr>
           <a:xfrm>
-            <a:off x="3462881" y="1789886"/>
-            <a:ext cx="3025574" cy="3850481"/>
+            <a:off x="407773" y="2160587"/>
+            <a:ext cx="3076832" cy="3880773"/>
           </a:xfrm>
         </p:spPr>
         <p:txBody>
@@ -12591,60 +12003,680 @@
           </a:bodyPr>
           <a:lstStyle/>
           <a:p>
-            <a:r>
-              <a:rPr lang="ru-RU" sz="3900" dirty="0"/>
-              <a:t>Персонаж</a:t>
-            </a:r>
-          </a:p>
-          <a:p>
-            <a:r>
-              <a:rPr lang="ru-RU" sz="3900" dirty="0"/>
-              <a:t>Сюжет</a:t>
-            </a:r>
-          </a:p>
-          <a:p>
-            <a:r>
-              <a:rPr lang="ru-RU" sz="3900" dirty="0"/>
-              <a:t>Звук</a:t>
-            </a:r>
-          </a:p>
-          <a:p>
-            <a:r>
-              <a:rPr lang="ru-RU" sz="3900" dirty="0"/>
-              <a:t>Записки</a:t>
-            </a:r>
-          </a:p>
-          <a:p>
-            <a:r>
-              <a:rPr lang="ru-RU" sz="3900" dirty="0"/>
-              <a:t>Концовки</a:t>
-            </a:r>
-          </a:p>
-          <a:p>
-            <a:endParaRPr lang="ru-RU" sz="3600" dirty="0"/>
-          </a:p>
-        </p:txBody>
-      </p:sp>
-      <p:sp>
-        <p:nvSpPr>
-          <p:cNvPr id="5" name="Номер слайда 5">
+            <a:pPr algn="ctr"/>
+            <a:r>
+              <a:rPr lang="ru-RU" sz="2000" dirty="0"/>
+              <a:t>Коновалов Роман</a:t>
+            </a:r>
+            <a:br>
+              <a:rPr lang="ru-RU" sz="2000" dirty="0"/>
+            </a:br>
+            <a:r>
+              <a:rPr lang="ru-RU" sz="2000" dirty="0"/>
+              <a:t>ИВТ-363</a:t>
+            </a:r>
+            <a:br>
+              <a:rPr lang="ru-RU" sz="2000" dirty="0"/>
+            </a:br>
+            <a:endParaRPr lang="ru-RU" sz="2000" dirty="0"/>
+          </a:p>
+          <a:p>
+            <a:pPr algn="ctr">
+              <a:buFont typeface="Arial" panose="020B0604020202020204" pitchFamily="34" charset="0"/>
+              <a:buChar char="•"/>
+            </a:pPr>
+            <a:r>
+              <a:rPr lang="ru-RU" sz="2000" dirty="0"/>
+              <a:t>Администрирование </a:t>
+            </a:r>
+            <a:r>
+              <a:rPr lang="en-US" sz="2000" dirty="0"/>
+              <a:t>MongoDB</a:t>
+            </a:r>
+          </a:p>
+        </p:txBody>
+      </p:sp>
+      <p:sp>
+        <p:nvSpPr>
+          <p:cNvPr id="4" name="Объект 2">
             <a:extLst>
               <a:ext uri="{FF2B5EF4-FFF2-40B4-BE49-F238E27FC236}">
-                <a16:creationId xmlns:a16="http://schemas.microsoft.com/office/drawing/2014/main" id="{FBC6C5DF-F4E1-4A0B-A4B5-EEA6FC1785CB}"/>
+                <a16:creationId xmlns:a16="http://schemas.microsoft.com/office/drawing/2014/main" id="{5AE3A61F-A2FE-4BB9-8C86-85915B635BA4}"/>
               </a:ext>
             </a:extLst>
           </p:cNvPr>
-          <p:cNvSpPr>
-            <a:spLocks noGrp="1"/>
-          </p:cNvSpPr>
-          <p:nvPr>
-            <p:ph type="sldNum" sz="quarter" idx="12"/>
-          </p:nvPr>
+          <p:cNvSpPr txBox="1">
+            <a:spLocks/>
+          </p:cNvSpPr>
+          <p:nvPr/>
         </p:nvSpPr>
         <p:spPr>
           <a:xfrm>
-            <a:off x="10999317" y="6041362"/>
-            <a:ext cx="1192683" cy="365125"/>
+            <a:off x="6503773" y="2160586"/>
+            <a:ext cx="3019168" cy="3880773"/>
+          </a:xfrm>
+          <a:prstGeom prst="rect">
+            <a:avLst/>
+          </a:prstGeom>
+        </p:spPr>
+        <p:txBody>
+          <a:bodyPr vert="horz" lIns="91440" tIns="45720" rIns="91440" bIns="45720" rtlCol="0">
+            <a:normAutofit/>
+          </a:bodyPr>
+          <a:lstStyle>
+            <a:lvl1pPr marL="342900" indent="-342900" algn="l" defTabSz="457200" rtl="0" eaLnBrk="1" latinLnBrk="0" hangingPunct="1">
+              <a:spcBef>
+                <a:spcPts val="1000"/>
+              </a:spcBef>
+              <a:spcAft>
+                <a:spcPts val="0"/>
+              </a:spcAft>
+              <a:buClr>
+                <a:schemeClr val="accent1"/>
+              </a:buClr>
+              <a:buSzPct val="80000"/>
+              <a:buFont typeface="Wingdings 3" charset="2"/>
+              <a:buChar char=""/>
+              <a:defRPr sz="1800" kern="1200">
+                <a:solidFill>
+                  <a:schemeClr val="tx1">
+                    <a:lumMod val="75000"/>
+                    <a:lumOff val="25000"/>
+                  </a:schemeClr>
+                </a:solidFill>
+                <a:latin typeface="+mn-lt"/>
+                <a:ea typeface="+mn-ea"/>
+                <a:cs typeface="+mn-cs"/>
+              </a:defRPr>
+            </a:lvl1pPr>
+            <a:lvl2pPr marL="742950" indent="-285750" algn="l" defTabSz="457200" rtl="0" eaLnBrk="1" latinLnBrk="0" hangingPunct="1">
+              <a:spcBef>
+                <a:spcPts val="1000"/>
+              </a:spcBef>
+              <a:spcAft>
+                <a:spcPts val="0"/>
+              </a:spcAft>
+              <a:buClr>
+                <a:schemeClr val="accent1"/>
+              </a:buClr>
+              <a:buSzPct val="80000"/>
+              <a:buFont typeface="Wingdings 3" charset="2"/>
+              <a:buChar char=""/>
+              <a:defRPr sz="1600" kern="1200">
+                <a:solidFill>
+                  <a:schemeClr val="tx1">
+                    <a:lumMod val="75000"/>
+                    <a:lumOff val="25000"/>
+                  </a:schemeClr>
+                </a:solidFill>
+                <a:latin typeface="+mn-lt"/>
+                <a:ea typeface="+mn-ea"/>
+                <a:cs typeface="+mn-cs"/>
+              </a:defRPr>
+            </a:lvl2pPr>
+            <a:lvl3pPr marL="1143000" indent="-228600" algn="l" defTabSz="457200" rtl="0" eaLnBrk="1" latinLnBrk="0" hangingPunct="1">
+              <a:spcBef>
+                <a:spcPts val="1000"/>
+              </a:spcBef>
+              <a:spcAft>
+                <a:spcPts val="0"/>
+              </a:spcAft>
+              <a:buClr>
+                <a:schemeClr val="accent1"/>
+              </a:buClr>
+              <a:buSzPct val="80000"/>
+              <a:buFont typeface="Wingdings 3" charset="2"/>
+              <a:buChar char=""/>
+              <a:defRPr sz="1400" kern="1200">
+                <a:solidFill>
+                  <a:schemeClr val="tx1">
+                    <a:lumMod val="75000"/>
+                    <a:lumOff val="25000"/>
+                  </a:schemeClr>
+                </a:solidFill>
+                <a:latin typeface="+mn-lt"/>
+                <a:ea typeface="+mn-ea"/>
+                <a:cs typeface="+mn-cs"/>
+              </a:defRPr>
+            </a:lvl3pPr>
+            <a:lvl4pPr marL="1600200" indent="-228600" algn="l" defTabSz="457200" rtl="0" eaLnBrk="1" latinLnBrk="0" hangingPunct="1">
+              <a:spcBef>
+                <a:spcPts val="1000"/>
+              </a:spcBef>
+              <a:spcAft>
+                <a:spcPts val="0"/>
+              </a:spcAft>
+              <a:buClr>
+                <a:schemeClr val="accent1"/>
+              </a:buClr>
+              <a:buSzPct val="80000"/>
+              <a:buFont typeface="Wingdings 3" charset="2"/>
+              <a:buChar char=""/>
+              <a:defRPr sz="1200" kern="1200">
+                <a:solidFill>
+                  <a:schemeClr val="tx1">
+                    <a:lumMod val="75000"/>
+                    <a:lumOff val="25000"/>
+                  </a:schemeClr>
+                </a:solidFill>
+                <a:latin typeface="+mn-lt"/>
+                <a:ea typeface="+mn-ea"/>
+                <a:cs typeface="+mn-cs"/>
+              </a:defRPr>
+            </a:lvl4pPr>
+            <a:lvl5pPr marL="2057400" indent="-228600" algn="l" defTabSz="457200" rtl="0" eaLnBrk="1" latinLnBrk="0" hangingPunct="1">
+              <a:spcBef>
+                <a:spcPts val="1000"/>
+              </a:spcBef>
+              <a:spcAft>
+                <a:spcPts val="0"/>
+              </a:spcAft>
+              <a:buClr>
+                <a:schemeClr val="accent1"/>
+              </a:buClr>
+              <a:buSzPct val="80000"/>
+              <a:buFont typeface="Wingdings 3" charset="2"/>
+              <a:buChar char=""/>
+              <a:defRPr sz="1200" kern="1200">
+                <a:solidFill>
+                  <a:schemeClr val="tx1">
+                    <a:lumMod val="75000"/>
+                    <a:lumOff val="25000"/>
+                  </a:schemeClr>
+                </a:solidFill>
+                <a:latin typeface="+mn-lt"/>
+                <a:ea typeface="+mn-ea"/>
+                <a:cs typeface="+mn-cs"/>
+              </a:defRPr>
+            </a:lvl5pPr>
+            <a:lvl6pPr marL="2514600" indent="-228600" algn="l" defTabSz="457200" rtl="0" eaLnBrk="1" latinLnBrk="0" hangingPunct="1">
+              <a:spcBef>
+                <a:spcPts val="1000"/>
+              </a:spcBef>
+              <a:spcAft>
+                <a:spcPts val="0"/>
+              </a:spcAft>
+              <a:buClr>
+                <a:schemeClr val="accent1"/>
+              </a:buClr>
+              <a:buSzPct val="80000"/>
+              <a:buFont typeface="Wingdings 3" charset="2"/>
+              <a:buChar char=""/>
+              <a:defRPr sz="1200" kern="1200">
+                <a:solidFill>
+                  <a:schemeClr val="tx1">
+                    <a:lumMod val="75000"/>
+                    <a:lumOff val="25000"/>
+                  </a:schemeClr>
+                </a:solidFill>
+                <a:latin typeface="+mn-lt"/>
+                <a:ea typeface="+mn-ea"/>
+                <a:cs typeface="+mn-cs"/>
+              </a:defRPr>
+            </a:lvl6pPr>
+            <a:lvl7pPr marL="2971800" indent="-228600" algn="l" defTabSz="457200" rtl="0" eaLnBrk="1" latinLnBrk="0" hangingPunct="1">
+              <a:spcBef>
+                <a:spcPts val="1000"/>
+              </a:spcBef>
+              <a:spcAft>
+                <a:spcPts val="0"/>
+              </a:spcAft>
+              <a:buClr>
+                <a:schemeClr val="accent1"/>
+              </a:buClr>
+              <a:buSzPct val="80000"/>
+              <a:buFont typeface="Wingdings 3" charset="2"/>
+              <a:buChar char=""/>
+              <a:defRPr sz="1200" kern="1200">
+                <a:solidFill>
+                  <a:schemeClr val="tx1">
+                    <a:lumMod val="75000"/>
+                    <a:lumOff val="25000"/>
+                  </a:schemeClr>
+                </a:solidFill>
+                <a:latin typeface="+mn-lt"/>
+                <a:ea typeface="+mn-ea"/>
+                <a:cs typeface="+mn-cs"/>
+              </a:defRPr>
+            </a:lvl7pPr>
+            <a:lvl8pPr marL="3429000" indent="-228600" algn="l" defTabSz="457200" rtl="0" eaLnBrk="1" latinLnBrk="0" hangingPunct="1">
+              <a:spcBef>
+                <a:spcPts val="1000"/>
+              </a:spcBef>
+              <a:spcAft>
+                <a:spcPts val="0"/>
+              </a:spcAft>
+              <a:buClr>
+                <a:schemeClr val="accent1"/>
+              </a:buClr>
+              <a:buSzPct val="80000"/>
+              <a:buFont typeface="Wingdings 3" charset="2"/>
+              <a:buChar char=""/>
+              <a:defRPr sz="1200" kern="1200">
+                <a:solidFill>
+                  <a:schemeClr val="tx1">
+                    <a:lumMod val="75000"/>
+                    <a:lumOff val="25000"/>
+                  </a:schemeClr>
+                </a:solidFill>
+                <a:latin typeface="+mn-lt"/>
+                <a:ea typeface="+mn-ea"/>
+                <a:cs typeface="+mn-cs"/>
+              </a:defRPr>
+            </a:lvl8pPr>
+            <a:lvl9pPr marL="3886200" indent="-228600" algn="l" defTabSz="457200" rtl="0" eaLnBrk="1" latinLnBrk="0" hangingPunct="1">
+              <a:spcBef>
+                <a:spcPts val="1000"/>
+              </a:spcBef>
+              <a:spcAft>
+                <a:spcPts val="0"/>
+              </a:spcAft>
+              <a:buClr>
+                <a:schemeClr val="accent1"/>
+              </a:buClr>
+              <a:buSzPct val="80000"/>
+              <a:buFont typeface="Wingdings 3" charset="2"/>
+              <a:buChar char=""/>
+              <a:defRPr sz="1200" kern="1200">
+                <a:solidFill>
+                  <a:schemeClr val="tx1">
+                    <a:lumMod val="75000"/>
+                    <a:lumOff val="25000"/>
+                  </a:schemeClr>
+                </a:solidFill>
+                <a:latin typeface="+mn-lt"/>
+                <a:ea typeface="+mn-ea"/>
+                <a:cs typeface="+mn-cs"/>
+              </a:defRPr>
+            </a:lvl9pPr>
+          </a:lstStyle>
+          <a:p>
+            <a:pPr algn="ctr"/>
+            <a:r>
+              <a:rPr lang="ru-RU" sz="2000" dirty="0"/>
+              <a:t>Пивоваров Валентин</a:t>
+            </a:r>
+            <a:br>
+              <a:rPr lang="ru-RU" sz="2000" dirty="0"/>
+            </a:br>
+            <a:r>
+              <a:rPr lang="ru-RU" sz="2000" dirty="0"/>
+              <a:t>ИВТ-363</a:t>
+            </a:r>
+            <a:br>
+              <a:rPr lang="ru-RU" sz="2000" dirty="0"/>
+            </a:br>
+            <a:endParaRPr lang="ru-RU" sz="2000" dirty="0"/>
+          </a:p>
+          <a:p>
+            <a:pPr algn="ctr">
+              <a:buFont typeface="Arial" panose="020B0604020202020204" pitchFamily="34" charset="0"/>
+              <a:buChar char="•"/>
+            </a:pPr>
+            <a:r>
+              <a:rPr lang="ru-RU" sz="2000" dirty="0"/>
+              <a:t>Разработка игры</a:t>
+            </a:r>
+            <a:endParaRPr lang="en-US" sz="2000" dirty="0"/>
+          </a:p>
+          <a:p>
+            <a:pPr algn="ctr">
+              <a:buFont typeface="Arial" panose="020B0604020202020204" pitchFamily="34" charset="0"/>
+              <a:buChar char="•"/>
+            </a:pPr>
+            <a:r>
+              <a:rPr lang="ru-RU" sz="2000" dirty="0"/>
+              <a:t>Администрирование </a:t>
+            </a:r>
+            <a:r>
+              <a:rPr lang="en-US" sz="2000" dirty="0"/>
+              <a:t>MySQL</a:t>
+            </a:r>
+            <a:endParaRPr lang="ru-RU" sz="2000" dirty="0"/>
+          </a:p>
+          <a:p>
+            <a:pPr algn="ctr">
+              <a:buFont typeface="Arial" panose="020B0604020202020204" pitchFamily="34" charset="0"/>
+              <a:buChar char="•"/>
+            </a:pPr>
+            <a:r>
+              <a:rPr lang="ru-RU" sz="2000" dirty="0"/>
+              <a:t>Менеджер проекта</a:t>
+            </a:r>
+            <a:endParaRPr lang="en-US" sz="2000" dirty="0"/>
+          </a:p>
+        </p:txBody>
+      </p:sp>
+      <p:sp>
+        <p:nvSpPr>
+          <p:cNvPr id="5" name="Объект 2">
+            <a:extLst>
+              <a:ext uri="{FF2B5EF4-FFF2-40B4-BE49-F238E27FC236}">
+                <a16:creationId xmlns:a16="http://schemas.microsoft.com/office/drawing/2014/main" id="{23662E78-EF33-4F09-ACFF-7ABD7BC38AF8}"/>
+              </a:ext>
+            </a:extLst>
+          </p:cNvPr>
+          <p:cNvSpPr txBox="1">
+            <a:spLocks/>
+          </p:cNvSpPr>
+          <p:nvPr/>
+        </p:nvSpPr>
+        <p:spPr>
+          <a:xfrm>
+            <a:off x="3484606" y="2160589"/>
+            <a:ext cx="3019168" cy="3880773"/>
+          </a:xfrm>
+          <a:prstGeom prst="rect">
+            <a:avLst/>
+          </a:prstGeom>
+        </p:spPr>
+        <p:txBody>
+          <a:bodyPr vert="horz" lIns="91440" tIns="45720" rIns="91440" bIns="45720" rtlCol="0">
+            <a:normAutofit/>
+          </a:bodyPr>
+          <a:lstStyle>
+            <a:lvl1pPr marL="342900" indent="-342900" algn="l" defTabSz="457200" rtl="0" eaLnBrk="1" latinLnBrk="0" hangingPunct="1">
+              <a:spcBef>
+                <a:spcPts val="1000"/>
+              </a:spcBef>
+              <a:spcAft>
+                <a:spcPts val="0"/>
+              </a:spcAft>
+              <a:buClr>
+                <a:schemeClr val="accent1"/>
+              </a:buClr>
+              <a:buSzPct val="80000"/>
+              <a:buFont typeface="Wingdings 3" charset="2"/>
+              <a:buChar char=""/>
+              <a:defRPr sz="1800" kern="1200">
+                <a:solidFill>
+                  <a:schemeClr val="tx1">
+                    <a:lumMod val="75000"/>
+                    <a:lumOff val="25000"/>
+                  </a:schemeClr>
+                </a:solidFill>
+                <a:latin typeface="+mn-lt"/>
+                <a:ea typeface="+mn-ea"/>
+                <a:cs typeface="+mn-cs"/>
+              </a:defRPr>
+            </a:lvl1pPr>
+            <a:lvl2pPr marL="742950" indent="-285750" algn="l" defTabSz="457200" rtl="0" eaLnBrk="1" latinLnBrk="0" hangingPunct="1">
+              <a:spcBef>
+                <a:spcPts val="1000"/>
+              </a:spcBef>
+              <a:spcAft>
+                <a:spcPts val="0"/>
+              </a:spcAft>
+              <a:buClr>
+                <a:schemeClr val="accent1"/>
+              </a:buClr>
+              <a:buSzPct val="80000"/>
+              <a:buFont typeface="Wingdings 3" charset="2"/>
+              <a:buChar char=""/>
+              <a:defRPr sz="1600" kern="1200">
+                <a:solidFill>
+                  <a:schemeClr val="tx1">
+                    <a:lumMod val="75000"/>
+                    <a:lumOff val="25000"/>
+                  </a:schemeClr>
+                </a:solidFill>
+                <a:latin typeface="+mn-lt"/>
+                <a:ea typeface="+mn-ea"/>
+                <a:cs typeface="+mn-cs"/>
+              </a:defRPr>
+            </a:lvl2pPr>
+            <a:lvl3pPr marL="1143000" indent="-228600" algn="l" defTabSz="457200" rtl="0" eaLnBrk="1" latinLnBrk="0" hangingPunct="1">
+              <a:spcBef>
+                <a:spcPts val="1000"/>
+              </a:spcBef>
+              <a:spcAft>
+                <a:spcPts val="0"/>
+              </a:spcAft>
+              <a:buClr>
+                <a:schemeClr val="accent1"/>
+              </a:buClr>
+              <a:buSzPct val="80000"/>
+              <a:buFont typeface="Wingdings 3" charset="2"/>
+              <a:buChar char=""/>
+              <a:defRPr sz="1400" kern="1200">
+                <a:solidFill>
+                  <a:schemeClr val="tx1">
+                    <a:lumMod val="75000"/>
+                    <a:lumOff val="25000"/>
+                  </a:schemeClr>
+                </a:solidFill>
+                <a:latin typeface="+mn-lt"/>
+                <a:ea typeface="+mn-ea"/>
+                <a:cs typeface="+mn-cs"/>
+              </a:defRPr>
+            </a:lvl3pPr>
+            <a:lvl4pPr marL="1600200" indent="-228600" algn="l" defTabSz="457200" rtl="0" eaLnBrk="1" latinLnBrk="0" hangingPunct="1">
+              <a:spcBef>
+                <a:spcPts val="1000"/>
+              </a:spcBef>
+              <a:spcAft>
+                <a:spcPts val="0"/>
+              </a:spcAft>
+              <a:buClr>
+                <a:schemeClr val="accent1"/>
+              </a:buClr>
+              <a:buSzPct val="80000"/>
+              <a:buFont typeface="Wingdings 3" charset="2"/>
+              <a:buChar char=""/>
+              <a:defRPr sz="1200" kern="1200">
+                <a:solidFill>
+                  <a:schemeClr val="tx1">
+                    <a:lumMod val="75000"/>
+                    <a:lumOff val="25000"/>
+                  </a:schemeClr>
+                </a:solidFill>
+                <a:latin typeface="+mn-lt"/>
+                <a:ea typeface="+mn-ea"/>
+                <a:cs typeface="+mn-cs"/>
+              </a:defRPr>
+            </a:lvl4pPr>
+            <a:lvl5pPr marL="2057400" indent="-228600" algn="l" defTabSz="457200" rtl="0" eaLnBrk="1" latinLnBrk="0" hangingPunct="1">
+              <a:spcBef>
+                <a:spcPts val="1000"/>
+              </a:spcBef>
+              <a:spcAft>
+                <a:spcPts val="0"/>
+              </a:spcAft>
+              <a:buClr>
+                <a:schemeClr val="accent1"/>
+              </a:buClr>
+              <a:buSzPct val="80000"/>
+              <a:buFont typeface="Wingdings 3" charset="2"/>
+              <a:buChar char=""/>
+              <a:defRPr sz="1200" kern="1200">
+                <a:solidFill>
+                  <a:schemeClr val="tx1">
+                    <a:lumMod val="75000"/>
+                    <a:lumOff val="25000"/>
+                  </a:schemeClr>
+                </a:solidFill>
+                <a:latin typeface="+mn-lt"/>
+                <a:ea typeface="+mn-ea"/>
+                <a:cs typeface="+mn-cs"/>
+              </a:defRPr>
+            </a:lvl5pPr>
+            <a:lvl6pPr marL="2514600" indent="-228600" algn="l" defTabSz="457200" rtl="0" eaLnBrk="1" latinLnBrk="0" hangingPunct="1">
+              <a:spcBef>
+                <a:spcPts val="1000"/>
+              </a:spcBef>
+              <a:spcAft>
+                <a:spcPts val="0"/>
+              </a:spcAft>
+              <a:buClr>
+                <a:schemeClr val="accent1"/>
+              </a:buClr>
+              <a:buSzPct val="80000"/>
+              <a:buFont typeface="Wingdings 3" charset="2"/>
+              <a:buChar char=""/>
+              <a:defRPr sz="1200" kern="1200">
+                <a:solidFill>
+                  <a:schemeClr val="tx1">
+                    <a:lumMod val="75000"/>
+                    <a:lumOff val="25000"/>
+                  </a:schemeClr>
+                </a:solidFill>
+                <a:latin typeface="+mn-lt"/>
+                <a:ea typeface="+mn-ea"/>
+                <a:cs typeface="+mn-cs"/>
+              </a:defRPr>
+            </a:lvl6pPr>
+            <a:lvl7pPr marL="2971800" indent="-228600" algn="l" defTabSz="457200" rtl="0" eaLnBrk="1" latinLnBrk="0" hangingPunct="1">
+              <a:spcBef>
+                <a:spcPts val="1000"/>
+              </a:spcBef>
+              <a:spcAft>
+                <a:spcPts val="0"/>
+              </a:spcAft>
+              <a:buClr>
+                <a:schemeClr val="accent1"/>
+              </a:buClr>
+              <a:buSzPct val="80000"/>
+              <a:buFont typeface="Wingdings 3" charset="2"/>
+              <a:buChar char=""/>
+              <a:defRPr sz="1200" kern="1200">
+                <a:solidFill>
+                  <a:schemeClr val="tx1">
+                    <a:lumMod val="75000"/>
+                    <a:lumOff val="25000"/>
+                  </a:schemeClr>
+                </a:solidFill>
+                <a:latin typeface="+mn-lt"/>
+                <a:ea typeface="+mn-ea"/>
+                <a:cs typeface="+mn-cs"/>
+              </a:defRPr>
+            </a:lvl7pPr>
+            <a:lvl8pPr marL="3429000" indent="-228600" algn="l" defTabSz="457200" rtl="0" eaLnBrk="1" latinLnBrk="0" hangingPunct="1">
+              <a:spcBef>
+                <a:spcPts val="1000"/>
+              </a:spcBef>
+              <a:spcAft>
+                <a:spcPts val="0"/>
+              </a:spcAft>
+              <a:buClr>
+                <a:schemeClr val="accent1"/>
+              </a:buClr>
+              <a:buSzPct val="80000"/>
+              <a:buFont typeface="Wingdings 3" charset="2"/>
+              <a:buChar char=""/>
+              <a:defRPr sz="1200" kern="1200">
+                <a:solidFill>
+                  <a:schemeClr val="tx1">
+                    <a:lumMod val="75000"/>
+                    <a:lumOff val="25000"/>
+                  </a:schemeClr>
+                </a:solidFill>
+                <a:latin typeface="+mn-lt"/>
+                <a:ea typeface="+mn-ea"/>
+                <a:cs typeface="+mn-cs"/>
+              </a:defRPr>
+            </a:lvl8pPr>
+            <a:lvl9pPr marL="3886200" indent="-228600" algn="l" defTabSz="457200" rtl="0" eaLnBrk="1" latinLnBrk="0" hangingPunct="1">
+              <a:spcBef>
+                <a:spcPts val="1000"/>
+              </a:spcBef>
+              <a:spcAft>
+                <a:spcPts val="0"/>
+              </a:spcAft>
+              <a:buClr>
+                <a:schemeClr val="accent1"/>
+              </a:buClr>
+              <a:buSzPct val="80000"/>
+              <a:buFont typeface="Wingdings 3" charset="2"/>
+              <a:buChar char=""/>
+              <a:defRPr sz="1200" kern="1200">
+                <a:solidFill>
+                  <a:schemeClr val="tx1">
+                    <a:lumMod val="75000"/>
+                    <a:lumOff val="25000"/>
+                  </a:schemeClr>
+                </a:solidFill>
+                <a:latin typeface="+mn-lt"/>
+                <a:ea typeface="+mn-ea"/>
+                <a:cs typeface="+mn-cs"/>
+              </a:defRPr>
+            </a:lvl9pPr>
+          </a:lstStyle>
+          <a:p>
+            <a:pPr algn="ctr"/>
+            <a:r>
+              <a:rPr lang="ru-RU" sz="2000" dirty="0"/>
+              <a:t>Аксёнова Виктория</a:t>
+            </a:r>
+            <a:br>
+              <a:rPr lang="ru-RU" sz="2000" dirty="0"/>
+            </a:br>
+            <a:r>
+              <a:rPr lang="ru-RU" sz="2000" dirty="0"/>
+              <a:t>ИВТ-364</a:t>
+            </a:r>
+            <a:br>
+              <a:rPr lang="ru-RU" sz="2000" dirty="0"/>
+            </a:br>
+            <a:endParaRPr lang="ru-RU" sz="2000" dirty="0"/>
+          </a:p>
+          <a:p>
+            <a:pPr algn="ctr">
+              <a:buFont typeface="Arial" panose="020B0604020202020204" pitchFamily="34" charset="0"/>
+              <a:buChar char="•"/>
+            </a:pPr>
+            <a:r>
+              <a:rPr lang="ru-RU" sz="2000" dirty="0"/>
+              <a:t>Администрирование </a:t>
+            </a:r>
+            <a:r>
+              <a:rPr lang="en-US" sz="2000" dirty="0"/>
+              <a:t>MS SQL</a:t>
+            </a:r>
+            <a:endParaRPr lang="ru-RU" sz="2000" dirty="0"/>
+          </a:p>
+          <a:p>
+            <a:pPr algn="ctr">
+              <a:buFont typeface="Arial" panose="020B0604020202020204" pitchFamily="34" charset="0"/>
+              <a:buChar char="•"/>
+            </a:pPr>
+            <a:r>
+              <a:rPr lang="ru-RU" sz="2000" dirty="0"/>
+              <a:t>Администрирование </a:t>
+            </a:r>
+            <a:r>
+              <a:rPr lang="en-US" sz="2000" dirty="0"/>
+              <a:t>SQLite</a:t>
+            </a:r>
+          </a:p>
+          <a:p>
+            <a:pPr algn="ctr">
+              <a:buFont typeface="Arial" panose="020B0604020202020204" pitchFamily="34" charset="0"/>
+              <a:buChar char="•"/>
+            </a:pPr>
+            <a:endParaRPr lang="en-US" sz="2000" dirty="0"/>
+          </a:p>
+        </p:txBody>
+      </p:sp>
+      <p:sp>
+        <p:nvSpPr>
+          <p:cNvPr id="7" name="Номер слайда 5">
+            <a:extLst>
+              <a:ext uri="{FF2B5EF4-FFF2-40B4-BE49-F238E27FC236}">
+                <a16:creationId xmlns:a16="http://schemas.microsoft.com/office/drawing/2014/main" id="{5E0F90FC-1597-4E62-BF22-9E6B8BE08F20}"/>
+              </a:ext>
+            </a:extLst>
+          </p:cNvPr>
+          <p:cNvSpPr>
+            <a:spLocks noGrp="1"/>
+          </p:cNvSpPr>
+          <p:nvPr>
+            <p:ph type="sldNum" sz="quarter" idx="12"/>
+          </p:nvPr>
+        </p:nvSpPr>
+        <p:spPr>
+          <a:xfrm>
+            <a:off x="10792497" y="6041362"/>
+            <a:ext cx="1399504" cy="365125"/>
           </a:xfrm>
         </p:spPr>
         <p:txBody>
@@ -12674,7 +12706,7 @@
     </p:spTree>
     <p:extLst>
       <p:ext uri="{BB962C8B-B14F-4D97-AF65-F5344CB8AC3E}">
-        <p14:creationId xmlns:p14="http://schemas.microsoft.com/office/powerpoint/2010/main" val="2691694289"/>
+        <p14:creationId xmlns:p14="http://schemas.microsoft.com/office/powerpoint/2010/main" val="118479970"/>
       </p:ext>
     </p:extLst>
   </p:cSld>
@@ -12706,7 +12738,7 @@
           <p:cNvPr id="2" name="Заголовок 1">
             <a:extLst>
               <a:ext uri="{FF2B5EF4-FFF2-40B4-BE49-F238E27FC236}">
-                <a16:creationId xmlns:a16="http://schemas.microsoft.com/office/drawing/2014/main" id="{1408F5FF-F097-449F-A002-05D9752AAF22}"/>
+                <a16:creationId xmlns:a16="http://schemas.microsoft.com/office/drawing/2014/main" id="{85E5A39E-E77F-4265-BF9C-628469EED62C}"/>
               </a:ext>
             </a:extLst>
           </p:cNvPr>
@@ -12719,8 +12751,8 @@
         </p:nvSpPr>
         <p:spPr>
           <a:xfrm>
-            <a:off x="677334" y="0"/>
-            <a:ext cx="8596668" cy="1320800"/>
+            <a:off x="0" y="0"/>
+            <a:ext cx="9788839" cy="1320800"/>
           </a:xfrm>
         </p:spPr>
         <p:txBody>
@@ -12730,98 +12762,66 @@
             <a:pPr algn="ctr"/>
             <a:r>
               <a:rPr lang="ru-RU" dirty="0"/>
-              <a:t>Перечень основных операций с</a:t>
-            </a:r>
-            <a:br>
-              <a:rPr lang="ru-RU" dirty="0"/>
-            </a:br>
-            <a:r>
-              <a:rPr lang="ru-RU" dirty="0"/>
-              <a:t>базами данных</a:t>
-            </a:r>
-          </a:p>
-        </p:txBody>
-      </p:sp>
-      <p:sp>
-        <p:nvSpPr>
-          <p:cNvPr id="3" name="Объект 2">
+              <a:t>Структура баз данных на верхнем уровне</a:t>
+            </a:r>
+          </a:p>
+        </p:txBody>
+      </p:sp>
+      <p:pic>
+        <p:nvPicPr>
+          <p:cNvPr id="4098" name="Picture 2" descr="Dms_cw_ER_diag.png">
             <a:extLst>
               <a:ext uri="{FF2B5EF4-FFF2-40B4-BE49-F238E27FC236}">
-                <a16:creationId xmlns:a16="http://schemas.microsoft.com/office/drawing/2014/main" id="{77FA3B7B-72DF-4124-9210-E5C4395D1B92}"/>
+                <a16:creationId xmlns:a16="http://schemas.microsoft.com/office/drawing/2014/main" id="{02F1379B-442D-49BC-9699-E952749B9928}"/>
               </a:ext>
             </a:extLst>
           </p:cNvPr>
-          <p:cNvSpPr>
-            <a:spLocks noGrp="1"/>
-          </p:cNvSpPr>
+          <p:cNvPicPr>
+            <a:picLocks noGrp="1" noChangeAspect="1" noChangeArrowheads="1"/>
+          </p:cNvPicPr>
           <p:nvPr>
             <p:ph idx="1"/>
           </p:nvPr>
-        </p:nvSpPr>
-        <p:spPr>
+        </p:nvPicPr>
+        <p:blipFill>
+          <a:blip r:embed="rId2">
+            <a:extLst>
+              <a:ext uri="{28A0092B-C50C-407E-A947-70E740481C1C}">
+                <a14:useLocalDpi xmlns:a14="http://schemas.microsoft.com/office/drawing/2010/main" val="0"/>
+              </a:ext>
+            </a:extLst>
+          </a:blip>
+          <a:srcRect/>
+          <a:stretch>
+            <a:fillRect/>
+          </a:stretch>
+        </p:blipFill>
+        <p:spPr bwMode="auto">
           <a:xfrm>
-            <a:off x="677333" y="1728573"/>
-            <a:ext cx="8981261" cy="4919362"/>
+            <a:off x="405486" y="867718"/>
+            <a:ext cx="8825011" cy="5545164"/>
           </a:xfrm>
+          <a:prstGeom prst="rect">
+            <a:avLst/>
+          </a:prstGeom>
+          <a:noFill/>
+          <a:extLst>
+            <a:ext uri="{909E8E84-426E-40DD-AFC4-6F175D3DCCD1}">
+              <a14:hiddenFill xmlns:a14="http://schemas.microsoft.com/office/drawing/2010/main">
+                <a:solidFill>
+                  <a:srgbClr val="FFFFFF"/>
+                </a:solidFill>
+              </a14:hiddenFill>
+            </a:ext>
+          </a:extLst>
         </p:spPr>
-        <p:txBody>
-          <a:bodyPr>
-            <a:normAutofit/>
-          </a:bodyPr>
-          <a:lstStyle/>
-          <a:p>
-            <a:pPr marL="0" indent="0">
-              <a:buNone/>
-            </a:pPr>
-            <a:r>
-              <a:rPr lang="ru-RU" sz="3200" b="1" dirty="0"/>
-              <a:t>Примеры составных запросов</a:t>
-            </a:r>
-          </a:p>
-          <a:p>
-            <a:r>
-              <a:rPr lang="ru-RU" sz="3200" dirty="0"/>
-              <a:t>Получение информации о параметрах игры.</a:t>
-            </a:r>
-          </a:p>
-          <a:p>
-            <a:pPr marL="0" indent="0">
-              <a:buNone/>
-            </a:pPr>
-            <a:endParaRPr lang="ru-RU" sz="3200" b="1" dirty="0"/>
-          </a:p>
-          <a:p>
-            <a:pPr marL="0" indent="0">
-              <a:buNone/>
-            </a:pPr>
-            <a:r>
-              <a:rPr lang="ru-RU" sz="3200" b="1" dirty="0"/>
-              <a:t>Выборка данных</a:t>
-            </a:r>
-          </a:p>
-          <a:p>
-            <a:r>
-              <a:rPr lang="ru-RU" sz="3200" dirty="0"/>
-              <a:t>Получение пользователем информации о характеристиках персонажа.</a:t>
-            </a:r>
-          </a:p>
-          <a:p>
-            <a:r>
-              <a:rPr lang="ru-RU" sz="3200" dirty="0"/>
-              <a:t>Получение пользователем подробной информации о развитии игры.</a:t>
-            </a:r>
-          </a:p>
-          <a:p>
-            <a:endParaRPr lang="ru-RU" sz="3200" dirty="0"/>
-          </a:p>
-        </p:txBody>
-      </p:sp>
-      <p:sp>
-        <p:nvSpPr>
-          <p:cNvPr id="6" name="Номер слайда 5">
+      </p:pic>
+      <p:sp>
+        <p:nvSpPr>
+          <p:cNvPr id="5" name="Номер слайда 5">
             <a:extLst>
               <a:ext uri="{FF2B5EF4-FFF2-40B4-BE49-F238E27FC236}">
-                <a16:creationId xmlns:a16="http://schemas.microsoft.com/office/drawing/2014/main" id="{F6512233-9208-4CBB-BCF5-3CF219E0C631}"/>
+                <a16:creationId xmlns:a16="http://schemas.microsoft.com/office/drawing/2014/main" id="{5A7DFCE2-07A8-4B3B-BE0C-EEC439A13A87}"/>
               </a:ext>
             </a:extLst>
           </p:cNvPr>
@@ -12865,7 +12865,7 @@
     </p:spTree>
     <p:extLst>
       <p:ext uri="{BB962C8B-B14F-4D97-AF65-F5344CB8AC3E}">
-        <p14:creationId xmlns:p14="http://schemas.microsoft.com/office/powerpoint/2010/main" val="666216987"/>
+        <p14:creationId xmlns:p14="http://schemas.microsoft.com/office/powerpoint/2010/main" val="919346693"/>
       </p:ext>
     </p:extLst>
   </p:cSld>
